--- a/docs/Report/Queue-Busting.pptx
+++ b/docs/Report/Queue-Busting.pptx
@@ -5,7 +5,7 @@
     <p:sldMasterId id="2147483648" r:id="rId1"/>
   </p:sldMasterIdLst>
   <p:notesMasterIdLst>
-    <p:notesMasterId r:id="rId12"/>
+    <p:notesMasterId r:id="rId16"/>
   </p:notesMasterIdLst>
   <p:sldIdLst>
     <p:sldId id="267" r:id="rId2"/>
@@ -14,10 +14,14 @@
     <p:sldId id="258" r:id="rId5"/>
     <p:sldId id="259" r:id="rId6"/>
     <p:sldId id="260" r:id="rId7"/>
-    <p:sldId id="261" r:id="rId8"/>
-    <p:sldId id="262" r:id="rId9"/>
-    <p:sldId id="263" r:id="rId10"/>
-    <p:sldId id="264" r:id="rId11"/>
+    <p:sldId id="268" r:id="rId8"/>
+    <p:sldId id="269" r:id="rId9"/>
+    <p:sldId id="261" r:id="rId10"/>
+    <p:sldId id="270" r:id="rId11"/>
+    <p:sldId id="271" r:id="rId12"/>
+    <p:sldId id="262" r:id="rId13"/>
+    <p:sldId id="263" r:id="rId14"/>
+    <p:sldId id="264" r:id="rId15"/>
   </p:sldIdLst>
   <p:sldSz cx="9144000" cy="6858000" type="screen4x3"/>
   <p:notesSz cx="6858000" cy="9144000"/>
@@ -201,7 +205,7 @@
           <a:p>
             <a:fld id="{AA045C9D-B3BC-4B8A-9772-7302FAC29404}" type="datetimeFigureOut">
               <a:rPr lang="en-US" smtClean="0"/>
-              <a:t>12/25/2011</a:t>
+              <a:t>12/26/2011</a:t>
             </a:fld>
             <a:endParaRPr lang="en-US"/>
           </a:p>
@@ -749,185 +753,6 @@
               <a:tabLst/>
               <a:defRPr/>
             </a:pPr>
-            <a:r>
-              <a:rPr lang="en-US" dirty="0" err="1" smtClean="0"/>
-              <a:t>Mô</a:t>
-            </a:r>
-            <a:r>
-              <a:rPr lang="en-US" dirty="0" smtClean="0"/>
-              <a:t> </a:t>
-            </a:r>
-            <a:r>
-              <a:rPr lang="en-US" dirty="0" err="1" smtClean="0"/>
-              <a:t>hình</a:t>
-            </a:r>
-            <a:r>
-              <a:rPr lang="en-US" dirty="0" smtClean="0"/>
-              <a:t> </a:t>
-            </a:r>
-            <a:r>
-              <a:rPr lang="en-US" dirty="0" err="1" smtClean="0"/>
-              <a:t>đưa</a:t>
-            </a:r>
-            <a:r>
-              <a:rPr lang="en-US" dirty="0" smtClean="0"/>
-              <a:t> </a:t>
-            </a:r>
-            <a:r>
-              <a:rPr lang="en-US" dirty="0" err="1" smtClean="0"/>
-              <a:t>ra</a:t>
-            </a:r>
-            <a:r>
-              <a:rPr lang="en-US" dirty="0" smtClean="0"/>
-              <a:t> (</a:t>
-            </a:r>
-            <a:r>
-              <a:rPr lang="en-US" dirty="0" err="1" smtClean="0"/>
-              <a:t>dùng</a:t>
-            </a:r>
-            <a:r>
-              <a:rPr lang="en-US" baseline="0" dirty="0" smtClean="0"/>
-              <a:t> </a:t>
-            </a:r>
-            <a:r>
-              <a:rPr lang="en-US" dirty="0" smtClean="0"/>
-              <a:t>animation) (</a:t>
-            </a:r>
-            <a:r>
-              <a:rPr lang="en-US" dirty="0" err="1" smtClean="0"/>
-              <a:t>dựa</a:t>
-            </a:r>
-            <a:r>
-              <a:rPr lang="en-US" baseline="0" dirty="0" smtClean="0"/>
-              <a:t> </a:t>
-            </a:r>
-            <a:r>
-              <a:rPr lang="en-US" baseline="0" dirty="0" err="1" smtClean="0"/>
-              <a:t>trên</a:t>
-            </a:r>
-            <a:r>
-              <a:rPr lang="en-US" baseline="0" dirty="0" smtClean="0"/>
-              <a:t> </a:t>
-            </a:r>
-            <a:r>
-              <a:rPr lang="en-US" baseline="0" dirty="0" err="1" smtClean="0"/>
-              <a:t>ưu</a:t>
-            </a:r>
-            <a:r>
-              <a:rPr lang="en-US" baseline="0" dirty="0" smtClean="0"/>
-              <a:t> </a:t>
-            </a:r>
-            <a:r>
-              <a:rPr lang="en-US" baseline="0" dirty="0" err="1" smtClean="0"/>
-              <a:t>điểm</a:t>
-            </a:r>
-            <a:r>
-              <a:rPr lang="en-US" baseline="0" dirty="0" smtClean="0"/>
-              <a:t> </a:t>
-            </a:r>
-            <a:r>
-              <a:rPr lang="en-US" baseline="0" dirty="0" err="1" smtClean="0"/>
-              <a:t>mạng</a:t>
-            </a:r>
-            <a:r>
-              <a:rPr lang="en-US" baseline="0" dirty="0" smtClean="0"/>
-              <a:t> </a:t>
-            </a:r>
-            <a:r>
-              <a:rPr lang="en-US" baseline="0" dirty="0" err="1" smtClean="0"/>
-              <a:t>không</a:t>
-            </a:r>
-            <a:r>
-              <a:rPr lang="en-US" baseline="0" dirty="0" smtClean="0"/>
-              <a:t> </a:t>
-            </a:r>
-            <a:r>
-              <a:rPr lang="en-US" baseline="0" dirty="0" err="1" smtClean="0"/>
-              <a:t>dây</a:t>
-            </a:r>
-            <a:r>
-              <a:rPr lang="en-US" dirty="0" smtClean="0"/>
-              <a:t>)</a:t>
-            </a:r>
-          </a:p>
-          <a:p>
-            <a:pPr marL="171450" marR="0" indent="-171450" algn="l" defTabSz="914400" rtl="0" eaLnBrk="1" fontAlgn="auto" latinLnBrk="0" hangingPunct="1">
-              <a:lnSpc>
-                <a:spcPct val="100000"/>
-              </a:lnSpc>
-              <a:spcBef>
-                <a:spcPts val="0"/>
-              </a:spcBef>
-              <a:spcAft>
-                <a:spcPts val="0"/>
-              </a:spcAft>
-              <a:buClrTx/>
-              <a:buSzTx/>
-              <a:buFontTx/>
-              <a:buChar char="-"/>
-              <a:tabLst/>
-              <a:defRPr/>
-            </a:pPr>
-            <a:r>
-              <a:rPr lang="en-US" dirty="0" err="1" smtClean="0"/>
-              <a:t>thiết</a:t>
-            </a:r>
-            <a:r>
-              <a:rPr lang="en-US" dirty="0" smtClean="0"/>
-              <a:t> </a:t>
-            </a:r>
-            <a:r>
-              <a:rPr lang="en-US" dirty="0" err="1" smtClean="0"/>
-              <a:t>bị</a:t>
-            </a:r>
-            <a:endParaRPr lang="en-US" dirty="0" smtClean="0"/>
-          </a:p>
-          <a:p>
-            <a:pPr marL="171450" marR="0" indent="-171450" algn="l" defTabSz="914400" rtl="0" eaLnBrk="1" fontAlgn="auto" latinLnBrk="0" hangingPunct="1">
-              <a:lnSpc>
-                <a:spcPct val="100000"/>
-              </a:lnSpc>
-              <a:spcBef>
-                <a:spcPts val="0"/>
-              </a:spcBef>
-              <a:spcAft>
-                <a:spcPts val="0"/>
-              </a:spcAft>
-              <a:buClrTx/>
-              <a:buSzTx/>
-              <a:buFontTx/>
-              <a:buChar char="-"/>
-              <a:tabLst/>
-              <a:defRPr/>
-            </a:pPr>
-            <a:r>
-              <a:rPr lang="en-US" dirty="0" err="1" smtClean="0"/>
-              <a:t>hoạt</a:t>
-            </a:r>
-            <a:r>
-              <a:rPr lang="en-US" dirty="0" smtClean="0"/>
-              <a:t> </a:t>
-            </a:r>
-            <a:r>
-              <a:rPr lang="en-US" dirty="0" err="1" smtClean="0"/>
-              <a:t>động</a:t>
-            </a:r>
-            <a:r>
-              <a:rPr lang="en-US" baseline="0" dirty="0" smtClean="0"/>
-              <a:t> </a:t>
-            </a:r>
-            <a:r>
-              <a:rPr lang="en-US" baseline="0" dirty="0" err="1" smtClean="0"/>
-              <a:t>hệ</a:t>
-            </a:r>
-            <a:r>
-              <a:rPr lang="en-US" baseline="0" dirty="0" smtClean="0"/>
-              <a:t> </a:t>
-            </a:r>
-            <a:r>
-              <a:rPr lang="en-US" baseline="0" dirty="0" err="1" smtClean="0"/>
-              <a:t>thống</a:t>
-            </a:r>
             <a:endParaRPr lang="en-US" dirty="0" smtClean="0"/>
           </a:p>
         </p:txBody>
@@ -1012,17 +837,78 @@
           <a:bodyPr/>
           <a:lstStyle/>
           <a:p>
-            <a:r>
-              <a:rPr lang="en-US" dirty="0" err="1" smtClean="0"/>
-              <a:t>Các</a:t>
+            <a:pPr marL="0" marR="0" indent="0" algn="l" defTabSz="914400" rtl="0" eaLnBrk="1" fontAlgn="auto" latinLnBrk="0" hangingPunct="1">
+              <a:lnSpc>
+                <a:spcPct val="100000"/>
+              </a:lnSpc>
+              <a:spcBef>
+                <a:spcPts val="0"/>
+              </a:spcBef>
+              <a:spcAft>
+                <a:spcPts val="0"/>
+              </a:spcAft>
+              <a:buClrTx/>
+              <a:buSzTx/>
+              <a:buFontTx/>
+              <a:buNone/>
+              <a:tabLst/>
+              <a:defRPr/>
+            </a:pPr>
+            <a:r>
+              <a:rPr lang="en-US" dirty="0" err="1" smtClean="0"/>
+              <a:t>Mô</a:t>
+            </a:r>
+            <a:r>
+              <a:rPr lang="en-US" dirty="0" smtClean="0"/>
+              <a:t> </a:t>
+            </a:r>
+            <a:r>
+              <a:rPr lang="en-US" dirty="0" err="1" smtClean="0"/>
+              <a:t>hình</a:t>
+            </a:r>
+            <a:r>
+              <a:rPr lang="en-US" dirty="0" smtClean="0"/>
+              <a:t> </a:t>
+            </a:r>
+            <a:r>
+              <a:rPr lang="en-US" dirty="0" err="1" smtClean="0"/>
+              <a:t>đưa</a:t>
+            </a:r>
+            <a:r>
+              <a:rPr lang="en-US" dirty="0" smtClean="0"/>
+              <a:t> </a:t>
+            </a:r>
+            <a:r>
+              <a:rPr lang="en-US" dirty="0" err="1" smtClean="0"/>
+              <a:t>ra</a:t>
+            </a:r>
+            <a:r>
+              <a:rPr lang="en-US" dirty="0" smtClean="0"/>
+              <a:t> (</a:t>
+            </a:r>
+            <a:r>
+              <a:rPr lang="en-US" dirty="0" err="1" smtClean="0"/>
+              <a:t>dùng</a:t>
             </a:r>
             <a:r>
               <a:rPr lang="en-US" baseline="0" dirty="0" smtClean="0"/>
               <a:t> </a:t>
             </a:r>
             <a:r>
+              <a:rPr lang="en-US" dirty="0" smtClean="0"/>
+              <a:t>animation) (</a:t>
+            </a:r>
+            <a:r>
+              <a:rPr lang="en-US" dirty="0" err="1" smtClean="0"/>
+              <a:t>dựa</a:t>
+            </a:r>
+            <a:r>
+              <a:rPr lang="en-US" baseline="0" dirty="0" smtClean="0"/>
+              <a:t> </a:t>
+            </a:r>
+            <a:r>
               <a:rPr lang="en-US" baseline="0" dirty="0" err="1" smtClean="0"/>
-              <a:t>bước</a:t>
+              <a:t>trên</a:t>
             </a:r>
             <a:r>
               <a:rPr lang="en-US" baseline="0" dirty="0" smtClean="0"/>
@@ -1030,7 +916,7 @@
             </a:r>
             <a:r>
               <a:rPr lang="en-US" baseline="0" dirty="0" err="1" smtClean="0"/>
-              <a:t>thực</a:t>
+              <a:t>ưu</a:t>
             </a:r>
             <a:r>
               <a:rPr lang="en-US" baseline="0" dirty="0" smtClean="0"/>
@@ -1038,7 +924,7 @@
             </a:r>
             <a:r>
               <a:rPr lang="en-US" baseline="0" dirty="0" err="1" smtClean="0"/>
-              <a:t>hiện</a:t>
+              <a:t>điểm</a:t>
             </a:r>
             <a:r>
               <a:rPr lang="en-US" baseline="0" dirty="0" smtClean="0"/>
@@ -1046,7 +932,7 @@
             </a:r>
             <a:r>
               <a:rPr lang="en-US" baseline="0" dirty="0" err="1" smtClean="0"/>
-              <a:t>đề</a:t>
+              <a:t>mạng</a:t>
             </a:r>
             <a:r>
               <a:rPr lang="en-US" baseline="0" dirty="0" smtClean="0"/>
@@ -1054,26 +940,102 @@
             </a:r>
             <a:r>
               <a:rPr lang="en-US" baseline="0" dirty="0" err="1" smtClean="0"/>
-              <a:t>tài</a:t>
-            </a:r>
-            <a:endParaRPr lang="en-US" baseline="0" dirty="0" smtClean="0"/>
-          </a:p>
-          <a:p>
-            <a:pPr marL="171450" indent="-171450">
+              <a:t>không</a:t>
+            </a:r>
+            <a:r>
+              <a:rPr lang="en-US" baseline="0" dirty="0" smtClean="0"/>
+              <a:t> </a:t>
+            </a:r>
+            <a:r>
+              <a:rPr lang="en-US" baseline="0" dirty="0" err="1" smtClean="0"/>
+              <a:t>dây</a:t>
+            </a:r>
+            <a:r>
+              <a:rPr lang="en-US" dirty="0" smtClean="0"/>
+              <a:t>)</a:t>
+            </a:r>
+          </a:p>
+          <a:p>
+            <a:pPr marL="171450" marR="0" indent="-171450" algn="l" defTabSz="914400" rtl="0" eaLnBrk="1" fontAlgn="auto" latinLnBrk="0" hangingPunct="1">
+              <a:lnSpc>
+                <a:spcPct val="100000"/>
+              </a:lnSpc>
+              <a:spcBef>
+                <a:spcPts val="0"/>
+              </a:spcBef>
+              <a:spcAft>
+                <a:spcPts val="0"/>
+              </a:spcAft>
+              <a:buClrTx/>
+              <a:buSzTx/>
               <a:buFontTx/>
               <a:buChar char="-"/>
+              <a:tabLst/>
+              <a:defRPr/>
             </a:pPr>
             <a:r>
-              <a:rPr lang="en-US" baseline="0" dirty="0" err="1" smtClean="0"/>
-              <a:t>Ádfasdf</a:t>
-            </a:r>
-            <a:endParaRPr lang="en-US" baseline="0" dirty="0" smtClean="0"/>
-          </a:p>
-          <a:p>
-            <a:pPr marL="171450" indent="-171450">
+              <a:rPr lang="en-US" dirty="0" err="1" smtClean="0"/>
+              <a:t>thiết</a:t>
+            </a:r>
+            <a:r>
+              <a:rPr lang="en-US" dirty="0" smtClean="0"/>
+              <a:t> </a:t>
+            </a:r>
+            <a:r>
+              <a:rPr lang="en-US" dirty="0" err="1" smtClean="0"/>
+              <a:t>bị</a:t>
+            </a:r>
+            <a:endParaRPr lang="en-US" dirty="0" smtClean="0"/>
+          </a:p>
+          <a:p>
+            <a:pPr marL="171450" marR="0" indent="-171450" algn="l" defTabSz="914400" rtl="0" eaLnBrk="1" fontAlgn="auto" latinLnBrk="0" hangingPunct="1">
+              <a:lnSpc>
+                <a:spcPct val="100000"/>
+              </a:lnSpc>
+              <a:spcBef>
+                <a:spcPts val="0"/>
+              </a:spcBef>
+              <a:spcAft>
+                <a:spcPts val="0"/>
+              </a:spcAft>
+              <a:buClrTx/>
+              <a:buSzTx/>
               <a:buFontTx/>
               <a:buChar char="-"/>
+              <a:tabLst/>
+              <a:defRPr/>
             </a:pPr>
+            <a:r>
+              <a:rPr lang="en-US" dirty="0" err="1" smtClean="0"/>
+              <a:t>hoạt</a:t>
+            </a:r>
+            <a:r>
+              <a:rPr lang="en-US" dirty="0" smtClean="0"/>
+              <a:t> </a:t>
+            </a:r>
+            <a:r>
+              <a:rPr lang="en-US" dirty="0" err="1" smtClean="0"/>
+              <a:t>động</a:t>
+            </a:r>
+            <a:r>
+              <a:rPr lang="en-US" baseline="0" dirty="0" smtClean="0"/>
+              <a:t> </a:t>
+            </a:r>
+            <a:r>
+              <a:rPr lang="en-US" baseline="0" dirty="0" err="1" smtClean="0"/>
+              <a:t>hệ</a:t>
+            </a:r>
+            <a:r>
+              <a:rPr lang="en-US" baseline="0" dirty="0" smtClean="0"/>
+              <a:t> </a:t>
+            </a:r>
+            <a:r>
+              <a:rPr lang="en-US" baseline="0" dirty="0" err="1" smtClean="0"/>
+              <a:t>thống</a:t>
+            </a:r>
+            <a:endParaRPr lang="en-US" dirty="0" smtClean="0"/>
+          </a:p>
+          <a:p>
             <a:endParaRPr lang="en-US" dirty="0"/>
           </a:p>
         </p:txBody>
@@ -1096,6 +1058,152 @@
             <a:fld id="{FACF42EF-3339-4DF0-87A8-DF696C66BFE5}" type="slidenum">
               <a:rPr lang="en-US" smtClean="0"/>
               <a:t>7</a:t>
+            </a:fld>
+            <a:endParaRPr lang="en-US"/>
+          </a:p>
+        </p:txBody>
+      </p:sp>
+    </p:spTree>
+    <p:extLst>
+      <p:ext uri="{BB962C8B-B14F-4D97-AF65-F5344CB8AC3E}">
+        <p14:creationId xmlns:p14="http://schemas.microsoft.com/office/powerpoint/2010/main" val="2168667247"/>
+      </p:ext>
+    </p:extLst>
+  </p:cSld>
+  <p:clrMapOvr>
+    <a:masterClrMapping/>
+  </p:clrMapOvr>
+</p:notes>
+</file>
+
+<file path=ppt/notesSlides/notesSlide5.xml><?xml version="1.0" encoding="utf-8"?>
+<p:notes xmlns:a="http://schemas.openxmlformats.org/drawingml/2006/main" xmlns:r="http://schemas.openxmlformats.org/officeDocument/2006/relationships" xmlns:p="http://schemas.openxmlformats.org/presentationml/2006/main">
+  <p:cSld>
+    <p:spTree>
+      <p:nvGrpSpPr>
+        <p:cNvPr id="1" name=""/>
+        <p:cNvGrpSpPr/>
+        <p:nvPr/>
+      </p:nvGrpSpPr>
+      <p:grpSpPr>
+        <a:xfrm>
+          <a:off x="0" y="0"/>
+          <a:ext cx="0" cy="0"/>
+          <a:chOff x="0" y="0"/>
+          <a:chExt cx="0" cy="0"/>
+        </a:xfrm>
+      </p:grpSpPr>
+      <p:sp>
+        <p:nvSpPr>
+          <p:cNvPr id="2" name="Slide Image Placeholder 1"/>
+          <p:cNvSpPr>
+            <a:spLocks noGrp="1" noRot="1" noChangeAspect="1"/>
+          </p:cNvSpPr>
+          <p:nvPr>
+            <p:ph type="sldImg"/>
+          </p:nvPr>
+        </p:nvSpPr>
+        <p:spPr/>
+      </p:sp>
+      <p:sp>
+        <p:nvSpPr>
+          <p:cNvPr id="3" name="Notes Placeholder 2"/>
+          <p:cNvSpPr>
+            <a:spLocks noGrp="1"/>
+          </p:cNvSpPr>
+          <p:nvPr>
+            <p:ph type="body" idx="1"/>
+          </p:nvPr>
+        </p:nvSpPr>
+        <p:spPr/>
+        <p:txBody>
+          <a:bodyPr/>
+          <a:lstStyle/>
+          <a:p>
+            <a:r>
+              <a:rPr lang="en-US" dirty="0" err="1" smtClean="0"/>
+              <a:t>Các</a:t>
+            </a:r>
+            <a:r>
+              <a:rPr lang="en-US" baseline="0" dirty="0" smtClean="0"/>
+              <a:t> </a:t>
+            </a:r>
+            <a:r>
+              <a:rPr lang="en-US" baseline="0" dirty="0" err="1" smtClean="0"/>
+              <a:t>bước</a:t>
+            </a:r>
+            <a:r>
+              <a:rPr lang="en-US" baseline="0" dirty="0" smtClean="0"/>
+              <a:t> </a:t>
+            </a:r>
+            <a:r>
+              <a:rPr lang="en-US" baseline="0" dirty="0" err="1" smtClean="0"/>
+              <a:t>thực</a:t>
+            </a:r>
+            <a:r>
+              <a:rPr lang="en-US" baseline="0" dirty="0" smtClean="0"/>
+              <a:t> </a:t>
+            </a:r>
+            <a:r>
+              <a:rPr lang="en-US" baseline="0" dirty="0" err="1" smtClean="0"/>
+              <a:t>hiện</a:t>
+            </a:r>
+            <a:r>
+              <a:rPr lang="en-US" baseline="0" dirty="0" smtClean="0"/>
+              <a:t> </a:t>
+            </a:r>
+            <a:r>
+              <a:rPr lang="en-US" baseline="0" dirty="0" err="1" smtClean="0"/>
+              <a:t>đề</a:t>
+            </a:r>
+            <a:r>
+              <a:rPr lang="en-US" baseline="0" dirty="0" smtClean="0"/>
+              <a:t> </a:t>
+            </a:r>
+            <a:r>
+              <a:rPr lang="en-US" baseline="0" dirty="0" err="1" smtClean="0"/>
+              <a:t>tài</a:t>
+            </a:r>
+            <a:endParaRPr lang="en-US" baseline="0" dirty="0" smtClean="0"/>
+          </a:p>
+          <a:p>
+            <a:pPr marL="171450" indent="-171450">
+              <a:buFontTx/>
+              <a:buChar char="-"/>
+            </a:pPr>
+            <a:r>
+              <a:rPr lang="en-US" baseline="0" dirty="0" err="1" smtClean="0"/>
+              <a:t>Ádfasdf</a:t>
+            </a:r>
+            <a:endParaRPr lang="en-US" baseline="0" dirty="0" smtClean="0"/>
+          </a:p>
+          <a:p>
+            <a:pPr marL="171450" indent="-171450">
+              <a:buFontTx/>
+              <a:buChar char="-"/>
+            </a:pPr>
+            <a:endParaRPr lang="en-US" dirty="0"/>
+          </a:p>
+        </p:txBody>
+      </p:sp>
+      <p:sp>
+        <p:nvSpPr>
+          <p:cNvPr id="4" name="Slide Number Placeholder 3"/>
+          <p:cNvSpPr>
+            <a:spLocks noGrp="1"/>
+          </p:cNvSpPr>
+          <p:nvPr>
+            <p:ph type="sldNum" sz="quarter" idx="10"/>
+          </p:nvPr>
+        </p:nvSpPr>
+        <p:spPr/>
+        <p:txBody>
+          <a:bodyPr/>
+          <a:lstStyle/>
+          <a:p>
+            <a:fld id="{FACF42EF-3339-4DF0-87A8-DF696C66BFE5}" type="slidenum">
+              <a:rPr lang="en-US" smtClean="0"/>
+              <a:t>9</a:t>
             </a:fld>
             <a:endParaRPr lang="en-US"/>
           </a:p>
@@ -1295,7 +1403,7 @@
           <a:p>
             <a:fld id="{8295BF8E-EF68-43A1-8633-E575EBCE5404}" type="datetimeFigureOut">
               <a:rPr lang="en-US" smtClean="0"/>
-              <a:t>12/25/2011</a:t>
+              <a:t>12/26/2011</a:t>
             </a:fld>
             <a:endParaRPr lang="en-US"/>
           </a:p>
@@ -1465,7 +1573,7 @@
           <a:p>
             <a:fld id="{8295BF8E-EF68-43A1-8633-E575EBCE5404}" type="datetimeFigureOut">
               <a:rPr lang="en-US" smtClean="0"/>
-              <a:t>12/25/2011</a:t>
+              <a:t>12/26/2011</a:t>
             </a:fld>
             <a:endParaRPr lang="en-US"/>
           </a:p>
@@ -1645,7 +1753,7 @@
           <a:p>
             <a:fld id="{8295BF8E-EF68-43A1-8633-E575EBCE5404}" type="datetimeFigureOut">
               <a:rPr lang="en-US" smtClean="0"/>
-              <a:t>12/25/2011</a:t>
+              <a:t>12/26/2011</a:t>
             </a:fld>
             <a:endParaRPr lang="en-US"/>
           </a:p>
@@ -1736,13 +1844,20 @@
         <p:spPr/>
         <p:txBody>
           <a:bodyPr/>
-          <a:lstStyle/>
-          <a:p>
-            <a:r>
-              <a:rPr lang="en-US" smtClean="0"/>
+          <a:lstStyle>
+            <a:lvl1pPr>
+              <a:defRPr>
+                <a:latin typeface="Arial" pitchFamily="34" charset="0"/>
+                <a:cs typeface="Arial" pitchFamily="34" charset="0"/>
+              </a:defRPr>
+            </a:lvl1pPr>
+          </a:lstStyle>
+          <a:p>
+            <a:r>
+              <a:rPr lang="en-US" dirty="0" smtClean="0"/>
               <a:t>Click to edit Master title style</a:t>
             </a:r>
-            <a:endParaRPr lang="en-US"/>
+            <a:endParaRPr lang="en-US" dirty="0"/>
           </a:p>
         </p:txBody>
       </p:sp>
@@ -1759,42 +1874,73 @@
         <p:spPr/>
         <p:txBody>
           <a:bodyPr/>
-          <a:lstStyle/>
+          <a:lstStyle>
+            <a:lvl1pPr>
+              <a:defRPr>
+                <a:latin typeface="Arial" pitchFamily="34" charset="0"/>
+                <a:cs typeface="Arial" pitchFamily="34" charset="0"/>
+              </a:defRPr>
+            </a:lvl1pPr>
+            <a:lvl2pPr>
+              <a:defRPr>
+                <a:latin typeface="Arial" pitchFamily="34" charset="0"/>
+                <a:cs typeface="Arial" pitchFamily="34" charset="0"/>
+              </a:defRPr>
+            </a:lvl2pPr>
+            <a:lvl3pPr>
+              <a:defRPr>
+                <a:latin typeface="Arial" pitchFamily="34" charset="0"/>
+                <a:cs typeface="Arial" pitchFamily="34" charset="0"/>
+              </a:defRPr>
+            </a:lvl3pPr>
+            <a:lvl4pPr>
+              <a:defRPr>
+                <a:latin typeface="Arial" pitchFamily="34" charset="0"/>
+                <a:cs typeface="Arial" pitchFamily="34" charset="0"/>
+              </a:defRPr>
+            </a:lvl4pPr>
+            <a:lvl5pPr>
+              <a:defRPr>
+                <a:latin typeface="Arial" pitchFamily="34" charset="0"/>
+                <a:cs typeface="Arial" pitchFamily="34" charset="0"/>
+              </a:defRPr>
+            </a:lvl5pPr>
+          </a:lstStyle>
           <a:p>
             <a:pPr lvl="0"/>
             <a:r>
-              <a:rPr lang="en-US" smtClean="0"/>
+              <a:rPr lang="en-US" dirty="0" smtClean="0"/>
               <a:t>Click to edit Master text styles</a:t>
             </a:r>
           </a:p>
           <a:p>
             <a:pPr lvl="1"/>
             <a:r>
-              <a:rPr lang="en-US" smtClean="0"/>
+              <a:rPr lang="en-US" dirty="0" smtClean="0"/>
               <a:t>Second level</a:t>
             </a:r>
           </a:p>
           <a:p>
             <a:pPr lvl="2"/>
             <a:r>
-              <a:rPr lang="en-US" smtClean="0"/>
+              <a:rPr lang="en-US" dirty="0" smtClean="0"/>
               <a:t>Third level</a:t>
             </a:r>
           </a:p>
           <a:p>
             <a:pPr lvl="3"/>
             <a:r>
-              <a:rPr lang="en-US" smtClean="0"/>
+              <a:rPr lang="en-US" dirty="0" smtClean="0"/>
               <a:t>Fourth level</a:t>
             </a:r>
           </a:p>
           <a:p>
             <a:pPr lvl="4"/>
             <a:r>
-              <a:rPr lang="en-US" smtClean="0"/>
+              <a:rPr lang="en-US" dirty="0" smtClean="0"/>
               <a:t>Fifth level</a:t>
             </a:r>
-            <a:endParaRPr lang="en-US"/>
+            <a:endParaRPr lang="en-US" dirty="0"/>
           </a:p>
         </p:txBody>
       </p:sp>
@@ -1815,7 +1961,7 @@
           <a:p>
             <a:fld id="{8295BF8E-EF68-43A1-8633-E575EBCE5404}" type="datetimeFigureOut">
               <a:rPr lang="en-US" smtClean="0"/>
-              <a:t>12/25/2011</a:t>
+              <a:t>12/26/2011</a:t>
             </a:fld>
             <a:endParaRPr lang="en-US"/>
           </a:p>
@@ -2061,7 +2207,7 @@
           <a:p>
             <a:fld id="{8295BF8E-EF68-43A1-8633-E575EBCE5404}" type="datetimeFigureOut">
               <a:rPr lang="en-US" smtClean="0"/>
-              <a:t>12/25/2011</a:t>
+              <a:t>12/26/2011</a:t>
             </a:fld>
             <a:endParaRPr lang="en-US"/>
           </a:p>
@@ -2349,7 +2495,7 @@
           <a:p>
             <a:fld id="{8295BF8E-EF68-43A1-8633-E575EBCE5404}" type="datetimeFigureOut">
               <a:rPr lang="en-US" smtClean="0"/>
-              <a:t>12/25/2011</a:t>
+              <a:t>12/26/2011</a:t>
             </a:fld>
             <a:endParaRPr lang="en-US"/>
           </a:p>
@@ -2771,7 +2917,7 @@
           <a:p>
             <a:fld id="{8295BF8E-EF68-43A1-8633-E575EBCE5404}" type="datetimeFigureOut">
               <a:rPr lang="en-US" smtClean="0"/>
-              <a:t>12/25/2011</a:t>
+              <a:t>12/26/2011</a:t>
             </a:fld>
             <a:endParaRPr lang="en-US"/>
           </a:p>
@@ -2889,7 +3035,7 @@
           <a:p>
             <a:fld id="{8295BF8E-EF68-43A1-8633-E575EBCE5404}" type="datetimeFigureOut">
               <a:rPr lang="en-US" smtClean="0"/>
-              <a:t>12/25/2011</a:t>
+              <a:t>12/26/2011</a:t>
             </a:fld>
             <a:endParaRPr lang="en-US"/>
           </a:p>
@@ -2984,7 +3130,7 @@
           <a:p>
             <a:fld id="{8295BF8E-EF68-43A1-8633-E575EBCE5404}" type="datetimeFigureOut">
               <a:rPr lang="en-US" smtClean="0"/>
-              <a:t>12/25/2011</a:t>
+              <a:t>12/26/2011</a:t>
             </a:fld>
             <a:endParaRPr lang="en-US"/>
           </a:p>
@@ -3261,7 +3407,7 @@
           <a:p>
             <a:fld id="{8295BF8E-EF68-43A1-8633-E575EBCE5404}" type="datetimeFigureOut">
               <a:rPr lang="en-US" smtClean="0"/>
-              <a:t>12/25/2011</a:t>
+              <a:t>12/26/2011</a:t>
             </a:fld>
             <a:endParaRPr lang="en-US"/>
           </a:p>
@@ -3514,7 +3660,7 @@
           <a:p>
             <a:fld id="{8295BF8E-EF68-43A1-8633-E575EBCE5404}" type="datetimeFigureOut">
               <a:rPr lang="en-US" smtClean="0"/>
-              <a:t>12/25/2011</a:t>
+              <a:t>12/26/2011</a:t>
             </a:fld>
             <a:endParaRPr lang="en-US"/>
           </a:p>
@@ -3623,10 +3769,10 @@
           <a:lstStyle/>
           <a:p>
             <a:r>
-              <a:rPr lang="en-US" smtClean="0"/>
+              <a:rPr lang="en-US" dirty="0" smtClean="0"/>
               <a:t>Click to edit Master title style</a:t>
             </a:r>
-            <a:endParaRPr lang="en-US"/>
+            <a:endParaRPr lang="en-US" dirty="0"/>
           </a:p>
         </p:txBody>
       </p:sp>
@@ -3657,38 +3803,38 @@
           <a:p>
             <a:pPr lvl="0"/>
             <a:r>
-              <a:rPr lang="en-US" smtClean="0"/>
+              <a:rPr lang="en-US" dirty="0" smtClean="0"/>
               <a:t>Click to edit Master text styles</a:t>
             </a:r>
           </a:p>
           <a:p>
             <a:pPr lvl="1"/>
             <a:r>
-              <a:rPr lang="en-US" smtClean="0"/>
+              <a:rPr lang="en-US" dirty="0" smtClean="0"/>
               <a:t>Second level</a:t>
             </a:r>
           </a:p>
           <a:p>
             <a:pPr lvl="2"/>
             <a:r>
-              <a:rPr lang="en-US" smtClean="0"/>
+              <a:rPr lang="en-US" dirty="0" smtClean="0"/>
               <a:t>Third level</a:t>
             </a:r>
           </a:p>
           <a:p>
             <a:pPr lvl="3"/>
             <a:r>
-              <a:rPr lang="en-US" smtClean="0"/>
+              <a:rPr lang="en-US" dirty="0" smtClean="0"/>
               <a:t>Fourth level</a:t>
             </a:r>
           </a:p>
           <a:p>
             <a:pPr lvl="4"/>
             <a:r>
-              <a:rPr lang="en-US" smtClean="0"/>
+              <a:rPr lang="en-US" dirty="0" smtClean="0"/>
               <a:t>Fifth level</a:t>
             </a:r>
-            <a:endParaRPr lang="en-US"/>
+            <a:endParaRPr lang="en-US" dirty="0"/>
           </a:p>
         </p:txBody>
       </p:sp>
@@ -3727,7 +3873,7 @@
           <a:p>
             <a:fld id="{8295BF8E-EF68-43A1-8633-E575EBCE5404}" type="datetimeFigureOut">
               <a:rPr lang="en-US" smtClean="0"/>
-              <a:t>12/25/2011</a:t>
+              <a:t>12/26/2011</a:t>
             </a:fld>
             <a:endParaRPr lang="en-US"/>
           </a:p>
@@ -3843,9 +3989,9 @@
           <a:solidFill>
             <a:schemeClr val="tx1"/>
           </a:solidFill>
-          <a:latin typeface="+mj-lt"/>
+          <a:latin typeface="Arial" pitchFamily="34" charset="0"/>
           <a:ea typeface="+mj-ea"/>
-          <a:cs typeface="+mj-cs"/>
+          <a:cs typeface="Arial" pitchFamily="34" charset="0"/>
         </a:defRPr>
       </a:lvl1pPr>
     </p:titleStyle>
@@ -3860,9 +4006,9 @@
           <a:solidFill>
             <a:schemeClr val="tx1"/>
           </a:solidFill>
-          <a:latin typeface="+mn-lt"/>
+          <a:latin typeface="Arial" pitchFamily="34" charset="0"/>
           <a:ea typeface="+mn-ea"/>
-          <a:cs typeface="+mn-cs"/>
+          <a:cs typeface="Arial" pitchFamily="34" charset="0"/>
         </a:defRPr>
       </a:lvl1pPr>
       <a:lvl2pPr marL="742950" indent="-285750" algn="l" defTabSz="914400" rtl="0" eaLnBrk="1" latinLnBrk="0" hangingPunct="1">
@@ -3875,9 +4021,9 @@
           <a:solidFill>
             <a:schemeClr val="tx1"/>
           </a:solidFill>
-          <a:latin typeface="+mn-lt"/>
+          <a:latin typeface="Arial" pitchFamily="34" charset="0"/>
           <a:ea typeface="+mn-ea"/>
-          <a:cs typeface="+mn-cs"/>
+          <a:cs typeface="Arial" pitchFamily="34" charset="0"/>
         </a:defRPr>
       </a:lvl2pPr>
       <a:lvl3pPr marL="1143000" indent="-228600" algn="l" defTabSz="914400" rtl="0" eaLnBrk="1" latinLnBrk="0" hangingPunct="1">
@@ -3890,9 +4036,9 @@
           <a:solidFill>
             <a:schemeClr val="tx1"/>
           </a:solidFill>
-          <a:latin typeface="+mn-lt"/>
+          <a:latin typeface="Arial" pitchFamily="34" charset="0"/>
           <a:ea typeface="+mn-ea"/>
-          <a:cs typeface="+mn-cs"/>
+          <a:cs typeface="Arial" pitchFamily="34" charset="0"/>
         </a:defRPr>
       </a:lvl3pPr>
       <a:lvl4pPr marL="1600200" indent="-228600" algn="l" defTabSz="914400" rtl="0" eaLnBrk="1" latinLnBrk="0" hangingPunct="1">
@@ -3905,9 +4051,9 @@
           <a:solidFill>
             <a:schemeClr val="tx1"/>
           </a:solidFill>
-          <a:latin typeface="+mn-lt"/>
+          <a:latin typeface="Arial" pitchFamily="34" charset="0"/>
           <a:ea typeface="+mn-ea"/>
-          <a:cs typeface="+mn-cs"/>
+          <a:cs typeface="Arial" pitchFamily="34" charset="0"/>
         </a:defRPr>
       </a:lvl4pPr>
       <a:lvl5pPr marL="2057400" indent="-228600" algn="l" defTabSz="914400" rtl="0" eaLnBrk="1" latinLnBrk="0" hangingPunct="1">
@@ -3920,9 +4066,9 @@
           <a:solidFill>
             <a:schemeClr val="tx1"/>
           </a:solidFill>
-          <a:latin typeface="+mn-lt"/>
+          <a:latin typeface="Arial" pitchFamily="34" charset="0"/>
           <a:ea typeface="+mn-ea"/>
-          <a:cs typeface="+mn-cs"/>
+          <a:cs typeface="Arial" pitchFamily="34" charset="0"/>
         </a:defRPr>
       </a:lvl5pPr>
       <a:lvl6pPr marL="2514600" indent="-228600" algn="l" defTabSz="914400" rtl="0" eaLnBrk="1" latinLnBrk="0" hangingPunct="1">
@@ -4153,7 +4299,9 @@
         </p:nvSpPr>
         <p:spPr/>
         <p:txBody>
-          <a:bodyPr/>
+          <a:bodyPr>
+            <a:normAutofit lnSpcReduction="10000"/>
+          </a:bodyPr>
           <a:lstStyle/>
           <a:p>
             <a:r>
@@ -4468,6 +4616,1355 @@
           <a:bodyPr/>
           <a:lstStyle/>
           <a:p>
+            <a:r>
+              <a:rPr lang="en-US" b="1" dirty="0" err="1">
+                <a:solidFill>
+                  <a:schemeClr val="tx2"/>
+                </a:solidFill>
+                <a:latin typeface="Times New Roman" pitchFamily="18" charset="0"/>
+                <a:cs typeface="Times New Roman" pitchFamily="18" charset="0"/>
+              </a:rPr>
+              <a:t>Quá</a:t>
+            </a:r>
+            <a:r>
+              <a:rPr lang="en-US" b="1" dirty="0">
+                <a:solidFill>
+                  <a:schemeClr val="tx2"/>
+                </a:solidFill>
+                <a:latin typeface="Times New Roman" pitchFamily="18" charset="0"/>
+                <a:cs typeface="Times New Roman" pitchFamily="18" charset="0"/>
+              </a:rPr>
+              <a:t> </a:t>
+            </a:r>
+            <a:r>
+              <a:rPr lang="en-US" b="1" dirty="0" err="1">
+                <a:solidFill>
+                  <a:schemeClr val="tx2"/>
+                </a:solidFill>
+                <a:latin typeface="Times New Roman" pitchFamily="18" charset="0"/>
+                <a:cs typeface="Times New Roman" pitchFamily="18" charset="0"/>
+              </a:rPr>
+              <a:t>trình</a:t>
+            </a:r>
+            <a:r>
+              <a:rPr lang="en-US" b="1" dirty="0">
+                <a:solidFill>
+                  <a:schemeClr val="tx2"/>
+                </a:solidFill>
+                <a:latin typeface="Times New Roman" pitchFamily="18" charset="0"/>
+                <a:cs typeface="Times New Roman" pitchFamily="18" charset="0"/>
+              </a:rPr>
+              <a:t> </a:t>
+            </a:r>
+            <a:r>
+              <a:rPr lang="en-US" b="1" dirty="0" err="1">
+                <a:solidFill>
+                  <a:schemeClr val="tx2"/>
+                </a:solidFill>
+                <a:latin typeface="Times New Roman" pitchFamily="18" charset="0"/>
+                <a:cs typeface="Times New Roman" pitchFamily="18" charset="0"/>
+              </a:rPr>
+              <a:t>hiện</a:t>
+            </a:r>
+            <a:r>
+              <a:rPr lang="en-US" b="1" dirty="0">
+                <a:solidFill>
+                  <a:schemeClr val="tx2"/>
+                </a:solidFill>
+                <a:latin typeface="Times New Roman" pitchFamily="18" charset="0"/>
+                <a:cs typeface="Times New Roman" pitchFamily="18" charset="0"/>
+              </a:rPr>
+              <a:t> </a:t>
+            </a:r>
+            <a:r>
+              <a:rPr lang="en-US" b="1" dirty="0" err="1">
+                <a:solidFill>
+                  <a:schemeClr val="tx2"/>
+                </a:solidFill>
+                <a:latin typeface="Times New Roman" pitchFamily="18" charset="0"/>
+                <a:cs typeface="Times New Roman" pitchFamily="18" charset="0"/>
+              </a:rPr>
+              <a:t>thực</a:t>
+            </a:r>
+            <a:endParaRPr lang="en-US" dirty="0"/>
+          </a:p>
+        </p:txBody>
+      </p:sp>
+      <p:sp>
+        <p:nvSpPr>
+          <p:cNvPr id="3" name="Content Placeholder 2"/>
+          <p:cNvSpPr>
+            <a:spLocks noGrp="1"/>
+          </p:cNvSpPr>
+          <p:nvPr>
+            <p:ph idx="1"/>
+          </p:nvPr>
+        </p:nvSpPr>
+        <p:spPr/>
+        <p:txBody>
+          <a:bodyPr/>
+          <a:lstStyle/>
+          <a:p>
+            <a:r>
+              <a:rPr lang="en-US" dirty="0" err="1"/>
+              <a:t>Thiết</a:t>
+            </a:r>
+            <a:r>
+              <a:rPr lang="en-US" dirty="0"/>
+              <a:t> </a:t>
+            </a:r>
+            <a:r>
+              <a:rPr lang="en-US" dirty="0" err="1"/>
+              <a:t>bị</a:t>
+            </a:r>
+            <a:r>
+              <a:rPr lang="en-US" dirty="0"/>
+              <a:t> </a:t>
+            </a:r>
+            <a:r>
+              <a:rPr lang="en-US" dirty="0" smtClean="0"/>
+              <a:t>Handheld</a:t>
+            </a:r>
+          </a:p>
+          <a:p>
+            <a:endParaRPr lang="en-US" dirty="0"/>
+          </a:p>
+        </p:txBody>
+      </p:sp>
+      <p:pic>
+        <p:nvPicPr>
+          <p:cNvPr id="4" name="Picture 3"/>
+          <p:cNvPicPr/>
+          <p:nvPr/>
+        </p:nvPicPr>
+        <p:blipFill rotWithShape="1">
+          <a:blip r:embed="rId2"/>
+          <a:srcRect l="29272" t="15095" r="24636" b="23450"/>
+          <a:stretch/>
+        </p:blipFill>
+        <p:spPr bwMode="auto">
+          <a:xfrm>
+            <a:off x="1905000" y="2286000"/>
+            <a:ext cx="4953000" cy="3810000"/>
+          </a:xfrm>
+          <a:prstGeom prst="rect">
+            <a:avLst/>
+          </a:prstGeom>
+          <a:ln>
+            <a:noFill/>
+          </a:ln>
+          <a:extLst>
+            <a:ext uri="{53640926-AAD7-44D8-BBD7-CCE9431645EC}">
+              <a14:shadowObscured xmlns:a14="http://schemas.microsoft.com/office/drawing/2010/main"/>
+            </a:ext>
+          </a:extLst>
+        </p:spPr>
+      </p:pic>
+    </p:spTree>
+    <p:extLst>
+      <p:ext uri="{BB962C8B-B14F-4D97-AF65-F5344CB8AC3E}">
+        <p14:creationId xmlns:p14="http://schemas.microsoft.com/office/powerpoint/2010/main" val="2399456524"/>
+      </p:ext>
+    </p:extLst>
+  </p:cSld>
+  <p:clrMapOvr>
+    <a:masterClrMapping/>
+  </p:clrMapOvr>
+  <p:timing>
+    <p:tnLst>
+      <p:par>
+        <p:cTn id="1" dur="indefinite" restart="never" nodeType="tmRoot"/>
+      </p:par>
+    </p:tnLst>
+  </p:timing>
+</p:sld>
+</file>
+
+<file path=ppt/slides/slide11.xml><?xml version="1.0" encoding="utf-8"?>
+<p:sld xmlns:a="http://schemas.openxmlformats.org/drawingml/2006/main" xmlns:r="http://schemas.openxmlformats.org/officeDocument/2006/relationships" xmlns:p="http://schemas.openxmlformats.org/presentationml/2006/main">
+  <p:cSld>
+    <p:spTree>
+      <p:nvGrpSpPr>
+        <p:cNvPr id="1" name=""/>
+        <p:cNvGrpSpPr/>
+        <p:nvPr/>
+      </p:nvGrpSpPr>
+      <p:grpSpPr>
+        <a:xfrm>
+          <a:off x="0" y="0"/>
+          <a:ext cx="0" cy="0"/>
+          <a:chOff x="0" y="0"/>
+          <a:chExt cx="0" cy="0"/>
+        </a:xfrm>
+      </p:grpSpPr>
+      <p:sp>
+        <p:nvSpPr>
+          <p:cNvPr id="2" name="Title 1"/>
+          <p:cNvSpPr>
+            <a:spLocks noGrp="1"/>
+          </p:cNvSpPr>
+          <p:nvPr>
+            <p:ph type="title"/>
+          </p:nvPr>
+        </p:nvSpPr>
+        <p:spPr/>
+        <p:txBody>
+          <a:bodyPr/>
+          <a:lstStyle/>
+          <a:p>
+            <a:r>
+              <a:rPr lang="en-US" b="1" dirty="0" err="1">
+                <a:solidFill>
+                  <a:schemeClr val="tx2"/>
+                </a:solidFill>
+                <a:latin typeface="Times New Roman" pitchFamily="18" charset="0"/>
+                <a:cs typeface="Times New Roman" pitchFamily="18" charset="0"/>
+              </a:rPr>
+              <a:t>Quá</a:t>
+            </a:r>
+            <a:r>
+              <a:rPr lang="en-US" b="1" dirty="0">
+                <a:solidFill>
+                  <a:schemeClr val="tx2"/>
+                </a:solidFill>
+                <a:latin typeface="Times New Roman" pitchFamily="18" charset="0"/>
+                <a:cs typeface="Times New Roman" pitchFamily="18" charset="0"/>
+              </a:rPr>
+              <a:t> </a:t>
+            </a:r>
+            <a:r>
+              <a:rPr lang="en-US" b="1" dirty="0" err="1">
+                <a:solidFill>
+                  <a:schemeClr val="tx2"/>
+                </a:solidFill>
+                <a:latin typeface="Times New Roman" pitchFamily="18" charset="0"/>
+                <a:cs typeface="Times New Roman" pitchFamily="18" charset="0"/>
+              </a:rPr>
+              <a:t>trình</a:t>
+            </a:r>
+            <a:r>
+              <a:rPr lang="en-US" b="1" dirty="0">
+                <a:solidFill>
+                  <a:schemeClr val="tx2"/>
+                </a:solidFill>
+                <a:latin typeface="Times New Roman" pitchFamily="18" charset="0"/>
+                <a:cs typeface="Times New Roman" pitchFamily="18" charset="0"/>
+              </a:rPr>
+              <a:t> </a:t>
+            </a:r>
+            <a:r>
+              <a:rPr lang="en-US" b="1" dirty="0" err="1">
+                <a:solidFill>
+                  <a:schemeClr val="tx2"/>
+                </a:solidFill>
+                <a:latin typeface="Times New Roman" pitchFamily="18" charset="0"/>
+                <a:cs typeface="Times New Roman" pitchFamily="18" charset="0"/>
+              </a:rPr>
+              <a:t>hiện</a:t>
+            </a:r>
+            <a:r>
+              <a:rPr lang="en-US" b="1" dirty="0">
+                <a:solidFill>
+                  <a:schemeClr val="tx2"/>
+                </a:solidFill>
+                <a:latin typeface="Times New Roman" pitchFamily="18" charset="0"/>
+                <a:cs typeface="Times New Roman" pitchFamily="18" charset="0"/>
+              </a:rPr>
+              <a:t> </a:t>
+            </a:r>
+            <a:r>
+              <a:rPr lang="en-US" b="1" dirty="0" err="1">
+                <a:solidFill>
+                  <a:schemeClr val="tx2"/>
+                </a:solidFill>
+                <a:latin typeface="Times New Roman" pitchFamily="18" charset="0"/>
+                <a:cs typeface="Times New Roman" pitchFamily="18" charset="0"/>
+              </a:rPr>
+              <a:t>thực</a:t>
+            </a:r>
+            <a:endParaRPr lang="en-US" dirty="0"/>
+          </a:p>
+        </p:txBody>
+      </p:sp>
+      <p:sp>
+        <p:nvSpPr>
+          <p:cNvPr id="3" name="Content Placeholder 2"/>
+          <p:cNvSpPr>
+            <a:spLocks noGrp="1"/>
+          </p:cNvSpPr>
+          <p:nvPr>
+            <p:ph idx="1"/>
+          </p:nvPr>
+        </p:nvSpPr>
+        <p:spPr/>
+        <p:txBody>
+          <a:bodyPr/>
+          <a:lstStyle/>
+          <a:p>
+            <a:r>
+              <a:rPr lang="en-US" dirty="0" err="1"/>
+              <a:t>Thiết</a:t>
+            </a:r>
+            <a:r>
+              <a:rPr lang="en-US" dirty="0"/>
+              <a:t> </a:t>
+            </a:r>
+            <a:r>
+              <a:rPr lang="en-US" dirty="0" err="1"/>
+              <a:t>bị</a:t>
+            </a:r>
+            <a:r>
+              <a:rPr lang="en-US" dirty="0"/>
+              <a:t> </a:t>
+            </a:r>
+            <a:r>
+              <a:rPr lang="en-US" dirty="0" smtClean="0"/>
+              <a:t>Handheld</a:t>
+            </a:r>
+          </a:p>
+          <a:p>
+            <a:endParaRPr lang="en-US" dirty="0"/>
+          </a:p>
+        </p:txBody>
+      </p:sp>
+      <p:pic>
+        <p:nvPicPr>
+          <p:cNvPr id="5" name="Picture 4"/>
+          <p:cNvPicPr/>
+          <p:nvPr/>
+        </p:nvPicPr>
+        <p:blipFill>
+          <a:blip r:embed="rId2">
+            <a:extLst>
+              <a:ext uri="{28A0092B-C50C-407E-A947-70E740481C1C}">
+                <a14:useLocalDpi xmlns:a14="http://schemas.microsoft.com/office/drawing/2010/main" val="0"/>
+              </a:ext>
+            </a:extLst>
+          </a:blip>
+          <a:stretch>
+            <a:fillRect/>
+          </a:stretch>
+        </p:blipFill>
+        <p:spPr>
+          <a:xfrm>
+            <a:off x="762000" y="2209800"/>
+            <a:ext cx="3124200" cy="3962400"/>
+          </a:xfrm>
+          <a:prstGeom prst="rect">
+            <a:avLst/>
+          </a:prstGeom>
+        </p:spPr>
+      </p:pic>
+      <p:graphicFrame>
+        <p:nvGraphicFramePr>
+          <p:cNvPr id="6" name="Table 5"/>
+          <p:cNvGraphicFramePr>
+            <a:graphicFrameLocks noGrp="1"/>
+          </p:cNvGraphicFramePr>
+          <p:nvPr>
+            <p:extLst>
+              <p:ext uri="{D42A27DB-BD31-4B8C-83A1-F6EECF244321}">
+                <p14:modId xmlns:p14="http://schemas.microsoft.com/office/powerpoint/2010/main" val="3695875826"/>
+              </p:ext>
+            </p:extLst>
+          </p:nvPr>
+        </p:nvGraphicFramePr>
+        <p:xfrm>
+          <a:off x="4953000" y="2522220"/>
+          <a:ext cx="3199575" cy="3235960"/>
+        </p:xfrm>
+        <a:graphic>
+          <a:graphicData uri="http://schemas.openxmlformats.org/drawingml/2006/table">
+            <a:tbl>
+              <a:tblPr firstRow="1" bandRow="1">
+                <a:tableStyleId>{5C22544A-7EE6-4342-B048-85BDC9FD1C3A}</a:tableStyleId>
+              </a:tblPr>
+              <a:tblGrid>
+                <a:gridCol w="1638300"/>
+                <a:gridCol w="1561275"/>
+              </a:tblGrid>
+              <a:tr h="370840">
+                <a:tc>
+                  <a:txBody>
+                    <a:bodyPr/>
+                    <a:lstStyle/>
+                    <a:p>
+                      <a:r>
+                        <a:rPr lang="en-US" baseline="0" dirty="0" smtClean="0"/>
+                        <a:t>Number </a:t>
+                      </a:r>
+                      <a:endParaRPr lang="en-US" dirty="0"/>
+                    </a:p>
+                  </a:txBody>
+                  <a:tcPr/>
+                </a:tc>
+                <a:tc>
+                  <a:txBody>
+                    <a:bodyPr/>
+                    <a:lstStyle/>
+                    <a:p>
+                      <a:r>
+                        <a:rPr lang="en-US" dirty="0" smtClean="0"/>
+                        <a:t>1byte</a:t>
+                      </a:r>
+                      <a:endParaRPr lang="en-US" dirty="0"/>
+                    </a:p>
+                  </a:txBody>
+                  <a:tcPr/>
+                </a:tc>
+              </a:tr>
+              <a:tr h="370840">
+                <a:tc>
+                  <a:txBody>
+                    <a:bodyPr/>
+                    <a:lstStyle/>
+                    <a:p>
+                      <a:r>
+                        <a:rPr lang="en-US" dirty="0" smtClean="0"/>
+                        <a:t>The order</a:t>
+                      </a:r>
+                      <a:r>
+                        <a:rPr lang="en-US" baseline="0" dirty="0" smtClean="0"/>
+                        <a:t> of last basket</a:t>
+                      </a:r>
+                      <a:endParaRPr lang="en-US" dirty="0"/>
+                    </a:p>
+                  </a:txBody>
+                  <a:tcPr/>
+                </a:tc>
+                <a:tc>
+                  <a:txBody>
+                    <a:bodyPr/>
+                    <a:lstStyle/>
+                    <a:p>
+                      <a:r>
+                        <a:rPr lang="en-US" dirty="0" smtClean="0"/>
+                        <a:t>1byte</a:t>
+                      </a:r>
+                      <a:endParaRPr lang="en-US" dirty="0"/>
+                    </a:p>
+                  </a:txBody>
+                  <a:tcPr/>
+                </a:tc>
+              </a:tr>
+              <a:tr h="370840">
+                <a:tc>
+                  <a:txBody>
+                    <a:bodyPr/>
+                    <a:lstStyle/>
+                    <a:p>
+                      <a:r>
+                        <a:rPr lang="en-US" dirty="0" smtClean="0"/>
+                        <a:t>Length</a:t>
+                      </a:r>
+                      <a:endParaRPr lang="en-US" dirty="0"/>
+                    </a:p>
+                  </a:txBody>
+                  <a:tcPr/>
+                </a:tc>
+                <a:tc>
+                  <a:txBody>
+                    <a:bodyPr/>
+                    <a:lstStyle/>
+                    <a:p>
+                      <a:r>
+                        <a:rPr lang="en-US" dirty="0" smtClean="0"/>
+                        <a:t>2byte</a:t>
+                      </a:r>
+                      <a:endParaRPr lang="en-US" dirty="0"/>
+                    </a:p>
+                  </a:txBody>
+                  <a:tcPr/>
+                </a:tc>
+              </a:tr>
+              <a:tr h="370840">
+                <a:tc>
+                  <a:txBody>
+                    <a:bodyPr/>
+                    <a:lstStyle/>
+                    <a:p>
+                      <a:r>
+                        <a:rPr lang="en-US" dirty="0" smtClean="0"/>
+                        <a:t>Flag</a:t>
+                      </a:r>
+                      <a:endParaRPr lang="en-US" dirty="0"/>
+                    </a:p>
+                  </a:txBody>
+                  <a:tcPr/>
+                </a:tc>
+                <a:tc>
+                  <a:txBody>
+                    <a:bodyPr/>
+                    <a:lstStyle/>
+                    <a:p>
+                      <a:r>
+                        <a:rPr lang="en-US" dirty="0" smtClean="0"/>
+                        <a:t>1byte</a:t>
+                      </a:r>
+                      <a:endParaRPr lang="en-US" dirty="0"/>
+                    </a:p>
+                  </a:txBody>
+                  <a:tcPr/>
+                </a:tc>
+              </a:tr>
+              <a:tr h="370840">
+                <a:tc>
+                  <a:txBody>
+                    <a:bodyPr/>
+                    <a:lstStyle/>
+                    <a:p>
+                      <a:r>
+                        <a:rPr lang="en-US" dirty="0" smtClean="0"/>
+                        <a:t>Data</a:t>
+                      </a:r>
+                      <a:endParaRPr lang="en-US" dirty="0"/>
+                    </a:p>
+                  </a:txBody>
+                  <a:tcPr/>
+                </a:tc>
+                <a:tc>
+                  <a:txBody>
+                    <a:bodyPr/>
+                    <a:lstStyle/>
+                    <a:p>
+                      <a:r>
+                        <a:rPr lang="en-US" dirty="0" smtClean="0"/>
+                        <a:t>Length (bytes)</a:t>
+                      </a:r>
+                      <a:endParaRPr lang="en-US" dirty="0"/>
+                    </a:p>
+                  </a:txBody>
+                  <a:tcPr/>
+                </a:tc>
+              </a:tr>
+              <a:tr h="370840">
+                <a:tc>
+                  <a:txBody>
+                    <a:bodyPr/>
+                    <a:lstStyle/>
+                    <a:p>
+                      <a:r>
+                        <a:rPr lang="en-US" dirty="0" smtClean="0"/>
+                        <a:t>Flag</a:t>
+                      </a:r>
+                      <a:endParaRPr lang="en-US" dirty="0"/>
+                    </a:p>
+                  </a:txBody>
+                  <a:tcPr/>
+                </a:tc>
+                <a:tc>
+                  <a:txBody>
+                    <a:bodyPr/>
+                    <a:lstStyle/>
+                    <a:p>
+                      <a:r>
+                        <a:rPr lang="en-US" dirty="0" smtClean="0"/>
+                        <a:t>1byte</a:t>
+                      </a:r>
+                      <a:endParaRPr lang="en-US" dirty="0"/>
+                    </a:p>
+                  </a:txBody>
+                  <a:tcPr/>
+                </a:tc>
+              </a:tr>
+              <a:tr h="370840">
+                <a:tc>
+                  <a:txBody>
+                    <a:bodyPr/>
+                    <a:lstStyle/>
+                    <a:p>
+                      <a:r>
+                        <a:rPr lang="en-US" dirty="0" smtClean="0"/>
+                        <a:t>Data</a:t>
+                      </a:r>
+                      <a:endParaRPr lang="en-US" dirty="0"/>
+                    </a:p>
+                  </a:txBody>
+                  <a:tcPr/>
+                </a:tc>
+                <a:tc>
+                  <a:txBody>
+                    <a:bodyPr/>
+                    <a:lstStyle/>
+                    <a:p>
+                      <a:r>
+                        <a:rPr lang="en-US" dirty="0" smtClean="0"/>
+                        <a:t>Length (bytes)</a:t>
+                      </a:r>
+                      <a:endParaRPr lang="en-US" dirty="0"/>
+                    </a:p>
+                  </a:txBody>
+                  <a:tcPr/>
+                </a:tc>
+              </a:tr>
+              <a:tr h="370840">
+                <a:tc>
+                  <a:txBody>
+                    <a:bodyPr/>
+                    <a:lstStyle/>
+                    <a:p>
+                      <a:r>
+                        <a:rPr lang="en-US" dirty="0" smtClean="0"/>
+                        <a:t>…</a:t>
+                      </a:r>
+                      <a:endParaRPr lang="en-US" dirty="0"/>
+                    </a:p>
+                  </a:txBody>
+                  <a:tcPr/>
+                </a:tc>
+                <a:tc>
+                  <a:txBody>
+                    <a:bodyPr/>
+                    <a:lstStyle/>
+                    <a:p>
+                      <a:r>
+                        <a:rPr lang="en-US" dirty="0" smtClean="0"/>
+                        <a:t>…</a:t>
+                      </a:r>
+                      <a:endParaRPr lang="en-US" dirty="0"/>
+                    </a:p>
+                  </a:txBody>
+                  <a:tcPr/>
+                </a:tc>
+              </a:tr>
+            </a:tbl>
+          </a:graphicData>
+        </a:graphic>
+      </p:graphicFrame>
+      <p:pic>
+        <p:nvPicPr>
+          <p:cNvPr id="7" name="Picture 6"/>
+          <p:cNvPicPr/>
+          <p:nvPr/>
+        </p:nvPicPr>
+        <p:blipFill>
+          <a:blip r:embed="rId3">
+            <a:extLst>
+              <a:ext uri="{28A0092B-C50C-407E-A947-70E740481C1C}">
+                <a14:useLocalDpi xmlns:a14="http://schemas.microsoft.com/office/drawing/2010/main" val="0"/>
+              </a:ext>
+            </a:extLst>
+          </a:blip>
+          <a:stretch>
+            <a:fillRect/>
+          </a:stretch>
+        </p:blipFill>
+        <p:spPr>
+          <a:xfrm>
+            <a:off x="3732847" y="2184400"/>
+            <a:ext cx="4352925" cy="4391660"/>
+          </a:xfrm>
+          <a:prstGeom prst="rect">
+            <a:avLst/>
+          </a:prstGeom>
+        </p:spPr>
+      </p:pic>
+      <p:pic>
+        <p:nvPicPr>
+          <p:cNvPr id="8" name="Picture 7"/>
+          <p:cNvPicPr/>
+          <p:nvPr/>
+        </p:nvPicPr>
+        <p:blipFill>
+          <a:blip r:embed="rId4">
+            <a:extLst>
+              <a:ext uri="{28A0092B-C50C-407E-A947-70E740481C1C}">
+                <a14:useLocalDpi xmlns:a14="http://schemas.microsoft.com/office/drawing/2010/main" val="0"/>
+              </a:ext>
+            </a:extLst>
+          </a:blip>
+          <a:stretch>
+            <a:fillRect/>
+          </a:stretch>
+        </p:blipFill>
+        <p:spPr>
+          <a:xfrm>
+            <a:off x="4191000" y="1752600"/>
+            <a:ext cx="2725420" cy="3629025"/>
+          </a:xfrm>
+          <a:prstGeom prst="rect">
+            <a:avLst/>
+          </a:prstGeom>
+        </p:spPr>
+      </p:pic>
+    </p:spTree>
+    <p:extLst>
+      <p:ext uri="{BB962C8B-B14F-4D97-AF65-F5344CB8AC3E}">
+        <p14:creationId xmlns:p14="http://schemas.microsoft.com/office/powerpoint/2010/main" val="3690782350"/>
+      </p:ext>
+    </p:extLst>
+  </p:cSld>
+  <p:clrMapOvr>
+    <a:masterClrMapping/>
+  </p:clrMapOvr>
+  <p:timing>
+    <p:tnLst>
+      <p:par>
+        <p:cTn id="1" dur="indefinite" restart="never" nodeType="tmRoot">
+          <p:childTnLst>
+            <p:seq concurrent="1" nextAc="seek">
+              <p:cTn id="2" dur="indefinite" nodeType="mainSeq">
+                <p:childTnLst>
+                  <p:par>
+                    <p:cTn id="3" fill="hold">
+                      <p:stCondLst>
+                        <p:cond delay="indefinite"/>
+                        <p:cond evt="onBegin" delay="0">
+                          <p:tn val="2"/>
+                        </p:cond>
+                      </p:stCondLst>
+                      <p:childTnLst>
+                        <p:par>
+                          <p:cTn id="4" fill="hold">
+                            <p:stCondLst>
+                              <p:cond delay="0"/>
+                            </p:stCondLst>
+                            <p:childTnLst>
+                              <p:par>
+                                <p:cTn id="5" presetID="1" presetClass="exit" presetSubtype="0" fill="hold" nodeType="withEffect">
+                                  <p:stCondLst>
+                                    <p:cond delay="0"/>
+                                  </p:stCondLst>
+                                  <p:childTnLst>
+                                    <p:set>
+                                      <p:cBhvr>
+                                        <p:cTn id="6" dur="1" fill="hold">
+                                          <p:stCondLst>
+                                            <p:cond delay="0"/>
+                                          </p:stCondLst>
+                                        </p:cTn>
+                                        <p:tgtEl>
+                                          <p:spTgt spid="7"/>
+                                        </p:tgtEl>
+                                        <p:attrNameLst>
+                                          <p:attrName>style.visibility</p:attrName>
+                                        </p:attrNameLst>
+                                      </p:cBhvr>
+                                      <p:to>
+                                        <p:strVal val="hidden"/>
+                                      </p:to>
+                                    </p:set>
+                                  </p:childTnLst>
+                                </p:cTn>
+                              </p:par>
+                              <p:par>
+                                <p:cTn id="7" presetID="1" presetClass="exit" presetSubtype="0" fill="hold" nodeType="withEffect">
+                                  <p:stCondLst>
+                                    <p:cond delay="0"/>
+                                  </p:stCondLst>
+                                  <p:childTnLst>
+                                    <p:set>
+                                      <p:cBhvr>
+                                        <p:cTn id="8" dur="1" fill="hold">
+                                          <p:stCondLst>
+                                            <p:cond delay="0"/>
+                                          </p:stCondLst>
+                                        </p:cTn>
+                                        <p:tgtEl>
+                                          <p:spTgt spid="8"/>
+                                        </p:tgtEl>
+                                        <p:attrNameLst>
+                                          <p:attrName>style.visibility</p:attrName>
+                                        </p:attrNameLst>
+                                      </p:cBhvr>
+                                      <p:to>
+                                        <p:strVal val="hidden"/>
+                                      </p:to>
+                                    </p:set>
+                                  </p:childTnLst>
+                                </p:cTn>
+                              </p:par>
+                              <p:par>
+                                <p:cTn id="9" presetID="1" presetClass="exit" presetSubtype="0" fill="hold" nodeType="withEffect">
+                                  <p:stCondLst>
+                                    <p:cond delay="0"/>
+                                  </p:stCondLst>
+                                  <p:childTnLst>
+                                    <p:set>
+                                      <p:cBhvr>
+                                        <p:cTn id="10" dur="1" fill="hold">
+                                          <p:stCondLst>
+                                            <p:cond delay="0"/>
+                                          </p:stCondLst>
+                                        </p:cTn>
+                                        <p:tgtEl>
+                                          <p:spTgt spid="6"/>
+                                        </p:tgtEl>
+                                        <p:attrNameLst>
+                                          <p:attrName>style.visibility</p:attrName>
+                                        </p:attrNameLst>
+                                      </p:cBhvr>
+                                      <p:to>
+                                        <p:strVal val="hidden"/>
+                                      </p:to>
+                                    </p:set>
+                                  </p:childTnLst>
+                                </p:cTn>
+                              </p:par>
+                            </p:childTnLst>
+                          </p:cTn>
+                        </p:par>
+                      </p:childTnLst>
+                    </p:cTn>
+                  </p:par>
+                  <p:par>
+                    <p:cTn id="11" fill="hold">
+                      <p:stCondLst>
+                        <p:cond delay="indefinite"/>
+                      </p:stCondLst>
+                      <p:childTnLst>
+                        <p:par>
+                          <p:cTn id="12" fill="hold">
+                            <p:stCondLst>
+                              <p:cond delay="0"/>
+                            </p:stCondLst>
+                            <p:childTnLst>
+                              <p:par>
+                                <p:cTn id="13" presetID="1" presetClass="entr" presetSubtype="0" fill="hold" nodeType="clickEffect">
+                                  <p:stCondLst>
+                                    <p:cond delay="0"/>
+                                  </p:stCondLst>
+                                  <p:childTnLst>
+                                    <p:set>
+                                      <p:cBhvr>
+                                        <p:cTn id="14" dur="1" fill="hold">
+                                          <p:stCondLst>
+                                            <p:cond delay="0"/>
+                                          </p:stCondLst>
+                                        </p:cTn>
+                                        <p:tgtEl>
+                                          <p:spTgt spid="8"/>
+                                        </p:tgtEl>
+                                        <p:attrNameLst>
+                                          <p:attrName>style.visibility</p:attrName>
+                                        </p:attrNameLst>
+                                      </p:cBhvr>
+                                      <p:to>
+                                        <p:strVal val="visible"/>
+                                      </p:to>
+                                    </p:set>
+                                  </p:childTnLst>
+                                </p:cTn>
+                              </p:par>
+                              <p:par>
+                                <p:cTn id="15" presetID="35" presetClass="path" presetSubtype="0" accel="50000" decel="50000" fill="hold" nodeType="withEffect">
+                                  <p:stCondLst>
+                                    <p:cond delay="0"/>
+                                  </p:stCondLst>
+                                  <p:childTnLst>
+                                    <p:animMotion origin="layout" path="M 0.59167 0.04444 L 0.23333 0.04444 " pathEditMode="relative" rAng="0" ptsTypes="AA">
+                                      <p:cBhvr>
+                                        <p:cTn id="16" dur="2000" fill="hold"/>
+                                        <p:tgtEl>
+                                          <p:spTgt spid="8"/>
+                                        </p:tgtEl>
+                                        <p:attrNameLst>
+                                          <p:attrName>ppt_x</p:attrName>
+                                          <p:attrName>ppt_y</p:attrName>
+                                        </p:attrNameLst>
+                                      </p:cBhvr>
+                                      <p:rCtr x="-17917" y="0"/>
+                                    </p:animMotion>
+                                  </p:childTnLst>
+                                </p:cTn>
+                              </p:par>
+                            </p:childTnLst>
+                          </p:cTn>
+                        </p:par>
+                      </p:childTnLst>
+                    </p:cTn>
+                  </p:par>
+                  <p:par>
+                    <p:cTn id="17" fill="hold">
+                      <p:stCondLst>
+                        <p:cond delay="indefinite"/>
+                      </p:stCondLst>
+                      <p:childTnLst>
+                        <p:par>
+                          <p:cTn id="18" fill="hold">
+                            <p:stCondLst>
+                              <p:cond delay="0"/>
+                            </p:stCondLst>
+                            <p:childTnLst>
+                              <p:par>
+                                <p:cTn id="19" presetID="1" presetClass="exit" presetSubtype="0" fill="hold" nodeType="clickEffect">
+                                  <p:stCondLst>
+                                    <p:cond delay="0"/>
+                                  </p:stCondLst>
+                                  <p:childTnLst>
+                                    <p:set>
+                                      <p:cBhvr>
+                                        <p:cTn id="20" dur="1" fill="hold">
+                                          <p:stCondLst>
+                                            <p:cond delay="0"/>
+                                          </p:stCondLst>
+                                        </p:cTn>
+                                        <p:tgtEl>
+                                          <p:spTgt spid="8"/>
+                                        </p:tgtEl>
+                                        <p:attrNameLst>
+                                          <p:attrName>style.visibility</p:attrName>
+                                        </p:attrNameLst>
+                                      </p:cBhvr>
+                                      <p:to>
+                                        <p:strVal val="hidden"/>
+                                      </p:to>
+                                    </p:set>
+                                  </p:childTnLst>
+                                </p:cTn>
+                              </p:par>
+                              <p:par>
+                                <p:cTn id="21" presetID="1" presetClass="entr" presetSubtype="0" fill="hold" nodeType="withEffect">
+                                  <p:stCondLst>
+                                    <p:cond delay="0"/>
+                                  </p:stCondLst>
+                                  <p:childTnLst>
+                                    <p:set>
+                                      <p:cBhvr>
+                                        <p:cTn id="22" dur="1" fill="hold">
+                                          <p:stCondLst>
+                                            <p:cond delay="0"/>
+                                          </p:stCondLst>
+                                        </p:cTn>
+                                        <p:tgtEl>
+                                          <p:spTgt spid="6"/>
+                                        </p:tgtEl>
+                                        <p:attrNameLst>
+                                          <p:attrName>style.visibility</p:attrName>
+                                        </p:attrNameLst>
+                                      </p:cBhvr>
+                                      <p:to>
+                                        <p:strVal val="visible"/>
+                                      </p:to>
+                                    </p:set>
+                                  </p:childTnLst>
+                                </p:cTn>
+                              </p:par>
+                              <p:par>
+                                <p:cTn id="23" presetID="35" presetClass="path" presetSubtype="0" accel="50000" decel="50000" fill="hold" nodeType="withEffect">
+                                  <p:stCondLst>
+                                    <p:cond delay="0"/>
+                                  </p:stCondLst>
+                                  <p:childTnLst>
+                                    <p:animMotion origin="layout" path="M 0.38334 1.11022E-16 L -3.33333E-6 1.11022E-16 " pathEditMode="relative" rAng="0" ptsTypes="AA">
+                                      <p:cBhvr>
+                                        <p:cTn id="24" dur="2000" fill="hold"/>
+                                        <p:tgtEl>
+                                          <p:spTgt spid="6"/>
+                                        </p:tgtEl>
+                                        <p:attrNameLst>
+                                          <p:attrName>ppt_x</p:attrName>
+                                          <p:attrName>ppt_y</p:attrName>
+                                        </p:attrNameLst>
+                                      </p:cBhvr>
+                                      <p:rCtr x="-19167" y="0"/>
+                                    </p:animMotion>
+                                  </p:childTnLst>
+                                </p:cTn>
+                              </p:par>
+                            </p:childTnLst>
+                          </p:cTn>
+                        </p:par>
+                      </p:childTnLst>
+                    </p:cTn>
+                  </p:par>
+                  <p:par>
+                    <p:cTn id="25" fill="hold">
+                      <p:stCondLst>
+                        <p:cond delay="indefinite"/>
+                      </p:stCondLst>
+                      <p:childTnLst>
+                        <p:par>
+                          <p:cTn id="26" fill="hold">
+                            <p:stCondLst>
+                              <p:cond delay="0"/>
+                            </p:stCondLst>
+                            <p:childTnLst>
+                              <p:par>
+                                <p:cTn id="27" presetID="1" presetClass="exit" presetSubtype="0" fill="hold" nodeType="clickEffect">
+                                  <p:stCondLst>
+                                    <p:cond delay="0"/>
+                                  </p:stCondLst>
+                                  <p:childTnLst>
+                                    <p:set>
+                                      <p:cBhvr>
+                                        <p:cTn id="28" dur="1" fill="hold">
+                                          <p:stCondLst>
+                                            <p:cond delay="0"/>
+                                          </p:stCondLst>
+                                        </p:cTn>
+                                        <p:tgtEl>
+                                          <p:spTgt spid="6"/>
+                                        </p:tgtEl>
+                                        <p:attrNameLst>
+                                          <p:attrName>style.visibility</p:attrName>
+                                        </p:attrNameLst>
+                                      </p:cBhvr>
+                                      <p:to>
+                                        <p:strVal val="hidden"/>
+                                      </p:to>
+                                    </p:set>
+                                  </p:childTnLst>
+                                </p:cTn>
+                              </p:par>
+                              <p:par>
+                                <p:cTn id="29" presetID="1" presetClass="entr" presetSubtype="0" fill="hold" nodeType="withEffect">
+                                  <p:stCondLst>
+                                    <p:cond delay="0"/>
+                                  </p:stCondLst>
+                                  <p:childTnLst>
+                                    <p:set>
+                                      <p:cBhvr>
+                                        <p:cTn id="30" dur="1" fill="hold">
+                                          <p:stCondLst>
+                                            <p:cond delay="0"/>
+                                          </p:stCondLst>
+                                        </p:cTn>
+                                        <p:tgtEl>
+                                          <p:spTgt spid="7"/>
+                                        </p:tgtEl>
+                                        <p:attrNameLst>
+                                          <p:attrName>style.visibility</p:attrName>
+                                        </p:attrNameLst>
+                                      </p:cBhvr>
+                                      <p:to>
+                                        <p:strVal val="visible"/>
+                                      </p:to>
+                                    </p:set>
+                                  </p:childTnLst>
+                                </p:cTn>
+                              </p:par>
+                              <p:par>
+                                <p:cTn id="31" presetID="35" presetClass="path" presetSubtype="0" accel="50000" decel="50000" fill="hold" nodeType="withEffect">
+                                  <p:stCondLst>
+                                    <p:cond delay="0"/>
+                                  </p:stCondLst>
+                                  <p:childTnLst>
+                                    <p:animMotion origin="layout" path="M 0.44549 -0.06088 L 0.05382 -0.06065 " pathEditMode="relative" rAng="0" ptsTypes="AA">
+                                      <p:cBhvr>
+                                        <p:cTn id="32" dur="2000" fill="hold"/>
+                                        <p:tgtEl>
+                                          <p:spTgt spid="7"/>
+                                        </p:tgtEl>
+                                        <p:attrNameLst>
+                                          <p:attrName>ppt_x</p:attrName>
+                                          <p:attrName>ppt_y</p:attrName>
+                                        </p:attrNameLst>
+                                      </p:cBhvr>
+                                      <p:rCtr x="-19583" y="0"/>
+                                    </p:animMotion>
+                                  </p:childTnLst>
+                                </p:cTn>
+                              </p:par>
+                            </p:childTnLst>
+                          </p:cTn>
+                        </p:par>
+                      </p:childTnLst>
+                    </p:cTn>
+                  </p:par>
+                </p:childTnLst>
+              </p:cTn>
+              <p:prevCondLst>
+                <p:cond evt="onPrev" delay="0">
+                  <p:tgtEl>
+                    <p:sldTgt/>
+                  </p:tgtEl>
+                </p:cond>
+              </p:prevCondLst>
+              <p:nextCondLst>
+                <p:cond evt="onNext" delay="0">
+                  <p:tgtEl>
+                    <p:sldTgt/>
+                  </p:tgtEl>
+                </p:cond>
+              </p:nextCondLst>
+            </p:seq>
+          </p:childTnLst>
+        </p:cTn>
+      </p:par>
+    </p:tnLst>
+  </p:timing>
+</p:sld>
+</file>
+
+<file path=ppt/slides/slide12.xml><?xml version="1.0" encoding="utf-8"?>
+<p:sld xmlns:a="http://schemas.openxmlformats.org/drawingml/2006/main" xmlns:r="http://schemas.openxmlformats.org/officeDocument/2006/relationships" xmlns:p="http://schemas.openxmlformats.org/presentationml/2006/main">
+  <p:cSld>
+    <p:spTree>
+      <p:nvGrpSpPr>
+        <p:cNvPr id="1" name=""/>
+        <p:cNvGrpSpPr/>
+        <p:nvPr/>
+      </p:nvGrpSpPr>
+      <p:grpSpPr>
+        <a:xfrm>
+          <a:off x="0" y="0"/>
+          <a:ext cx="0" cy="0"/>
+          <a:chOff x="0" y="0"/>
+          <a:chExt cx="0" cy="0"/>
+        </a:xfrm>
+      </p:grpSpPr>
+      <p:sp>
+        <p:nvSpPr>
+          <p:cNvPr id="2" name="Title 1"/>
+          <p:cNvSpPr>
+            <a:spLocks noGrp="1"/>
+          </p:cNvSpPr>
+          <p:nvPr>
+            <p:ph type="title"/>
+          </p:nvPr>
+        </p:nvSpPr>
+        <p:spPr/>
+        <p:txBody>
+          <a:bodyPr>
+            <a:normAutofit/>
+          </a:bodyPr>
+          <a:lstStyle/>
+          <a:p>
+            <a:r>
+              <a:rPr lang="en-US" b="1" dirty="0" err="1" smtClean="0">
+                <a:solidFill>
+                  <a:schemeClr val="tx2"/>
+                </a:solidFill>
+                <a:latin typeface="Times New Roman" pitchFamily="18" charset="0"/>
+                <a:cs typeface="Times New Roman" pitchFamily="18" charset="0"/>
+              </a:rPr>
+              <a:t>Tổng</a:t>
+            </a:r>
+            <a:r>
+              <a:rPr lang="en-US" b="1" dirty="0" smtClean="0">
+                <a:solidFill>
+                  <a:schemeClr val="tx2"/>
+                </a:solidFill>
+                <a:latin typeface="Times New Roman" pitchFamily="18" charset="0"/>
+                <a:cs typeface="Times New Roman" pitchFamily="18" charset="0"/>
+              </a:rPr>
+              <a:t> </a:t>
+            </a:r>
+            <a:r>
+              <a:rPr lang="en-US" b="1" dirty="0" err="1" smtClean="0">
+                <a:solidFill>
+                  <a:schemeClr val="tx2"/>
+                </a:solidFill>
+                <a:latin typeface="Times New Roman" pitchFamily="18" charset="0"/>
+                <a:cs typeface="Times New Roman" pitchFamily="18" charset="0"/>
+              </a:rPr>
+              <a:t>kết</a:t>
+            </a:r>
+            <a:endParaRPr lang="en-US" dirty="0"/>
+          </a:p>
+        </p:txBody>
+      </p:sp>
+      <p:sp>
+        <p:nvSpPr>
+          <p:cNvPr id="3" name="Content Placeholder 2"/>
+          <p:cNvSpPr>
+            <a:spLocks noGrp="1"/>
+          </p:cNvSpPr>
+          <p:nvPr>
+            <p:ph idx="1"/>
+          </p:nvPr>
+        </p:nvSpPr>
+        <p:spPr/>
+        <p:txBody>
+          <a:bodyPr/>
+          <a:lstStyle/>
+          <a:p>
+            <a:r>
+              <a:rPr lang="en-US" dirty="0" err="1" smtClean="0"/>
+              <a:t>Kết</a:t>
+            </a:r>
+            <a:r>
+              <a:rPr lang="en-US" dirty="0" smtClean="0"/>
+              <a:t> </a:t>
+            </a:r>
+            <a:r>
+              <a:rPr lang="en-US" dirty="0" err="1" smtClean="0"/>
+              <a:t>quả</a:t>
+            </a:r>
+            <a:r>
+              <a:rPr lang="en-US" dirty="0" smtClean="0"/>
+              <a:t> (1slide)</a:t>
+            </a:r>
+          </a:p>
+          <a:p>
+            <a:r>
+              <a:rPr lang="en-US" dirty="0" err="1" smtClean="0"/>
+              <a:t>Hạn</a:t>
+            </a:r>
+            <a:r>
+              <a:rPr lang="en-US" dirty="0" smtClean="0"/>
+              <a:t> </a:t>
+            </a:r>
+            <a:r>
+              <a:rPr lang="en-US" dirty="0" err="1" smtClean="0"/>
+              <a:t>chế</a:t>
+            </a:r>
+            <a:r>
+              <a:rPr lang="en-US" dirty="0" smtClean="0"/>
+              <a:t> (1slide)</a:t>
+            </a:r>
+          </a:p>
+          <a:p>
+            <a:r>
+              <a:rPr lang="en-US" dirty="0" err="1" smtClean="0"/>
+              <a:t>Hướng</a:t>
+            </a:r>
+            <a:r>
+              <a:rPr lang="en-US" dirty="0" smtClean="0"/>
+              <a:t> </a:t>
+            </a:r>
+            <a:r>
+              <a:rPr lang="en-US" dirty="0" err="1" smtClean="0"/>
+              <a:t>phát</a:t>
+            </a:r>
+            <a:r>
+              <a:rPr lang="en-US" dirty="0" smtClean="0"/>
+              <a:t> </a:t>
+            </a:r>
+            <a:r>
+              <a:rPr lang="en-US" dirty="0" err="1" smtClean="0"/>
+              <a:t>triển</a:t>
+            </a:r>
+            <a:r>
+              <a:rPr lang="en-US" dirty="0" smtClean="0"/>
+              <a:t> (1slide)</a:t>
+            </a:r>
+            <a:endParaRPr lang="en-US" dirty="0"/>
+          </a:p>
+        </p:txBody>
+      </p:sp>
+    </p:spTree>
+    <p:extLst>
+      <p:ext uri="{BB962C8B-B14F-4D97-AF65-F5344CB8AC3E}">
+        <p14:creationId xmlns:p14="http://schemas.microsoft.com/office/powerpoint/2010/main" val="2247665721"/>
+      </p:ext>
+    </p:extLst>
+  </p:cSld>
+  <p:clrMapOvr>
+    <a:masterClrMapping/>
+  </p:clrMapOvr>
+  <p:timing>
+    <p:tnLst>
+      <p:par>
+        <p:cTn id="1" dur="indefinite" restart="never" nodeType="tmRoot"/>
+      </p:par>
+    </p:tnLst>
+  </p:timing>
+</p:sld>
+</file>
+
+<file path=ppt/slides/slide13.xml><?xml version="1.0" encoding="utf-8"?>
+<p:sld xmlns:a="http://schemas.openxmlformats.org/drawingml/2006/main" xmlns:r="http://schemas.openxmlformats.org/officeDocument/2006/relationships" xmlns:p="http://schemas.openxmlformats.org/presentationml/2006/main">
+  <p:cSld>
+    <p:spTree>
+      <p:nvGrpSpPr>
+        <p:cNvPr id="1" name=""/>
+        <p:cNvGrpSpPr/>
+        <p:nvPr/>
+      </p:nvGrpSpPr>
+      <p:grpSpPr>
+        <a:xfrm>
+          <a:off x="0" y="0"/>
+          <a:ext cx="0" cy="0"/>
+          <a:chOff x="0" y="0"/>
+          <a:chExt cx="0" cy="0"/>
+        </a:xfrm>
+      </p:grpSpPr>
+      <p:sp>
+        <p:nvSpPr>
+          <p:cNvPr id="2" name="Title 1"/>
+          <p:cNvSpPr>
+            <a:spLocks noGrp="1"/>
+          </p:cNvSpPr>
+          <p:nvPr>
+            <p:ph type="title"/>
+          </p:nvPr>
+        </p:nvSpPr>
+        <p:spPr/>
+        <p:txBody>
+          <a:bodyPr/>
+          <a:lstStyle/>
+          <a:p>
+            <a:r>
+              <a:rPr lang="en-US" dirty="0" smtClean="0"/>
+              <a:t>Demo</a:t>
+            </a:r>
+            <a:endParaRPr lang="en-US" dirty="0"/>
+          </a:p>
+        </p:txBody>
+      </p:sp>
+      <p:sp>
+        <p:nvSpPr>
+          <p:cNvPr id="3" name="Content Placeholder 2"/>
+          <p:cNvSpPr>
+            <a:spLocks noGrp="1"/>
+          </p:cNvSpPr>
+          <p:nvPr>
+            <p:ph idx="1"/>
+          </p:nvPr>
+        </p:nvSpPr>
+        <p:spPr/>
+        <p:txBody>
+          <a:bodyPr/>
+          <a:lstStyle/>
+          <a:p>
+            <a:endParaRPr lang="en-US"/>
+          </a:p>
+        </p:txBody>
+      </p:sp>
+    </p:spTree>
+    <p:extLst>
+      <p:ext uri="{BB962C8B-B14F-4D97-AF65-F5344CB8AC3E}">
+        <p14:creationId xmlns:p14="http://schemas.microsoft.com/office/powerpoint/2010/main" val="1564550234"/>
+      </p:ext>
+    </p:extLst>
+  </p:cSld>
+  <p:clrMapOvr>
+    <a:masterClrMapping/>
+  </p:clrMapOvr>
+  <p:timing>
+    <p:tnLst>
+      <p:par>
+        <p:cTn id="1" dur="indefinite" restart="never" nodeType="tmRoot"/>
+      </p:par>
+    </p:tnLst>
+  </p:timing>
+</p:sld>
+</file>
+
+<file path=ppt/slides/slide14.xml><?xml version="1.0" encoding="utf-8"?>
+<p:sld xmlns:a="http://schemas.openxmlformats.org/drawingml/2006/main" xmlns:r="http://schemas.openxmlformats.org/officeDocument/2006/relationships" xmlns:p="http://schemas.openxmlformats.org/presentationml/2006/main">
+  <p:cSld>
+    <p:spTree>
+      <p:nvGrpSpPr>
+        <p:cNvPr id="1" name=""/>
+        <p:cNvGrpSpPr/>
+        <p:nvPr/>
+      </p:nvGrpSpPr>
+      <p:grpSpPr>
+        <a:xfrm>
+          <a:off x="0" y="0"/>
+          <a:ext cx="0" cy="0"/>
+          <a:chOff x="0" y="0"/>
+          <a:chExt cx="0" cy="0"/>
+        </a:xfrm>
+      </p:grpSpPr>
+      <p:sp>
+        <p:nvSpPr>
+          <p:cNvPr id="2" name="Title 1"/>
+          <p:cNvSpPr>
+            <a:spLocks noGrp="1"/>
+          </p:cNvSpPr>
+          <p:nvPr>
+            <p:ph type="title"/>
+          </p:nvPr>
+        </p:nvSpPr>
+        <p:spPr/>
+        <p:txBody>
+          <a:bodyPr/>
+          <a:lstStyle/>
+          <a:p>
             <a:endParaRPr lang="en-US"/>
           </a:p>
         </p:txBody>
@@ -4501,6 +5998,13 @@
   <p:clrMapOvr>
     <a:masterClrMapping/>
   </p:clrMapOvr>
+  <p:timing>
+    <p:tnLst>
+      <p:par>
+        <p:cTn id="1" dur="indefinite" restart="never" nodeType="tmRoot"/>
+      </p:par>
+    </p:tnLst>
+  </p:timing>
 </p:sld>
 </file>
 
@@ -4565,7 +6069,7 @@
         <p:spPr/>
         <p:txBody>
           <a:bodyPr>
-            <a:normAutofit/>
+            <a:normAutofit lnSpcReduction="10000"/>
           </a:bodyPr>
           <a:lstStyle/>
           <a:p>
@@ -8070,8 +9574,8 @@
                 <a:solidFill>
                   <a:schemeClr val="tx2"/>
                 </a:solidFill>
-                <a:latin typeface="Times New Roman" pitchFamily="18" charset="0"/>
-                <a:cs typeface="Times New Roman" pitchFamily="18" charset="0"/>
+                <a:latin typeface="Arial" pitchFamily="34" charset="0"/>
+                <a:cs typeface="Arial" pitchFamily="34" charset="0"/>
               </a:rPr>
               <a:t>Vấn</a:t>
             </a:r>
@@ -8080,8 +9584,8 @@
                 <a:solidFill>
                   <a:schemeClr val="tx2"/>
                 </a:solidFill>
-                <a:latin typeface="Times New Roman" pitchFamily="18" charset="0"/>
-                <a:cs typeface="Times New Roman" pitchFamily="18" charset="0"/>
+                <a:latin typeface="Arial" pitchFamily="34" charset="0"/>
+                <a:cs typeface="Arial" pitchFamily="34" charset="0"/>
               </a:rPr>
               <a:t> </a:t>
             </a:r>
@@ -8090,8 +9594,8 @@
                 <a:solidFill>
                   <a:schemeClr val="tx2"/>
                 </a:solidFill>
-                <a:latin typeface="Times New Roman" pitchFamily="18" charset="0"/>
-                <a:cs typeface="Times New Roman" pitchFamily="18" charset="0"/>
+                <a:latin typeface="Arial" pitchFamily="34" charset="0"/>
+                <a:cs typeface="Arial" pitchFamily="34" charset="0"/>
               </a:rPr>
               <a:t>đề</a:t>
             </a:r>
@@ -8100,8 +9604,8 @@
                 <a:solidFill>
                   <a:schemeClr val="tx2"/>
                 </a:solidFill>
-                <a:latin typeface="Times New Roman" pitchFamily="18" charset="0"/>
-                <a:cs typeface="Times New Roman" pitchFamily="18" charset="0"/>
+                <a:latin typeface="Arial" pitchFamily="34" charset="0"/>
+                <a:cs typeface="Arial" pitchFamily="34" charset="0"/>
               </a:rPr>
               <a:t> </a:t>
             </a:r>
@@ -8110,8 +9614,8 @@
                 <a:solidFill>
                   <a:schemeClr val="tx2"/>
                 </a:solidFill>
-                <a:latin typeface="Times New Roman" pitchFamily="18" charset="0"/>
-                <a:cs typeface="Times New Roman" pitchFamily="18" charset="0"/>
+                <a:latin typeface="Arial" pitchFamily="34" charset="0"/>
+                <a:cs typeface="Arial" pitchFamily="34" charset="0"/>
               </a:rPr>
               <a:t>và</a:t>
             </a:r>
@@ -8120,8 +9624,8 @@
                 <a:solidFill>
                   <a:schemeClr val="tx2"/>
                 </a:solidFill>
-                <a:latin typeface="Times New Roman" pitchFamily="18" charset="0"/>
-                <a:cs typeface="Times New Roman" pitchFamily="18" charset="0"/>
+                <a:latin typeface="Arial" pitchFamily="34" charset="0"/>
+                <a:cs typeface="Arial" pitchFamily="34" charset="0"/>
               </a:rPr>
               <a:t> </a:t>
             </a:r>
@@ -8130,8 +9634,8 @@
                 <a:solidFill>
                   <a:schemeClr val="tx2"/>
                 </a:solidFill>
-                <a:latin typeface="Times New Roman" pitchFamily="18" charset="0"/>
-                <a:cs typeface="Times New Roman" pitchFamily="18" charset="0"/>
+                <a:latin typeface="Arial" pitchFamily="34" charset="0"/>
+                <a:cs typeface="Arial" pitchFamily="34" charset="0"/>
               </a:rPr>
               <a:t>giải</a:t>
             </a:r>
@@ -8140,8 +9644,8 @@
                 <a:solidFill>
                   <a:schemeClr val="tx2"/>
                 </a:solidFill>
-                <a:latin typeface="Times New Roman" pitchFamily="18" charset="0"/>
-                <a:cs typeface="Times New Roman" pitchFamily="18" charset="0"/>
+                <a:latin typeface="Arial" pitchFamily="34" charset="0"/>
+                <a:cs typeface="Arial" pitchFamily="34" charset="0"/>
               </a:rPr>
               <a:t> </a:t>
             </a:r>
@@ -8150,12 +9654,15 @@
                 <a:solidFill>
                   <a:schemeClr val="tx2"/>
                 </a:solidFill>
-                <a:latin typeface="Times New Roman" pitchFamily="18" charset="0"/>
-                <a:cs typeface="Times New Roman" pitchFamily="18" charset="0"/>
+                <a:latin typeface="Arial" pitchFamily="34" charset="0"/>
+                <a:cs typeface="Arial" pitchFamily="34" charset="0"/>
               </a:rPr>
               <a:t>pháp</a:t>
             </a:r>
-            <a:endParaRPr lang="en-US" dirty="0"/>
+            <a:endParaRPr lang="en-US" dirty="0">
+              <a:latin typeface="Arial" pitchFamily="34" charset="0"/>
+              <a:cs typeface="Arial" pitchFamily="34" charset="0"/>
+            </a:endParaRPr>
           </a:p>
         </p:txBody>
       </p:sp>
@@ -8210,10 +9717,6 @@
               <a:rPr lang="en-US" dirty="0" err="1" smtClean="0"/>
               <a:t>pháp</a:t>
             </a:r>
-            <a:r>
-              <a:rPr lang="en-US" dirty="0" smtClean="0"/>
-              <a:t> (1slide)</a:t>
-            </a:r>
             <a:endParaRPr lang="en-US" dirty="0"/>
           </a:p>
           <a:p>
@@ -8291,6 +9794,30 @@
           <a:p>
             <a:pPr lvl="1"/>
             <a:r>
+              <a:rPr lang="en-US" dirty="0" err="1" smtClean="0"/>
+              <a:t>Dễ</a:t>
+            </a:r>
+            <a:r>
+              <a:rPr lang="en-US" dirty="0" smtClean="0"/>
+              <a:t> </a:t>
+            </a:r>
+            <a:r>
+              <a:rPr lang="en-US" dirty="0" err="1" smtClean="0"/>
+              <a:t>mở</a:t>
+            </a:r>
+            <a:r>
+              <a:rPr lang="en-US" dirty="0" smtClean="0"/>
+              <a:t> </a:t>
+            </a:r>
+            <a:r>
+              <a:rPr lang="en-US" dirty="0" err="1" smtClean="0"/>
+              <a:t>rộng</a:t>
+            </a:r>
+            <a:endParaRPr lang="en-US" dirty="0" smtClean="0"/>
+          </a:p>
+          <a:p>
+            <a:pPr lvl="1"/>
+            <a:r>
               <a:rPr lang="en-US" dirty="0" smtClean="0"/>
               <a:t>Chi </a:t>
             </a:r>
@@ -8345,91 +9872,6 @@
             <a:r>
               <a:rPr lang="en-US" dirty="0" err="1" smtClean="0"/>
               <a:t>hành</a:t>
-            </a:r>
-            <a:endParaRPr lang="en-US" dirty="0" smtClean="0"/>
-          </a:p>
-          <a:p>
-            <a:r>
-              <a:rPr lang="en-US" dirty="0" err="1" smtClean="0"/>
-              <a:t>Mô</a:t>
-            </a:r>
-            <a:r>
-              <a:rPr lang="en-US" dirty="0" smtClean="0"/>
-              <a:t> </a:t>
-            </a:r>
-            <a:r>
-              <a:rPr lang="en-US" dirty="0" err="1" smtClean="0"/>
-              <a:t>hình</a:t>
-            </a:r>
-            <a:r>
-              <a:rPr lang="en-US" dirty="0" smtClean="0"/>
-              <a:t> </a:t>
-            </a:r>
-            <a:r>
-              <a:rPr lang="en-US" dirty="0" err="1" smtClean="0"/>
-              <a:t>đưa</a:t>
-            </a:r>
-            <a:r>
-              <a:rPr lang="en-US" dirty="0" smtClean="0"/>
-              <a:t> </a:t>
-            </a:r>
-            <a:r>
-              <a:rPr lang="en-US" dirty="0" err="1" smtClean="0"/>
-              <a:t>ra</a:t>
-            </a:r>
-            <a:r>
-              <a:rPr lang="en-US" dirty="0" smtClean="0"/>
-              <a:t> (1 slide)</a:t>
-            </a:r>
-          </a:p>
-          <a:p>
-            <a:r>
-              <a:rPr lang="en-US" dirty="0" err="1" smtClean="0"/>
-              <a:t>Giải</a:t>
-            </a:r>
-            <a:r>
-              <a:rPr lang="en-US" dirty="0" smtClean="0"/>
-              <a:t> </a:t>
-            </a:r>
-            <a:r>
-              <a:rPr lang="en-US" dirty="0" err="1" smtClean="0"/>
-              <a:t>thích</a:t>
-            </a:r>
-            <a:r>
-              <a:rPr lang="en-US" dirty="0" smtClean="0"/>
-              <a:t>(1 slide)</a:t>
-            </a:r>
-            <a:endParaRPr lang="en-US" dirty="0"/>
-          </a:p>
-          <a:p>
-            <a:pPr lvl="1"/>
-            <a:r>
-              <a:rPr lang="en-US" dirty="0" err="1" smtClean="0"/>
-              <a:t>Ưu</a:t>
-            </a:r>
-            <a:r>
-              <a:rPr lang="en-US" dirty="0" smtClean="0"/>
-              <a:t> </a:t>
-            </a:r>
-            <a:r>
-              <a:rPr lang="en-US" dirty="0" err="1" smtClean="0"/>
-              <a:t>điểm</a:t>
-            </a:r>
-            <a:r>
-              <a:rPr lang="en-US" dirty="0" smtClean="0"/>
-              <a:t> </a:t>
-            </a:r>
-            <a:r>
-              <a:rPr lang="en-US" dirty="0" err="1" smtClean="0"/>
-              <a:t>mạng</a:t>
-            </a:r>
-            <a:r>
-              <a:rPr lang="en-US" dirty="0" smtClean="0"/>
-              <a:t> </a:t>
-            </a:r>
-            <a:r>
-              <a:rPr lang="en-US" dirty="0" err="1" smtClean="0"/>
-              <a:t>ZigBee</a:t>
             </a:r>
             <a:endParaRPr lang="en-US" dirty="0" smtClean="0"/>
           </a:p>
@@ -8484,82 +9926,103 @@
         </p:nvSpPr>
         <p:spPr/>
         <p:txBody>
-          <a:bodyPr>
-            <a:normAutofit/>
-          </a:bodyPr>
+          <a:bodyPr/>
           <a:lstStyle/>
           <a:p>
             <a:r>
-              <a:rPr lang="en-US" b="1" dirty="0" err="1" smtClean="0">
+              <a:rPr lang="en-US" b="1" dirty="0" err="1">
                 <a:solidFill>
                   <a:schemeClr val="tx2"/>
                 </a:solidFill>
-                <a:latin typeface="Times New Roman" pitchFamily="18" charset="0"/>
-                <a:cs typeface="Times New Roman" pitchFamily="18" charset="0"/>
+                <a:latin typeface="Arial" pitchFamily="34" charset="0"/>
+                <a:cs typeface="Arial" pitchFamily="34" charset="0"/>
               </a:rPr>
-              <a:t>Quá</a:t>
-            </a:r>
-            <a:r>
-              <a:rPr lang="en-US" b="1" dirty="0" smtClean="0">
+              <a:t>Vấn</a:t>
+            </a:r>
+            <a:r>
+              <a:rPr lang="en-US" b="1" dirty="0">
                 <a:solidFill>
                   <a:schemeClr val="tx2"/>
                 </a:solidFill>
-                <a:latin typeface="Times New Roman" pitchFamily="18" charset="0"/>
-                <a:cs typeface="Times New Roman" pitchFamily="18" charset="0"/>
+                <a:latin typeface="Arial" pitchFamily="34" charset="0"/>
+                <a:cs typeface="Arial" pitchFamily="34" charset="0"/>
               </a:rPr>
               <a:t> </a:t>
             </a:r>
             <a:r>
-              <a:rPr lang="en-US" b="1" dirty="0" err="1" smtClean="0">
+              <a:rPr lang="en-US" b="1" dirty="0" err="1">
                 <a:solidFill>
                   <a:schemeClr val="tx2"/>
                 </a:solidFill>
-                <a:latin typeface="Times New Roman" pitchFamily="18" charset="0"/>
-                <a:cs typeface="Times New Roman" pitchFamily="18" charset="0"/>
+                <a:latin typeface="Arial" pitchFamily="34" charset="0"/>
+                <a:cs typeface="Arial" pitchFamily="34" charset="0"/>
               </a:rPr>
-              <a:t>trình</a:t>
-            </a:r>
-            <a:r>
-              <a:rPr lang="en-US" b="1" dirty="0" smtClean="0">
+              <a:t>đề</a:t>
+            </a:r>
+            <a:r>
+              <a:rPr lang="en-US" b="1" dirty="0">
                 <a:solidFill>
                   <a:schemeClr val="tx2"/>
                 </a:solidFill>
-                <a:latin typeface="Times New Roman" pitchFamily="18" charset="0"/>
-                <a:cs typeface="Times New Roman" pitchFamily="18" charset="0"/>
+                <a:latin typeface="Arial" pitchFamily="34" charset="0"/>
+                <a:cs typeface="Arial" pitchFamily="34" charset="0"/>
               </a:rPr>
               <a:t> </a:t>
             </a:r>
             <a:r>
-              <a:rPr lang="en-US" b="1" dirty="0" err="1" smtClean="0">
+              <a:rPr lang="en-US" b="1" dirty="0" err="1">
                 <a:solidFill>
                   <a:schemeClr val="tx2"/>
                 </a:solidFill>
-                <a:latin typeface="Times New Roman" pitchFamily="18" charset="0"/>
-                <a:cs typeface="Times New Roman" pitchFamily="18" charset="0"/>
+                <a:latin typeface="Arial" pitchFamily="34" charset="0"/>
+                <a:cs typeface="Arial" pitchFamily="34" charset="0"/>
               </a:rPr>
-              <a:t>hiện</a:t>
-            </a:r>
-            <a:r>
-              <a:rPr lang="en-US" b="1" dirty="0" smtClean="0">
+              <a:t>và</a:t>
+            </a:r>
+            <a:r>
+              <a:rPr lang="en-US" b="1" dirty="0">
                 <a:solidFill>
                   <a:schemeClr val="tx2"/>
                 </a:solidFill>
-                <a:latin typeface="Times New Roman" pitchFamily="18" charset="0"/>
-                <a:cs typeface="Times New Roman" pitchFamily="18" charset="0"/>
+                <a:latin typeface="Arial" pitchFamily="34" charset="0"/>
+                <a:cs typeface="Arial" pitchFamily="34" charset="0"/>
               </a:rPr>
               <a:t> </a:t>
             </a:r>
             <a:r>
-              <a:rPr lang="en-US" b="1" dirty="0" err="1" smtClean="0">
+              <a:rPr lang="en-US" b="1" dirty="0" err="1">
                 <a:solidFill>
                   <a:schemeClr val="tx2"/>
                 </a:solidFill>
-                <a:latin typeface="Times New Roman" pitchFamily="18" charset="0"/>
-                <a:cs typeface="Times New Roman" pitchFamily="18" charset="0"/>
+                <a:latin typeface="Arial" pitchFamily="34" charset="0"/>
+                <a:cs typeface="Arial" pitchFamily="34" charset="0"/>
               </a:rPr>
-              <a:t>thực</a:t>
-            </a:r>
-            <a:endParaRPr lang="en-US" dirty="0"/>
+              <a:t>giải</a:t>
+            </a:r>
+            <a:r>
+              <a:rPr lang="en-US" b="1" dirty="0">
+                <a:solidFill>
+                  <a:schemeClr val="tx2"/>
+                </a:solidFill>
+                <a:latin typeface="Arial" pitchFamily="34" charset="0"/>
+                <a:cs typeface="Arial" pitchFamily="34" charset="0"/>
+              </a:rPr>
+              <a:t> </a:t>
+            </a:r>
+            <a:r>
+              <a:rPr lang="en-US" b="1" dirty="0" err="1">
+                <a:solidFill>
+                  <a:schemeClr val="tx2"/>
+                </a:solidFill>
+                <a:latin typeface="Arial" pitchFamily="34" charset="0"/>
+                <a:cs typeface="Arial" pitchFamily="34" charset="0"/>
+              </a:rPr>
+              <a:t>pháp</a:t>
+            </a:r>
+            <a:endParaRPr lang="en-US" dirty="0">
+              <a:latin typeface="Arial" pitchFamily="34" charset="0"/>
+              <a:cs typeface="Arial" pitchFamily="34" charset="0"/>
+            </a:endParaRPr>
           </a:p>
         </p:txBody>
       </p:sp>
@@ -8578,199 +10041,12 @@
           <a:bodyPr/>
           <a:lstStyle/>
           <a:p>
-            <a:r>
-              <a:rPr lang="en-US" dirty="0" err="1" smtClean="0"/>
-              <a:t>Kế</a:t>
-            </a:r>
-            <a:r>
-              <a:rPr lang="en-US" dirty="0" smtClean="0"/>
-              <a:t> </a:t>
-            </a:r>
-            <a:r>
-              <a:rPr lang="en-US" dirty="0" err="1" smtClean="0"/>
-              <a:t>hoạch</a:t>
-            </a:r>
-            <a:r>
-              <a:rPr lang="en-US" dirty="0" smtClean="0"/>
-              <a:t> </a:t>
-            </a:r>
-            <a:r>
-              <a:rPr lang="en-US" dirty="0" err="1" smtClean="0"/>
-              <a:t>thực</a:t>
-            </a:r>
-            <a:r>
-              <a:rPr lang="en-US" dirty="0" smtClean="0"/>
-              <a:t> </a:t>
-            </a:r>
-            <a:r>
-              <a:rPr lang="en-US" dirty="0" err="1" smtClean="0"/>
-              <a:t>hiện</a:t>
-            </a:r>
-            <a:r>
-              <a:rPr lang="en-US" dirty="0" smtClean="0"/>
-              <a:t> (1slide)</a:t>
-            </a:r>
+            <a:pPr marL="0" indent="0">
+              <a:buNone/>
+            </a:pPr>
             <a:endParaRPr lang="en-US" dirty="0"/>
           </a:p>
           <a:p>
-            <a:r>
-              <a:rPr lang="en-US" dirty="0" err="1" smtClean="0"/>
-              <a:t>Xây</a:t>
-            </a:r>
-            <a:r>
-              <a:rPr lang="en-US" dirty="0" smtClean="0"/>
-              <a:t> </a:t>
-            </a:r>
-            <a:r>
-              <a:rPr lang="en-US" dirty="0" err="1" smtClean="0"/>
-              <a:t>dựng</a:t>
-            </a:r>
-            <a:r>
-              <a:rPr lang="en-US" dirty="0" smtClean="0"/>
-              <a:t> </a:t>
-            </a:r>
-            <a:r>
-              <a:rPr lang="en-US" dirty="0" err="1" smtClean="0"/>
-              <a:t>giao</a:t>
-            </a:r>
-            <a:r>
-              <a:rPr lang="en-US" dirty="0" smtClean="0"/>
-              <a:t> </a:t>
-            </a:r>
-            <a:r>
-              <a:rPr lang="en-US" dirty="0" err="1" smtClean="0"/>
-              <a:t>thức</a:t>
-            </a:r>
-            <a:r>
-              <a:rPr lang="en-US" dirty="0" smtClean="0"/>
-              <a:t> </a:t>
-            </a:r>
-            <a:r>
-              <a:rPr lang="en-US" dirty="0" err="1" smtClean="0"/>
-              <a:t>giao</a:t>
-            </a:r>
-            <a:r>
-              <a:rPr lang="en-US" dirty="0" smtClean="0"/>
-              <a:t> </a:t>
-            </a:r>
-            <a:r>
-              <a:rPr lang="en-US" dirty="0" err="1" smtClean="0"/>
-              <a:t>tiếp</a:t>
-            </a:r>
-            <a:r>
-              <a:rPr lang="en-US" dirty="0" smtClean="0"/>
-              <a:t> </a:t>
-            </a:r>
-            <a:r>
-              <a:rPr lang="en-US" dirty="0" err="1" smtClean="0"/>
-              <a:t>giữa</a:t>
-            </a:r>
-            <a:r>
-              <a:rPr lang="en-US" dirty="0" smtClean="0"/>
-              <a:t> </a:t>
-            </a:r>
-            <a:r>
-              <a:rPr lang="en-US" dirty="0" err="1" smtClean="0"/>
-              <a:t>các</a:t>
-            </a:r>
-            <a:r>
-              <a:rPr lang="en-US" dirty="0" smtClean="0"/>
-              <a:t> </a:t>
-            </a:r>
-            <a:r>
-              <a:rPr lang="en-US" dirty="0" err="1" smtClean="0"/>
-              <a:t>thiết</a:t>
-            </a:r>
-            <a:r>
-              <a:rPr lang="en-US" dirty="0" smtClean="0"/>
-              <a:t> </a:t>
-            </a:r>
-            <a:r>
-              <a:rPr lang="en-US" dirty="0" err="1" smtClean="0"/>
-              <a:t>bị</a:t>
-            </a:r>
-            <a:r>
-              <a:rPr lang="en-US" dirty="0" smtClean="0"/>
-              <a:t> (2-3slide)</a:t>
-            </a:r>
-          </a:p>
-          <a:p>
-            <a:r>
-              <a:rPr lang="en-US" dirty="0" err="1" smtClean="0"/>
-              <a:t>Kiến</a:t>
-            </a:r>
-            <a:r>
-              <a:rPr lang="en-US" dirty="0" smtClean="0"/>
-              <a:t> </a:t>
-            </a:r>
-            <a:r>
-              <a:rPr lang="en-US" dirty="0" err="1" smtClean="0"/>
-              <a:t>trúc</a:t>
-            </a:r>
-            <a:r>
-              <a:rPr lang="en-US" dirty="0" smtClean="0"/>
-              <a:t> </a:t>
-            </a:r>
-            <a:r>
-              <a:rPr lang="en-US" dirty="0" err="1" smtClean="0"/>
-              <a:t>phần</a:t>
-            </a:r>
-            <a:r>
-              <a:rPr lang="en-US" dirty="0" smtClean="0"/>
-              <a:t> </a:t>
-            </a:r>
-            <a:r>
-              <a:rPr lang="en-US" dirty="0" err="1" smtClean="0"/>
-              <a:t>mềm</a:t>
-            </a:r>
-            <a:r>
-              <a:rPr lang="en-US" dirty="0" smtClean="0"/>
-              <a:t>.(1slide)</a:t>
-            </a:r>
-          </a:p>
-          <a:p>
-            <a:r>
-              <a:rPr lang="en-US" dirty="0" err="1" smtClean="0"/>
-              <a:t>Thiết</a:t>
-            </a:r>
-            <a:r>
-              <a:rPr lang="en-US" dirty="0" smtClean="0"/>
-              <a:t> </a:t>
-            </a:r>
-            <a:r>
-              <a:rPr lang="en-US" dirty="0" err="1" smtClean="0"/>
-              <a:t>bị</a:t>
-            </a:r>
-            <a:r>
-              <a:rPr lang="en-US" dirty="0" smtClean="0"/>
-              <a:t> Cashier.(2slide)</a:t>
-            </a:r>
-          </a:p>
-          <a:p>
-            <a:r>
-              <a:rPr lang="en-US" dirty="0" err="1" smtClean="0"/>
-              <a:t>Thiết</a:t>
-            </a:r>
-            <a:r>
-              <a:rPr lang="en-US" dirty="0" smtClean="0"/>
-              <a:t> </a:t>
-            </a:r>
-            <a:r>
-              <a:rPr lang="en-US" dirty="0" err="1" smtClean="0"/>
-              <a:t>bị</a:t>
-            </a:r>
-            <a:r>
-              <a:rPr lang="en-US" dirty="0" smtClean="0"/>
-              <a:t> Handheld. (2slide)</a:t>
-            </a:r>
-          </a:p>
-          <a:p>
-            <a:r>
-              <a:rPr lang="en-US" dirty="0" smtClean="0"/>
-              <a:t>PC Application. (2slide)</a:t>
-            </a:r>
-          </a:p>
-          <a:p>
             <a:endParaRPr lang="en-US" dirty="0"/>
           </a:p>
           <a:p>
@@ -8778,10 +10054,582 @@
           </a:p>
         </p:txBody>
       </p:sp>
+      <p:pic>
+        <p:nvPicPr>
+          <p:cNvPr id="4" name="Picture 3"/>
+          <p:cNvPicPr>
+            <a:picLocks noChangeAspect="1"/>
+          </p:cNvPicPr>
+          <p:nvPr/>
+        </p:nvPicPr>
+        <p:blipFill>
+          <a:blip r:embed="rId3">
+            <a:extLst>
+              <a:ext uri="{28A0092B-C50C-407E-A947-70E740481C1C}">
+                <a14:useLocalDpi xmlns:a14="http://schemas.microsoft.com/office/drawing/2010/main" val="0"/>
+              </a:ext>
+            </a:extLst>
+          </a:blip>
+          <a:stretch>
+            <a:fillRect/>
+          </a:stretch>
+        </p:blipFill>
+        <p:spPr>
+          <a:xfrm>
+            <a:off x="6858000" y="2085618"/>
+            <a:ext cx="1447799" cy="1162763"/>
+          </a:xfrm>
+          <a:prstGeom prst="rect">
+            <a:avLst/>
+          </a:prstGeom>
+        </p:spPr>
+      </p:pic>
+      <p:pic>
+        <p:nvPicPr>
+          <p:cNvPr id="5" name="Picture 4"/>
+          <p:cNvPicPr>
+            <a:picLocks noChangeAspect="1"/>
+          </p:cNvPicPr>
+          <p:nvPr/>
+        </p:nvPicPr>
+        <p:blipFill>
+          <a:blip r:embed="rId4" cstate="print">
+            <a:extLst>
+              <a:ext uri="{28A0092B-C50C-407E-A947-70E740481C1C}">
+                <a14:useLocalDpi xmlns:a14="http://schemas.microsoft.com/office/drawing/2010/main" val="0"/>
+              </a:ext>
+            </a:extLst>
+          </a:blip>
+          <a:stretch>
+            <a:fillRect/>
+          </a:stretch>
+        </p:blipFill>
+        <p:spPr>
+          <a:xfrm>
+            <a:off x="1915157" y="2404216"/>
+            <a:ext cx="1318371" cy="1058817"/>
+          </a:xfrm>
+          <a:prstGeom prst="rect">
+            <a:avLst/>
+          </a:prstGeom>
+        </p:spPr>
+      </p:pic>
+      <p:pic>
+        <p:nvPicPr>
+          <p:cNvPr id="7" name="Picture 6"/>
+          <p:cNvPicPr>
+            <a:picLocks noChangeAspect="1"/>
+          </p:cNvPicPr>
+          <p:nvPr/>
+        </p:nvPicPr>
+        <p:blipFill>
+          <a:blip r:embed="rId4" cstate="print">
+            <a:extLst>
+              <a:ext uri="{28A0092B-C50C-407E-A947-70E740481C1C}">
+                <a14:useLocalDpi xmlns:a14="http://schemas.microsoft.com/office/drawing/2010/main" val="0"/>
+              </a:ext>
+            </a:extLst>
+          </a:blip>
+          <a:stretch>
+            <a:fillRect/>
+          </a:stretch>
+        </p:blipFill>
+        <p:spPr>
+          <a:xfrm>
+            <a:off x="4419600" y="5096179"/>
+            <a:ext cx="1318371" cy="1058817"/>
+          </a:xfrm>
+          <a:prstGeom prst="rect">
+            <a:avLst/>
+          </a:prstGeom>
+        </p:spPr>
+      </p:pic>
+      <p:pic>
+        <p:nvPicPr>
+          <p:cNvPr id="6" name="Picture 5"/>
+          <p:cNvPicPr>
+            <a:picLocks noChangeAspect="1"/>
+          </p:cNvPicPr>
+          <p:nvPr/>
+        </p:nvPicPr>
+        <p:blipFill>
+          <a:blip r:embed="rId5">
+            <a:extLst>
+              <a:ext uri="{28A0092B-C50C-407E-A947-70E740481C1C}">
+                <a14:useLocalDpi xmlns:a14="http://schemas.microsoft.com/office/drawing/2010/main" val="0"/>
+              </a:ext>
+            </a:extLst>
+          </a:blip>
+          <a:stretch>
+            <a:fillRect/>
+          </a:stretch>
+        </p:blipFill>
+        <p:spPr>
+          <a:xfrm>
+            <a:off x="596786" y="4813277"/>
+            <a:ext cx="1246364" cy="1338262"/>
+          </a:xfrm>
+          <a:prstGeom prst="rect">
+            <a:avLst/>
+          </a:prstGeom>
+        </p:spPr>
+      </p:pic>
+      <p:sp>
+        <p:nvSpPr>
+          <p:cNvPr id="8" name="Rounded Rectangle 7"/>
+          <p:cNvSpPr/>
+          <p:nvPr/>
+        </p:nvSpPr>
+        <p:spPr>
+          <a:xfrm>
+            <a:off x="5624423" y="2456037"/>
+            <a:ext cx="1219200" cy="581382"/>
+          </a:xfrm>
+          <a:prstGeom prst="roundRect">
+            <a:avLst/>
+          </a:prstGeom>
+          <a:noFill/>
+          <a:ln>
+            <a:solidFill>
+              <a:schemeClr val="tx1"/>
+            </a:solidFill>
+          </a:ln>
+        </p:spPr>
+        <p:style>
+          <a:lnRef idx="2">
+            <a:schemeClr val="accent1">
+              <a:shade val="50000"/>
+            </a:schemeClr>
+          </a:lnRef>
+          <a:fillRef idx="1">
+            <a:schemeClr val="accent1"/>
+          </a:fillRef>
+          <a:effectRef idx="0">
+            <a:schemeClr val="accent1"/>
+          </a:effectRef>
+          <a:fontRef idx="minor">
+            <a:schemeClr val="lt1"/>
+          </a:fontRef>
+        </p:style>
+        <p:txBody>
+          <a:bodyPr rtlCol="0" anchor="ctr"/>
+          <a:lstStyle/>
+          <a:p>
+            <a:pPr algn="ctr"/>
+            <a:r>
+              <a:rPr lang="en-US" dirty="0" smtClean="0">
+                <a:solidFill>
+                  <a:schemeClr val="tx1"/>
+                </a:solidFill>
+              </a:rPr>
+              <a:t>Basket ID</a:t>
+            </a:r>
+            <a:endParaRPr lang="en-US" dirty="0">
+              <a:solidFill>
+                <a:schemeClr val="tx1"/>
+              </a:solidFill>
+            </a:endParaRPr>
+          </a:p>
+        </p:txBody>
+      </p:sp>
+      <p:sp>
+        <p:nvSpPr>
+          <p:cNvPr id="10" name="Rounded Rectangle 9"/>
+          <p:cNvSpPr/>
+          <p:nvPr/>
+        </p:nvSpPr>
+        <p:spPr>
+          <a:xfrm>
+            <a:off x="2602416" y="3657600"/>
+            <a:ext cx="1219200" cy="581382"/>
+          </a:xfrm>
+          <a:prstGeom prst="roundRect">
+            <a:avLst/>
+          </a:prstGeom>
+          <a:noFill/>
+          <a:ln>
+            <a:solidFill>
+              <a:schemeClr val="tx1"/>
+            </a:solidFill>
+          </a:ln>
+        </p:spPr>
+        <p:style>
+          <a:lnRef idx="2">
+            <a:schemeClr val="accent1">
+              <a:shade val="50000"/>
+            </a:schemeClr>
+          </a:lnRef>
+          <a:fillRef idx="1">
+            <a:schemeClr val="accent1"/>
+          </a:fillRef>
+          <a:effectRef idx="0">
+            <a:schemeClr val="accent1"/>
+          </a:effectRef>
+          <a:fontRef idx="minor">
+            <a:schemeClr val="lt1"/>
+          </a:fontRef>
+        </p:style>
+        <p:txBody>
+          <a:bodyPr rtlCol="0" anchor="ctr"/>
+          <a:lstStyle/>
+          <a:p>
+            <a:pPr algn="ctr"/>
+            <a:r>
+              <a:rPr lang="en-US" dirty="0" smtClean="0">
+                <a:solidFill>
+                  <a:schemeClr val="tx1"/>
+                </a:solidFill>
+              </a:rPr>
+              <a:t>Basket ID</a:t>
+            </a:r>
+            <a:endParaRPr lang="en-US" dirty="0">
+              <a:solidFill>
+                <a:schemeClr val="tx1"/>
+              </a:solidFill>
+            </a:endParaRPr>
+          </a:p>
+        </p:txBody>
+      </p:sp>
+      <p:pic>
+        <p:nvPicPr>
+          <p:cNvPr id="9" name="Picture 8"/>
+          <p:cNvPicPr>
+            <a:picLocks noChangeAspect="1"/>
+          </p:cNvPicPr>
+          <p:nvPr/>
+        </p:nvPicPr>
+        <p:blipFill>
+          <a:blip r:embed="rId6" cstate="print">
+            <a:extLst>
+              <a:ext uri="{28A0092B-C50C-407E-A947-70E740481C1C}">
+                <a14:useLocalDpi xmlns:a14="http://schemas.microsoft.com/office/drawing/2010/main" val="0"/>
+              </a:ext>
+            </a:extLst>
+          </a:blip>
+          <a:stretch>
+            <a:fillRect/>
+          </a:stretch>
+        </p:blipFill>
+        <p:spPr>
+          <a:xfrm>
+            <a:off x="7247324" y="3419088"/>
+            <a:ext cx="1058475" cy="671869"/>
+          </a:xfrm>
+          <a:prstGeom prst="rect">
+            <a:avLst/>
+          </a:prstGeom>
+        </p:spPr>
+      </p:pic>
+      <p:sp>
+        <p:nvSpPr>
+          <p:cNvPr id="11" name="Rectangle 10"/>
+          <p:cNvSpPr/>
+          <p:nvPr/>
+        </p:nvSpPr>
+        <p:spPr>
+          <a:xfrm>
+            <a:off x="5954867" y="1528299"/>
+            <a:ext cx="1775571" cy="581381"/>
+          </a:xfrm>
+          <a:prstGeom prst="rect">
+            <a:avLst/>
+          </a:prstGeom>
+          <a:solidFill>
+            <a:schemeClr val="accent1">
+              <a:lumMod val="20000"/>
+              <a:lumOff val="80000"/>
+            </a:schemeClr>
+          </a:solidFill>
+          <a:ln>
+            <a:solidFill>
+              <a:schemeClr val="tx1"/>
+            </a:solidFill>
+            <a:prstDash val="dashDot"/>
+          </a:ln>
+        </p:spPr>
+        <p:style>
+          <a:lnRef idx="2">
+            <a:schemeClr val="accent1">
+              <a:shade val="50000"/>
+            </a:schemeClr>
+          </a:lnRef>
+          <a:fillRef idx="1">
+            <a:schemeClr val="accent1"/>
+          </a:fillRef>
+          <a:effectRef idx="0">
+            <a:schemeClr val="accent1"/>
+          </a:effectRef>
+          <a:fontRef idx="minor">
+            <a:schemeClr val="lt1"/>
+          </a:fontRef>
+        </p:style>
+        <p:txBody>
+          <a:bodyPr rtlCol="0" anchor="ctr"/>
+          <a:lstStyle/>
+          <a:p>
+            <a:pPr algn="ctr"/>
+            <a:r>
+              <a:rPr lang="en-US" dirty="0" err="1" smtClean="0">
+                <a:solidFill>
+                  <a:schemeClr val="tx1"/>
+                </a:solidFill>
+              </a:rPr>
+              <a:t>Req</a:t>
+            </a:r>
+            <a:r>
+              <a:rPr lang="en-US" dirty="0" smtClean="0">
+                <a:solidFill>
+                  <a:schemeClr val="tx1"/>
+                </a:solidFill>
+              </a:rPr>
+              <a:t> Basket</a:t>
+            </a:r>
+            <a:endParaRPr lang="en-US" dirty="0">
+              <a:solidFill>
+                <a:schemeClr val="tx1"/>
+              </a:solidFill>
+            </a:endParaRPr>
+          </a:p>
+        </p:txBody>
+      </p:sp>
+      <p:sp>
+        <p:nvSpPr>
+          <p:cNvPr id="13" name="Rectangle 12"/>
+          <p:cNvSpPr/>
+          <p:nvPr/>
+        </p:nvSpPr>
+        <p:spPr>
+          <a:xfrm>
+            <a:off x="5954868" y="1528299"/>
+            <a:ext cx="1775571" cy="581381"/>
+          </a:xfrm>
+          <a:prstGeom prst="rect">
+            <a:avLst/>
+          </a:prstGeom>
+          <a:solidFill>
+            <a:schemeClr val="accent1">
+              <a:lumMod val="20000"/>
+              <a:lumOff val="80000"/>
+            </a:schemeClr>
+          </a:solidFill>
+          <a:ln>
+            <a:solidFill>
+              <a:schemeClr val="tx1"/>
+            </a:solidFill>
+            <a:prstDash val="dashDot"/>
+          </a:ln>
+        </p:spPr>
+        <p:style>
+          <a:lnRef idx="2">
+            <a:schemeClr val="accent1">
+              <a:shade val="50000"/>
+            </a:schemeClr>
+          </a:lnRef>
+          <a:fillRef idx="1">
+            <a:schemeClr val="accent1"/>
+          </a:fillRef>
+          <a:effectRef idx="0">
+            <a:schemeClr val="accent1"/>
+          </a:effectRef>
+          <a:fontRef idx="minor">
+            <a:schemeClr val="lt1"/>
+          </a:fontRef>
+        </p:style>
+        <p:txBody>
+          <a:bodyPr rtlCol="0" anchor="ctr"/>
+          <a:lstStyle/>
+          <a:p>
+            <a:pPr algn="ctr"/>
+            <a:r>
+              <a:rPr lang="en-US" dirty="0" err="1" smtClean="0">
+                <a:solidFill>
+                  <a:schemeClr val="tx1"/>
+                </a:solidFill>
+              </a:rPr>
+              <a:t>Req</a:t>
+            </a:r>
+            <a:r>
+              <a:rPr lang="en-US" dirty="0" smtClean="0">
+                <a:solidFill>
+                  <a:schemeClr val="tx1"/>
+                </a:solidFill>
+              </a:rPr>
+              <a:t> Basket</a:t>
+            </a:r>
+            <a:endParaRPr lang="en-US" dirty="0">
+              <a:solidFill>
+                <a:schemeClr val="tx1"/>
+              </a:solidFill>
+            </a:endParaRPr>
+          </a:p>
+        </p:txBody>
+      </p:sp>
+      <p:sp>
+        <p:nvSpPr>
+          <p:cNvPr id="14" name="Rectangle 13"/>
+          <p:cNvSpPr/>
+          <p:nvPr/>
+        </p:nvSpPr>
+        <p:spPr>
+          <a:xfrm>
+            <a:off x="3291695" y="2746728"/>
+            <a:ext cx="1775571" cy="581381"/>
+          </a:xfrm>
+          <a:prstGeom prst="rect">
+            <a:avLst/>
+          </a:prstGeom>
+          <a:solidFill>
+            <a:schemeClr val="accent1">
+              <a:lumMod val="20000"/>
+              <a:lumOff val="80000"/>
+            </a:schemeClr>
+          </a:solidFill>
+          <a:ln>
+            <a:solidFill>
+              <a:schemeClr val="tx1"/>
+            </a:solidFill>
+            <a:prstDash val="dashDot"/>
+          </a:ln>
+        </p:spPr>
+        <p:style>
+          <a:lnRef idx="2">
+            <a:schemeClr val="accent1">
+              <a:shade val="50000"/>
+            </a:schemeClr>
+          </a:lnRef>
+          <a:fillRef idx="1">
+            <a:schemeClr val="accent1"/>
+          </a:fillRef>
+          <a:effectRef idx="0">
+            <a:schemeClr val="accent1"/>
+          </a:effectRef>
+          <a:fontRef idx="minor">
+            <a:schemeClr val="lt1"/>
+          </a:fontRef>
+        </p:style>
+        <p:txBody>
+          <a:bodyPr rtlCol="0" anchor="ctr"/>
+          <a:lstStyle/>
+          <a:p>
+            <a:pPr algn="ctr"/>
+            <a:r>
+              <a:rPr lang="en-US" dirty="0" err="1" smtClean="0">
+                <a:solidFill>
+                  <a:schemeClr val="tx1"/>
+                </a:solidFill>
+              </a:rPr>
+              <a:t>Resp</a:t>
+            </a:r>
+            <a:r>
+              <a:rPr lang="en-US" dirty="0" smtClean="0">
+                <a:solidFill>
+                  <a:schemeClr val="tx1"/>
+                </a:solidFill>
+              </a:rPr>
+              <a:t> Basket</a:t>
+            </a:r>
+            <a:endParaRPr lang="en-US" dirty="0">
+              <a:solidFill>
+                <a:schemeClr val="tx1"/>
+              </a:solidFill>
+            </a:endParaRPr>
+          </a:p>
+        </p:txBody>
+      </p:sp>
+      <p:pic>
+        <p:nvPicPr>
+          <p:cNvPr id="12" name="Picture 11"/>
+          <p:cNvPicPr>
+            <a:picLocks noChangeAspect="1"/>
+          </p:cNvPicPr>
+          <p:nvPr/>
+        </p:nvPicPr>
+        <p:blipFill>
+          <a:blip r:embed="rId7" cstate="print">
+            <a:extLst>
+              <a:ext uri="{28A0092B-C50C-407E-A947-70E740481C1C}">
+                <a14:useLocalDpi xmlns:a14="http://schemas.microsoft.com/office/drawing/2010/main" val="0"/>
+              </a:ext>
+            </a:extLst>
+          </a:blip>
+          <a:stretch>
+            <a:fillRect/>
+          </a:stretch>
+        </p:blipFill>
+        <p:spPr>
+          <a:xfrm>
+            <a:off x="3103962" y="2042934"/>
+            <a:ext cx="670134" cy="703794"/>
+          </a:xfrm>
+          <a:prstGeom prst="rect">
+            <a:avLst/>
+          </a:prstGeom>
+        </p:spPr>
+      </p:pic>
+      <p:pic>
+        <p:nvPicPr>
+          <p:cNvPr id="15" name="Picture 14"/>
+          <p:cNvPicPr>
+            <a:picLocks noChangeAspect="1"/>
+          </p:cNvPicPr>
+          <p:nvPr/>
+        </p:nvPicPr>
+        <p:blipFill>
+          <a:blip r:embed="rId7" cstate="print">
+            <a:extLst>
+              <a:ext uri="{28A0092B-C50C-407E-A947-70E740481C1C}">
+                <a14:useLocalDpi xmlns:a14="http://schemas.microsoft.com/office/drawing/2010/main" val="0"/>
+              </a:ext>
+            </a:extLst>
+          </a:blip>
+          <a:stretch>
+            <a:fillRect/>
+          </a:stretch>
+        </p:blipFill>
+        <p:spPr>
+          <a:xfrm>
+            <a:off x="5737971" y="4883692"/>
+            <a:ext cx="670134" cy="703794"/>
+          </a:xfrm>
+          <a:prstGeom prst="rect">
+            <a:avLst/>
+          </a:prstGeom>
+        </p:spPr>
+      </p:pic>
+      <p:pic>
+        <p:nvPicPr>
+          <p:cNvPr id="16" name="Picture 15"/>
+          <p:cNvPicPr>
+            <a:picLocks noChangeAspect="1"/>
+          </p:cNvPicPr>
+          <p:nvPr/>
+        </p:nvPicPr>
+        <p:blipFill>
+          <a:blip r:embed="rId7" cstate="print">
+            <a:extLst>
+              <a:ext uri="{28A0092B-C50C-407E-A947-70E740481C1C}">
+                <a14:useLocalDpi xmlns:a14="http://schemas.microsoft.com/office/drawing/2010/main" val="0"/>
+              </a:ext>
+            </a:extLst>
+          </a:blip>
+          <a:stretch>
+            <a:fillRect/>
+          </a:stretch>
+        </p:blipFill>
+        <p:spPr>
+          <a:xfrm>
+            <a:off x="7995656" y="1381824"/>
+            <a:ext cx="670134" cy="703794"/>
+          </a:xfrm>
+          <a:prstGeom prst="rect">
+            <a:avLst/>
+          </a:prstGeom>
+        </p:spPr>
+      </p:pic>
     </p:spTree>
     <p:extLst>
       <p:ext uri="{BB962C8B-B14F-4D97-AF65-F5344CB8AC3E}">
-        <p14:creationId xmlns:p14="http://schemas.microsoft.com/office/powerpoint/2010/main" val="551109987"/>
+        <p14:creationId xmlns:p14="http://schemas.microsoft.com/office/powerpoint/2010/main" val="101120492"/>
       </p:ext>
     </p:extLst>
   </p:cSld>
@@ -8791,9 +10639,788 @@
   <p:timing>
     <p:tnLst>
       <p:par>
-        <p:cTn id="1" dur="indefinite" restart="never" nodeType="tmRoot"/>
+        <p:cTn id="1" dur="indefinite" restart="never" nodeType="tmRoot">
+          <p:childTnLst>
+            <p:seq concurrent="1" nextAc="seek">
+              <p:cTn id="2" dur="indefinite" nodeType="mainSeq">
+                <p:childTnLst>
+                  <p:par>
+                    <p:cTn id="3" fill="hold">
+                      <p:stCondLst>
+                        <p:cond delay="indefinite"/>
+                        <p:cond evt="onBegin" delay="0">
+                          <p:tn val="2"/>
+                        </p:cond>
+                      </p:stCondLst>
+                      <p:childTnLst>
+                        <p:par>
+                          <p:cTn id="4" fill="hold">
+                            <p:stCondLst>
+                              <p:cond delay="0"/>
+                            </p:stCondLst>
+                            <p:childTnLst>
+                              <p:par>
+                                <p:cTn id="5" presetID="1" presetClass="exit" presetSubtype="0" fill="hold" grpId="2" nodeType="withEffect">
+                                  <p:stCondLst>
+                                    <p:cond delay="0"/>
+                                  </p:stCondLst>
+                                  <p:childTnLst>
+                                    <p:set>
+                                      <p:cBhvr>
+                                        <p:cTn id="6" dur="1" fill="hold">
+                                          <p:stCondLst>
+                                            <p:cond delay="0"/>
+                                          </p:stCondLst>
+                                        </p:cTn>
+                                        <p:tgtEl>
+                                          <p:spTgt spid="14"/>
+                                        </p:tgtEl>
+                                        <p:attrNameLst>
+                                          <p:attrName>style.visibility</p:attrName>
+                                        </p:attrNameLst>
+                                      </p:cBhvr>
+                                      <p:to>
+                                        <p:strVal val="hidden"/>
+                                      </p:to>
+                                    </p:set>
+                                  </p:childTnLst>
+                                </p:cTn>
+                              </p:par>
+                              <p:par>
+                                <p:cTn id="7" presetID="1" presetClass="exit" presetSubtype="0" fill="hold" grpId="1" nodeType="withEffect">
+                                  <p:stCondLst>
+                                    <p:cond delay="0"/>
+                                  </p:stCondLst>
+                                  <p:childTnLst>
+                                    <p:set>
+                                      <p:cBhvr>
+                                        <p:cTn id="8" dur="1" fill="hold">
+                                          <p:stCondLst>
+                                            <p:cond delay="0"/>
+                                          </p:stCondLst>
+                                        </p:cTn>
+                                        <p:tgtEl>
+                                          <p:spTgt spid="13"/>
+                                        </p:tgtEl>
+                                        <p:attrNameLst>
+                                          <p:attrName>style.visibility</p:attrName>
+                                        </p:attrNameLst>
+                                      </p:cBhvr>
+                                      <p:to>
+                                        <p:strVal val="hidden"/>
+                                      </p:to>
+                                    </p:set>
+                                  </p:childTnLst>
+                                </p:cTn>
+                              </p:par>
+                              <p:par>
+                                <p:cTn id="9" presetID="1" presetClass="exit" presetSubtype="0" fill="hold" grpId="1" nodeType="withEffect">
+                                  <p:stCondLst>
+                                    <p:cond delay="0"/>
+                                  </p:stCondLst>
+                                  <p:childTnLst>
+                                    <p:set>
+                                      <p:cBhvr>
+                                        <p:cTn id="10" dur="1" fill="hold">
+                                          <p:stCondLst>
+                                            <p:cond delay="0"/>
+                                          </p:stCondLst>
+                                        </p:cTn>
+                                        <p:tgtEl>
+                                          <p:spTgt spid="11"/>
+                                        </p:tgtEl>
+                                        <p:attrNameLst>
+                                          <p:attrName>style.visibility</p:attrName>
+                                        </p:attrNameLst>
+                                      </p:cBhvr>
+                                      <p:to>
+                                        <p:strVal val="hidden"/>
+                                      </p:to>
+                                    </p:set>
+                                  </p:childTnLst>
+                                </p:cTn>
+                              </p:par>
+                            </p:childTnLst>
+                          </p:cTn>
+                        </p:par>
+                      </p:childTnLst>
+                    </p:cTn>
+                  </p:par>
+                  <p:par>
+                    <p:cTn id="11" fill="hold">
+                      <p:stCondLst>
+                        <p:cond delay="indefinite"/>
+                      </p:stCondLst>
+                      <p:childTnLst>
+                        <p:par>
+                          <p:cTn id="12" fill="hold">
+                            <p:stCondLst>
+                              <p:cond delay="0"/>
+                            </p:stCondLst>
+                            <p:childTnLst>
+                              <p:par>
+                                <p:cTn id="13" presetID="56" presetClass="path" presetSubtype="0" accel="50000" decel="50000" fill="hold" nodeType="clickEffect">
+                                  <p:stCondLst>
+                                    <p:cond delay="0"/>
+                                  </p:stCondLst>
+                                  <p:childTnLst>
+                                    <p:animMotion origin="layout" path="M 3.33333E-6 -3.23699E-6 L 0.03333 -0.27676 " pathEditMode="relative" rAng="0" ptsTypes="AA">
+                                      <p:cBhvr>
+                                        <p:cTn id="14" dur="1000" fill="hold"/>
+                                        <p:tgtEl>
+                                          <p:spTgt spid="6"/>
+                                        </p:tgtEl>
+                                        <p:attrNameLst>
+                                          <p:attrName>ppt_x</p:attrName>
+                                          <p:attrName>ppt_y</p:attrName>
+                                        </p:attrNameLst>
+                                      </p:cBhvr>
+                                      <p:rCtr x="1667" y="-13850"/>
+                                    </p:animMotion>
+                                  </p:childTnLst>
+                                </p:cTn>
+                              </p:par>
+                            </p:childTnLst>
+                          </p:cTn>
+                        </p:par>
+                      </p:childTnLst>
+                    </p:cTn>
+                  </p:par>
+                  <p:par>
+                    <p:cTn id="15" fill="hold">
+                      <p:stCondLst>
+                        <p:cond delay="indefinite"/>
+                      </p:stCondLst>
+                      <p:childTnLst>
+                        <p:par>
+                          <p:cTn id="16" fill="hold">
+                            <p:stCondLst>
+                              <p:cond delay="0"/>
+                            </p:stCondLst>
+                            <p:childTnLst>
+                              <p:par>
+                                <p:cTn id="17" presetID="1" presetClass="entr" presetSubtype="0" fill="hold" grpId="0" nodeType="clickEffect">
+                                  <p:stCondLst>
+                                    <p:cond delay="0"/>
+                                  </p:stCondLst>
+                                  <p:childTnLst>
+                                    <p:set>
+                                      <p:cBhvr>
+                                        <p:cTn id="18" dur="1" fill="hold">
+                                          <p:stCondLst>
+                                            <p:cond delay="0"/>
+                                          </p:stCondLst>
+                                        </p:cTn>
+                                        <p:tgtEl>
+                                          <p:spTgt spid="10"/>
+                                        </p:tgtEl>
+                                        <p:attrNameLst>
+                                          <p:attrName>style.visibility</p:attrName>
+                                        </p:attrNameLst>
+                                      </p:cBhvr>
+                                      <p:to>
+                                        <p:strVal val="visible"/>
+                                      </p:to>
+                                    </p:set>
+                                  </p:childTnLst>
+                                </p:cTn>
+                              </p:par>
+                            </p:childTnLst>
+                          </p:cTn>
+                        </p:par>
+                      </p:childTnLst>
+                    </p:cTn>
+                  </p:par>
+                  <p:par>
+                    <p:cTn id="19" fill="hold">
+                      <p:stCondLst>
+                        <p:cond delay="indefinite"/>
+                      </p:stCondLst>
+                      <p:childTnLst>
+                        <p:par>
+                          <p:cTn id="20" fill="hold">
+                            <p:stCondLst>
+                              <p:cond delay="0"/>
+                            </p:stCondLst>
+                            <p:childTnLst>
+                              <p:par>
+                                <p:cTn id="21" presetID="1" presetClass="exit" presetSubtype="0" fill="hold" grpId="1" nodeType="clickEffect">
+                                  <p:stCondLst>
+                                    <p:cond delay="0"/>
+                                  </p:stCondLst>
+                                  <p:childTnLst>
+                                    <p:set>
+                                      <p:cBhvr>
+                                        <p:cTn id="22" dur="1" fill="hold">
+                                          <p:stCondLst>
+                                            <p:cond delay="0"/>
+                                          </p:stCondLst>
+                                        </p:cTn>
+                                        <p:tgtEl>
+                                          <p:spTgt spid="10"/>
+                                        </p:tgtEl>
+                                        <p:attrNameLst>
+                                          <p:attrName>style.visibility</p:attrName>
+                                        </p:attrNameLst>
+                                      </p:cBhvr>
+                                      <p:to>
+                                        <p:strVal val="hidden"/>
+                                      </p:to>
+                                    </p:set>
+                                  </p:childTnLst>
+                                </p:cTn>
+                              </p:par>
+                              <p:par>
+                                <p:cTn id="23" presetID="63" presetClass="path" presetSubtype="0" accel="50000" decel="50000" fill="hold" nodeType="withEffect">
+                                  <p:stCondLst>
+                                    <p:cond delay="0"/>
+                                  </p:stCondLst>
+                                  <p:childTnLst>
+                                    <p:animMotion origin="layout" path="M 0.03333 -0.27685 L 0.59167 -0.27685 " pathEditMode="relative" rAng="0" ptsTypes="AA">
+                                      <p:cBhvr>
+                                        <p:cTn id="24" dur="2700" fill="hold"/>
+                                        <p:tgtEl>
+                                          <p:spTgt spid="6"/>
+                                        </p:tgtEl>
+                                        <p:attrNameLst>
+                                          <p:attrName>ppt_x</p:attrName>
+                                          <p:attrName>ppt_y</p:attrName>
+                                        </p:attrNameLst>
+                                      </p:cBhvr>
+                                      <p:rCtr x="27917" y="0"/>
+                                    </p:animMotion>
+                                  </p:childTnLst>
+                                </p:cTn>
+                              </p:par>
+                            </p:childTnLst>
+                          </p:cTn>
+                        </p:par>
+                      </p:childTnLst>
+                    </p:cTn>
+                  </p:par>
+                  <p:par>
+                    <p:cTn id="25" fill="hold">
+                      <p:stCondLst>
+                        <p:cond delay="indefinite"/>
+                      </p:stCondLst>
+                      <p:childTnLst>
+                        <p:par>
+                          <p:cTn id="26" fill="hold">
+                            <p:stCondLst>
+                              <p:cond delay="0"/>
+                            </p:stCondLst>
+                            <p:childTnLst>
+                              <p:par>
+                                <p:cTn id="27" presetID="1" presetClass="entr" presetSubtype="0" fill="hold" grpId="0" nodeType="clickEffect">
+                                  <p:stCondLst>
+                                    <p:cond delay="0"/>
+                                  </p:stCondLst>
+                                  <p:childTnLst>
+                                    <p:set>
+                                      <p:cBhvr>
+                                        <p:cTn id="28" dur="1" fill="hold">
+                                          <p:stCondLst>
+                                            <p:cond delay="0"/>
+                                          </p:stCondLst>
+                                        </p:cTn>
+                                        <p:tgtEl>
+                                          <p:spTgt spid="8"/>
+                                        </p:tgtEl>
+                                        <p:attrNameLst>
+                                          <p:attrName>style.visibility</p:attrName>
+                                        </p:attrNameLst>
+                                      </p:cBhvr>
+                                      <p:to>
+                                        <p:strVal val="visible"/>
+                                      </p:to>
+                                    </p:set>
+                                  </p:childTnLst>
+                                </p:cTn>
+                              </p:par>
+                            </p:childTnLst>
+                          </p:cTn>
+                        </p:par>
+                      </p:childTnLst>
+                    </p:cTn>
+                  </p:par>
+                  <p:par>
+                    <p:cTn id="29" fill="hold">
+                      <p:stCondLst>
+                        <p:cond delay="indefinite"/>
+                      </p:stCondLst>
+                      <p:childTnLst>
+                        <p:par>
+                          <p:cTn id="30" fill="hold">
+                            <p:stCondLst>
+                              <p:cond delay="0"/>
+                            </p:stCondLst>
+                            <p:childTnLst>
+                              <p:par>
+                                <p:cTn id="31" presetID="1" presetClass="entr" presetSubtype="0" fill="hold" grpId="2" nodeType="clickEffect">
+                                  <p:stCondLst>
+                                    <p:cond delay="0"/>
+                                  </p:stCondLst>
+                                  <p:childTnLst>
+                                    <p:set>
+                                      <p:cBhvr>
+                                        <p:cTn id="32" dur="1" fill="hold">
+                                          <p:stCondLst>
+                                            <p:cond delay="0"/>
+                                          </p:stCondLst>
+                                        </p:cTn>
+                                        <p:tgtEl>
+                                          <p:spTgt spid="13"/>
+                                        </p:tgtEl>
+                                        <p:attrNameLst>
+                                          <p:attrName>style.visibility</p:attrName>
+                                        </p:attrNameLst>
+                                      </p:cBhvr>
+                                      <p:to>
+                                        <p:strVal val="visible"/>
+                                      </p:to>
+                                    </p:set>
+                                  </p:childTnLst>
+                                </p:cTn>
+                              </p:par>
+                              <p:par>
+                                <p:cTn id="33" presetID="1" presetClass="entr" presetSubtype="0" fill="hold" grpId="2" nodeType="withEffect">
+                                  <p:stCondLst>
+                                    <p:cond delay="0"/>
+                                  </p:stCondLst>
+                                  <p:childTnLst>
+                                    <p:set>
+                                      <p:cBhvr>
+                                        <p:cTn id="34" dur="1" fill="hold">
+                                          <p:stCondLst>
+                                            <p:cond delay="0"/>
+                                          </p:stCondLst>
+                                        </p:cTn>
+                                        <p:tgtEl>
+                                          <p:spTgt spid="11"/>
+                                        </p:tgtEl>
+                                        <p:attrNameLst>
+                                          <p:attrName>style.visibility</p:attrName>
+                                        </p:attrNameLst>
+                                      </p:cBhvr>
+                                      <p:to>
+                                        <p:strVal val="visible"/>
+                                      </p:to>
+                                    </p:set>
+                                  </p:childTnLst>
+                                </p:cTn>
+                              </p:par>
+                            </p:childTnLst>
+                          </p:cTn>
+                        </p:par>
+                      </p:childTnLst>
+                    </p:cTn>
+                  </p:par>
+                  <p:par>
+                    <p:cTn id="35" fill="hold">
+                      <p:stCondLst>
+                        <p:cond delay="indefinite"/>
+                      </p:stCondLst>
+                      <p:childTnLst>
+                        <p:par>
+                          <p:cTn id="36" fill="hold">
+                            <p:stCondLst>
+                              <p:cond delay="0"/>
+                            </p:stCondLst>
+                            <p:childTnLst>
+                              <p:par>
+                                <p:cTn id="37" presetID="49" presetClass="path" presetSubtype="0" accel="50000" decel="50000" fill="hold" grpId="0" nodeType="clickEffect">
+                                  <p:stCondLst>
+                                    <p:cond delay="0"/>
+                                  </p:stCondLst>
+                                  <p:childTnLst>
+                                    <p:animMotion origin="layout" path="M 0.00503 -0.00347 L -0.11997 0.44046 " pathEditMode="fixed" rAng="0" ptsTypes="AA">
+                                      <p:cBhvr>
+                                        <p:cTn id="38" dur="2000" fill="hold"/>
+                                        <p:tgtEl>
+                                          <p:spTgt spid="13"/>
+                                        </p:tgtEl>
+                                        <p:attrNameLst>
+                                          <p:attrName>ppt_x</p:attrName>
+                                          <p:attrName>ppt_y</p:attrName>
+                                        </p:attrNameLst>
+                                      </p:cBhvr>
+                                      <p:rCtr x="-6250" y="22197"/>
+                                    </p:animMotion>
+                                  </p:childTnLst>
+                                </p:cTn>
+                              </p:par>
+                              <p:par>
+                                <p:cTn id="39" presetID="35" presetClass="path" presetSubtype="0" accel="50000" decel="50000" fill="hold" grpId="0" nodeType="withEffect">
+                                  <p:stCondLst>
+                                    <p:cond delay="0"/>
+                                  </p:stCondLst>
+                                  <p:childTnLst>
+                                    <p:animMotion origin="layout" path="M 0.00174 0.00139 L -0.35 0.1 " pathEditMode="fixed" rAng="0" ptsTypes="AA">
+                                      <p:cBhvr>
+                                        <p:cTn id="40" dur="2000" fill="hold"/>
+                                        <p:tgtEl>
+                                          <p:spTgt spid="11"/>
+                                        </p:tgtEl>
+                                        <p:attrNameLst>
+                                          <p:attrName>ppt_x</p:attrName>
+                                          <p:attrName>ppt_y</p:attrName>
+                                        </p:attrNameLst>
+                                      </p:cBhvr>
+                                      <p:rCtr x="-17587" y="4931"/>
+                                    </p:animMotion>
+                                  </p:childTnLst>
+                                </p:cTn>
+                              </p:par>
+                            </p:childTnLst>
+                          </p:cTn>
+                        </p:par>
+                      </p:childTnLst>
+                    </p:cTn>
+                  </p:par>
+                  <p:par>
+                    <p:cTn id="41" fill="hold">
+                      <p:stCondLst>
+                        <p:cond delay="indefinite"/>
+                      </p:stCondLst>
+                      <p:childTnLst>
+                        <p:par>
+                          <p:cTn id="42" fill="hold">
+                            <p:stCondLst>
+                              <p:cond delay="0"/>
+                            </p:stCondLst>
+                            <p:childTnLst>
+                              <p:par>
+                                <p:cTn id="43" presetID="1" presetClass="exit" presetSubtype="0" fill="hold" grpId="3" nodeType="clickEffect">
+                                  <p:stCondLst>
+                                    <p:cond delay="0"/>
+                                  </p:stCondLst>
+                                  <p:childTnLst>
+                                    <p:set>
+                                      <p:cBhvr>
+                                        <p:cTn id="44" dur="1" fill="hold">
+                                          <p:stCondLst>
+                                            <p:cond delay="0"/>
+                                          </p:stCondLst>
+                                        </p:cTn>
+                                        <p:tgtEl>
+                                          <p:spTgt spid="13"/>
+                                        </p:tgtEl>
+                                        <p:attrNameLst>
+                                          <p:attrName>style.visibility</p:attrName>
+                                        </p:attrNameLst>
+                                      </p:cBhvr>
+                                      <p:to>
+                                        <p:strVal val="hidden"/>
+                                      </p:to>
+                                    </p:set>
+                                  </p:childTnLst>
+                                </p:cTn>
+                              </p:par>
+                              <p:par>
+                                <p:cTn id="45" presetID="1" presetClass="exit" presetSubtype="0" fill="hold" grpId="3" nodeType="withEffect">
+                                  <p:stCondLst>
+                                    <p:cond delay="0"/>
+                                  </p:stCondLst>
+                                  <p:childTnLst>
+                                    <p:set>
+                                      <p:cBhvr>
+                                        <p:cTn id="46" dur="1" fill="hold">
+                                          <p:stCondLst>
+                                            <p:cond delay="0"/>
+                                          </p:stCondLst>
+                                        </p:cTn>
+                                        <p:tgtEl>
+                                          <p:spTgt spid="11"/>
+                                        </p:tgtEl>
+                                        <p:attrNameLst>
+                                          <p:attrName>style.visibility</p:attrName>
+                                        </p:attrNameLst>
+                                      </p:cBhvr>
+                                      <p:to>
+                                        <p:strVal val="hidden"/>
+                                      </p:to>
+                                    </p:set>
+                                  </p:childTnLst>
+                                </p:cTn>
+                              </p:par>
+                            </p:childTnLst>
+                          </p:cTn>
+                        </p:par>
+                      </p:childTnLst>
+                    </p:cTn>
+                  </p:par>
+                  <p:par>
+                    <p:cTn id="47" fill="hold">
+                      <p:stCondLst>
+                        <p:cond delay="indefinite"/>
+                      </p:stCondLst>
+                      <p:childTnLst>
+                        <p:par>
+                          <p:cTn id="48" fill="hold">
+                            <p:stCondLst>
+                              <p:cond delay="0"/>
+                            </p:stCondLst>
+                            <p:childTnLst>
+                              <p:par>
+                                <p:cTn id="49" presetID="1" presetClass="entr" presetSubtype="0" fill="hold" grpId="3" nodeType="clickEffect">
+                                  <p:stCondLst>
+                                    <p:cond delay="0"/>
+                                  </p:stCondLst>
+                                  <p:childTnLst>
+                                    <p:set>
+                                      <p:cBhvr>
+                                        <p:cTn id="50" dur="1" fill="hold">
+                                          <p:stCondLst>
+                                            <p:cond delay="0"/>
+                                          </p:stCondLst>
+                                        </p:cTn>
+                                        <p:tgtEl>
+                                          <p:spTgt spid="14"/>
+                                        </p:tgtEl>
+                                        <p:attrNameLst>
+                                          <p:attrName>style.visibility</p:attrName>
+                                        </p:attrNameLst>
+                                      </p:cBhvr>
+                                      <p:to>
+                                        <p:strVal val="visible"/>
+                                      </p:to>
+                                    </p:set>
+                                  </p:childTnLst>
+                                </p:cTn>
+                              </p:par>
+                              <p:par>
+                                <p:cTn id="51" presetID="63" presetClass="path" presetSubtype="0" accel="50000" decel="50000" fill="hold" grpId="1" nodeType="withEffect">
+                                  <p:stCondLst>
+                                    <p:cond delay="0"/>
+                                  </p:stCondLst>
+                                  <p:childTnLst>
+                                    <p:animMotion origin="layout" path="M -3.33333E-6 -2.46994E-6 L 0.15955 -0.18709 " pathEditMode="relative" rAng="0" ptsTypes="AA">
+                                      <p:cBhvr>
+                                        <p:cTn id="52" dur="2000" fill="hold"/>
+                                        <p:tgtEl>
+                                          <p:spTgt spid="14"/>
+                                        </p:tgtEl>
+                                        <p:attrNameLst>
+                                          <p:attrName>ppt_x</p:attrName>
+                                          <p:attrName>ppt_y</p:attrName>
+                                        </p:attrNameLst>
+                                      </p:cBhvr>
+                                      <p:rCtr x="7969" y="-9366"/>
+                                    </p:animMotion>
+                                  </p:childTnLst>
+                                </p:cTn>
+                              </p:par>
+                            </p:childTnLst>
+                          </p:cTn>
+                        </p:par>
+                      </p:childTnLst>
+                    </p:cTn>
+                  </p:par>
+                  <p:par>
+                    <p:cTn id="53" fill="hold">
+                      <p:stCondLst>
+                        <p:cond delay="indefinite"/>
+                      </p:stCondLst>
+                      <p:childTnLst>
+                        <p:par>
+                          <p:cTn id="54" fill="hold">
+                            <p:stCondLst>
+                              <p:cond delay="0"/>
+                            </p:stCondLst>
+                            <p:childTnLst>
+                              <p:par>
+                                <p:cTn id="55" presetID="1" presetClass="exit" presetSubtype="0" fill="hold" grpId="4" nodeType="clickEffect">
+                                  <p:stCondLst>
+                                    <p:cond delay="0"/>
+                                  </p:stCondLst>
+                                  <p:childTnLst>
+                                    <p:set>
+                                      <p:cBhvr>
+                                        <p:cTn id="56" dur="1" fill="hold">
+                                          <p:stCondLst>
+                                            <p:cond delay="0"/>
+                                          </p:stCondLst>
+                                        </p:cTn>
+                                        <p:tgtEl>
+                                          <p:spTgt spid="14"/>
+                                        </p:tgtEl>
+                                        <p:attrNameLst>
+                                          <p:attrName>style.visibility</p:attrName>
+                                        </p:attrNameLst>
+                                      </p:cBhvr>
+                                      <p:to>
+                                        <p:strVal val="hidden"/>
+                                      </p:to>
+                                    </p:set>
+                                  </p:childTnLst>
+                                </p:cTn>
+                              </p:par>
+                              <p:par>
+                                <p:cTn id="57" presetID="1" presetClass="entr" presetSubtype="0" fill="hold" nodeType="withEffect">
+                                  <p:stCondLst>
+                                    <p:cond delay="0"/>
+                                  </p:stCondLst>
+                                  <p:childTnLst>
+                                    <p:set>
+                                      <p:cBhvr>
+                                        <p:cTn id="58" dur="1" fill="hold">
+                                          <p:stCondLst>
+                                            <p:cond delay="0"/>
+                                          </p:stCondLst>
+                                        </p:cTn>
+                                        <p:tgtEl>
+                                          <p:spTgt spid="9"/>
+                                        </p:tgtEl>
+                                        <p:attrNameLst>
+                                          <p:attrName>style.visibility</p:attrName>
+                                        </p:attrNameLst>
+                                      </p:cBhvr>
+                                      <p:to>
+                                        <p:strVal val="visible"/>
+                                      </p:to>
+                                    </p:set>
+                                  </p:childTnLst>
+                                </p:cTn>
+                              </p:par>
+                            </p:childTnLst>
+                          </p:cTn>
+                        </p:par>
+                      </p:childTnLst>
+                    </p:cTn>
+                  </p:par>
+                  <p:par>
+                    <p:cTn id="59" fill="hold">
+                      <p:stCondLst>
+                        <p:cond delay="indefinite"/>
+                      </p:stCondLst>
+                      <p:childTnLst>
+                        <p:par>
+                          <p:cTn id="60" fill="hold">
+                            <p:stCondLst>
+                              <p:cond delay="0"/>
+                            </p:stCondLst>
+                            <p:childTnLst>
+                              <p:par>
+                                <p:cTn id="61" presetID="1" presetClass="exit" presetSubtype="0" fill="hold" nodeType="clickEffect">
+                                  <p:stCondLst>
+                                    <p:cond delay="0"/>
+                                  </p:stCondLst>
+                                  <p:childTnLst>
+                                    <p:set>
+                                      <p:cBhvr>
+                                        <p:cTn id="62" dur="1" fill="hold">
+                                          <p:stCondLst>
+                                            <p:cond delay="0"/>
+                                          </p:stCondLst>
+                                        </p:cTn>
+                                        <p:tgtEl>
+                                          <p:spTgt spid="9"/>
+                                        </p:tgtEl>
+                                        <p:attrNameLst>
+                                          <p:attrName>style.visibility</p:attrName>
+                                        </p:attrNameLst>
+                                      </p:cBhvr>
+                                      <p:to>
+                                        <p:strVal val="hidden"/>
+                                      </p:to>
+                                    </p:set>
+                                  </p:childTnLst>
+                                </p:cTn>
+                              </p:par>
+                              <p:par>
+                                <p:cTn id="63" presetID="1" presetClass="exit" presetSubtype="0" fill="hold" grpId="1" nodeType="withEffect">
+                                  <p:stCondLst>
+                                    <p:cond delay="0"/>
+                                  </p:stCondLst>
+                                  <p:childTnLst>
+                                    <p:set>
+                                      <p:cBhvr>
+                                        <p:cTn id="64" dur="1" fill="hold">
+                                          <p:stCondLst>
+                                            <p:cond delay="0"/>
+                                          </p:stCondLst>
+                                        </p:cTn>
+                                        <p:tgtEl>
+                                          <p:spTgt spid="8"/>
+                                        </p:tgtEl>
+                                        <p:attrNameLst>
+                                          <p:attrName>style.visibility</p:attrName>
+                                        </p:attrNameLst>
+                                      </p:cBhvr>
+                                      <p:to>
+                                        <p:strVal val="hidden"/>
+                                      </p:to>
+                                    </p:set>
+                                  </p:childTnLst>
+                                </p:cTn>
+                              </p:par>
+                              <p:par>
+                                <p:cTn id="65" presetID="63" presetClass="path" presetSubtype="0" accel="50000" decel="50000" fill="hold" nodeType="withEffect">
+                                  <p:stCondLst>
+                                    <p:cond delay="0"/>
+                                  </p:stCondLst>
+                                  <p:childTnLst>
+                                    <p:animMotion origin="layout" path="M 0.59167 -0.27676 L 0.99167 -0.27676 " pathEditMode="relative" rAng="0" ptsTypes="AA">
+                                      <p:cBhvr>
+                                        <p:cTn id="66" dur="2000" fill="hold"/>
+                                        <p:tgtEl>
+                                          <p:spTgt spid="6"/>
+                                        </p:tgtEl>
+                                        <p:attrNameLst>
+                                          <p:attrName>ppt_x</p:attrName>
+                                          <p:attrName>ppt_y</p:attrName>
+                                        </p:attrNameLst>
+                                      </p:cBhvr>
+                                      <p:rCtr x="20000" y="0"/>
+                                    </p:animMotion>
+                                  </p:childTnLst>
+                                </p:cTn>
+                              </p:par>
+                            </p:childTnLst>
+                          </p:cTn>
+                        </p:par>
+                      </p:childTnLst>
+                    </p:cTn>
+                  </p:par>
+                </p:childTnLst>
+              </p:cTn>
+              <p:prevCondLst>
+                <p:cond evt="onPrev" delay="0">
+                  <p:tgtEl>
+                    <p:sldTgt/>
+                  </p:tgtEl>
+                </p:cond>
+              </p:prevCondLst>
+              <p:nextCondLst>
+                <p:cond evt="onNext" delay="0">
+                  <p:tgtEl>
+                    <p:sldTgt/>
+                  </p:tgtEl>
+                </p:cond>
+              </p:nextCondLst>
+            </p:seq>
+          </p:childTnLst>
+        </p:cTn>
       </p:par>
     </p:tnLst>
+    <p:bldLst>
+      <p:bldP spid="8" grpId="0" animBg="1"/>
+      <p:bldP spid="8" grpId="1" animBg="1"/>
+      <p:bldP spid="10" grpId="0" animBg="1"/>
+      <p:bldP spid="10" grpId="1" animBg="1"/>
+      <p:bldP spid="11" grpId="0" animBg="1"/>
+      <p:bldP spid="11" grpId="1" animBg="1"/>
+      <p:bldP spid="11" grpId="2" animBg="1"/>
+      <p:bldP spid="11" grpId="3" animBg="1"/>
+      <p:bldP spid="13" grpId="0" animBg="1"/>
+      <p:bldP spid="13" grpId="1" animBg="1"/>
+      <p:bldP spid="13" grpId="2" animBg="1"/>
+      <p:bldP spid="13" grpId="3" animBg="1"/>
+      <p:bldP spid="14" grpId="1" animBg="1"/>
+      <p:bldP spid="14" grpId="2" animBg="1"/>
+      <p:bldP spid="14" grpId="3" animBg="1"/>
+      <p:bldP spid="14" grpId="4" animBg="1"/>
+    </p:bldLst>
   </p:timing>
 </p:sld>
 </file>
@@ -8827,42 +11454,24 @@
         </p:nvSpPr>
         <p:spPr/>
         <p:txBody>
-          <a:bodyPr>
-            <a:normAutofit/>
-          </a:bodyPr>
+          <a:bodyPr/>
           <a:lstStyle/>
           <a:p>
             <a:r>
-              <a:rPr lang="en-US" b="1" dirty="0" err="1" smtClean="0">
+              <a:rPr lang="vi-VN" b="1" dirty="0">
                 <a:solidFill>
                   <a:schemeClr val="tx2"/>
                 </a:solidFill>
-                <a:latin typeface="Times New Roman" pitchFamily="18" charset="0"/>
-                <a:cs typeface="Times New Roman" pitchFamily="18" charset="0"/>
+                <a:latin typeface="+mn-lt"/>
               </a:rPr>
-              <a:t>Tổng</a:t>
-            </a:r>
-            <a:r>
-              <a:rPr lang="en-US" b="1" dirty="0" smtClean="0">
-                <a:solidFill>
-                  <a:schemeClr val="tx2"/>
-                </a:solidFill>
-                <a:latin typeface="Times New Roman" pitchFamily="18" charset="0"/>
-                <a:cs typeface="Times New Roman" pitchFamily="18" charset="0"/>
-              </a:rPr>
-              <a:t> </a:t>
-            </a:r>
-            <a:r>
-              <a:rPr lang="en-US" b="1" dirty="0" err="1" smtClean="0">
-                <a:solidFill>
-                  <a:schemeClr val="tx2"/>
-                </a:solidFill>
-                <a:latin typeface="Times New Roman" pitchFamily="18" charset="0"/>
-                <a:cs typeface="Times New Roman" pitchFamily="18" charset="0"/>
-              </a:rPr>
-              <a:t>kết</a:t>
-            </a:r>
-            <a:endParaRPr lang="en-US" dirty="0"/>
+              <a:t>Vấn đề và giải pháp</a:t>
+            </a:r>
+            <a:endParaRPr lang="en-US" b="1" dirty="0">
+              <a:solidFill>
+                <a:schemeClr val="tx2"/>
+              </a:solidFill>
+              <a:latin typeface="+mn-lt"/>
+            </a:endParaRPr>
           </a:p>
         </p:txBody>
       </p:sp>
@@ -8883,63 +11492,271 @@
           <a:p>
             <a:r>
               <a:rPr lang="en-US" dirty="0" err="1" smtClean="0"/>
-              <a:t>Kết</a:t>
-            </a:r>
-            <a:r>
-              <a:rPr lang="en-US" dirty="0" smtClean="0"/>
-              <a:t> </a:t>
-            </a:r>
-            <a:r>
-              <a:rPr lang="en-US" dirty="0" err="1" smtClean="0"/>
-              <a:t>quả</a:t>
-            </a:r>
-            <a:r>
-              <a:rPr lang="en-US" dirty="0" smtClean="0"/>
-              <a:t> (1slide)</a:t>
-            </a:r>
-          </a:p>
-          <a:p>
-            <a:r>
-              <a:rPr lang="en-US" dirty="0" err="1" smtClean="0"/>
-              <a:t>Hạn</a:t>
-            </a:r>
-            <a:r>
-              <a:rPr lang="en-US" dirty="0" smtClean="0"/>
-              <a:t> </a:t>
-            </a:r>
-            <a:r>
-              <a:rPr lang="en-US" dirty="0" err="1" smtClean="0"/>
-              <a:t>chế</a:t>
-            </a:r>
-            <a:r>
-              <a:rPr lang="en-US" dirty="0" smtClean="0"/>
-              <a:t> (1slide)</a:t>
-            </a:r>
-          </a:p>
-          <a:p>
-            <a:r>
-              <a:rPr lang="en-US" dirty="0" err="1" smtClean="0"/>
-              <a:t>Hướng</a:t>
-            </a:r>
-            <a:r>
-              <a:rPr lang="en-US" dirty="0" smtClean="0"/>
-              <a:t> </a:t>
-            </a:r>
-            <a:r>
-              <a:rPr lang="en-US" dirty="0" err="1" smtClean="0"/>
-              <a:t>phát</a:t>
-            </a:r>
-            <a:r>
-              <a:rPr lang="en-US" dirty="0" smtClean="0"/>
-              <a:t> </a:t>
-            </a:r>
-            <a:r>
-              <a:rPr lang="en-US" dirty="0" err="1" smtClean="0"/>
-              <a:t>triển</a:t>
-            </a:r>
-            <a:r>
-              <a:rPr lang="en-US" dirty="0" smtClean="0"/>
-              <a:t> (1slide)</a:t>
+              <a:t>Tại</a:t>
+            </a:r>
+            <a:r>
+              <a:rPr lang="en-US" dirty="0" smtClean="0"/>
+              <a:t> </a:t>
+            </a:r>
+            <a:r>
+              <a:rPr lang="en-US" dirty="0" err="1" smtClean="0"/>
+              <a:t>sao</a:t>
+            </a:r>
+            <a:r>
+              <a:rPr lang="en-US" dirty="0" smtClean="0"/>
+              <a:t> </a:t>
+            </a:r>
+            <a:r>
+              <a:rPr lang="en-US" dirty="0" err="1" smtClean="0"/>
+              <a:t>chọn</a:t>
+            </a:r>
+            <a:r>
+              <a:rPr lang="en-US" dirty="0" smtClean="0"/>
+              <a:t> </a:t>
+            </a:r>
+            <a:r>
+              <a:rPr lang="en-US" dirty="0" err="1"/>
+              <a:t>mạng</a:t>
+            </a:r>
+            <a:r>
+              <a:rPr lang="en-US" dirty="0"/>
+              <a:t> </a:t>
+            </a:r>
+            <a:r>
+              <a:rPr lang="en-US" dirty="0" err="1" smtClean="0"/>
+              <a:t>ZigBee</a:t>
+            </a:r>
+            <a:r>
+              <a:rPr lang="en-US" dirty="0" smtClean="0"/>
+              <a:t>?</a:t>
+            </a:r>
+            <a:endParaRPr lang="en-US" dirty="0"/>
+          </a:p>
+          <a:p>
+            <a:pPr lvl="1"/>
+            <a:r>
+              <a:rPr lang="en-US" dirty="0" err="1" smtClean="0"/>
+              <a:t>Độ</a:t>
+            </a:r>
+            <a:r>
+              <a:rPr lang="en-US" dirty="0" smtClean="0"/>
+              <a:t> tin </a:t>
+            </a:r>
+            <a:r>
+              <a:rPr lang="en-US" dirty="0" err="1" smtClean="0"/>
+              <a:t>cậy</a:t>
+            </a:r>
+            <a:r>
+              <a:rPr lang="en-US" dirty="0" smtClean="0"/>
+              <a:t> </a:t>
+            </a:r>
+            <a:r>
+              <a:rPr lang="en-US" dirty="0" err="1" smtClean="0"/>
+              <a:t>cao</a:t>
+            </a:r>
+            <a:endParaRPr lang="en-US" dirty="0" smtClean="0"/>
+          </a:p>
+          <a:p>
+            <a:pPr lvl="1"/>
+            <a:r>
+              <a:rPr lang="en-US" dirty="0" smtClean="0"/>
+              <a:t>Chi </a:t>
+            </a:r>
+            <a:r>
+              <a:rPr lang="en-US" dirty="0" err="1" smtClean="0"/>
+              <a:t>phí</a:t>
+            </a:r>
+            <a:r>
+              <a:rPr lang="en-US" dirty="0" smtClean="0"/>
+              <a:t> </a:t>
+            </a:r>
+            <a:r>
+              <a:rPr lang="en-US" dirty="0" err="1" smtClean="0"/>
+              <a:t>thấp</a:t>
+            </a:r>
+            <a:r>
+              <a:rPr lang="en-US" dirty="0" smtClean="0"/>
+              <a:t>: chip, stack </a:t>
+            </a:r>
+            <a:r>
+              <a:rPr lang="en-US" dirty="0" err="1" smtClean="0"/>
+              <a:t>nhỏ</a:t>
+            </a:r>
+            <a:endParaRPr lang="en-US" dirty="0" smtClean="0"/>
+          </a:p>
+          <a:p>
+            <a:pPr lvl="1"/>
+            <a:r>
+              <a:rPr lang="en-US" dirty="0" err="1" smtClean="0"/>
+              <a:t>Bảo</a:t>
+            </a:r>
+            <a:r>
+              <a:rPr lang="en-US" dirty="0" smtClean="0"/>
+              <a:t> </a:t>
+            </a:r>
+            <a:r>
+              <a:rPr lang="en-US" dirty="0" err="1" smtClean="0"/>
+              <a:t>mật</a:t>
+            </a:r>
+            <a:r>
+              <a:rPr lang="en-US" dirty="0" smtClean="0"/>
+              <a:t> </a:t>
+            </a:r>
+            <a:r>
+              <a:rPr lang="en-US" dirty="0" err="1" smtClean="0"/>
+              <a:t>cao</a:t>
+            </a:r>
+            <a:endParaRPr lang="en-US" dirty="0" smtClean="0"/>
+          </a:p>
+          <a:p>
+            <a:pPr lvl="1"/>
+            <a:r>
+              <a:rPr lang="en-US" dirty="0" err="1" smtClean="0"/>
+              <a:t>Chuẩn</a:t>
+            </a:r>
+            <a:r>
+              <a:rPr lang="en-US" dirty="0" smtClean="0"/>
+              <a:t> </a:t>
+            </a:r>
+            <a:r>
+              <a:rPr lang="en-US" dirty="0" err="1" smtClean="0"/>
+              <a:t>mở</a:t>
+            </a:r>
+            <a:endParaRPr lang="en-US" dirty="0" smtClean="0"/>
+          </a:p>
+          <a:p>
+            <a:pPr lvl="1"/>
+            <a:r>
+              <a:rPr lang="en-US" dirty="0" err="1" smtClean="0"/>
+              <a:t>Tốc</a:t>
+            </a:r>
+            <a:r>
+              <a:rPr lang="en-US" dirty="0" smtClean="0"/>
+              <a:t> </a:t>
+            </a:r>
+            <a:r>
+              <a:rPr lang="en-US" dirty="0" err="1" smtClean="0"/>
+              <a:t>độ</a:t>
+            </a:r>
+            <a:r>
+              <a:rPr lang="en-US" dirty="0" smtClean="0"/>
+              <a:t> </a:t>
+            </a:r>
+            <a:r>
+              <a:rPr lang="en-US" dirty="0" err="1" smtClean="0"/>
+              <a:t>dữ</a:t>
+            </a:r>
+            <a:r>
+              <a:rPr lang="en-US" dirty="0" smtClean="0"/>
+              <a:t> </a:t>
+            </a:r>
+            <a:r>
+              <a:rPr lang="en-US" dirty="0" err="1" smtClean="0"/>
+              <a:t>liệu</a:t>
+            </a:r>
+            <a:r>
+              <a:rPr lang="en-US" dirty="0" smtClean="0"/>
+              <a:t> </a:t>
+            </a:r>
+            <a:r>
+              <a:rPr lang="en-US" dirty="0" err="1" smtClean="0"/>
+              <a:t>thấp</a:t>
+            </a:r>
+            <a:endParaRPr lang="en-US" dirty="0" smtClean="0"/>
+          </a:p>
+          <a:p>
+            <a:pPr lvl="1"/>
+            <a:r>
+              <a:rPr lang="en-US" dirty="0" err="1" smtClean="0"/>
+              <a:t>Hỗ</a:t>
+            </a:r>
+            <a:r>
+              <a:rPr lang="en-US" dirty="0" smtClean="0"/>
+              <a:t> </a:t>
+            </a:r>
+            <a:r>
+              <a:rPr lang="en-US" dirty="0" err="1" smtClean="0"/>
+              <a:t>trợ</a:t>
+            </a:r>
+            <a:r>
+              <a:rPr lang="en-US" dirty="0" smtClean="0"/>
+              <a:t> </a:t>
+            </a:r>
+            <a:r>
+              <a:rPr lang="en-US" dirty="0" err="1" smtClean="0"/>
+              <a:t>tới</a:t>
+            </a:r>
+            <a:r>
+              <a:rPr lang="en-US" dirty="0" smtClean="0"/>
+              <a:t> </a:t>
+            </a:r>
+            <a:r>
+              <a:rPr lang="en-US" dirty="0" err="1" smtClean="0"/>
+              <a:t>hơn</a:t>
+            </a:r>
+            <a:r>
+              <a:rPr lang="en-US" dirty="0" smtClean="0"/>
+              <a:t> 60 </a:t>
+            </a:r>
+            <a:r>
+              <a:rPr lang="en-US" dirty="0" err="1" smtClean="0"/>
+              <a:t>ngàn</a:t>
+            </a:r>
+            <a:r>
+              <a:rPr lang="en-US" dirty="0" smtClean="0"/>
+              <a:t> </a:t>
+            </a:r>
+            <a:r>
+              <a:rPr lang="en-US" dirty="0" err="1" smtClean="0"/>
+              <a:t>thiết</a:t>
+            </a:r>
+            <a:r>
+              <a:rPr lang="en-US" dirty="0" smtClean="0"/>
+              <a:t> </a:t>
+            </a:r>
+            <a:r>
+              <a:rPr lang="en-US" dirty="0" err="1" smtClean="0"/>
+              <a:t>bị</a:t>
+            </a:r>
+            <a:endParaRPr lang="en-US" dirty="0" smtClean="0"/>
+          </a:p>
+          <a:p>
+            <a:pPr lvl="1"/>
+            <a:r>
+              <a:rPr lang="en-US" dirty="0" err="1" smtClean="0"/>
+              <a:t>Ít</a:t>
+            </a:r>
+            <a:r>
+              <a:rPr lang="en-US" dirty="0" smtClean="0"/>
+              <a:t> </a:t>
+            </a:r>
+            <a:r>
+              <a:rPr lang="en-US" dirty="0" err="1" smtClean="0"/>
+              <a:t>tiêu</a:t>
+            </a:r>
+            <a:r>
+              <a:rPr lang="en-US" dirty="0" smtClean="0"/>
+              <a:t> </a:t>
+            </a:r>
+            <a:r>
+              <a:rPr lang="en-US" dirty="0" err="1" smtClean="0"/>
+              <a:t>hao</a:t>
+            </a:r>
+            <a:r>
+              <a:rPr lang="en-US" dirty="0" smtClean="0"/>
+              <a:t> </a:t>
+            </a:r>
+            <a:r>
+              <a:rPr lang="en-US" dirty="0" err="1" smtClean="0"/>
+              <a:t>năng</a:t>
+            </a:r>
+            <a:r>
+              <a:rPr lang="en-US" dirty="0" smtClean="0"/>
+              <a:t> </a:t>
+            </a:r>
+            <a:r>
+              <a:rPr lang="en-US" dirty="0" err="1" smtClean="0"/>
+              <a:t>lượng</a:t>
             </a:r>
             <a:endParaRPr lang="en-US" dirty="0"/>
           </a:p>
@@ -8948,7 +11765,7 @@
     </p:spTree>
     <p:extLst>
       <p:ext uri="{BB962C8B-B14F-4D97-AF65-F5344CB8AC3E}">
-        <p14:creationId xmlns:p14="http://schemas.microsoft.com/office/powerpoint/2010/main" val="2247665721"/>
+        <p14:creationId xmlns:p14="http://schemas.microsoft.com/office/powerpoint/2010/main" val="4215624770"/>
       </p:ext>
     </p:extLst>
   </p:cSld>
@@ -8994,12 +11811,80 @@
         </p:nvSpPr>
         <p:spPr/>
         <p:txBody>
-          <a:bodyPr/>
+          <a:bodyPr>
+            <a:normAutofit/>
+          </a:bodyPr>
           <a:lstStyle/>
           <a:p>
             <a:r>
-              <a:rPr lang="en-US" dirty="0" smtClean="0"/>
-              <a:t>Demo</a:t>
+              <a:rPr lang="en-US" b="1" dirty="0" err="1" smtClean="0">
+                <a:solidFill>
+                  <a:schemeClr val="tx2"/>
+                </a:solidFill>
+                <a:latin typeface="Times New Roman" pitchFamily="18" charset="0"/>
+                <a:cs typeface="Times New Roman" pitchFamily="18" charset="0"/>
+              </a:rPr>
+              <a:t>Quá</a:t>
+            </a:r>
+            <a:r>
+              <a:rPr lang="en-US" b="1" dirty="0" smtClean="0">
+                <a:solidFill>
+                  <a:schemeClr val="tx2"/>
+                </a:solidFill>
+                <a:latin typeface="Times New Roman" pitchFamily="18" charset="0"/>
+                <a:cs typeface="Times New Roman" pitchFamily="18" charset="0"/>
+              </a:rPr>
+              <a:t> </a:t>
+            </a:r>
+            <a:r>
+              <a:rPr lang="en-US" b="1" dirty="0" err="1" smtClean="0">
+                <a:solidFill>
+                  <a:schemeClr val="tx2"/>
+                </a:solidFill>
+                <a:latin typeface="Times New Roman" pitchFamily="18" charset="0"/>
+                <a:cs typeface="Times New Roman" pitchFamily="18" charset="0"/>
+              </a:rPr>
+              <a:t>trình</a:t>
+            </a:r>
+            <a:r>
+              <a:rPr lang="en-US" b="1" dirty="0" smtClean="0">
+                <a:solidFill>
+                  <a:schemeClr val="tx2"/>
+                </a:solidFill>
+                <a:latin typeface="Times New Roman" pitchFamily="18" charset="0"/>
+                <a:cs typeface="Times New Roman" pitchFamily="18" charset="0"/>
+              </a:rPr>
+              <a:t> </a:t>
+            </a:r>
+            <a:r>
+              <a:rPr lang="en-US" b="1" dirty="0" err="1" smtClean="0">
+                <a:solidFill>
+                  <a:schemeClr val="tx2"/>
+                </a:solidFill>
+                <a:latin typeface="Times New Roman" pitchFamily="18" charset="0"/>
+                <a:cs typeface="Times New Roman" pitchFamily="18" charset="0"/>
+              </a:rPr>
+              <a:t>hiện</a:t>
+            </a:r>
+            <a:r>
+              <a:rPr lang="en-US" b="1" dirty="0" smtClean="0">
+                <a:solidFill>
+                  <a:schemeClr val="tx2"/>
+                </a:solidFill>
+                <a:latin typeface="Times New Roman" pitchFamily="18" charset="0"/>
+                <a:cs typeface="Times New Roman" pitchFamily="18" charset="0"/>
+              </a:rPr>
+              <a:t> </a:t>
+            </a:r>
+            <a:r>
+              <a:rPr lang="en-US" b="1" dirty="0" err="1" smtClean="0">
+                <a:solidFill>
+                  <a:schemeClr val="tx2"/>
+                </a:solidFill>
+                <a:latin typeface="Times New Roman" pitchFamily="18" charset="0"/>
+                <a:cs typeface="Times New Roman" pitchFamily="18" charset="0"/>
+              </a:rPr>
+              <a:t>thực</a:t>
             </a:r>
             <a:endParaRPr lang="en-US" dirty="0"/>
           </a:p>
@@ -9020,20 +11905,223 @@
           <a:bodyPr/>
           <a:lstStyle/>
           <a:p>
-            <a:endParaRPr lang="en-US"/>
+            <a:r>
+              <a:rPr lang="en-US" dirty="0" err="1" smtClean="0"/>
+              <a:t>Kế</a:t>
+            </a:r>
+            <a:r>
+              <a:rPr lang="en-US" dirty="0" smtClean="0"/>
+              <a:t> </a:t>
+            </a:r>
+            <a:r>
+              <a:rPr lang="en-US" dirty="0" err="1" smtClean="0"/>
+              <a:t>hoạch</a:t>
+            </a:r>
+            <a:r>
+              <a:rPr lang="en-US" dirty="0" smtClean="0"/>
+              <a:t> </a:t>
+            </a:r>
+            <a:r>
+              <a:rPr lang="en-US" dirty="0" err="1" smtClean="0"/>
+              <a:t>thực</a:t>
+            </a:r>
+            <a:r>
+              <a:rPr lang="en-US" dirty="0" smtClean="0"/>
+              <a:t> </a:t>
+            </a:r>
+            <a:r>
+              <a:rPr lang="en-US" dirty="0" err="1" smtClean="0"/>
+              <a:t>hiện</a:t>
+            </a:r>
+            <a:r>
+              <a:rPr lang="en-US" dirty="0" smtClean="0"/>
+              <a:t> (1slide)</a:t>
+            </a:r>
+            <a:endParaRPr lang="en-US" dirty="0"/>
+          </a:p>
+          <a:p>
+            <a:r>
+              <a:rPr lang="en-US" dirty="0" err="1" smtClean="0"/>
+              <a:t>Xây</a:t>
+            </a:r>
+            <a:r>
+              <a:rPr lang="en-US" dirty="0" smtClean="0"/>
+              <a:t> </a:t>
+            </a:r>
+            <a:r>
+              <a:rPr lang="en-US" dirty="0" err="1" smtClean="0"/>
+              <a:t>dựng</a:t>
+            </a:r>
+            <a:r>
+              <a:rPr lang="en-US" dirty="0" smtClean="0"/>
+              <a:t> </a:t>
+            </a:r>
+            <a:r>
+              <a:rPr lang="en-US" dirty="0" err="1" smtClean="0"/>
+              <a:t>giao</a:t>
+            </a:r>
+            <a:r>
+              <a:rPr lang="en-US" dirty="0" smtClean="0"/>
+              <a:t> </a:t>
+            </a:r>
+            <a:r>
+              <a:rPr lang="en-US" dirty="0" err="1" smtClean="0"/>
+              <a:t>thức</a:t>
+            </a:r>
+            <a:r>
+              <a:rPr lang="en-US" dirty="0" smtClean="0"/>
+              <a:t> </a:t>
+            </a:r>
+            <a:r>
+              <a:rPr lang="en-US" dirty="0" err="1" smtClean="0"/>
+              <a:t>giao</a:t>
+            </a:r>
+            <a:r>
+              <a:rPr lang="en-US" dirty="0" smtClean="0"/>
+              <a:t> </a:t>
+            </a:r>
+            <a:r>
+              <a:rPr lang="en-US" dirty="0" err="1" smtClean="0"/>
+              <a:t>tiếp</a:t>
+            </a:r>
+            <a:r>
+              <a:rPr lang="en-US" dirty="0" smtClean="0"/>
+              <a:t> </a:t>
+            </a:r>
+            <a:r>
+              <a:rPr lang="en-US" dirty="0" err="1" smtClean="0"/>
+              <a:t>giữa</a:t>
+            </a:r>
+            <a:r>
+              <a:rPr lang="en-US" dirty="0" smtClean="0"/>
+              <a:t> </a:t>
+            </a:r>
+            <a:r>
+              <a:rPr lang="en-US" dirty="0" err="1" smtClean="0"/>
+              <a:t>các</a:t>
+            </a:r>
+            <a:r>
+              <a:rPr lang="en-US" dirty="0" smtClean="0"/>
+              <a:t> </a:t>
+            </a:r>
+            <a:r>
+              <a:rPr lang="en-US" dirty="0" err="1" smtClean="0"/>
+              <a:t>thiết</a:t>
+            </a:r>
+            <a:r>
+              <a:rPr lang="en-US" dirty="0" smtClean="0"/>
+              <a:t> </a:t>
+            </a:r>
+            <a:r>
+              <a:rPr lang="en-US" dirty="0" err="1" smtClean="0"/>
+              <a:t>bị</a:t>
+            </a:r>
+            <a:r>
+              <a:rPr lang="en-US" dirty="0" smtClean="0"/>
+              <a:t> (2-3slide)</a:t>
+            </a:r>
+          </a:p>
+          <a:p>
+            <a:r>
+              <a:rPr lang="en-US" dirty="0" err="1" smtClean="0"/>
+              <a:t>Kiến</a:t>
+            </a:r>
+            <a:r>
+              <a:rPr lang="en-US" dirty="0" smtClean="0"/>
+              <a:t> </a:t>
+            </a:r>
+            <a:r>
+              <a:rPr lang="en-US" dirty="0" err="1" smtClean="0"/>
+              <a:t>trúc</a:t>
+            </a:r>
+            <a:r>
+              <a:rPr lang="en-US" dirty="0" smtClean="0"/>
+              <a:t> </a:t>
+            </a:r>
+            <a:r>
+              <a:rPr lang="en-US" dirty="0" err="1" smtClean="0"/>
+              <a:t>phần</a:t>
+            </a:r>
+            <a:r>
+              <a:rPr lang="en-US" dirty="0" smtClean="0"/>
+              <a:t> </a:t>
+            </a:r>
+            <a:r>
+              <a:rPr lang="en-US" dirty="0" err="1" smtClean="0"/>
+              <a:t>mềm</a:t>
+            </a:r>
+            <a:r>
+              <a:rPr lang="en-US" dirty="0" smtClean="0"/>
+              <a:t>.(1slide)</a:t>
+            </a:r>
+          </a:p>
+          <a:p>
+            <a:r>
+              <a:rPr lang="en-US" dirty="0" err="1" smtClean="0"/>
+              <a:t>Thiết</a:t>
+            </a:r>
+            <a:r>
+              <a:rPr lang="en-US" dirty="0" smtClean="0"/>
+              <a:t> </a:t>
+            </a:r>
+            <a:r>
+              <a:rPr lang="en-US" dirty="0" err="1" smtClean="0"/>
+              <a:t>bị</a:t>
+            </a:r>
+            <a:r>
+              <a:rPr lang="en-US" dirty="0" smtClean="0"/>
+              <a:t> Cashier.(2slide)</a:t>
+            </a:r>
+          </a:p>
+          <a:p>
+            <a:r>
+              <a:rPr lang="en-US" dirty="0" err="1" smtClean="0"/>
+              <a:t>Thiết</a:t>
+            </a:r>
+            <a:r>
+              <a:rPr lang="en-US" dirty="0" smtClean="0"/>
+              <a:t> </a:t>
+            </a:r>
+            <a:r>
+              <a:rPr lang="en-US" dirty="0" err="1" smtClean="0"/>
+              <a:t>bị</a:t>
+            </a:r>
+            <a:r>
+              <a:rPr lang="en-US" dirty="0" smtClean="0"/>
+              <a:t> Handheld. (2slide)</a:t>
+            </a:r>
+          </a:p>
+          <a:p>
+            <a:r>
+              <a:rPr lang="en-US" dirty="0" smtClean="0"/>
+              <a:t>PC Application. (2slide)</a:t>
+            </a:r>
+          </a:p>
+          <a:p>
+            <a:endParaRPr lang="en-US" dirty="0"/>
+          </a:p>
+          <a:p>
+            <a:endParaRPr lang="en-US" dirty="0"/>
           </a:p>
         </p:txBody>
       </p:sp>
     </p:spTree>
     <p:extLst>
       <p:ext uri="{BB962C8B-B14F-4D97-AF65-F5344CB8AC3E}">
-        <p14:creationId xmlns:p14="http://schemas.microsoft.com/office/powerpoint/2010/main" val="1564550234"/>
+        <p14:creationId xmlns:p14="http://schemas.microsoft.com/office/powerpoint/2010/main" val="551109987"/>
       </p:ext>
     </p:extLst>
   </p:cSld>
   <p:clrMapOvr>
     <a:masterClrMapping/>
   </p:clrMapOvr>
+  <p:timing>
+    <p:tnLst>
+      <p:par>
+        <p:cTn id="1" dur="indefinite" restart="never" nodeType="tmRoot"/>
+      </p:par>
+    </p:tnLst>
+  </p:timing>
 </p:sld>
 </file>
 

--- a/docs/Report/Queue-Busting.pptx
+++ b/docs/Report/Queue-Busting.pptx
@@ -5,7 +5,7 @@
     <p:sldMasterId id="2147483868" r:id="rId1"/>
   </p:sldMasterIdLst>
   <p:notesMasterIdLst>
-    <p:notesMasterId r:id="rId37"/>
+    <p:notesMasterId r:id="rId41"/>
   </p:notesMasterIdLst>
   <p:sldIdLst>
     <p:sldId id="337" r:id="rId2"/>
@@ -29,20 +29,24 @@
     <p:sldId id="316" r:id="rId20"/>
     <p:sldId id="317" r:id="rId21"/>
     <p:sldId id="318" r:id="rId22"/>
-    <p:sldId id="321" r:id="rId23"/>
-    <p:sldId id="322" r:id="rId24"/>
-    <p:sldId id="324" r:id="rId25"/>
-    <p:sldId id="326" r:id="rId26"/>
-    <p:sldId id="327" r:id="rId27"/>
-    <p:sldId id="335" r:id="rId28"/>
-    <p:sldId id="334" r:id="rId29"/>
-    <p:sldId id="328" r:id="rId30"/>
-    <p:sldId id="329" r:id="rId31"/>
-    <p:sldId id="330" r:id="rId32"/>
-    <p:sldId id="331" r:id="rId33"/>
-    <p:sldId id="332" r:id="rId34"/>
-    <p:sldId id="319" r:id="rId35"/>
-    <p:sldId id="320" r:id="rId36"/>
+    <p:sldId id="340" r:id="rId23"/>
+    <p:sldId id="341" r:id="rId24"/>
+    <p:sldId id="338" r:id="rId25"/>
+    <p:sldId id="339" r:id="rId26"/>
+    <p:sldId id="321" r:id="rId27"/>
+    <p:sldId id="322" r:id="rId28"/>
+    <p:sldId id="324" r:id="rId29"/>
+    <p:sldId id="326" r:id="rId30"/>
+    <p:sldId id="327" r:id="rId31"/>
+    <p:sldId id="335" r:id="rId32"/>
+    <p:sldId id="334" r:id="rId33"/>
+    <p:sldId id="328" r:id="rId34"/>
+    <p:sldId id="329" r:id="rId35"/>
+    <p:sldId id="330" r:id="rId36"/>
+    <p:sldId id="331" r:id="rId37"/>
+    <p:sldId id="332" r:id="rId38"/>
+    <p:sldId id="319" r:id="rId39"/>
+    <p:sldId id="320" r:id="rId40"/>
   </p:sldIdLst>
   <p:sldSz cx="9144000" cy="6858000" type="screen4x3"/>
   <p:notesSz cx="6858000" cy="9144000"/>
@@ -226,6 +230,7 @@
           <a:p>
             <a:fld id="{AA045C9D-B3BC-4B8A-9772-7302FAC29404}" type="datetimeFigureOut">
               <a:rPr lang="en-US" smtClean="0"/>
+              <a:pPr/>
               <a:t>12/30/2011</a:t>
             </a:fld>
             <a:endParaRPr lang="en-US"/>
@@ -385,6 +390,7 @@
           <a:p>
             <a:fld id="{FACF42EF-3339-4DF0-87A8-DF696C66BFE5}" type="slidenum">
               <a:rPr lang="en-US" smtClean="0"/>
+              <a:pPr/>
               <a:t>‹#›</a:t>
             </a:fld>
             <a:endParaRPr lang="en-US"/>
@@ -394,7 +400,7 @@
     </p:spTree>
     <p:extLst>
       <p:ext uri="{BB962C8B-B14F-4D97-AF65-F5344CB8AC3E}">
-        <p14:creationId xmlns:p14="http://schemas.microsoft.com/office/powerpoint/2010/main" val="3317457730"/>
+        <p14:creationId xmlns:p14="http://schemas.microsoft.com/office/powerpoint/2010/main" xmlns="" val="3317457730"/>
       </p:ext>
     </p:extLst>
   </p:cSld>
@@ -559,6 +565,7 @@
           <a:p>
             <a:fld id="{FACF42EF-3339-4DF0-87A8-DF696C66BFE5}" type="slidenum">
               <a:rPr lang="en-US" smtClean="0"/>
+              <a:pPr/>
               <a:t>1</a:t>
             </a:fld>
             <a:endParaRPr lang="en-US"/>
@@ -568,7 +575,7 @@
     </p:spTree>
     <p:extLst>
       <p:ext uri="{BB962C8B-B14F-4D97-AF65-F5344CB8AC3E}">
-        <p14:creationId xmlns:p14="http://schemas.microsoft.com/office/powerpoint/2010/main" val="2278648796"/>
+        <p14:creationId xmlns:p14="http://schemas.microsoft.com/office/powerpoint/2010/main" xmlns="" val="2278648796"/>
       </p:ext>
     </p:extLst>
   </p:cSld>
@@ -4252,7 +4259,8 @@
           <a:p>
             <a:fld id="{FACF42EF-3339-4DF0-87A8-DF696C66BFE5}" type="slidenum">
               <a:rPr lang="en-US" smtClean="0"/>
-              <a:t>24</a:t>
+              <a:pPr/>
+              <a:t>28</a:t>
             </a:fld>
             <a:endParaRPr lang="en-US"/>
           </a:p>
@@ -4261,7 +4269,7 @@
     </p:spTree>
     <p:extLst>
       <p:ext uri="{BB962C8B-B14F-4D97-AF65-F5344CB8AC3E}">
-        <p14:creationId xmlns:p14="http://schemas.microsoft.com/office/powerpoint/2010/main" val="2416101580"/>
+        <p14:creationId xmlns:p14="http://schemas.microsoft.com/office/powerpoint/2010/main" xmlns="" val="2416101580"/>
       </p:ext>
     </p:extLst>
   </p:cSld>
@@ -4663,7 +4671,8 @@
           <a:p>
             <a:fld id="{FACF42EF-3339-4DF0-87A8-DF696C66BFE5}" type="slidenum">
               <a:rPr lang="en-US" smtClean="0"/>
-              <a:t>26</a:t>
+              <a:pPr/>
+              <a:t>30</a:t>
             </a:fld>
             <a:endParaRPr lang="en-US"/>
           </a:p>
@@ -4672,7 +4681,7 @@
     </p:spTree>
     <p:extLst>
       <p:ext uri="{BB962C8B-B14F-4D97-AF65-F5344CB8AC3E}">
-        <p14:creationId xmlns:p14="http://schemas.microsoft.com/office/powerpoint/2010/main" val="2168667247"/>
+        <p14:creationId xmlns:p14="http://schemas.microsoft.com/office/powerpoint/2010/main" xmlns="" val="2168667247"/>
       </p:ext>
     </p:extLst>
   </p:cSld>
@@ -5074,7 +5083,8 @@
           <a:p>
             <a:fld id="{FACF42EF-3339-4DF0-87A8-DF696C66BFE5}" type="slidenum">
               <a:rPr lang="en-US" smtClean="0"/>
-              <a:t>27</a:t>
+              <a:pPr/>
+              <a:t>31</a:t>
             </a:fld>
             <a:endParaRPr lang="en-US"/>
           </a:p>
@@ -5083,7 +5093,7 @@
     </p:spTree>
     <p:extLst>
       <p:ext uri="{BB962C8B-B14F-4D97-AF65-F5344CB8AC3E}">
-        <p14:creationId xmlns:p14="http://schemas.microsoft.com/office/powerpoint/2010/main" val="2168667247"/>
+        <p14:creationId xmlns:p14="http://schemas.microsoft.com/office/powerpoint/2010/main" xmlns="" val="2168667247"/>
       </p:ext>
     </p:extLst>
   </p:cSld>
@@ -6219,6 +6229,7 @@
           <a:p>
             <a:fld id="{6A3B5077-90BD-4832-BA67-6F076D7638C4}" type="slidenum">
               <a:rPr lang="en-US" smtClean="0"/>
+              <a:pPr/>
               <a:t>7</a:t>
             </a:fld>
             <a:endParaRPr lang="en-US"/>
@@ -6228,7 +6239,7 @@
     </p:spTree>
     <p:extLst>
       <p:ext uri="{BB962C8B-B14F-4D97-AF65-F5344CB8AC3E}">
-        <p14:creationId xmlns:p14="http://schemas.microsoft.com/office/powerpoint/2010/main" val="3535420439"/>
+        <p14:creationId xmlns:p14="http://schemas.microsoft.com/office/powerpoint/2010/main" xmlns="" val="3535420439"/>
       </p:ext>
     </p:extLst>
   </p:cSld>
@@ -6779,6 +6790,7 @@
           <a:p>
             <a:fld id="{6A3B5077-90BD-4832-BA67-6F076D7638C4}" type="slidenum">
               <a:rPr lang="en-US" smtClean="0"/>
+              <a:pPr/>
               <a:t>8</a:t>
             </a:fld>
             <a:endParaRPr lang="en-US"/>
@@ -6788,7 +6800,7 @@
     </p:spTree>
     <p:extLst>
       <p:ext uri="{BB962C8B-B14F-4D97-AF65-F5344CB8AC3E}">
-        <p14:creationId xmlns:p14="http://schemas.microsoft.com/office/powerpoint/2010/main" val="2788331517"/>
+        <p14:creationId xmlns:p14="http://schemas.microsoft.com/office/powerpoint/2010/main" xmlns="" val="2788331517"/>
       </p:ext>
     </p:extLst>
   </p:cSld>
@@ -7111,6 +7123,7 @@
           <a:p>
             <a:fld id="{6A3B5077-90BD-4832-BA67-6F076D7638C4}" type="slidenum">
               <a:rPr lang="en-US" smtClean="0"/>
+              <a:pPr/>
               <a:t>9</a:t>
             </a:fld>
             <a:endParaRPr lang="en-US"/>
@@ -7120,7 +7133,7 @@
     </p:spTree>
     <p:extLst>
       <p:ext uri="{BB962C8B-B14F-4D97-AF65-F5344CB8AC3E}">
-        <p14:creationId xmlns:p14="http://schemas.microsoft.com/office/powerpoint/2010/main" val="1099192359"/>
+        <p14:creationId xmlns:p14="http://schemas.microsoft.com/office/powerpoint/2010/main" xmlns="" val="1099192359"/>
       </p:ext>
     </p:extLst>
   </p:cSld>
@@ -8166,6 +8179,7 @@
           <a:p>
             <a:fld id="{6A3B5077-90BD-4832-BA67-6F076D7638C4}" type="slidenum">
               <a:rPr lang="en-US" smtClean="0"/>
+              <a:pPr/>
               <a:t>10</a:t>
             </a:fld>
             <a:endParaRPr lang="en-US"/>
@@ -8175,7 +8189,7 @@
     </p:spTree>
     <p:extLst>
       <p:ext uri="{BB962C8B-B14F-4D97-AF65-F5344CB8AC3E}">
-        <p14:creationId xmlns:p14="http://schemas.microsoft.com/office/powerpoint/2010/main" val="1494864071"/>
+        <p14:creationId xmlns:p14="http://schemas.microsoft.com/office/powerpoint/2010/main" xmlns="" val="1494864071"/>
       </p:ext>
     </p:extLst>
   </p:cSld>
@@ -8934,6 +8948,7 @@
           <a:p>
             <a:fld id="{6A3B5077-90BD-4832-BA67-6F076D7638C4}" type="slidenum">
               <a:rPr lang="en-US" smtClean="0"/>
+              <a:pPr/>
               <a:t>11</a:t>
             </a:fld>
             <a:endParaRPr lang="en-US"/>
@@ -8943,7 +8958,7 @@
     </p:spTree>
     <p:extLst>
       <p:ext uri="{BB962C8B-B14F-4D97-AF65-F5344CB8AC3E}">
-        <p14:creationId xmlns:p14="http://schemas.microsoft.com/office/powerpoint/2010/main" val="3020302243"/>
+        <p14:creationId xmlns:p14="http://schemas.microsoft.com/office/powerpoint/2010/main" xmlns="" val="3020302243"/>
       </p:ext>
     </p:extLst>
   </p:cSld>
@@ -9345,6 +9360,7 @@
           <a:p>
             <a:fld id="{FACF42EF-3339-4DF0-87A8-DF696C66BFE5}" type="slidenum">
               <a:rPr lang="en-US" smtClean="0"/>
+              <a:pPr/>
               <a:t>12</a:t>
             </a:fld>
             <a:endParaRPr lang="en-US"/>
@@ -9354,7 +9370,7 @@
     </p:spTree>
     <p:extLst>
       <p:ext uri="{BB962C8B-B14F-4D97-AF65-F5344CB8AC3E}">
-        <p14:creationId xmlns:p14="http://schemas.microsoft.com/office/powerpoint/2010/main" val="2168667247"/>
+        <p14:creationId xmlns:p14="http://schemas.microsoft.com/office/powerpoint/2010/main" xmlns="" val="2168667247"/>
       </p:ext>
     </p:extLst>
   </p:cSld>
@@ -9957,7 +9973,8 @@
           <a:p>
             <a:fld id="{FACF42EF-3339-4DF0-87A8-DF696C66BFE5}" type="slidenum">
               <a:rPr lang="en-US" smtClean="0"/>
-              <a:t>23</a:t>
+              <a:pPr/>
+              <a:t>27</a:t>
             </a:fld>
             <a:endParaRPr lang="en-US"/>
           </a:p>
@@ -9966,7 +9983,7 @@
     </p:spTree>
     <p:extLst>
       <p:ext uri="{BB962C8B-B14F-4D97-AF65-F5344CB8AC3E}">
-        <p14:creationId xmlns:p14="http://schemas.microsoft.com/office/powerpoint/2010/main" val="2874300510"/>
+        <p14:creationId xmlns:p14="http://schemas.microsoft.com/office/powerpoint/2010/main" xmlns="" val="2874300510"/>
       </p:ext>
     </p:extLst>
   </p:cSld>
@@ -10007,82 +10024,9 @@
         </p:xfrm>
         <a:graphic>
           <a:graphicData uri="http://schemas.openxmlformats.org/presentationml/2006/ole">
-            <mc:AlternateContent xmlns:mc="http://schemas.openxmlformats.org/markup-compatibility/2006">
-              <mc:Choice xmlns:v="urn:schemas-microsoft-com:vml" Requires="v">
-                <p:oleObj spid="_x0000_s14356" name="Image" r:id="rId3" imgW="7606349" imgH="6095238" progId="Photoshop.Image.6">
-                  <p:embed/>
-                </p:oleObj>
-              </mc:Choice>
-              <mc:Fallback>
-                <p:oleObj name="Image" r:id="rId3" imgW="7606349" imgH="6095238" progId="Photoshop.Image.6">
-                  <p:embed/>
-                  <p:pic>
-                    <p:nvPicPr>
-                      <p:cNvPr id="0" name=""/>
-                      <p:cNvPicPr>
-                        <a:picLocks noChangeAspect="1" noChangeArrowheads="1"/>
-                      </p:cNvPicPr>
-                      <p:nvPr/>
-                    </p:nvPicPr>
-                    <p:blipFill>
-                      <a:blip r:embed="rId4">
-                        <a:extLst>
-                          <a:ext uri="{28A0092B-C50C-407E-A947-70E740481C1C}">
-                            <a14:useLocalDpi xmlns:a14="http://schemas.microsoft.com/office/drawing/2010/main" val="0"/>
-                          </a:ext>
-                        </a:extLst>
-                      </a:blip>
-                      <a:srcRect/>
-                      <a:stretch>
-                        <a:fillRect/>
-                      </a:stretch>
-                    </p:blipFill>
-                    <p:spPr bwMode="ltGray">
-                      <a:xfrm>
-                        <a:off x="0" y="0"/>
-                        <a:ext cx="9144000" cy="6858000"/>
-                      </a:xfrm>
-                      <a:prstGeom prst="rect">
-                        <a:avLst/>
-                      </a:prstGeom>
-                      <a:noFill/>
-                      <a:ln>
-                        <a:noFill/>
-                      </a:ln>
-                      <a:effectLst/>
-                      <a:extLst>
-                        <a:ext uri="{909E8E84-426E-40DD-AFC4-6F175D3DCCD1}">
-                          <a14:hiddenFill xmlns:a14="http://schemas.microsoft.com/office/drawing/2010/main">
-                            <a:solidFill>
-                              <a:schemeClr val="accent1"/>
-                            </a:solidFill>
-                          </a14:hiddenFill>
-                        </a:ext>
-                        <a:ext uri="{91240B29-F687-4F45-9708-019B960494DF}">
-                          <a14:hiddenLine xmlns:a14="http://schemas.microsoft.com/office/drawing/2010/main" w="9525">
-                            <a:solidFill>
-                              <a:schemeClr val="tx1"/>
-                            </a:solidFill>
-                            <a:miter lim="800000"/>
-                            <a:headEnd/>
-                            <a:tailEnd/>
-                          </a14:hiddenLine>
-                        </a:ext>
-                        <a:ext uri="{AF507438-7753-43E0-B8FC-AC1667EBCBE1}">
-                          <a14:hiddenEffects xmlns:a14="http://schemas.microsoft.com/office/drawing/2010/main">
-                            <a:effectLst>
-                              <a:outerShdw dist="35921" dir="2700000" algn="ctr" rotWithShape="0">
-                                <a:schemeClr val="bg2"/>
-                              </a:outerShdw>
-                            </a:effectLst>
-                          </a14:hiddenEffects>
-                        </a:ext>
-                      </a:extLst>
-                    </p:spPr>
-                  </p:pic>
-                </p:oleObj>
-              </mc:Fallback>
-            </mc:AlternateContent>
+            <p:oleObj spid="_x0000_s14357" name="Image" r:id="rId3" imgW="7606349" imgH="6095238" progId="">
+              <p:embed/>
+            </p:oleObj>
           </a:graphicData>
         </a:graphic>
       </p:graphicFrame>
@@ -10174,7 +10118,7 @@
           <a:effectLst/>
           <a:extLst>
             <a:ext uri="{91240B29-F687-4F45-9708-019B960494DF}">
-              <a14:hiddenLine xmlns:a14="http://schemas.microsoft.com/office/drawing/2010/main" w="9525">
+              <a14:hiddenLine xmlns:a14="http://schemas.microsoft.com/office/drawing/2010/main" xmlns="" w="9525">
                 <a:solidFill>
                   <a:schemeClr val="tx1"/>
                 </a:solidFill>
@@ -10184,7 +10128,7 @@
               </a14:hiddenLine>
             </a:ext>
             <a:ext uri="{AF507438-7753-43E0-B8FC-AC1667EBCBE1}">
-              <a14:hiddenEffects xmlns:a14="http://schemas.microsoft.com/office/drawing/2010/main">
+              <a14:hiddenEffects xmlns:a14="http://schemas.microsoft.com/office/drawing/2010/main" xmlns="">
                 <a:effectLst>
                   <a:outerShdw dist="35921" dir="2700000" algn="ctr" rotWithShape="0">
                     <a:schemeClr val="bg2"/>
@@ -10282,7 +10226,7 @@
           <a:effectLst/>
           <a:extLst>
             <a:ext uri="{91240B29-F687-4F45-9708-019B960494DF}">
-              <a14:hiddenLine xmlns:a14="http://schemas.microsoft.com/office/drawing/2010/main" w="9525">
+              <a14:hiddenLine xmlns:a14="http://schemas.microsoft.com/office/drawing/2010/main" xmlns="" w="9525">
                 <a:solidFill>
                   <a:schemeClr val="tx1"/>
                 </a:solidFill>
@@ -10292,7 +10236,7 @@
               </a14:hiddenLine>
             </a:ext>
             <a:ext uri="{AF507438-7753-43E0-B8FC-AC1667EBCBE1}">
-              <a14:hiddenEffects xmlns:a14="http://schemas.microsoft.com/office/drawing/2010/main">
+              <a14:hiddenEffects xmlns:a14="http://schemas.microsoft.com/office/drawing/2010/main" xmlns="">
                 <a:effectLst>
                   <a:outerShdw dist="35921" dir="2700000" algn="ctr" rotWithShape="0">
                     <a:schemeClr val="bg2"/>
@@ -10406,7 +10350,7 @@
           <a:effectLst/>
           <a:extLst>
             <a:ext uri="{91240B29-F687-4F45-9708-019B960494DF}">
-              <a14:hiddenLine xmlns:a14="http://schemas.microsoft.com/office/drawing/2010/main" w="9525">
+              <a14:hiddenLine xmlns:a14="http://schemas.microsoft.com/office/drawing/2010/main" xmlns="" w="9525">
                 <a:solidFill>
                   <a:schemeClr val="tx1"/>
                 </a:solidFill>
@@ -10416,7 +10360,7 @@
               </a14:hiddenLine>
             </a:ext>
             <a:ext uri="{AF507438-7753-43E0-B8FC-AC1667EBCBE1}">
-              <a14:hiddenEffects xmlns:a14="http://schemas.microsoft.com/office/drawing/2010/main">
+              <a14:hiddenEffects xmlns:a14="http://schemas.microsoft.com/office/drawing/2010/main" xmlns="">
                 <a:effectLst>
                   <a:outerShdw dist="35921" dir="2700000" algn="ctr" rotWithShape="0">
                     <a:schemeClr val="bg2"/>
@@ -10592,14 +10536,14 @@
           <a:effectLst/>
           <a:extLst>
             <a:ext uri="{909E8E84-426E-40DD-AFC4-6F175D3DCCD1}">
-              <a14:hiddenFill xmlns:a14="http://schemas.microsoft.com/office/drawing/2010/main">
+              <a14:hiddenFill xmlns:a14="http://schemas.microsoft.com/office/drawing/2010/main" xmlns="">
                 <a:solidFill>
                   <a:schemeClr val="accent1"/>
                 </a:solidFill>
               </a14:hiddenFill>
             </a:ext>
             <a:ext uri="{91240B29-F687-4F45-9708-019B960494DF}">
-              <a14:hiddenLine xmlns:a14="http://schemas.microsoft.com/office/drawing/2010/main" w="9525">
+              <a14:hiddenLine xmlns:a14="http://schemas.microsoft.com/office/drawing/2010/main" xmlns="" w="9525">
                 <a:solidFill>
                   <a:schemeClr val="tx1"/>
                 </a:solidFill>
@@ -10609,7 +10553,7 @@
               </a14:hiddenLine>
             </a:ext>
             <a:ext uri="{AF507438-7753-43E0-B8FC-AC1667EBCBE1}">
-              <a14:hiddenEffects xmlns:a14="http://schemas.microsoft.com/office/drawing/2010/main">
+              <a14:hiddenEffects xmlns:a14="http://schemas.microsoft.com/office/drawing/2010/main" xmlns="">
                 <a:effectLst>
                   <a:outerShdw dist="35921" dir="2700000" algn="ctr" rotWithShape="0">
                     <a:schemeClr val="bg2"/>
@@ -10654,7 +10598,7 @@
           </a:xfrm>
           <a:extLst>
             <a:ext uri="{909E8E84-426E-40DD-AFC4-6F175D3DCCD1}">
-              <a14:hiddenFill xmlns:a14="http://schemas.microsoft.com/office/drawing/2010/main">
+              <a14:hiddenFill xmlns:a14="http://schemas.microsoft.com/office/drawing/2010/main" xmlns="">
                 <a:gradFill rotWithShape="1">
                   <a:gsLst>
                     <a:gs pos="0">
@@ -10879,7 +10823,7 @@
     </p:spTree>
     <p:extLst>
       <p:ext uri="{BB962C8B-B14F-4D97-AF65-F5344CB8AC3E}">
-        <p14:creationId xmlns:p14="http://schemas.microsoft.com/office/powerpoint/2010/main" val="3240945970"/>
+        <p14:creationId xmlns:p14="http://schemas.microsoft.com/office/powerpoint/2010/main" xmlns="" val="3240945970"/>
       </p:ext>
     </p:extLst>
   </p:cSld>
@@ -11072,7 +11016,7 @@
     </p:spTree>
     <p:extLst>
       <p:ext uri="{BB962C8B-B14F-4D97-AF65-F5344CB8AC3E}">
-        <p14:creationId xmlns:p14="http://schemas.microsoft.com/office/powerpoint/2010/main" val="3618644869"/>
+        <p14:creationId xmlns:p14="http://schemas.microsoft.com/office/powerpoint/2010/main" xmlns="" val="3618644869"/>
       </p:ext>
     </p:extLst>
   </p:cSld>
@@ -11251,7 +11195,7 @@
     </p:spTree>
     <p:extLst>
       <p:ext uri="{BB962C8B-B14F-4D97-AF65-F5344CB8AC3E}">
-        <p14:creationId xmlns:p14="http://schemas.microsoft.com/office/powerpoint/2010/main" val="1970156611"/>
+        <p14:creationId xmlns:p14="http://schemas.microsoft.com/office/powerpoint/2010/main" xmlns="" val="1970156611"/>
       </p:ext>
     </p:extLst>
   </p:cSld>
@@ -11434,7 +11378,7 @@
     </p:spTree>
     <p:extLst>
       <p:ext uri="{BB962C8B-B14F-4D97-AF65-F5344CB8AC3E}">
-        <p14:creationId xmlns:p14="http://schemas.microsoft.com/office/powerpoint/2010/main" val="4213795796"/>
+        <p14:creationId xmlns:p14="http://schemas.microsoft.com/office/powerpoint/2010/main" xmlns="" val="4213795796"/>
       </p:ext>
     </p:extLst>
   </p:cSld>
@@ -11639,7 +11583,7 @@
     </p:spTree>
     <p:extLst>
       <p:ext uri="{BB962C8B-B14F-4D97-AF65-F5344CB8AC3E}">
-        <p14:creationId xmlns:p14="http://schemas.microsoft.com/office/powerpoint/2010/main" val="907554919"/>
+        <p14:creationId xmlns:p14="http://schemas.microsoft.com/office/powerpoint/2010/main" xmlns="" val="907554919"/>
       </p:ext>
     </p:extLst>
   </p:cSld>
@@ -11940,7 +11884,7 @@
     </p:spTree>
     <p:extLst>
       <p:ext uri="{BB962C8B-B14F-4D97-AF65-F5344CB8AC3E}">
-        <p14:creationId xmlns:p14="http://schemas.microsoft.com/office/powerpoint/2010/main" val="3453390888"/>
+        <p14:creationId xmlns:p14="http://schemas.microsoft.com/office/powerpoint/2010/main" xmlns="" val="3453390888"/>
       </p:ext>
     </p:extLst>
   </p:cSld>
@@ -12380,7 +12324,7 @@
     </p:spTree>
     <p:extLst>
       <p:ext uri="{BB962C8B-B14F-4D97-AF65-F5344CB8AC3E}">
-        <p14:creationId xmlns:p14="http://schemas.microsoft.com/office/powerpoint/2010/main" val="628782063"/>
+        <p14:creationId xmlns:p14="http://schemas.microsoft.com/office/powerpoint/2010/main" xmlns="" val="628782063"/>
       </p:ext>
     </p:extLst>
   </p:cSld>
@@ -12511,7 +12455,7 @@
     </p:spTree>
     <p:extLst>
       <p:ext uri="{BB962C8B-B14F-4D97-AF65-F5344CB8AC3E}">
-        <p14:creationId xmlns:p14="http://schemas.microsoft.com/office/powerpoint/2010/main" val="1286013410"/>
+        <p14:creationId xmlns:p14="http://schemas.microsoft.com/office/powerpoint/2010/main" xmlns="" val="1286013410"/>
       </p:ext>
     </p:extLst>
   </p:cSld>
@@ -12619,7 +12563,7 @@
     </p:spTree>
     <p:extLst>
       <p:ext uri="{BB962C8B-B14F-4D97-AF65-F5344CB8AC3E}">
-        <p14:creationId xmlns:p14="http://schemas.microsoft.com/office/powerpoint/2010/main" val="3754714626"/>
+        <p14:creationId xmlns:p14="http://schemas.microsoft.com/office/powerpoint/2010/main" xmlns="" val="3754714626"/>
       </p:ext>
     </p:extLst>
   </p:cSld>
@@ -12909,7 +12853,7 @@
     </p:spTree>
     <p:extLst>
       <p:ext uri="{BB962C8B-B14F-4D97-AF65-F5344CB8AC3E}">
-        <p14:creationId xmlns:p14="http://schemas.microsoft.com/office/powerpoint/2010/main" val="2553730588"/>
+        <p14:creationId xmlns:p14="http://schemas.microsoft.com/office/powerpoint/2010/main" xmlns="" val="2553730588"/>
       </p:ext>
     </p:extLst>
   </p:cSld>
@@ -13179,7 +13123,7 @@
     </p:spTree>
     <p:extLst>
       <p:ext uri="{BB962C8B-B14F-4D97-AF65-F5344CB8AC3E}">
-        <p14:creationId xmlns:p14="http://schemas.microsoft.com/office/powerpoint/2010/main" val="3842805234"/>
+        <p14:creationId xmlns:p14="http://schemas.microsoft.com/office/powerpoint/2010/main" xmlns="" val="3842805234"/>
       </p:ext>
     </p:extLst>
   </p:cSld>
@@ -13314,7 +13258,7 @@
           <a:effectLst/>
           <a:extLst>
             <a:ext uri="{91240B29-F687-4F45-9708-019B960494DF}">
-              <a14:hiddenLine xmlns:a14="http://schemas.microsoft.com/office/drawing/2010/main" w="9525">
+              <a14:hiddenLine xmlns:a14="http://schemas.microsoft.com/office/drawing/2010/main" xmlns="" w="9525">
                 <a:solidFill>
                   <a:schemeClr val="tx1"/>
                 </a:solidFill>
@@ -13324,7 +13268,7 @@
               </a14:hiddenLine>
             </a:ext>
             <a:ext uri="{AF507438-7753-43E0-B8FC-AC1667EBCBE1}">
-              <a14:hiddenEffects xmlns:a14="http://schemas.microsoft.com/office/drawing/2010/main">
+              <a14:hiddenEffects xmlns:a14="http://schemas.microsoft.com/office/drawing/2010/main" xmlns="">
                 <a:effectLst>
                   <a:outerShdw dist="35921" dir="2700000" algn="ctr" rotWithShape="0">
                     <a:schemeClr val="bg2"/>
@@ -13356,82 +13300,9 @@
         </p:xfrm>
         <a:graphic>
           <a:graphicData uri="http://schemas.openxmlformats.org/presentationml/2006/ole">
-            <mc:AlternateContent xmlns:mc="http://schemas.openxmlformats.org/markup-compatibility/2006">
-              <mc:Choice xmlns:v="urn:schemas-microsoft-com:vml" Requires="v">
-                <p:oleObj spid="_x0000_s13332" name="Image" r:id="rId15" imgW="7390476" imgH="913963" progId="Photoshop.Image.6">
-                  <p:embed/>
-                </p:oleObj>
-              </mc:Choice>
-              <mc:Fallback>
-                <p:oleObj name="Image" r:id="rId15" imgW="7390476" imgH="913963" progId="Photoshop.Image.6">
-                  <p:embed/>
-                  <p:pic>
-                    <p:nvPicPr>
-                      <p:cNvPr id="0" name=""/>
-                      <p:cNvPicPr>
-                        <a:picLocks noChangeAspect="1" noChangeArrowheads="1"/>
-                      </p:cNvPicPr>
-                      <p:nvPr/>
-                    </p:nvPicPr>
-                    <p:blipFill>
-                      <a:blip r:embed="rId16">
-                        <a:extLst>
-                          <a:ext uri="{28A0092B-C50C-407E-A947-70E740481C1C}">
-                            <a14:useLocalDpi xmlns:a14="http://schemas.microsoft.com/office/drawing/2010/main" val="0"/>
-                          </a:ext>
-                        </a:extLst>
-                      </a:blip>
-                      <a:srcRect/>
-                      <a:stretch>
-                        <a:fillRect/>
-                      </a:stretch>
-                    </p:blipFill>
-                    <p:spPr bwMode="gray">
-                      <a:xfrm>
-                        <a:off x="0" y="0"/>
-                        <a:ext cx="9144000" cy="692150"/>
-                      </a:xfrm>
-                      <a:prstGeom prst="rect">
-                        <a:avLst/>
-                      </a:prstGeom>
-                      <a:noFill/>
-                      <a:ln>
-                        <a:noFill/>
-                      </a:ln>
-                      <a:effectLst/>
-                      <a:extLst>
-                        <a:ext uri="{909E8E84-426E-40DD-AFC4-6F175D3DCCD1}">
-                          <a14:hiddenFill xmlns:a14="http://schemas.microsoft.com/office/drawing/2010/main">
-                            <a:solidFill>
-                              <a:schemeClr val="accent1"/>
-                            </a:solidFill>
-                          </a14:hiddenFill>
-                        </a:ext>
-                        <a:ext uri="{91240B29-F687-4F45-9708-019B960494DF}">
-                          <a14:hiddenLine xmlns:a14="http://schemas.microsoft.com/office/drawing/2010/main" w="9525">
-                            <a:solidFill>
-                              <a:schemeClr val="tx1"/>
-                            </a:solidFill>
-                            <a:miter lim="800000"/>
-                            <a:headEnd/>
-                            <a:tailEnd/>
-                          </a14:hiddenLine>
-                        </a:ext>
-                        <a:ext uri="{AF507438-7753-43E0-B8FC-AC1667EBCBE1}">
-                          <a14:hiddenEffects xmlns:a14="http://schemas.microsoft.com/office/drawing/2010/main">
-                            <a:effectLst>
-                              <a:outerShdw dist="35921" dir="2700000" algn="ctr" rotWithShape="0">
-                                <a:schemeClr val="bg2"/>
-                              </a:outerShdw>
-                            </a:effectLst>
-                          </a14:hiddenEffects>
-                        </a:ext>
-                      </a:extLst>
-                    </p:spPr>
-                  </p:pic>
-                </p:oleObj>
-              </mc:Fallback>
-            </mc:AlternateContent>
+            <p:oleObj spid="_x0000_s13333" name="Image" r:id="rId15" imgW="7390476" imgH="913963" progId="">
+              <p:embed/>
+            </p:oleObj>
           </a:graphicData>
         </a:graphic>
       </p:graphicFrame>
@@ -13468,7 +13339,7 @@
           <a:effectLst/>
           <a:extLst>
             <a:ext uri="{91240B29-F687-4F45-9708-019B960494DF}">
-              <a14:hiddenLine xmlns:a14="http://schemas.microsoft.com/office/drawing/2010/main" w="9525">
+              <a14:hiddenLine xmlns:a14="http://schemas.microsoft.com/office/drawing/2010/main" xmlns="" w="9525">
                 <a:solidFill>
                   <a:schemeClr val="tx1"/>
                 </a:solidFill>
@@ -13478,7 +13349,7 @@
               </a14:hiddenLine>
             </a:ext>
             <a:ext uri="{AF507438-7753-43E0-B8FC-AC1667EBCBE1}">
-              <a14:hiddenEffects xmlns:a14="http://schemas.microsoft.com/office/drawing/2010/main">
+              <a14:hiddenEffects xmlns:a14="http://schemas.microsoft.com/office/drawing/2010/main" xmlns="">
                 <a:effectLst>
                   <a:outerShdw dist="35921" dir="2700000" algn="ctr" rotWithShape="0">
                     <a:schemeClr val="bg2"/>
@@ -13536,7 +13407,7 @@
           <a:effectLst/>
           <a:extLst>
             <a:ext uri="{91240B29-F687-4F45-9708-019B960494DF}">
-              <a14:hiddenLine xmlns:a14="http://schemas.microsoft.com/office/drawing/2010/main" w="9525">
+              <a14:hiddenLine xmlns:a14="http://schemas.microsoft.com/office/drawing/2010/main" xmlns="" w="9525">
                 <a:solidFill>
                   <a:schemeClr val="tx1"/>
                 </a:solidFill>
@@ -13546,7 +13417,7 @@
               </a14:hiddenLine>
             </a:ext>
             <a:ext uri="{AF507438-7753-43E0-B8FC-AC1667EBCBE1}">
-              <a14:hiddenEffects xmlns:a14="http://schemas.microsoft.com/office/drawing/2010/main">
+              <a14:hiddenEffects xmlns:a14="http://schemas.microsoft.com/office/drawing/2010/main" xmlns="">
                 <a:effectLst>
                   <a:outerShdw dist="35921" dir="2700000" algn="ctr" rotWithShape="0">
                     <a:schemeClr val="bg2"/>
@@ -13589,14 +13460,14 @@
           <a:effectLst/>
           <a:extLst>
             <a:ext uri="{909E8E84-426E-40DD-AFC4-6F175D3DCCD1}">
-              <a14:hiddenFill xmlns:a14="http://schemas.microsoft.com/office/drawing/2010/main">
+              <a14:hiddenFill xmlns:a14="http://schemas.microsoft.com/office/drawing/2010/main" xmlns="">
                 <a:solidFill>
                   <a:schemeClr val="accent1"/>
                 </a:solidFill>
               </a14:hiddenFill>
             </a:ext>
             <a:ext uri="{91240B29-F687-4F45-9708-019B960494DF}">
-              <a14:hiddenLine xmlns:a14="http://schemas.microsoft.com/office/drawing/2010/main" w="9525">
+              <a14:hiddenLine xmlns:a14="http://schemas.microsoft.com/office/drawing/2010/main" xmlns="" w="9525">
                 <a:solidFill>
                   <a:schemeClr val="tx1"/>
                 </a:solidFill>
@@ -13606,7 +13477,7 @@
               </a14:hiddenLine>
             </a:ext>
             <a:ext uri="{AF507438-7753-43E0-B8FC-AC1667EBCBE1}">
-              <a14:hiddenEffects xmlns:a14="http://schemas.microsoft.com/office/drawing/2010/main">
+              <a14:hiddenEffects xmlns:a14="http://schemas.microsoft.com/office/drawing/2010/main" xmlns="">
                 <a:effectLst>
                   <a:outerShdw dist="35921" dir="2700000" algn="ctr" rotWithShape="0">
                     <a:schemeClr val="bg2"/>
@@ -13685,14 +13556,14 @@
           <a:effectLst/>
           <a:extLst>
             <a:ext uri="{909E8E84-426E-40DD-AFC4-6F175D3DCCD1}">
-              <a14:hiddenFill xmlns:a14="http://schemas.microsoft.com/office/drawing/2010/main">
+              <a14:hiddenFill xmlns:a14="http://schemas.microsoft.com/office/drawing/2010/main" xmlns="">
                 <a:solidFill>
                   <a:schemeClr val="accent1"/>
                 </a:solidFill>
               </a14:hiddenFill>
             </a:ext>
             <a:ext uri="{91240B29-F687-4F45-9708-019B960494DF}">
-              <a14:hiddenLine xmlns:a14="http://schemas.microsoft.com/office/drawing/2010/main" w="9525">
+              <a14:hiddenLine xmlns:a14="http://schemas.microsoft.com/office/drawing/2010/main" xmlns="" w="9525">
                 <a:solidFill>
                   <a:schemeClr val="tx1"/>
                 </a:solidFill>
@@ -13702,7 +13573,7 @@
               </a14:hiddenLine>
             </a:ext>
             <a:ext uri="{AF507438-7753-43E0-B8FC-AC1667EBCBE1}">
-              <a14:hiddenEffects xmlns:a14="http://schemas.microsoft.com/office/drawing/2010/main">
+              <a14:hiddenEffects xmlns:a14="http://schemas.microsoft.com/office/drawing/2010/main" xmlns="">
                 <a:effectLst>
                   <a:outerShdw dist="35921" dir="2700000" algn="ctr" rotWithShape="0">
                     <a:schemeClr val="bg2"/>
@@ -13758,14 +13629,14 @@
           <a:effectLst/>
           <a:extLst>
             <a:ext uri="{909E8E84-426E-40DD-AFC4-6F175D3DCCD1}">
-              <a14:hiddenFill xmlns:a14="http://schemas.microsoft.com/office/drawing/2010/main">
+              <a14:hiddenFill xmlns:a14="http://schemas.microsoft.com/office/drawing/2010/main" xmlns="">
                 <a:solidFill>
                   <a:schemeClr val="accent1"/>
                 </a:solidFill>
               </a14:hiddenFill>
             </a:ext>
             <a:ext uri="{91240B29-F687-4F45-9708-019B960494DF}">
-              <a14:hiddenLine xmlns:a14="http://schemas.microsoft.com/office/drawing/2010/main" w="9525">
+              <a14:hiddenLine xmlns:a14="http://schemas.microsoft.com/office/drawing/2010/main" xmlns="" w="9525">
                 <a:solidFill>
                   <a:schemeClr val="tx1"/>
                 </a:solidFill>
@@ -13775,7 +13646,7 @@
               </a14:hiddenLine>
             </a:ext>
             <a:ext uri="{AF507438-7753-43E0-B8FC-AC1667EBCBE1}">
-              <a14:hiddenEffects xmlns:a14="http://schemas.microsoft.com/office/drawing/2010/main">
+              <a14:hiddenEffects xmlns:a14="http://schemas.microsoft.com/office/drawing/2010/main" xmlns="">
                 <a:effectLst>
                   <a:outerShdw dist="35921" dir="2700000" algn="ctr" rotWithShape="0">
                     <a:schemeClr val="bg2"/>
@@ -13835,14 +13706,14 @@
           <a:effectLst/>
           <a:extLst>
             <a:ext uri="{909E8E84-426E-40DD-AFC4-6F175D3DCCD1}">
-              <a14:hiddenFill xmlns:a14="http://schemas.microsoft.com/office/drawing/2010/main">
+              <a14:hiddenFill xmlns:a14="http://schemas.microsoft.com/office/drawing/2010/main" xmlns="">
                 <a:solidFill>
                   <a:schemeClr val="accent1"/>
                 </a:solidFill>
               </a14:hiddenFill>
             </a:ext>
             <a:ext uri="{91240B29-F687-4F45-9708-019B960494DF}">
-              <a14:hiddenLine xmlns:a14="http://schemas.microsoft.com/office/drawing/2010/main" w="9525">
+              <a14:hiddenLine xmlns:a14="http://schemas.microsoft.com/office/drawing/2010/main" xmlns="" w="9525">
                 <a:solidFill>
                   <a:schemeClr val="tx1"/>
                 </a:solidFill>
@@ -13852,7 +13723,7 @@
               </a14:hiddenLine>
             </a:ext>
             <a:ext uri="{AF507438-7753-43E0-B8FC-AC1667EBCBE1}">
-              <a14:hiddenEffects xmlns:a14="http://schemas.microsoft.com/office/drawing/2010/main">
+              <a14:hiddenEffects xmlns:a14="http://schemas.microsoft.com/office/drawing/2010/main" xmlns="">
                 <a:effectLst>
                   <a:outerShdw dist="35921" dir="2700000" algn="ctr" rotWithShape="0">
                     <a:schemeClr val="bg2"/>
@@ -13912,14 +13783,14 @@
           <a:effectLst/>
           <a:extLst>
             <a:ext uri="{909E8E84-426E-40DD-AFC4-6F175D3DCCD1}">
-              <a14:hiddenFill xmlns:a14="http://schemas.microsoft.com/office/drawing/2010/main">
+              <a14:hiddenFill xmlns:a14="http://schemas.microsoft.com/office/drawing/2010/main" xmlns="">
                 <a:solidFill>
                   <a:schemeClr val="accent1"/>
                 </a:solidFill>
               </a14:hiddenFill>
             </a:ext>
             <a:ext uri="{91240B29-F687-4F45-9708-019B960494DF}">
-              <a14:hiddenLine xmlns:a14="http://schemas.microsoft.com/office/drawing/2010/main" w="9525">
+              <a14:hiddenLine xmlns:a14="http://schemas.microsoft.com/office/drawing/2010/main" xmlns="" w="9525">
                 <a:solidFill>
                   <a:schemeClr val="tx1"/>
                 </a:solidFill>
@@ -13929,7 +13800,7 @@
               </a14:hiddenLine>
             </a:ext>
             <a:ext uri="{AF507438-7753-43E0-B8FC-AC1667EBCBE1}">
-              <a14:hiddenEffects xmlns:a14="http://schemas.microsoft.com/office/drawing/2010/main">
+              <a14:hiddenEffects xmlns:a14="http://schemas.microsoft.com/office/drawing/2010/main" xmlns="">
                 <a:effectLst>
                   <a:outerShdw dist="35921" dir="2700000" algn="ctr" rotWithShape="0">
                     <a:schemeClr val="bg2"/>
@@ -14410,7 +14281,9 @@
             <a:r>
               <a:rPr lang="en-US" b="1" dirty="0" smtClean="0">
                 <a:solidFill>
-                  <a:schemeClr val="bg1"/>
+                  <a:schemeClr val="tx1">
+                    <a:lumMod val="50000"/>
+                  </a:schemeClr>
                 </a:solidFill>
                 <a:latin typeface="Times New Roman" pitchFamily="18" charset="0"/>
               </a:rPr>
@@ -14419,7 +14292,9 @@
             <a:br>
               <a:rPr lang="en-US" b="1" dirty="0" smtClean="0">
                 <a:solidFill>
-                  <a:schemeClr val="bg1"/>
+                  <a:schemeClr val="tx1">
+                    <a:lumMod val="50000"/>
+                  </a:schemeClr>
                 </a:solidFill>
                 <a:latin typeface="Times New Roman" pitchFamily="18" charset="0"/>
               </a:rPr>
@@ -14427,7 +14302,9 @@
             <a:r>
               <a:rPr lang="en-US" b="1" dirty="0" smtClean="0">
                 <a:solidFill>
-                  <a:schemeClr val="bg1"/>
+                  <a:schemeClr val="tx1">
+                    <a:lumMod val="50000"/>
+                  </a:schemeClr>
                 </a:solidFill>
                 <a:latin typeface="Times New Roman" pitchFamily="18" charset="0"/>
               </a:rPr>
@@ -14436,7 +14313,9 @@
             <a:r>
               <a:rPr lang="en-US" b="1" dirty="0" err="1" smtClean="0">
                 <a:solidFill>
-                  <a:schemeClr val="bg1"/>
+                  <a:schemeClr val="tx1">
+                    <a:lumMod val="50000"/>
+                  </a:schemeClr>
                 </a:solidFill>
                 <a:latin typeface="Times New Roman" pitchFamily="18" charset="0"/>
               </a:rPr>
@@ -14445,7 +14324,9 @@
             <a:r>
               <a:rPr lang="en-US" b="1" dirty="0" smtClean="0">
                 <a:solidFill>
-                  <a:schemeClr val="bg1"/>
+                  <a:schemeClr val="tx1">
+                    <a:lumMod val="50000"/>
+                  </a:schemeClr>
                 </a:solidFill>
                 <a:latin typeface="Times New Roman" pitchFamily="18" charset="0"/>
               </a:rPr>
@@ -14454,7 +14335,9 @@
             <a:br>
               <a:rPr lang="en-US" b="1" dirty="0" smtClean="0">
                 <a:solidFill>
-                  <a:schemeClr val="bg1"/>
+                  <a:schemeClr val="tx1">
+                    <a:lumMod val="50000"/>
+                  </a:schemeClr>
                 </a:solidFill>
                 <a:latin typeface="Times New Roman" pitchFamily="18" charset="0"/>
               </a:rPr>
@@ -14462,7 +14345,9 @@
             <a:r>
               <a:rPr lang="en-US" b="1" dirty="0" smtClean="0">
                 <a:solidFill>
-                  <a:schemeClr val="bg1"/>
+                  <a:schemeClr val="tx1">
+                    <a:lumMod val="50000"/>
+                  </a:schemeClr>
                 </a:solidFill>
                 <a:latin typeface="Times New Roman" pitchFamily="18" charset="0"/>
               </a:rPr>
@@ -14471,7 +14356,9 @@
             <a:r>
               <a:rPr lang="en-US" b="1" dirty="0" smtClean="0">
                 <a:solidFill>
-                  <a:schemeClr val="bg1"/>
+                  <a:schemeClr val="tx1">
+                    <a:lumMod val="50000"/>
+                  </a:schemeClr>
                 </a:solidFill>
                 <a:latin typeface="Times New Roman" pitchFamily="18" charset="0"/>
                 <a:sym typeface="Wingdings" pitchFamily="2" charset="2"/>
@@ -14481,7 +14368,9 @@
             <a:r>
               <a:rPr lang="en-US" b="1" dirty="0" smtClean="0">
                 <a:solidFill>
-                  <a:schemeClr val="bg1"/>
+                  <a:schemeClr val="tx1">
+                    <a:lumMod val="50000"/>
+                  </a:schemeClr>
                 </a:solidFill>
                 <a:latin typeface="Times New Roman" pitchFamily="18" charset="0"/>
               </a:rPr>
@@ -14491,7 +14380,9 @@
           <a:p>
             <a:endParaRPr lang="en-US" dirty="0">
               <a:solidFill>
-                <a:schemeClr val="bg1"/>
+                <a:schemeClr val="tx1">
+                  <a:lumMod val="50000"/>
+                </a:schemeClr>
               </a:solidFill>
               <a:latin typeface="Tahoma" pitchFamily="34" charset="0"/>
               <a:ea typeface="Tahoma" pitchFamily="34" charset="0"/>
@@ -14509,7 +14400,7 @@
         <p:spPr>
           <a:xfrm>
             <a:off x="762000" y="1600200"/>
-            <a:ext cx="7924800" cy="584775"/>
+            <a:ext cx="7924800" cy="461665"/>
           </a:xfrm>
           <a:prstGeom prst="rect">
             <a:avLst/>
@@ -14524,11 +14415,10 @@
           <a:p>
             <a:pPr algn="ctr"/>
             <a:r>
-              <a:rPr lang="en-US" sz="3200" b="1" dirty="0" smtClean="0">
-                <a:solidFill>
-                  <a:schemeClr val="accent6">
-                    <a:lumMod val="40000"/>
-                    <a:lumOff val="60000"/>
+              <a:rPr lang="en-US" sz="2400" b="1" dirty="0" smtClean="0">
+                <a:solidFill>
+                  <a:schemeClr val="tx1">
+                    <a:lumMod val="50000"/>
                   </a:schemeClr>
                 </a:solidFill>
                 <a:latin typeface="Arial" pitchFamily="34" charset="0"/>
@@ -14571,7 +14461,9 @@
             <a:r>
               <a:rPr lang="en-US" sz="2000" b="1" dirty="0" smtClean="0">
                 <a:solidFill>
-                  <a:schemeClr val="bg1"/>
+                  <a:schemeClr val="tx1">
+                    <a:lumMod val="50000"/>
+                  </a:schemeClr>
                 </a:solidFill>
                 <a:latin typeface="Times New Roman" pitchFamily="18" charset="0"/>
                 <a:cs typeface="Times New Roman" pitchFamily="18" charset="0"/>
@@ -14581,7 +14473,9 @@
             <a:r>
               <a:rPr lang="en-US" sz="2000" dirty="0" smtClean="0">
                 <a:solidFill>
-                  <a:schemeClr val="bg1"/>
+                  <a:schemeClr val="tx1">
+                    <a:lumMod val="50000"/>
+                  </a:schemeClr>
                 </a:solidFill>
                 <a:latin typeface="Times New Roman" pitchFamily="18" charset="0"/>
                 <a:cs typeface="Times New Roman" pitchFamily="18" charset="0"/>
@@ -14591,7 +14485,9 @@
             <a:r>
               <a:rPr lang="en-US" sz="2000" dirty="0" err="1" smtClean="0">
                 <a:solidFill>
-                  <a:schemeClr val="bg1"/>
+                  <a:schemeClr val="tx1">
+                    <a:lumMod val="50000"/>
+                  </a:schemeClr>
                 </a:solidFill>
                 <a:latin typeface="Times New Roman" pitchFamily="18" charset="0"/>
                 <a:cs typeface="Times New Roman" pitchFamily="18" charset="0"/>
@@ -14601,7 +14497,9 @@
             <a:r>
               <a:rPr lang="en-US" sz="2000" dirty="0" smtClean="0">
                 <a:solidFill>
-                  <a:schemeClr val="bg1"/>
+                  <a:schemeClr val="tx1">
+                    <a:lumMod val="50000"/>
+                  </a:schemeClr>
                 </a:solidFill>
                 <a:latin typeface="Times New Roman" pitchFamily="18" charset="0"/>
                 <a:cs typeface="Times New Roman" pitchFamily="18" charset="0"/>
@@ -14611,7 +14509,9 @@
             <a:r>
               <a:rPr lang="en-US" sz="2000" dirty="0" err="1" smtClean="0">
                 <a:solidFill>
-                  <a:schemeClr val="bg1"/>
+                  <a:schemeClr val="tx1">
+                    <a:lumMod val="50000"/>
+                  </a:schemeClr>
                 </a:solidFill>
                 <a:latin typeface="Times New Roman" pitchFamily="18" charset="0"/>
                 <a:cs typeface="Times New Roman" pitchFamily="18" charset="0"/>
@@ -14621,7 +14521,9 @@
             <a:r>
               <a:rPr lang="en-US" sz="2000" dirty="0" smtClean="0">
                 <a:solidFill>
-                  <a:schemeClr val="bg1"/>
+                  <a:schemeClr val="tx1">
+                    <a:lumMod val="50000"/>
+                  </a:schemeClr>
                 </a:solidFill>
                 <a:latin typeface="Times New Roman" pitchFamily="18" charset="0"/>
                 <a:cs typeface="Times New Roman" pitchFamily="18" charset="0"/>
@@ -14631,7 +14533,9 @@
             <a:r>
               <a:rPr lang="en-US" sz="2000" dirty="0" err="1" smtClean="0">
                 <a:solidFill>
-                  <a:schemeClr val="bg1"/>
+                  <a:schemeClr val="tx1">
+                    <a:lumMod val="50000"/>
+                  </a:schemeClr>
                 </a:solidFill>
                 <a:latin typeface="Times New Roman" pitchFamily="18" charset="0"/>
                 <a:cs typeface="Times New Roman" pitchFamily="18" charset="0"/>
@@ -14640,7 +14544,9 @@
             </a:r>
             <a:endParaRPr lang="en-US" sz="2000" dirty="0" smtClean="0">
               <a:solidFill>
-                <a:schemeClr val="bg1"/>
+                <a:schemeClr val="tx1">
+                  <a:lumMod val="50000"/>
+                </a:schemeClr>
               </a:solidFill>
               <a:latin typeface="Times New Roman" pitchFamily="18" charset="0"/>
               <a:cs typeface="Times New Roman" pitchFamily="18" charset="0"/>
@@ -14658,7 +14564,9 @@
             <a:r>
               <a:rPr lang="en-US" sz="2000" b="1" dirty="0" smtClean="0">
                 <a:solidFill>
-                  <a:schemeClr val="bg1"/>
+                  <a:schemeClr val="tx1">
+                    <a:lumMod val="50000"/>
+                  </a:schemeClr>
                 </a:solidFill>
                 <a:latin typeface="Times New Roman" pitchFamily="18" charset="0"/>
                 <a:cs typeface="Times New Roman" pitchFamily="18" charset="0"/>
@@ -14668,7 +14576,9 @@
             <a:r>
               <a:rPr lang="en-US" sz="2000" dirty="0" smtClean="0">
                 <a:solidFill>
-                  <a:schemeClr val="bg1"/>
+                  <a:schemeClr val="tx1">
+                    <a:lumMod val="50000"/>
+                  </a:schemeClr>
                 </a:solidFill>
                 <a:latin typeface="Times New Roman" pitchFamily="18" charset="0"/>
                 <a:cs typeface="Times New Roman" pitchFamily="18" charset="0"/>
@@ -14678,7 +14588,9 @@
             <a:r>
               <a:rPr lang="en-US" sz="2000" dirty="0" err="1" smtClean="0">
                 <a:solidFill>
-                  <a:schemeClr val="bg1"/>
+                  <a:schemeClr val="tx1">
+                    <a:lumMod val="50000"/>
+                  </a:schemeClr>
                 </a:solidFill>
                 <a:latin typeface="Times New Roman" pitchFamily="18" charset="0"/>
                 <a:cs typeface="Times New Roman" pitchFamily="18" charset="0"/>
@@ -14688,7 +14600,9 @@
             <a:r>
               <a:rPr lang="en-US" sz="2000" dirty="0" smtClean="0">
                 <a:solidFill>
-                  <a:schemeClr val="bg1"/>
+                  <a:schemeClr val="tx1">
+                    <a:lumMod val="50000"/>
+                  </a:schemeClr>
                 </a:solidFill>
                 <a:latin typeface="Times New Roman" pitchFamily="18" charset="0"/>
                 <a:cs typeface="Times New Roman" pitchFamily="18" charset="0"/>
@@ -14698,7 +14612,9 @@
             <a:r>
               <a:rPr lang="en-US" sz="2000" dirty="0" err="1" smtClean="0">
                 <a:solidFill>
-                  <a:schemeClr val="bg1"/>
+                  <a:schemeClr val="tx1">
+                    <a:lumMod val="50000"/>
+                  </a:schemeClr>
                 </a:solidFill>
                 <a:latin typeface="Times New Roman" pitchFamily="18" charset="0"/>
                 <a:cs typeface="Times New Roman" pitchFamily="18" charset="0"/>
@@ -14708,7 +14624,9 @@
             <a:r>
               <a:rPr lang="en-US" sz="2000" dirty="0" smtClean="0">
                 <a:solidFill>
-                  <a:schemeClr val="bg1"/>
+                  <a:schemeClr val="tx1">
+                    <a:lumMod val="50000"/>
+                  </a:schemeClr>
                 </a:solidFill>
                 <a:latin typeface="Times New Roman" pitchFamily="18" charset="0"/>
                 <a:cs typeface="Times New Roman" pitchFamily="18" charset="0"/>
@@ -14718,7 +14636,9 @@
             <a:r>
               <a:rPr lang="en-US" sz="2000" dirty="0" err="1" smtClean="0">
                 <a:solidFill>
-                  <a:schemeClr val="bg1"/>
+                  <a:schemeClr val="tx1">
+                    <a:lumMod val="50000"/>
+                  </a:schemeClr>
                 </a:solidFill>
                 <a:latin typeface="Times New Roman" pitchFamily="18" charset="0"/>
                 <a:cs typeface="Times New Roman" pitchFamily="18" charset="0"/>
@@ -14727,7 +14647,9 @@
             </a:r>
             <a:endParaRPr lang="en-US" sz="2000" dirty="0" smtClean="0">
               <a:solidFill>
-                <a:schemeClr val="bg1"/>
+                <a:schemeClr val="tx1">
+                  <a:lumMod val="50000"/>
+                </a:schemeClr>
               </a:solidFill>
               <a:latin typeface="Times New Roman" pitchFamily="18" charset="0"/>
               <a:cs typeface="Times New Roman" pitchFamily="18" charset="0"/>
@@ -14741,7 +14663,9 @@
             </a:pPr>
             <a:endParaRPr lang="en-US" sz="2000" dirty="0" smtClean="0">
               <a:solidFill>
-                <a:schemeClr val="bg1"/>
+                <a:schemeClr val="tx1">
+                  <a:lumMod val="50000"/>
+                </a:schemeClr>
               </a:solidFill>
               <a:latin typeface="Times New Roman" pitchFamily="18" charset="0"/>
               <a:cs typeface="Times New Roman" pitchFamily="18" charset="0"/>
@@ -14760,7 +14684,9 @@
             <a:r>
               <a:rPr lang="en-US" sz="2000" b="1" dirty="0" smtClean="0">
                 <a:solidFill>
-                  <a:schemeClr val="bg1"/>
+                  <a:schemeClr val="tx1">
+                    <a:lumMod val="50000"/>
+                  </a:schemeClr>
                 </a:solidFill>
                 <a:latin typeface="Times New Roman" pitchFamily="18" charset="0"/>
                 <a:cs typeface="Times New Roman" pitchFamily="18" charset="0"/>
@@ -14770,7 +14696,9 @@
             <a:r>
               <a:rPr lang="en-US" sz="2000" dirty="0" smtClean="0">
                 <a:solidFill>
-                  <a:schemeClr val="bg1"/>
+                  <a:schemeClr val="tx1">
+                    <a:lumMod val="50000"/>
+                  </a:schemeClr>
                 </a:solidFill>
                 <a:latin typeface="Times New Roman" pitchFamily="18" charset="0"/>
                 <a:cs typeface="Times New Roman" pitchFamily="18" charset="0"/>
@@ -14780,7 +14708,9 @@
             <a:r>
               <a:rPr lang="en-US" sz="2000" dirty="0" err="1" smtClean="0">
                 <a:solidFill>
-                  <a:schemeClr val="bg1"/>
+                  <a:schemeClr val="tx1">
+                    <a:lumMod val="50000"/>
+                  </a:schemeClr>
                 </a:solidFill>
                 <a:latin typeface="Times New Roman" pitchFamily="18" charset="0"/>
                 <a:cs typeface="Times New Roman" pitchFamily="18" charset="0"/>
@@ -14790,7 +14720,9 @@
             <a:r>
               <a:rPr lang="en-US" sz="2000" dirty="0" smtClean="0">
                 <a:solidFill>
-                  <a:schemeClr val="bg1"/>
+                  <a:schemeClr val="tx1">
+                    <a:lumMod val="50000"/>
+                  </a:schemeClr>
                 </a:solidFill>
                 <a:latin typeface="Times New Roman" pitchFamily="18" charset="0"/>
                 <a:cs typeface="Times New Roman" pitchFamily="18" charset="0"/>
@@ -14800,7 +14732,9 @@
             <a:r>
               <a:rPr lang="en-US" sz="2000" dirty="0" err="1" smtClean="0">
                 <a:solidFill>
-                  <a:schemeClr val="bg1"/>
+                  <a:schemeClr val="tx1">
+                    <a:lumMod val="50000"/>
+                  </a:schemeClr>
                 </a:solidFill>
                 <a:latin typeface="Times New Roman" pitchFamily="18" charset="0"/>
                 <a:cs typeface="Times New Roman" pitchFamily="18" charset="0"/>
@@ -14810,7 +14744,9 @@
             <a:r>
               <a:rPr lang="en-US" sz="2000" dirty="0" smtClean="0">
                 <a:solidFill>
-                  <a:schemeClr val="bg1"/>
+                  <a:schemeClr val="tx1">
+                    <a:lumMod val="50000"/>
+                  </a:schemeClr>
                 </a:solidFill>
                 <a:latin typeface="Times New Roman" pitchFamily="18" charset="0"/>
                 <a:cs typeface="Times New Roman" pitchFamily="18" charset="0"/>
@@ -14820,7 +14756,9 @@
             <a:r>
               <a:rPr lang="en-US" sz="2000" dirty="0" err="1" smtClean="0">
                 <a:solidFill>
-                  <a:schemeClr val="bg1"/>
+                  <a:schemeClr val="tx1">
+                    <a:lumMod val="50000"/>
+                  </a:schemeClr>
                 </a:solidFill>
                 <a:latin typeface="Times New Roman" pitchFamily="18" charset="0"/>
                 <a:cs typeface="Times New Roman" pitchFamily="18" charset="0"/>
@@ -14830,7 +14768,9 @@
             <a:r>
               <a:rPr lang="en-US" sz="2000" dirty="0" smtClean="0">
                 <a:solidFill>
-                  <a:schemeClr val="bg1"/>
+                  <a:schemeClr val="tx1">
+                    <a:lumMod val="50000"/>
+                  </a:schemeClr>
                 </a:solidFill>
                 <a:latin typeface="Times New Roman" pitchFamily="18" charset="0"/>
                 <a:cs typeface="Times New Roman" pitchFamily="18" charset="0"/>
@@ -14851,7 +14791,9 @@
             <a:r>
               <a:rPr lang="en-US" sz="2000" dirty="0" smtClean="0">
                 <a:solidFill>
-                  <a:schemeClr val="bg1"/>
+                  <a:schemeClr val="tx1">
+                    <a:lumMod val="50000"/>
+                  </a:schemeClr>
                 </a:solidFill>
                 <a:latin typeface="Times New Roman" pitchFamily="18" charset="0"/>
                 <a:cs typeface="Times New Roman" pitchFamily="18" charset="0"/>
@@ -14861,7 +14803,9 @@
             <a:r>
               <a:rPr lang="en-US" sz="2000" dirty="0" err="1" smtClean="0">
                 <a:solidFill>
-                  <a:schemeClr val="bg1"/>
+                  <a:schemeClr val="tx1">
+                    <a:lumMod val="50000"/>
+                  </a:schemeClr>
                 </a:solidFill>
                 <a:latin typeface="Times New Roman" pitchFamily="18" charset="0"/>
                 <a:cs typeface="Times New Roman" pitchFamily="18" charset="0"/>
@@ -14871,7 +14815,9 @@
             <a:r>
               <a:rPr lang="en-US" sz="2000" dirty="0" smtClean="0">
                 <a:solidFill>
-                  <a:schemeClr val="bg1"/>
+                  <a:schemeClr val="tx1">
+                    <a:lumMod val="50000"/>
+                  </a:schemeClr>
                 </a:solidFill>
                 <a:latin typeface="Times New Roman" pitchFamily="18" charset="0"/>
                 <a:cs typeface="Times New Roman" pitchFamily="18" charset="0"/>
@@ -14881,7 +14827,9 @@
             <a:r>
               <a:rPr lang="en-US" sz="2000" dirty="0" err="1" smtClean="0">
                 <a:solidFill>
-                  <a:schemeClr val="bg1"/>
+                  <a:schemeClr val="tx1">
+                    <a:lumMod val="50000"/>
+                  </a:schemeClr>
                 </a:solidFill>
                 <a:latin typeface="Times New Roman" pitchFamily="18" charset="0"/>
                 <a:cs typeface="Times New Roman" pitchFamily="18" charset="0"/>
@@ -14891,7 +14839,9 @@
             <a:r>
               <a:rPr lang="en-US" sz="2000" dirty="0" smtClean="0">
                 <a:solidFill>
-                  <a:schemeClr val="bg1"/>
+                  <a:schemeClr val="tx1">
+                    <a:lumMod val="50000"/>
+                  </a:schemeClr>
                 </a:solidFill>
                 <a:latin typeface="Times New Roman" pitchFamily="18" charset="0"/>
                 <a:cs typeface="Times New Roman" pitchFamily="18" charset="0"/>
@@ -14901,7 +14851,9 @@
             <a:r>
               <a:rPr lang="en-US" sz="2000" dirty="0" err="1" smtClean="0">
                 <a:solidFill>
-                  <a:schemeClr val="bg1"/>
+                  <a:schemeClr val="tx1">
+                    <a:lumMod val="50000"/>
+                  </a:schemeClr>
                 </a:solidFill>
                 <a:latin typeface="Times New Roman" pitchFamily="18" charset="0"/>
                 <a:cs typeface="Times New Roman" pitchFamily="18" charset="0"/>
@@ -14911,7 +14863,9 @@
             <a:r>
               <a:rPr lang="en-US" sz="2000" dirty="0" smtClean="0">
                 <a:solidFill>
-                  <a:schemeClr val="bg1"/>
+                  <a:schemeClr val="tx1">
+                    <a:lumMod val="50000"/>
+                  </a:schemeClr>
                 </a:solidFill>
                 <a:latin typeface="Times New Roman" pitchFamily="18" charset="0"/>
                 <a:cs typeface="Times New Roman" pitchFamily="18" charset="0"/>
@@ -14932,7 +14886,9 @@
             <a:r>
               <a:rPr lang="en-US" sz="2000" dirty="0" smtClean="0">
                 <a:solidFill>
-                  <a:schemeClr val="bg1"/>
+                  <a:schemeClr val="tx1">
+                    <a:lumMod val="50000"/>
+                  </a:schemeClr>
                 </a:solidFill>
                 <a:latin typeface="Times New Roman" pitchFamily="18" charset="0"/>
                 <a:cs typeface="Times New Roman" pitchFamily="18" charset="0"/>
@@ -14942,7 +14898,9 @@
             <a:r>
               <a:rPr lang="en-US" sz="2000" dirty="0" err="1" smtClean="0">
                 <a:solidFill>
-                  <a:schemeClr val="bg1"/>
+                  <a:schemeClr val="tx1">
+                    <a:lumMod val="50000"/>
+                  </a:schemeClr>
                 </a:solidFill>
                 <a:latin typeface="Times New Roman" pitchFamily="18" charset="0"/>
                 <a:cs typeface="Times New Roman" pitchFamily="18" charset="0"/>
@@ -14952,7 +14910,9 @@
             <a:r>
               <a:rPr lang="en-US" sz="2000" dirty="0" smtClean="0">
                 <a:solidFill>
-                  <a:schemeClr val="bg1"/>
+                  <a:schemeClr val="tx1">
+                    <a:lumMod val="50000"/>
+                  </a:schemeClr>
                 </a:solidFill>
                 <a:latin typeface="Times New Roman" pitchFamily="18" charset="0"/>
                 <a:cs typeface="Times New Roman" pitchFamily="18" charset="0"/>
@@ -14962,7 +14922,9 @@
             <a:r>
               <a:rPr lang="en-US" sz="2000" dirty="0" err="1" smtClean="0">
                 <a:solidFill>
-                  <a:schemeClr val="bg1"/>
+                  <a:schemeClr val="tx1">
+                    <a:lumMod val="50000"/>
+                  </a:schemeClr>
                 </a:solidFill>
                 <a:latin typeface="Times New Roman" pitchFamily="18" charset="0"/>
                 <a:cs typeface="Times New Roman" pitchFamily="18" charset="0"/>
@@ -14972,7 +14934,9 @@
             <a:r>
               <a:rPr lang="en-US" sz="2000" dirty="0" smtClean="0">
                 <a:solidFill>
-                  <a:schemeClr val="bg1"/>
+                  <a:schemeClr val="tx1">
+                    <a:lumMod val="50000"/>
+                  </a:schemeClr>
                 </a:solidFill>
                 <a:latin typeface="Times New Roman" pitchFamily="18" charset="0"/>
                 <a:cs typeface="Times New Roman" pitchFamily="18" charset="0"/>
@@ -14982,7 +14946,9 @@
             <a:r>
               <a:rPr lang="en-US" sz="2000" dirty="0" err="1" smtClean="0">
                 <a:solidFill>
-                  <a:schemeClr val="bg1"/>
+                  <a:schemeClr val="tx1">
+                    <a:lumMod val="50000"/>
+                  </a:schemeClr>
                 </a:solidFill>
                 <a:latin typeface="Times New Roman" pitchFamily="18" charset="0"/>
                 <a:cs typeface="Times New Roman" pitchFamily="18" charset="0"/>
@@ -14992,7 +14958,9 @@
             <a:r>
               <a:rPr lang="en-US" sz="2000" dirty="0" smtClean="0">
                 <a:solidFill>
-                  <a:schemeClr val="bg1"/>
+                  <a:schemeClr val="tx1">
+                    <a:lumMod val="50000"/>
+                  </a:schemeClr>
                 </a:solidFill>
                 <a:latin typeface="Times New Roman" pitchFamily="18" charset="0"/>
                 <a:cs typeface="Times New Roman" pitchFamily="18" charset="0"/>
@@ -15075,7 +15043,9 @@
             <a:r>
               <a:rPr lang="vi-VN" sz="3000" b="1" dirty="0">
                 <a:solidFill>
-                  <a:schemeClr val="bg1"/>
+                  <a:schemeClr val="tx1">
+                    <a:lumMod val="50000"/>
+                  </a:schemeClr>
                 </a:solidFill>
                 <a:latin typeface="Tahoma" pitchFamily="34" charset="0"/>
                 <a:cs typeface="Tahoma" pitchFamily="34" charset="0"/>
@@ -15085,7 +15055,9 @@
             <a:r>
               <a:rPr lang="en-US" sz="3000" b="1" dirty="0">
                 <a:solidFill>
-                  <a:schemeClr val="bg1"/>
+                  <a:schemeClr val="tx1">
+                    <a:lumMod val="50000"/>
+                  </a:schemeClr>
                 </a:solidFill>
                 <a:latin typeface="Tahoma" pitchFamily="34" charset="0"/>
                 <a:cs typeface="Tahoma" pitchFamily="34" charset="0"/>
@@ -15095,7 +15067,9 @@
             <a:r>
               <a:rPr lang="vi-VN" sz="3000" b="1" dirty="0">
                 <a:solidFill>
-                  <a:schemeClr val="bg1"/>
+                  <a:schemeClr val="tx1">
+                    <a:lumMod val="50000"/>
+                  </a:schemeClr>
                 </a:solidFill>
                 <a:latin typeface="Tahoma" pitchFamily="34" charset="0"/>
                 <a:cs typeface="Tahoma" pitchFamily="34" charset="0"/>
@@ -15104,7 +15078,9 @@
             </a:r>
             <a:endParaRPr lang="en-US" sz="3000" b="1" dirty="0">
               <a:solidFill>
-                <a:schemeClr val="bg1"/>
+                <a:schemeClr val="tx1">
+                  <a:lumMod val="50000"/>
+                </a:schemeClr>
               </a:solidFill>
               <a:latin typeface="Tahoma" pitchFamily="34" charset="0"/>
               <a:cs typeface="Tahoma" pitchFamily="34" charset="0"/>
@@ -15115,7 +15091,7 @@
     </p:spTree>
     <p:extLst>
       <p:ext uri="{BB962C8B-B14F-4D97-AF65-F5344CB8AC3E}">
-        <p14:creationId xmlns:p14="http://schemas.microsoft.com/office/powerpoint/2010/main" val="1389440377"/>
+        <p14:creationId xmlns:p14="http://schemas.microsoft.com/office/powerpoint/2010/main" xmlns="" val="1389440377"/>
       </p:ext>
     </p:extLst>
   </p:cSld>
@@ -16065,7 +16041,7 @@
           </a:ln>
           <a:extLst>
             <a:ext uri="{91240B29-F687-4F45-9708-019B960494DF}">
-              <a14:hiddenLine xmlns:a14="http://schemas.microsoft.com/office/drawing/2010/main" w="0">
+              <a14:hiddenLine xmlns:a14="http://schemas.microsoft.com/office/drawing/2010/main" xmlns="" w="0">
                 <a:solidFill>
                   <a:srgbClr val="F7C16B"/>
                 </a:solidFill>
@@ -16111,14 +16087,14 @@
           <a:effectLst/>
           <a:extLst>
             <a:ext uri="{909E8E84-426E-40DD-AFC4-6F175D3DCCD1}">
-              <a14:hiddenFill xmlns:a14="http://schemas.microsoft.com/office/drawing/2010/main">
+              <a14:hiddenFill xmlns:a14="http://schemas.microsoft.com/office/drawing/2010/main" xmlns="">
                 <a:solidFill>
                   <a:schemeClr val="accent1"/>
                 </a:solidFill>
               </a14:hiddenFill>
             </a:ext>
             <a:ext uri="{91240B29-F687-4F45-9708-019B960494DF}">
-              <a14:hiddenLine xmlns:a14="http://schemas.microsoft.com/office/drawing/2010/main" w="9525">
+              <a14:hiddenLine xmlns:a14="http://schemas.microsoft.com/office/drawing/2010/main" xmlns="" w="9525">
                 <a:solidFill>
                   <a:schemeClr val="tx1"/>
                 </a:solidFill>
@@ -16128,7 +16104,7 @@
               </a14:hiddenLine>
             </a:ext>
             <a:ext uri="{AF507438-7753-43E0-B8FC-AC1667EBCBE1}">
-              <a14:hiddenEffects xmlns:a14="http://schemas.microsoft.com/office/drawing/2010/main">
+              <a14:hiddenEffects xmlns:a14="http://schemas.microsoft.com/office/drawing/2010/main" xmlns="">
                 <a:effectLst>
                   <a:outerShdw dist="35921" dir="2700000" algn="ctr" rotWithShape="0">
                     <a:srgbClr val="000000"/>
@@ -16206,7 +16182,7 @@
             <a:effectLst/>
             <a:extLst>
               <a:ext uri="{91240B29-F687-4F45-9708-019B960494DF}">
-                <a14:hiddenLine xmlns:a14="http://schemas.microsoft.com/office/drawing/2010/main" w="9525">
+                <a14:hiddenLine xmlns:a14="http://schemas.microsoft.com/office/drawing/2010/main" xmlns="" w="9525">
                   <a:solidFill>
                     <a:schemeClr val="tx1"/>
                   </a:solidFill>
@@ -16216,7 +16192,7 @@
                 </a14:hiddenLine>
               </a:ext>
               <a:ext uri="{AF507438-7753-43E0-B8FC-AC1667EBCBE1}">
-                <a14:hiddenEffects xmlns:a14="http://schemas.microsoft.com/office/drawing/2010/main">
+                <a14:hiddenEffects xmlns:a14="http://schemas.microsoft.com/office/drawing/2010/main" xmlns="">
                   <a:effectLst>
                     <a:outerShdw dist="35921" dir="2700000" algn="ctr" rotWithShape="0">
                       <a:schemeClr val="bg2"/>
@@ -16276,7 +16252,7 @@
             <a:effectLst/>
             <a:extLst>
               <a:ext uri="{91240B29-F687-4F45-9708-019B960494DF}">
-                <a14:hiddenLine xmlns:a14="http://schemas.microsoft.com/office/drawing/2010/main" w="9525">
+                <a14:hiddenLine xmlns:a14="http://schemas.microsoft.com/office/drawing/2010/main" xmlns="" w="9525">
                   <a:solidFill>
                     <a:schemeClr val="tx1"/>
                   </a:solidFill>
@@ -16286,7 +16262,7 @@
                 </a14:hiddenLine>
               </a:ext>
               <a:ext uri="{AF507438-7753-43E0-B8FC-AC1667EBCBE1}">
-                <a14:hiddenEffects xmlns:a14="http://schemas.microsoft.com/office/drawing/2010/main">
+                <a14:hiddenEffects xmlns:a14="http://schemas.microsoft.com/office/drawing/2010/main" xmlns="">
                   <a:effectLst>
                     <a:outerShdw dist="76200" dir="10800000" kx="-3284103" algn="br" rotWithShape="0">
                       <a:srgbClr val="001D3A">
@@ -16414,7 +16390,7 @@
             <a:effectLst/>
             <a:extLst>
               <a:ext uri="{91240B29-F687-4F45-9708-019B960494DF}">
-                <a14:hiddenLine xmlns:a14="http://schemas.microsoft.com/office/drawing/2010/main" w="9525">
+                <a14:hiddenLine xmlns:a14="http://schemas.microsoft.com/office/drawing/2010/main" xmlns="" w="9525">
                   <a:solidFill>
                     <a:schemeClr val="tx1"/>
                   </a:solidFill>
@@ -16424,7 +16400,7 @@
                 </a14:hiddenLine>
               </a:ext>
               <a:ext uri="{AF507438-7753-43E0-B8FC-AC1667EBCBE1}">
-                <a14:hiddenEffects xmlns:a14="http://schemas.microsoft.com/office/drawing/2010/main">
+                <a14:hiddenEffects xmlns:a14="http://schemas.microsoft.com/office/drawing/2010/main" xmlns="">
                   <a:effectLst>
                     <a:outerShdw dist="35921" dir="2700000" algn="ctr" rotWithShape="0">
                       <a:schemeClr val="bg2"/>
@@ -16484,7 +16460,7 @@
             <a:effectLst/>
             <a:extLst>
               <a:ext uri="{91240B29-F687-4F45-9708-019B960494DF}">
-                <a14:hiddenLine xmlns:a14="http://schemas.microsoft.com/office/drawing/2010/main" w="9525">
+                <a14:hiddenLine xmlns:a14="http://schemas.microsoft.com/office/drawing/2010/main" xmlns="" w="9525">
                   <a:solidFill>
                     <a:schemeClr val="tx1"/>
                   </a:solidFill>
@@ -16494,7 +16470,7 @@
                 </a14:hiddenLine>
               </a:ext>
               <a:ext uri="{AF507438-7753-43E0-B8FC-AC1667EBCBE1}">
-                <a14:hiddenEffects xmlns:a14="http://schemas.microsoft.com/office/drawing/2010/main">
+                <a14:hiddenEffects xmlns:a14="http://schemas.microsoft.com/office/drawing/2010/main" xmlns="">
                   <a:effectLst>
                     <a:outerShdw dist="76200" dir="10800000" kx="-3284103" algn="br" rotWithShape="0">
                       <a:srgbClr val="001D3A">
@@ -16599,7 +16575,7 @@
             <a:effectLst/>
             <a:extLst>
               <a:ext uri="{91240B29-F687-4F45-9708-019B960494DF}">
-                <a14:hiddenLine xmlns:a14="http://schemas.microsoft.com/office/drawing/2010/main" w="9525">
+                <a14:hiddenLine xmlns:a14="http://schemas.microsoft.com/office/drawing/2010/main" xmlns="" w="9525">
                   <a:solidFill>
                     <a:schemeClr val="tx1"/>
                   </a:solidFill>
@@ -16609,7 +16585,7 @@
                 </a14:hiddenLine>
               </a:ext>
               <a:ext uri="{AF507438-7753-43E0-B8FC-AC1667EBCBE1}">
-                <a14:hiddenEffects xmlns:a14="http://schemas.microsoft.com/office/drawing/2010/main">
+                <a14:hiddenEffects xmlns:a14="http://schemas.microsoft.com/office/drawing/2010/main" xmlns="">
                   <a:effectLst>
                     <a:outerShdw dist="35921" dir="2700000" algn="ctr" rotWithShape="0">
                       <a:schemeClr val="bg2"/>
@@ -16669,7 +16645,7 @@
             <a:effectLst/>
             <a:extLst>
               <a:ext uri="{91240B29-F687-4F45-9708-019B960494DF}">
-                <a14:hiddenLine xmlns:a14="http://schemas.microsoft.com/office/drawing/2010/main" w="9525">
+                <a14:hiddenLine xmlns:a14="http://schemas.microsoft.com/office/drawing/2010/main" xmlns="" w="9525">
                   <a:solidFill>
                     <a:schemeClr val="tx1"/>
                   </a:solidFill>
@@ -16679,7 +16655,7 @@
                 </a14:hiddenLine>
               </a:ext>
               <a:ext uri="{AF507438-7753-43E0-B8FC-AC1667EBCBE1}">
-                <a14:hiddenEffects xmlns:a14="http://schemas.microsoft.com/office/drawing/2010/main">
+                <a14:hiddenEffects xmlns:a14="http://schemas.microsoft.com/office/drawing/2010/main" xmlns="">
                   <a:effectLst>
                     <a:outerShdw dist="76200" dir="10800000" kx="-3284103" algn="br" rotWithShape="0">
                       <a:srgbClr val="001D3A">
@@ -16807,7 +16783,7 @@
             <a:effectLst/>
             <a:extLst>
               <a:ext uri="{91240B29-F687-4F45-9708-019B960494DF}">
-                <a14:hiddenLine xmlns:a14="http://schemas.microsoft.com/office/drawing/2010/main" w="9525">
+                <a14:hiddenLine xmlns:a14="http://schemas.microsoft.com/office/drawing/2010/main" xmlns="" w="9525">
                   <a:solidFill>
                     <a:schemeClr val="tx1"/>
                   </a:solidFill>
@@ -16817,7 +16793,7 @@
                 </a14:hiddenLine>
               </a:ext>
               <a:ext uri="{AF507438-7753-43E0-B8FC-AC1667EBCBE1}">
-                <a14:hiddenEffects xmlns:a14="http://schemas.microsoft.com/office/drawing/2010/main">
+                <a14:hiddenEffects xmlns:a14="http://schemas.microsoft.com/office/drawing/2010/main" xmlns="">
                   <a:effectLst>
                     <a:outerShdw dist="35921" dir="2700000" algn="ctr" rotWithShape="0">
                       <a:schemeClr val="bg2"/>
@@ -16877,7 +16853,7 @@
             <a:effectLst/>
             <a:extLst>
               <a:ext uri="{91240B29-F687-4F45-9708-019B960494DF}">
-                <a14:hiddenLine xmlns:a14="http://schemas.microsoft.com/office/drawing/2010/main" w="9525">
+                <a14:hiddenLine xmlns:a14="http://schemas.microsoft.com/office/drawing/2010/main" xmlns="" w="9525">
                   <a:solidFill>
                     <a:schemeClr val="tx1"/>
                   </a:solidFill>
@@ -16887,7 +16863,7 @@
                 </a14:hiddenLine>
               </a:ext>
               <a:ext uri="{AF507438-7753-43E0-B8FC-AC1667EBCBE1}">
-                <a14:hiddenEffects xmlns:a14="http://schemas.microsoft.com/office/drawing/2010/main">
+                <a14:hiddenEffects xmlns:a14="http://schemas.microsoft.com/office/drawing/2010/main" xmlns="">
                   <a:effectLst>
                     <a:outerShdw dist="76200" dir="10800000" kx="-3284103" algn="br" rotWithShape="0">
                       <a:srgbClr val="001D3A">
@@ -16905,16 +16881,6 @@
             <a:p>
               <a:pPr algn="ctr"/>
               <a:r>
-                <a:rPr lang="en-US" dirty="0" err="1" smtClean="0">
-                  <a:solidFill>
-                    <a:schemeClr val="bg1"/>
-                  </a:solidFill>
-                  <a:latin typeface="Arial" pitchFamily="34" charset="0"/>
-                  <a:cs typeface="Arial" pitchFamily="34" charset="0"/>
-                </a:rPr>
-                <a:t>Chí</a:t>
-              </a:r>
-              <a:r>
                 <a:rPr lang="en-US" dirty="0" smtClean="0">
                   <a:solidFill>
                     <a:schemeClr val="bg1"/>
@@ -16922,7 +16888,7 @@
                   <a:latin typeface="Arial" pitchFamily="34" charset="0"/>
                   <a:cs typeface="Arial" pitchFamily="34" charset="0"/>
                 </a:rPr>
-                <a:t> </a:t>
+                <a:t>Chi </a:t>
               </a:r>
               <a:r>
                 <a:rPr lang="en-US" dirty="0" err="1" smtClean="0">
@@ -17015,7 +16981,7 @@
             <a:effectLst/>
             <a:extLst>
               <a:ext uri="{91240B29-F687-4F45-9708-019B960494DF}">
-                <a14:hiddenLine xmlns:a14="http://schemas.microsoft.com/office/drawing/2010/main" w="9525">
+                <a14:hiddenLine xmlns:a14="http://schemas.microsoft.com/office/drawing/2010/main" xmlns="" w="9525">
                   <a:solidFill>
                     <a:schemeClr val="tx1"/>
                   </a:solidFill>
@@ -17025,7 +16991,7 @@
                 </a14:hiddenLine>
               </a:ext>
               <a:ext uri="{AF507438-7753-43E0-B8FC-AC1667EBCBE1}">
-                <a14:hiddenEffects xmlns:a14="http://schemas.microsoft.com/office/drawing/2010/main">
+                <a14:hiddenEffects xmlns:a14="http://schemas.microsoft.com/office/drawing/2010/main" xmlns="">
                   <a:effectLst>
                     <a:outerShdw dist="35921" dir="2700000" algn="ctr" rotWithShape="0">
                       <a:schemeClr val="bg2"/>
@@ -17085,7 +17051,7 @@
             <a:effectLst/>
             <a:extLst>
               <a:ext uri="{91240B29-F687-4F45-9708-019B960494DF}">
-                <a14:hiddenLine xmlns:a14="http://schemas.microsoft.com/office/drawing/2010/main" w="9525">
+                <a14:hiddenLine xmlns:a14="http://schemas.microsoft.com/office/drawing/2010/main" xmlns="" w="9525">
                   <a:solidFill>
                     <a:schemeClr val="tx1"/>
                   </a:solidFill>
@@ -17095,7 +17061,7 @@
                 </a14:hiddenLine>
               </a:ext>
               <a:ext uri="{AF507438-7753-43E0-B8FC-AC1667EBCBE1}">
-                <a14:hiddenEffects xmlns:a14="http://schemas.microsoft.com/office/drawing/2010/main">
+                <a14:hiddenEffects xmlns:a14="http://schemas.microsoft.com/office/drawing/2010/main" xmlns="">
                   <a:effectLst>
                     <a:outerShdw dist="76200" dir="10800000" kx="-3284103" algn="br" rotWithShape="0">
                       <a:srgbClr val="001D3A">
@@ -17181,12 +17147,12 @@
           <a:effectLst/>
           <a:extLst>
             <a:ext uri="{909E8E84-426E-40DD-AFC4-6F175D3DCCD1}">
-              <a14:hiddenFill xmlns:a14="http://schemas.microsoft.com/office/drawing/2010/main">
+              <a14:hiddenFill xmlns:a14="http://schemas.microsoft.com/office/drawing/2010/main" xmlns="">
                 <a:noFill/>
               </a14:hiddenFill>
             </a:ext>
             <a:ext uri="{AF507438-7753-43E0-B8FC-AC1667EBCBE1}">
-              <a14:hiddenEffects xmlns:a14="http://schemas.microsoft.com/office/drawing/2010/main">
+              <a14:hiddenEffects xmlns:a14="http://schemas.microsoft.com/office/drawing/2010/main" xmlns="">
                 <a:effectLst>
                   <a:outerShdw dist="76200" dir="10800000" kx="-3284103" algn="br" rotWithShape="0">
                     <a:schemeClr val="bg2">
@@ -17237,12 +17203,12 @@
           <a:effectLst/>
           <a:extLst>
             <a:ext uri="{909E8E84-426E-40DD-AFC4-6F175D3DCCD1}">
-              <a14:hiddenFill xmlns:a14="http://schemas.microsoft.com/office/drawing/2010/main">
+              <a14:hiddenFill xmlns:a14="http://schemas.microsoft.com/office/drawing/2010/main" xmlns="">
                 <a:noFill/>
               </a14:hiddenFill>
             </a:ext>
             <a:ext uri="{AF507438-7753-43E0-B8FC-AC1667EBCBE1}">
-              <a14:hiddenEffects xmlns:a14="http://schemas.microsoft.com/office/drawing/2010/main">
+              <a14:hiddenEffects xmlns:a14="http://schemas.microsoft.com/office/drawing/2010/main" xmlns="">
                 <a:effectLst>
                   <a:outerShdw dist="76200" dir="10800000" kx="-3284103" algn="br" rotWithShape="0">
                     <a:schemeClr val="bg2">
@@ -17303,7 +17269,7 @@
     </p:spTree>
     <p:extLst>
       <p:ext uri="{BB962C8B-B14F-4D97-AF65-F5344CB8AC3E}">
-        <p14:creationId xmlns:p14="http://schemas.microsoft.com/office/powerpoint/2010/main" val="367297570"/>
+        <p14:creationId xmlns:p14="http://schemas.microsoft.com/office/powerpoint/2010/main" xmlns="" val="367297570"/>
       </p:ext>
     </p:extLst>
   </p:cSld>
@@ -17944,7 +17910,7 @@
             <a:effectLst/>
             <a:extLst>
               <a:ext uri="{91240B29-F687-4F45-9708-019B960494DF}">
-                <a14:hiddenLine xmlns:a14="http://schemas.microsoft.com/office/drawing/2010/main" w="9525">
+                <a14:hiddenLine xmlns:a14="http://schemas.microsoft.com/office/drawing/2010/main" xmlns="" w="9525">
                   <a:solidFill>
                     <a:schemeClr val="tx1"/>
                   </a:solidFill>
@@ -17954,7 +17920,7 @@
                 </a14:hiddenLine>
               </a:ext>
               <a:ext uri="{AF507438-7753-43E0-B8FC-AC1667EBCBE1}">
-                <a14:hiddenEffects xmlns:a14="http://schemas.microsoft.com/office/drawing/2010/main">
+                <a14:hiddenEffects xmlns:a14="http://schemas.microsoft.com/office/drawing/2010/main" xmlns="">
                   <a:effectLst>
                     <a:outerShdw dist="35921" dir="2700000" algn="ctr" rotWithShape="0">
                       <a:schemeClr val="bg2"/>
@@ -18439,7 +18405,7 @@
             </a:ln>
             <a:extLst>
               <a:ext uri="{91240B29-F687-4F45-9708-019B960494DF}">
-                <a14:hiddenLine xmlns:a14="http://schemas.microsoft.com/office/drawing/2010/main" w="0">
+                <a14:hiddenLine xmlns:a14="http://schemas.microsoft.com/office/drawing/2010/main" xmlns="" w="0">
                   <a:solidFill>
                     <a:srgbClr val="BBF6EE"/>
                   </a:solidFill>
@@ -18483,14 +18449,14 @@
           <a:effectLst/>
           <a:extLst>
             <a:ext uri="{909E8E84-426E-40DD-AFC4-6F175D3DCCD1}">
-              <a14:hiddenFill xmlns:a14="http://schemas.microsoft.com/office/drawing/2010/main">
+              <a14:hiddenFill xmlns:a14="http://schemas.microsoft.com/office/drawing/2010/main" xmlns="">
                 <a:solidFill>
                   <a:schemeClr val="accent1"/>
                 </a:solidFill>
               </a14:hiddenFill>
             </a:ext>
             <a:ext uri="{91240B29-F687-4F45-9708-019B960494DF}">
-              <a14:hiddenLine xmlns:a14="http://schemas.microsoft.com/office/drawing/2010/main" w="9525">
+              <a14:hiddenLine xmlns:a14="http://schemas.microsoft.com/office/drawing/2010/main" xmlns="" w="9525">
                 <a:solidFill>
                   <a:schemeClr val="tx1"/>
                 </a:solidFill>
@@ -18500,7 +18466,7 @@
               </a14:hiddenLine>
             </a:ext>
             <a:ext uri="{AF507438-7753-43E0-B8FC-AC1667EBCBE1}">
-              <a14:hiddenEffects xmlns:a14="http://schemas.microsoft.com/office/drawing/2010/main">
+              <a14:hiddenEffects xmlns:a14="http://schemas.microsoft.com/office/drawing/2010/main" xmlns="">
                 <a:effectLst>
                   <a:outerShdw dist="35921" dir="2700000" algn="ctr" rotWithShape="0">
                     <a:schemeClr val="bg2"/>
@@ -18633,7 +18599,7 @@
               <a:effectLst/>
               <a:extLst>
                 <a:ext uri="{AF507438-7753-43E0-B8FC-AC1667EBCBE1}">
-                  <a14:hiddenEffects xmlns:a14="http://schemas.microsoft.com/office/drawing/2010/main">
+                  <a14:hiddenEffects xmlns:a14="http://schemas.microsoft.com/office/drawing/2010/main" xmlns="">
                     <a:effectLst>
                       <a:outerShdw dist="35921" dir="2700000" algn="ctr" rotWithShape="0">
                         <a:schemeClr val="bg2"/>
@@ -18695,7 +18661,7 @@
               <a:effectLst/>
               <a:extLst>
                 <a:ext uri="{AF507438-7753-43E0-B8FC-AC1667EBCBE1}">
-                  <a14:hiddenEffects xmlns:a14="http://schemas.microsoft.com/office/drawing/2010/main">
+                  <a14:hiddenEffects xmlns:a14="http://schemas.microsoft.com/office/drawing/2010/main" xmlns="">
                     <a:effectLst>
                       <a:outerShdw dist="35921" dir="2700000" algn="ctr" rotWithShape="0">
                         <a:schemeClr val="bg2"/>
@@ -18783,7 +18749,7 @@
                 <a:effectLst/>
                 <a:extLst>
                   <a:ext uri="{91240B29-F687-4F45-9708-019B960494DF}">
-                    <a14:hiddenLine xmlns:a14="http://schemas.microsoft.com/office/drawing/2010/main" w="9525">
+                    <a14:hiddenLine xmlns:a14="http://schemas.microsoft.com/office/drawing/2010/main" xmlns="" w="9525">
                       <a:solidFill>
                         <a:srgbClr val="000000"/>
                       </a:solidFill>
@@ -18793,7 +18759,7 @@
                     </a14:hiddenLine>
                   </a:ext>
                   <a:ext uri="{AF507438-7753-43E0-B8FC-AC1667EBCBE1}">
-                    <a14:hiddenEffects xmlns:a14="http://schemas.microsoft.com/office/drawing/2010/main">
+                    <a14:hiddenEffects xmlns:a14="http://schemas.microsoft.com/office/drawing/2010/main" xmlns="">
                       <a:effectLst>
                         <a:outerShdw dist="35921" dir="2700000" algn="ctr" rotWithShape="0">
                           <a:schemeClr val="bg2"/>
@@ -19278,7 +19244,7 @@
                 </a:ln>
                 <a:extLst>
                   <a:ext uri="{91240B29-F687-4F45-9708-019B960494DF}">
-                    <a14:hiddenLine xmlns:a14="http://schemas.microsoft.com/office/drawing/2010/main" w="0">
+                    <a14:hiddenLine xmlns:a14="http://schemas.microsoft.com/office/drawing/2010/main" xmlns="" w="0">
                       <a:solidFill>
                         <a:srgbClr val="BBF6EE"/>
                       </a:solidFill>
@@ -19322,14 +19288,14 @@
               <a:effectLst/>
               <a:extLst>
                 <a:ext uri="{909E8E84-426E-40DD-AFC4-6F175D3DCCD1}">
-                  <a14:hiddenFill xmlns:a14="http://schemas.microsoft.com/office/drawing/2010/main">
+                  <a14:hiddenFill xmlns:a14="http://schemas.microsoft.com/office/drawing/2010/main" xmlns="">
                     <a:solidFill>
                       <a:schemeClr val="accent1"/>
                     </a:solidFill>
                   </a14:hiddenFill>
                 </a:ext>
                 <a:ext uri="{91240B29-F687-4F45-9708-019B960494DF}">
-                  <a14:hiddenLine xmlns:a14="http://schemas.microsoft.com/office/drawing/2010/main" w="9525" algn="ctr">
+                  <a14:hiddenLine xmlns:a14="http://schemas.microsoft.com/office/drawing/2010/main" xmlns="" w="9525" algn="ctr">
                     <a:solidFill>
                       <a:schemeClr val="tx1"/>
                     </a:solidFill>
@@ -19339,7 +19305,7 @@
                   </a14:hiddenLine>
                 </a:ext>
                 <a:ext uri="{AF507438-7753-43E0-B8FC-AC1667EBCBE1}">
-                  <a14:hiddenEffects xmlns:a14="http://schemas.microsoft.com/office/drawing/2010/main">
+                  <a14:hiddenEffects xmlns:a14="http://schemas.microsoft.com/office/drawing/2010/main" xmlns="">
                     <a:effectLst>
                       <a:outerShdw dist="35921" dir="2700000" algn="ctr" rotWithShape="0">
                         <a:schemeClr val="bg2"/>
@@ -19397,14 +19363,14 @@
             <a:effectLst/>
             <a:extLst>
               <a:ext uri="{909E8E84-426E-40DD-AFC4-6F175D3DCCD1}">
-                <a14:hiddenFill xmlns:a14="http://schemas.microsoft.com/office/drawing/2010/main">
+                <a14:hiddenFill xmlns:a14="http://schemas.microsoft.com/office/drawing/2010/main" xmlns="">
                   <a:solidFill>
                     <a:schemeClr val="accent1"/>
                   </a:solidFill>
                 </a14:hiddenFill>
               </a:ext>
               <a:ext uri="{91240B29-F687-4F45-9708-019B960494DF}">
-                <a14:hiddenLine xmlns:a14="http://schemas.microsoft.com/office/drawing/2010/main" w="9525">
+                <a14:hiddenLine xmlns:a14="http://schemas.microsoft.com/office/drawing/2010/main" xmlns="" w="9525">
                   <a:solidFill>
                     <a:schemeClr val="tx1"/>
                   </a:solidFill>
@@ -19414,7 +19380,7 @@
                 </a14:hiddenLine>
               </a:ext>
               <a:ext uri="{AF507438-7753-43E0-B8FC-AC1667EBCBE1}">
-                <a14:hiddenEffects xmlns:a14="http://schemas.microsoft.com/office/drawing/2010/main">
+                <a14:hiddenEffects xmlns:a14="http://schemas.microsoft.com/office/drawing/2010/main" xmlns="">
                   <a:effectLst>
                     <a:outerShdw dist="35921" dir="2700000" algn="ctr" rotWithShape="0">
                       <a:schemeClr val="bg2"/>
@@ -19559,7 +19525,7 @@
                 <a:effectLst/>
                 <a:extLst>
                   <a:ext uri="{91240B29-F687-4F45-9708-019B960494DF}">
-                    <a14:hiddenLine xmlns:a14="http://schemas.microsoft.com/office/drawing/2010/main" w="9525">
+                    <a14:hiddenLine xmlns:a14="http://schemas.microsoft.com/office/drawing/2010/main" xmlns="" w="9525">
                       <a:solidFill>
                         <a:srgbClr val="000000"/>
                       </a:solidFill>
@@ -19569,7 +19535,7 @@
                     </a14:hiddenLine>
                   </a:ext>
                   <a:ext uri="{AF507438-7753-43E0-B8FC-AC1667EBCBE1}">
-                    <a14:hiddenEffects xmlns:a14="http://schemas.microsoft.com/office/drawing/2010/main">
+                    <a14:hiddenEffects xmlns:a14="http://schemas.microsoft.com/office/drawing/2010/main" xmlns="">
                       <a:effectLst>
                         <a:outerShdw dist="35921" dir="2700000" algn="ctr" rotWithShape="0">
                           <a:schemeClr val="bg2"/>
@@ -20054,7 +20020,7 @@
                 </a:ln>
                 <a:extLst>
                   <a:ext uri="{91240B29-F687-4F45-9708-019B960494DF}">
-                    <a14:hiddenLine xmlns:a14="http://schemas.microsoft.com/office/drawing/2010/main" w="0">
+                    <a14:hiddenLine xmlns:a14="http://schemas.microsoft.com/office/drawing/2010/main" xmlns="" w="0">
                       <a:solidFill>
                         <a:srgbClr val="BBF6EE"/>
                       </a:solidFill>
@@ -20098,14 +20064,14 @@
               <a:effectLst/>
               <a:extLst>
                 <a:ext uri="{909E8E84-426E-40DD-AFC4-6F175D3DCCD1}">
-                  <a14:hiddenFill xmlns:a14="http://schemas.microsoft.com/office/drawing/2010/main">
+                  <a14:hiddenFill xmlns:a14="http://schemas.microsoft.com/office/drawing/2010/main" xmlns="">
                     <a:solidFill>
                       <a:schemeClr val="accent1"/>
                     </a:solidFill>
                   </a14:hiddenFill>
                 </a:ext>
                 <a:ext uri="{91240B29-F687-4F45-9708-019B960494DF}">
-                  <a14:hiddenLine xmlns:a14="http://schemas.microsoft.com/office/drawing/2010/main" w="9525" algn="ctr">
+                  <a14:hiddenLine xmlns:a14="http://schemas.microsoft.com/office/drawing/2010/main" xmlns="" w="9525" algn="ctr">
                     <a:solidFill>
                       <a:schemeClr val="tx1"/>
                     </a:solidFill>
@@ -20115,7 +20081,7 @@
                   </a14:hiddenLine>
                 </a:ext>
                 <a:ext uri="{AF507438-7753-43E0-B8FC-AC1667EBCBE1}">
-                  <a14:hiddenEffects xmlns:a14="http://schemas.microsoft.com/office/drawing/2010/main">
+                  <a14:hiddenEffects xmlns:a14="http://schemas.microsoft.com/office/drawing/2010/main" xmlns="">
                     <a:effectLst>
                       <a:outerShdw dist="35921" dir="2700000" algn="ctr" rotWithShape="0">
                         <a:schemeClr val="bg2"/>
@@ -20224,7 +20190,7 @@
                 <a:effectLst/>
                 <a:extLst>
                   <a:ext uri="{AF507438-7753-43E0-B8FC-AC1667EBCBE1}">
-                    <a14:hiddenEffects xmlns:a14="http://schemas.microsoft.com/office/drawing/2010/main">
+                    <a14:hiddenEffects xmlns:a14="http://schemas.microsoft.com/office/drawing/2010/main" xmlns="">
                       <a:effectLst>
                         <a:outerShdw dist="35921" dir="2700000" algn="ctr" rotWithShape="0">
                           <a:schemeClr val="bg2"/>
@@ -20286,7 +20252,7 @@
                 <a:effectLst/>
                 <a:extLst>
                   <a:ext uri="{AF507438-7753-43E0-B8FC-AC1667EBCBE1}">
-                    <a14:hiddenEffects xmlns:a14="http://schemas.microsoft.com/office/drawing/2010/main">
+                    <a14:hiddenEffects xmlns:a14="http://schemas.microsoft.com/office/drawing/2010/main" xmlns="">
                       <a:effectLst>
                         <a:outerShdw dist="35921" dir="2700000" algn="ctr" rotWithShape="0">
                           <a:schemeClr val="bg2"/>
@@ -20328,14 +20294,14 @@
               <a:effectLst/>
               <a:extLst>
                 <a:ext uri="{909E8E84-426E-40DD-AFC4-6F175D3DCCD1}">
-                  <a14:hiddenFill xmlns:a14="http://schemas.microsoft.com/office/drawing/2010/main">
+                  <a14:hiddenFill xmlns:a14="http://schemas.microsoft.com/office/drawing/2010/main" xmlns="">
                     <a:solidFill>
                       <a:schemeClr val="accent1"/>
                     </a:solidFill>
                   </a14:hiddenFill>
                 </a:ext>
                 <a:ext uri="{91240B29-F687-4F45-9708-019B960494DF}">
-                  <a14:hiddenLine xmlns:a14="http://schemas.microsoft.com/office/drawing/2010/main" w="9525">
+                  <a14:hiddenLine xmlns:a14="http://schemas.microsoft.com/office/drawing/2010/main" xmlns="" w="9525">
                     <a:solidFill>
                       <a:schemeClr val="tx1"/>
                     </a:solidFill>
@@ -20345,7 +20311,7 @@
                   </a14:hiddenLine>
                 </a:ext>
                 <a:ext uri="{AF507438-7753-43E0-B8FC-AC1667EBCBE1}">
-                  <a14:hiddenEffects xmlns:a14="http://schemas.microsoft.com/office/drawing/2010/main">
+                  <a14:hiddenEffects xmlns:a14="http://schemas.microsoft.com/office/drawing/2010/main" xmlns="">
                     <a:effectLst>
                       <a:outerShdw dist="35921" dir="2700000" algn="ctr" rotWithShape="0">
                         <a:schemeClr val="bg2"/>
@@ -20487,7 +20453,7 @@
                 <a:effectLst/>
                 <a:extLst>
                   <a:ext uri="{91240B29-F687-4F45-9708-019B960494DF}">
-                    <a14:hiddenLine xmlns:a14="http://schemas.microsoft.com/office/drawing/2010/main" w="9525">
+                    <a14:hiddenLine xmlns:a14="http://schemas.microsoft.com/office/drawing/2010/main" xmlns="" w="9525">
                       <a:solidFill>
                         <a:srgbClr val="000000"/>
                       </a:solidFill>
@@ -20497,7 +20463,7 @@
                     </a14:hiddenLine>
                   </a:ext>
                   <a:ext uri="{AF507438-7753-43E0-B8FC-AC1667EBCBE1}">
-                    <a14:hiddenEffects xmlns:a14="http://schemas.microsoft.com/office/drawing/2010/main">
+                    <a14:hiddenEffects xmlns:a14="http://schemas.microsoft.com/office/drawing/2010/main" xmlns="">
                       <a:effectLst>
                         <a:outerShdw dist="35921" dir="2700000" algn="ctr" rotWithShape="0">
                           <a:schemeClr val="bg2"/>
@@ -20982,7 +20948,7 @@
                 </a:ln>
                 <a:extLst>
                   <a:ext uri="{91240B29-F687-4F45-9708-019B960494DF}">
-                    <a14:hiddenLine xmlns:a14="http://schemas.microsoft.com/office/drawing/2010/main" w="0">
+                    <a14:hiddenLine xmlns:a14="http://schemas.microsoft.com/office/drawing/2010/main" xmlns="" w="0">
                       <a:solidFill>
                         <a:srgbClr val="BBF6EE"/>
                       </a:solidFill>
@@ -21026,14 +20992,14 @@
               <a:effectLst/>
               <a:extLst>
                 <a:ext uri="{909E8E84-426E-40DD-AFC4-6F175D3DCCD1}">
-                  <a14:hiddenFill xmlns:a14="http://schemas.microsoft.com/office/drawing/2010/main">
+                  <a14:hiddenFill xmlns:a14="http://schemas.microsoft.com/office/drawing/2010/main" xmlns="">
                     <a:solidFill>
                       <a:schemeClr val="accent1"/>
                     </a:solidFill>
                   </a14:hiddenFill>
                 </a:ext>
                 <a:ext uri="{91240B29-F687-4F45-9708-019B960494DF}">
-                  <a14:hiddenLine xmlns:a14="http://schemas.microsoft.com/office/drawing/2010/main" w="9525" algn="ctr">
+                  <a14:hiddenLine xmlns:a14="http://schemas.microsoft.com/office/drawing/2010/main" xmlns="" w="9525" algn="ctr">
                     <a:solidFill>
                       <a:schemeClr val="tx1"/>
                     </a:solidFill>
@@ -21043,7 +21009,7 @@
                   </a14:hiddenLine>
                 </a:ext>
                 <a:ext uri="{AF507438-7753-43E0-B8FC-AC1667EBCBE1}">
-                  <a14:hiddenEffects xmlns:a14="http://schemas.microsoft.com/office/drawing/2010/main">
+                  <a14:hiddenEffects xmlns:a14="http://schemas.microsoft.com/office/drawing/2010/main" xmlns="">
                     <a:effectLst>
                       <a:outerShdw dist="35921" dir="2700000" algn="ctr" rotWithShape="0">
                         <a:schemeClr val="bg2"/>
@@ -21122,7 +21088,7 @@
             <a:effectLst/>
             <a:extLst>
               <a:ext uri="{AF507438-7753-43E0-B8FC-AC1667EBCBE1}">
-                <a14:hiddenEffects xmlns:a14="http://schemas.microsoft.com/office/drawing/2010/main">
+                <a14:hiddenEffects xmlns:a14="http://schemas.microsoft.com/office/drawing/2010/main" xmlns="">
                   <a:effectLst>
                     <a:outerShdw dist="35921" dir="2700000" algn="ctr" rotWithShape="0">
                       <a:schemeClr val="bg2"/>
@@ -21184,7 +21150,7 @@
             <a:effectLst/>
             <a:extLst>
               <a:ext uri="{AF507438-7753-43E0-B8FC-AC1667EBCBE1}">
-                <a14:hiddenEffects xmlns:a14="http://schemas.microsoft.com/office/drawing/2010/main">
+                <a14:hiddenEffects xmlns:a14="http://schemas.microsoft.com/office/drawing/2010/main" xmlns="">
                   <a:effectLst>
                     <a:outerShdw dist="35921" dir="2700000" algn="ctr" rotWithShape="0">
                       <a:schemeClr val="bg2"/>
@@ -21225,14 +21191,14 @@
             <a:effectLst/>
             <a:extLst>
               <a:ext uri="{909E8E84-426E-40DD-AFC4-6F175D3DCCD1}">
-                <a14:hiddenFill xmlns:a14="http://schemas.microsoft.com/office/drawing/2010/main">
+                <a14:hiddenFill xmlns:a14="http://schemas.microsoft.com/office/drawing/2010/main" xmlns="">
                   <a:solidFill>
                     <a:schemeClr val="accent1"/>
                   </a:solidFill>
                 </a14:hiddenFill>
               </a:ext>
               <a:ext uri="{91240B29-F687-4F45-9708-019B960494DF}">
-                <a14:hiddenLine xmlns:a14="http://schemas.microsoft.com/office/drawing/2010/main" w="9525">
+                <a14:hiddenLine xmlns:a14="http://schemas.microsoft.com/office/drawing/2010/main" xmlns="" w="9525">
                   <a:solidFill>
                     <a:schemeClr val="tx1"/>
                   </a:solidFill>
@@ -21242,7 +21208,7 @@
                 </a14:hiddenLine>
               </a:ext>
               <a:ext uri="{AF507438-7753-43E0-B8FC-AC1667EBCBE1}">
-                <a14:hiddenEffects xmlns:a14="http://schemas.microsoft.com/office/drawing/2010/main">
+                <a14:hiddenEffects xmlns:a14="http://schemas.microsoft.com/office/drawing/2010/main" xmlns="">
                   <a:effectLst>
                     <a:outerShdw dist="35921" dir="2700000" algn="ctr" rotWithShape="0">
                       <a:schemeClr val="bg2"/>
@@ -21363,7 +21329,7 @@
                 <a:effectLst/>
                 <a:extLst>
                   <a:ext uri="{91240B29-F687-4F45-9708-019B960494DF}">
-                    <a14:hiddenLine xmlns:a14="http://schemas.microsoft.com/office/drawing/2010/main" w="9525">
+                    <a14:hiddenLine xmlns:a14="http://schemas.microsoft.com/office/drawing/2010/main" xmlns="" w="9525">
                       <a:solidFill>
                         <a:srgbClr val="000000"/>
                       </a:solidFill>
@@ -21373,7 +21339,7 @@
                     </a14:hiddenLine>
                   </a:ext>
                   <a:ext uri="{AF507438-7753-43E0-B8FC-AC1667EBCBE1}">
-                    <a14:hiddenEffects xmlns:a14="http://schemas.microsoft.com/office/drawing/2010/main">
+                    <a14:hiddenEffects xmlns:a14="http://schemas.microsoft.com/office/drawing/2010/main" xmlns="">
                       <a:effectLst>
                         <a:outerShdw dist="35921" dir="2700000" algn="ctr" rotWithShape="0">
                           <a:schemeClr val="bg2"/>
@@ -21858,7 +21824,7 @@
                 </a:ln>
                 <a:extLst>
                   <a:ext uri="{91240B29-F687-4F45-9708-019B960494DF}">
-                    <a14:hiddenLine xmlns:a14="http://schemas.microsoft.com/office/drawing/2010/main" w="0">
+                    <a14:hiddenLine xmlns:a14="http://schemas.microsoft.com/office/drawing/2010/main" xmlns="" w="0">
                       <a:solidFill>
                         <a:srgbClr val="BBF6EE"/>
                       </a:solidFill>
@@ -21902,14 +21868,14 @@
               <a:effectLst/>
               <a:extLst>
                 <a:ext uri="{909E8E84-426E-40DD-AFC4-6F175D3DCCD1}">
-                  <a14:hiddenFill xmlns:a14="http://schemas.microsoft.com/office/drawing/2010/main">
+                  <a14:hiddenFill xmlns:a14="http://schemas.microsoft.com/office/drawing/2010/main" xmlns="">
                     <a:solidFill>
                       <a:schemeClr val="accent1"/>
                     </a:solidFill>
                   </a14:hiddenFill>
                 </a:ext>
                 <a:ext uri="{91240B29-F687-4F45-9708-019B960494DF}">
-                  <a14:hiddenLine xmlns:a14="http://schemas.microsoft.com/office/drawing/2010/main" w="9525" algn="ctr">
+                  <a14:hiddenLine xmlns:a14="http://schemas.microsoft.com/office/drawing/2010/main" xmlns="" w="9525" algn="ctr">
                     <a:solidFill>
                       <a:schemeClr val="tx1"/>
                     </a:solidFill>
@@ -21919,7 +21885,7 @@
                   </a14:hiddenLine>
                 </a:ext>
                 <a:ext uri="{AF507438-7753-43E0-B8FC-AC1667EBCBE1}">
-                  <a14:hiddenEffects xmlns:a14="http://schemas.microsoft.com/office/drawing/2010/main">
+                  <a14:hiddenEffects xmlns:a14="http://schemas.microsoft.com/office/drawing/2010/main" xmlns="">
                     <a:effectLst>
                       <a:outerShdw dist="35921" dir="2700000" algn="ctr" rotWithShape="0">
                         <a:schemeClr val="bg2"/>
@@ -21998,7 +21964,7 @@
             <a:effectLst/>
             <a:extLst>
               <a:ext uri="{AF507438-7753-43E0-B8FC-AC1667EBCBE1}">
-                <a14:hiddenEffects xmlns:a14="http://schemas.microsoft.com/office/drawing/2010/main">
+                <a14:hiddenEffects xmlns:a14="http://schemas.microsoft.com/office/drawing/2010/main" xmlns="">
                   <a:effectLst>
                     <a:outerShdw dist="35921" dir="2700000" algn="ctr" rotWithShape="0">
                       <a:schemeClr val="bg2"/>
@@ -22060,7 +22026,7 @@
             <a:effectLst/>
             <a:extLst>
               <a:ext uri="{AF507438-7753-43E0-B8FC-AC1667EBCBE1}">
-                <a14:hiddenEffects xmlns:a14="http://schemas.microsoft.com/office/drawing/2010/main">
+                <a14:hiddenEffects xmlns:a14="http://schemas.microsoft.com/office/drawing/2010/main" xmlns="">
                   <a:effectLst>
                     <a:outerShdw dist="35921" dir="2700000" algn="ctr" rotWithShape="0">
                       <a:schemeClr val="bg2"/>
@@ -22101,14 +22067,14 @@
             <a:effectLst/>
             <a:extLst>
               <a:ext uri="{909E8E84-426E-40DD-AFC4-6F175D3DCCD1}">
-                <a14:hiddenFill xmlns:a14="http://schemas.microsoft.com/office/drawing/2010/main">
+                <a14:hiddenFill xmlns:a14="http://schemas.microsoft.com/office/drawing/2010/main" xmlns="">
                   <a:solidFill>
                     <a:schemeClr val="accent1"/>
                   </a:solidFill>
                 </a14:hiddenFill>
               </a:ext>
               <a:ext uri="{91240B29-F687-4F45-9708-019B960494DF}">
-                <a14:hiddenLine xmlns:a14="http://schemas.microsoft.com/office/drawing/2010/main" w="9525">
+                <a14:hiddenLine xmlns:a14="http://schemas.microsoft.com/office/drawing/2010/main" xmlns="" w="9525">
                   <a:solidFill>
                     <a:schemeClr val="tx1"/>
                   </a:solidFill>
@@ -22118,7 +22084,7 @@
                 </a14:hiddenLine>
               </a:ext>
               <a:ext uri="{AF507438-7753-43E0-B8FC-AC1667EBCBE1}">
-                <a14:hiddenEffects xmlns:a14="http://schemas.microsoft.com/office/drawing/2010/main">
+                <a14:hiddenEffects xmlns:a14="http://schemas.microsoft.com/office/drawing/2010/main" xmlns="">
                   <a:effectLst>
                     <a:outerShdw dist="35921" dir="2700000" algn="ctr" rotWithShape="0">
                       <a:schemeClr val="bg2"/>
@@ -22243,7 +22209,7 @@
                 <a:effectLst/>
                 <a:extLst>
                   <a:ext uri="{91240B29-F687-4F45-9708-019B960494DF}">
-                    <a14:hiddenLine xmlns:a14="http://schemas.microsoft.com/office/drawing/2010/main" w="9525">
+                    <a14:hiddenLine xmlns:a14="http://schemas.microsoft.com/office/drawing/2010/main" xmlns="" w="9525">
                       <a:solidFill>
                         <a:srgbClr val="000000"/>
                       </a:solidFill>
@@ -22253,7 +22219,7 @@
                     </a14:hiddenLine>
                   </a:ext>
                   <a:ext uri="{AF507438-7753-43E0-B8FC-AC1667EBCBE1}">
-                    <a14:hiddenEffects xmlns:a14="http://schemas.microsoft.com/office/drawing/2010/main">
+                    <a14:hiddenEffects xmlns:a14="http://schemas.microsoft.com/office/drawing/2010/main" xmlns="">
                       <a:effectLst>
                         <a:outerShdw dist="35921" dir="2700000" algn="ctr" rotWithShape="0">
                           <a:schemeClr val="bg2"/>
@@ -22738,7 +22704,7 @@
                 </a:ln>
                 <a:extLst>
                   <a:ext uri="{91240B29-F687-4F45-9708-019B960494DF}">
-                    <a14:hiddenLine xmlns:a14="http://schemas.microsoft.com/office/drawing/2010/main" w="0">
+                    <a14:hiddenLine xmlns:a14="http://schemas.microsoft.com/office/drawing/2010/main" xmlns="" w="0">
                       <a:solidFill>
                         <a:srgbClr val="BBF6EE"/>
                       </a:solidFill>
@@ -22782,14 +22748,14 @@
               <a:effectLst/>
               <a:extLst>
                 <a:ext uri="{909E8E84-426E-40DD-AFC4-6F175D3DCCD1}">
-                  <a14:hiddenFill xmlns:a14="http://schemas.microsoft.com/office/drawing/2010/main">
+                  <a14:hiddenFill xmlns:a14="http://schemas.microsoft.com/office/drawing/2010/main" xmlns="">
                     <a:solidFill>
                       <a:schemeClr val="accent1"/>
                     </a:solidFill>
                   </a14:hiddenFill>
                 </a:ext>
                 <a:ext uri="{91240B29-F687-4F45-9708-019B960494DF}">
-                  <a14:hiddenLine xmlns:a14="http://schemas.microsoft.com/office/drawing/2010/main" w="9525" algn="ctr">
+                  <a14:hiddenLine xmlns:a14="http://schemas.microsoft.com/office/drawing/2010/main" xmlns="" w="9525" algn="ctr">
                     <a:solidFill>
                       <a:schemeClr val="tx1"/>
                     </a:solidFill>
@@ -22799,7 +22765,7 @@
                   </a14:hiddenLine>
                 </a:ext>
                 <a:ext uri="{AF507438-7753-43E0-B8FC-AC1667EBCBE1}">
-                  <a14:hiddenEffects xmlns:a14="http://schemas.microsoft.com/office/drawing/2010/main">
+                  <a14:hiddenEffects xmlns:a14="http://schemas.microsoft.com/office/drawing/2010/main" xmlns="">
                     <a:effectLst>
                       <a:outerShdw dist="35921" dir="2700000" algn="ctr" rotWithShape="0">
                         <a:schemeClr val="bg2"/>
@@ -22894,7 +22860,7 @@
               <a:effectLst/>
               <a:extLst>
                 <a:ext uri="{AF507438-7753-43E0-B8FC-AC1667EBCBE1}">
-                  <a14:hiddenEffects xmlns:a14="http://schemas.microsoft.com/office/drawing/2010/main">
+                  <a14:hiddenEffects xmlns:a14="http://schemas.microsoft.com/office/drawing/2010/main" xmlns="">
                     <a:effectLst>
                       <a:outerShdw dist="35921" dir="2700000" algn="ctr" rotWithShape="0">
                         <a:schemeClr val="bg2"/>
@@ -22956,7 +22922,7 @@
               <a:effectLst/>
               <a:extLst>
                 <a:ext uri="{AF507438-7753-43E0-B8FC-AC1667EBCBE1}">
-                  <a14:hiddenEffects xmlns:a14="http://schemas.microsoft.com/office/drawing/2010/main">
+                  <a14:hiddenEffects xmlns:a14="http://schemas.microsoft.com/office/drawing/2010/main" xmlns="">
                     <a:effectLst>
                       <a:outerShdw dist="35921" dir="2700000" algn="ctr" rotWithShape="0">
                         <a:schemeClr val="bg2"/>
@@ -23077,7 +23043,7 @@
     </p:spTree>
     <p:extLst>
       <p:ext uri="{BB962C8B-B14F-4D97-AF65-F5344CB8AC3E}">
-        <p14:creationId xmlns:p14="http://schemas.microsoft.com/office/powerpoint/2010/main" val="3405608144"/>
+        <p14:creationId xmlns:p14="http://schemas.microsoft.com/office/powerpoint/2010/main" xmlns="" val="3405608144"/>
       </p:ext>
     </p:extLst>
   </p:cSld>
@@ -23705,7 +23671,7 @@
           <a:blip r:embed="rId3" cstate="print">
             <a:extLst>
               <a:ext uri="{28A0092B-C50C-407E-A947-70E740481C1C}">
-                <a14:useLocalDpi xmlns:a14="http://schemas.microsoft.com/office/drawing/2010/main" val="0"/>
+                <a14:useLocalDpi xmlns:a14="http://schemas.microsoft.com/office/drawing/2010/main" xmlns="" val="0"/>
               </a:ext>
             </a:extLst>
           </a:blip>
@@ -23735,7 +23701,7 @@
           <a:blip r:embed="rId4">
             <a:extLst>
               <a:ext uri="{28A0092B-C50C-407E-A947-70E740481C1C}">
-                <a14:useLocalDpi xmlns:a14="http://schemas.microsoft.com/office/drawing/2010/main" val="0"/>
+                <a14:useLocalDpi xmlns:a14="http://schemas.microsoft.com/office/drawing/2010/main" xmlns="" val="0"/>
               </a:ext>
             </a:extLst>
           </a:blip>
@@ -23765,7 +23731,7 @@
           <a:blip r:embed="rId5" cstate="print">
             <a:extLst>
               <a:ext uri="{28A0092B-C50C-407E-A947-70E740481C1C}">
-                <a14:useLocalDpi xmlns:a14="http://schemas.microsoft.com/office/drawing/2010/main" val="0"/>
+                <a14:useLocalDpi xmlns:a14="http://schemas.microsoft.com/office/drawing/2010/main" xmlns="" val="0"/>
               </a:ext>
             </a:extLst>
           </a:blip>
@@ -23795,7 +23761,7 @@
           <a:blip r:embed="rId5" cstate="print">
             <a:extLst>
               <a:ext uri="{28A0092B-C50C-407E-A947-70E740481C1C}">
-                <a14:useLocalDpi xmlns:a14="http://schemas.microsoft.com/office/drawing/2010/main" val="0"/>
+                <a14:useLocalDpi xmlns:a14="http://schemas.microsoft.com/office/drawing/2010/main" xmlns="" val="0"/>
               </a:ext>
             </a:extLst>
           </a:blip>
@@ -23855,7 +23821,7 @@
           <a:blip r:embed="rId6">
             <a:extLst>
               <a:ext uri="{28A0092B-C50C-407E-A947-70E740481C1C}">
-                <a14:useLocalDpi xmlns:a14="http://schemas.microsoft.com/office/drawing/2010/main" val="0"/>
+                <a14:useLocalDpi xmlns:a14="http://schemas.microsoft.com/office/drawing/2010/main" xmlns="" val="0"/>
               </a:ext>
             </a:extLst>
           </a:blip>
@@ -23885,7 +23851,7 @@
           <a:blip r:embed="rId3" cstate="print">
             <a:extLst>
               <a:ext uri="{28A0092B-C50C-407E-A947-70E740481C1C}">
-                <a14:useLocalDpi xmlns:a14="http://schemas.microsoft.com/office/drawing/2010/main" val="0"/>
+                <a14:useLocalDpi xmlns:a14="http://schemas.microsoft.com/office/drawing/2010/main" xmlns="" val="0"/>
               </a:ext>
             </a:extLst>
           </a:blip>
@@ -24031,7 +23997,7 @@
           <a:blip r:embed="rId7" cstate="print">
             <a:extLst>
               <a:ext uri="{28A0092B-C50C-407E-A947-70E740481C1C}">
-                <a14:useLocalDpi xmlns:a14="http://schemas.microsoft.com/office/drawing/2010/main" val="0"/>
+                <a14:useLocalDpi xmlns:a14="http://schemas.microsoft.com/office/drawing/2010/main" xmlns="" val="0"/>
               </a:ext>
             </a:extLst>
           </a:blip>
@@ -24277,7 +24243,7 @@
           <a:blip r:embed="rId5" cstate="print">
             <a:extLst>
               <a:ext uri="{28A0092B-C50C-407E-A947-70E740481C1C}">
-                <a14:useLocalDpi xmlns:a14="http://schemas.microsoft.com/office/drawing/2010/main" val="0"/>
+                <a14:useLocalDpi xmlns:a14="http://schemas.microsoft.com/office/drawing/2010/main" xmlns="" val="0"/>
               </a:ext>
             </a:extLst>
           </a:blip>
@@ -24403,7 +24369,7 @@
     </p:spTree>
     <p:extLst>
       <p:ext uri="{BB962C8B-B14F-4D97-AF65-F5344CB8AC3E}">
-        <p14:creationId xmlns:p14="http://schemas.microsoft.com/office/powerpoint/2010/main" val="1486120919"/>
+        <p14:creationId xmlns:p14="http://schemas.microsoft.com/office/powerpoint/2010/main" xmlns="" val="1486120919"/>
       </p:ext>
     </p:extLst>
   </p:cSld>
@@ -25323,7 +25289,7 @@
     </p:spTree>
     <p:extLst>
       <p:ext uri="{BB962C8B-B14F-4D97-AF65-F5344CB8AC3E}">
-        <p14:creationId xmlns:p14="http://schemas.microsoft.com/office/powerpoint/2010/main" val="989762919"/>
+        <p14:creationId xmlns:p14="http://schemas.microsoft.com/office/powerpoint/2010/main" xmlns="" val="989762919"/>
       </p:ext>
     </p:extLst>
   </p:cSld>
@@ -25849,7 +25815,7 @@
           <a:blip r:embed="rId2" cstate="print">
             <a:extLst>
               <a:ext uri="{28A0092B-C50C-407E-A947-70E740481C1C}">
-                <a14:useLocalDpi xmlns:a14="http://schemas.microsoft.com/office/drawing/2010/main" val="0"/>
+                <a14:useLocalDpi xmlns:a14="http://schemas.microsoft.com/office/drawing/2010/main" xmlns="" val="0"/>
               </a:ext>
             </a:extLst>
           </a:blip>
@@ -25879,7 +25845,7 @@
           <a:blip r:embed="rId3">
             <a:extLst>
               <a:ext uri="{28A0092B-C50C-407E-A947-70E740481C1C}">
-                <a14:useLocalDpi xmlns:a14="http://schemas.microsoft.com/office/drawing/2010/main" val="0"/>
+                <a14:useLocalDpi xmlns:a14="http://schemas.microsoft.com/office/drawing/2010/main" xmlns="" val="0"/>
               </a:ext>
             </a:extLst>
           </a:blip>
@@ -25909,7 +25875,7 @@
           <a:blip r:embed="rId4" cstate="print">
             <a:extLst>
               <a:ext uri="{28A0092B-C50C-407E-A947-70E740481C1C}">
-                <a14:useLocalDpi xmlns:a14="http://schemas.microsoft.com/office/drawing/2010/main" val="0"/>
+                <a14:useLocalDpi xmlns:a14="http://schemas.microsoft.com/office/drawing/2010/main" xmlns="" val="0"/>
               </a:ext>
             </a:extLst>
           </a:blip>
@@ -25939,7 +25905,7 @@
           <a:blip r:embed="rId4" cstate="print">
             <a:extLst>
               <a:ext uri="{28A0092B-C50C-407E-A947-70E740481C1C}">
-                <a14:useLocalDpi xmlns:a14="http://schemas.microsoft.com/office/drawing/2010/main" val="0"/>
+                <a14:useLocalDpi xmlns:a14="http://schemas.microsoft.com/office/drawing/2010/main" xmlns="" val="0"/>
               </a:ext>
             </a:extLst>
           </a:blip>
@@ -26117,7 +26083,7 @@
     </p:spTree>
     <p:extLst>
       <p:ext uri="{BB962C8B-B14F-4D97-AF65-F5344CB8AC3E}">
-        <p14:creationId xmlns:p14="http://schemas.microsoft.com/office/powerpoint/2010/main" val="395481439"/>
+        <p14:creationId xmlns:p14="http://schemas.microsoft.com/office/powerpoint/2010/main" xmlns="" val="395481439"/>
       </p:ext>
     </p:extLst>
   </p:cSld>
@@ -26690,7 +26656,7 @@
           <a:blip r:embed="rId2" cstate="print">
             <a:extLst>
               <a:ext uri="{28A0092B-C50C-407E-A947-70E740481C1C}">
-                <a14:useLocalDpi xmlns:a14="http://schemas.microsoft.com/office/drawing/2010/main" val="0"/>
+                <a14:useLocalDpi xmlns:a14="http://schemas.microsoft.com/office/drawing/2010/main" xmlns="" val="0"/>
               </a:ext>
             </a:extLst>
           </a:blip>
@@ -26720,7 +26686,7 @@
           <a:blip r:embed="rId3">
             <a:extLst>
               <a:ext uri="{28A0092B-C50C-407E-A947-70E740481C1C}">
-                <a14:useLocalDpi xmlns:a14="http://schemas.microsoft.com/office/drawing/2010/main" val="0"/>
+                <a14:useLocalDpi xmlns:a14="http://schemas.microsoft.com/office/drawing/2010/main" xmlns="" val="0"/>
               </a:ext>
             </a:extLst>
           </a:blip>
@@ -26750,7 +26716,7 @@
           <a:blip r:embed="rId4" cstate="print">
             <a:extLst>
               <a:ext uri="{28A0092B-C50C-407E-A947-70E740481C1C}">
-                <a14:useLocalDpi xmlns:a14="http://schemas.microsoft.com/office/drawing/2010/main" val="0"/>
+                <a14:useLocalDpi xmlns:a14="http://schemas.microsoft.com/office/drawing/2010/main" xmlns="" val="0"/>
               </a:ext>
             </a:extLst>
           </a:blip>
@@ -26780,7 +26746,7 @@
           <a:blip r:embed="rId4" cstate="print">
             <a:extLst>
               <a:ext uri="{28A0092B-C50C-407E-A947-70E740481C1C}">
-                <a14:useLocalDpi xmlns:a14="http://schemas.microsoft.com/office/drawing/2010/main" val="0"/>
+                <a14:useLocalDpi xmlns:a14="http://schemas.microsoft.com/office/drawing/2010/main" xmlns="" val="0"/>
               </a:ext>
             </a:extLst>
           </a:blip>
@@ -26994,7 +26960,7 @@
     </p:spTree>
     <p:extLst>
       <p:ext uri="{BB962C8B-B14F-4D97-AF65-F5344CB8AC3E}">
-        <p14:creationId xmlns:p14="http://schemas.microsoft.com/office/powerpoint/2010/main" val="2034964551"/>
+        <p14:creationId xmlns:p14="http://schemas.microsoft.com/office/powerpoint/2010/main" xmlns="" val="2034964551"/>
       </p:ext>
     </p:extLst>
   </p:cSld>
@@ -27401,7 +27367,7 @@
           <a:blip r:embed="rId2" cstate="print">
             <a:extLst>
               <a:ext uri="{28A0092B-C50C-407E-A947-70E740481C1C}">
-                <a14:useLocalDpi xmlns:a14="http://schemas.microsoft.com/office/drawing/2010/main" val="0"/>
+                <a14:useLocalDpi xmlns:a14="http://schemas.microsoft.com/office/drawing/2010/main" xmlns="" val="0"/>
               </a:ext>
             </a:extLst>
           </a:blip>
@@ -27431,7 +27397,7 @@
           <a:blip r:embed="rId3">
             <a:extLst>
               <a:ext uri="{28A0092B-C50C-407E-A947-70E740481C1C}">
-                <a14:useLocalDpi xmlns:a14="http://schemas.microsoft.com/office/drawing/2010/main" val="0"/>
+                <a14:useLocalDpi xmlns:a14="http://schemas.microsoft.com/office/drawing/2010/main" xmlns="" val="0"/>
               </a:ext>
             </a:extLst>
           </a:blip>
@@ -27461,7 +27427,7 @@
           <a:blip r:embed="rId4" cstate="print">
             <a:extLst>
               <a:ext uri="{28A0092B-C50C-407E-A947-70E740481C1C}">
-                <a14:useLocalDpi xmlns:a14="http://schemas.microsoft.com/office/drawing/2010/main" val="0"/>
+                <a14:useLocalDpi xmlns:a14="http://schemas.microsoft.com/office/drawing/2010/main" xmlns="" val="0"/>
               </a:ext>
             </a:extLst>
           </a:blip>
@@ -27491,7 +27457,7 @@
           <a:blip r:embed="rId4" cstate="print">
             <a:extLst>
               <a:ext uri="{28A0092B-C50C-407E-A947-70E740481C1C}">
-                <a14:useLocalDpi xmlns:a14="http://schemas.microsoft.com/office/drawing/2010/main" val="0"/>
+                <a14:useLocalDpi xmlns:a14="http://schemas.microsoft.com/office/drawing/2010/main" xmlns="" val="0"/>
               </a:ext>
             </a:extLst>
           </a:blip>
@@ -27767,7 +27733,7 @@
     </p:spTree>
     <p:extLst>
       <p:ext uri="{BB962C8B-B14F-4D97-AF65-F5344CB8AC3E}">
-        <p14:creationId xmlns:p14="http://schemas.microsoft.com/office/powerpoint/2010/main" val="1438020224"/>
+        <p14:creationId xmlns:p14="http://schemas.microsoft.com/office/powerpoint/2010/main" xmlns="" val="1438020224"/>
       </p:ext>
     </p:extLst>
   </p:cSld>
@@ -28011,14 +27977,14 @@
           <a:effectLst/>
           <a:extLst>
             <a:ext uri="{909E8E84-426E-40DD-AFC4-6F175D3DCCD1}">
-              <a14:hiddenFill xmlns:a14="http://schemas.microsoft.com/office/drawing/2010/main">
+              <a14:hiddenFill xmlns:a14="http://schemas.microsoft.com/office/drawing/2010/main" xmlns="">
                 <a:solidFill>
                   <a:schemeClr val="accent1"/>
                 </a:solidFill>
               </a14:hiddenFill>
             </a:ext>
             <a:ext uri="{91240B29-F687-4F45-9708-019B960494DF}">
-              <a14:hiddenLine xmlns:a14="http://schemas.microsoft.com/office/drawing/2010/main" w="9525">
+              <a14:hiddenLine xmlns:a14="http://schemas.microsoft.com/office/drawing/2010/main" xmlns="" w="9525">
                 <a:solidFill>
                   <a:schemeClr val="tx1"/>
                 </a:solidFill>
@@ -28028,7 +27994,7 @@
               </a14:hiddenLine>
             </a:ext>
             <a:ext uri="{AF507438-7753-43E0-B8FC-AC1667EBCBE1}">
-              <a14:hiddenEffects xmlns:a14="http://schemas.microsoft.com/office/drawing/2010/main">
+              <a14:hiddenEffects xmlns:a14="http://schemas.microsoft.com/office/drawing/2010/main" xmlns="">
                 <a:effectLst>
                   <a:outerShdw dist="35921" dir="2700000" algn="ctr" rotWithShape="0">
                     <a:schemeClr val="bg2"/>
@@ -28060,7 +28026,7 @@
           <p:nvPr>
             <p:extLst>
               <p:ext uri="{D42A27DB-BD31-4B8C-83A1-F6EECF244321}">
-                <p14:modId xmlns:p14="http://schemas.microsoft.com/office/powerpoint/2010/main" val="2993932841"/>
+                <p14:modId xmlns:p14="http://schemas.microsoft.com/office/powerpoint/2010/main" xmlns="" val="2993932841"/>
               </p:ext>
             </p:extLst>
           </p:nvPr>
@@ -28071,51 +28037,9 @@
         </p:xfrm>
         <a:graphic>
           <a:graphicData uri="http://schemas.openxmlformats.org/presentationml/2006/ole">
-            <mc:AlternateContent xmlns:mc="http://schemas.openxmlformats.org/markup-compatibility/2006">
-              <mc:Choice xmlns:v="urn:schemas-microsoft-com:vml" Requires="v">
-                <p:oleObj spid="_x0000_s15375" name="Visio" r:id="rId3" imgW="4282440" imgH="4682338" progId="Visio.Drawing.11">
-                  <p:embed/>
-                </p:oleObj>
-              </mc:Choice>
-              <mc:Fallback>
-                <p:oleObj name="Visio" r:id="rId3" imgW="4282440" imgH="4682338" progId="Visio.Drawing.11">
-                  <p:embed/>
-                  <p:pic>
-                    <p:nvPicPr>
-                      <p:cNvPr id="0" name=""/>
-                      <p:cNvPicPr>
-                        <a:picLocks noChangeAspect="1" noChangeArrowheads="1"/>
-                      </p:cNvPicPr>
-                      <p:nvPr/>
-                    </p:nvPicPr>
-                    <p:blipFill>
-                      <a:blip r:embed="rId4">
-                        <a:extLst>
-                          <a:ext uri="{28A0092B-C50C-407E-A947-70E740481C1C}">
-                            <a14:useLocalDpi xmlns:a14="http://schemas.microsoft.com/office/drawing/2010/main" val="0"/>
-                          </a:ext>
-                        </a:extLst>
-                      </a:blip>
-                      <a:srcRect/>
-                      <a:stretch>
-                        <a:fillRect/>
-                      </a:stretch>
-                    </p:blipFill>
-                    <p:spPr bwMode="auto">
-                      <a:xfrm>
-                        <a:off x="2819400" y="1143000"/>
-                        <a:ext cx="4038600" cy="4419600"/>
-                      </a:xfrm>
-                      <a:prstGeom prst="rect">
-                        <a:avLst/>
-                      </a:prstGeom>
-                      <a:noFill/>
-                      <a:extLst/>
-                    </p:spPr>
-                  </p:pic>
-                </p:oleObj>
-              </mc:Fallback>
-            </mc:AlternateContent>
+            <p:oleObj spid="_x0000_s15376" name="Visio" r:id="rId3" imgW="4282440" imgH="4682338" progId="">
+              <p:embed/>
+            </p:oleObj>
           </a:graphicData>
         </a:graphic>
       </p:graphicFrame>
@@ -28213,7 +28137,7 @@
     </p:spTree>
     <p:extLst>
       <p:ext uri="{BB962C8B-B14F-4D97-AF65-F5344CB8AC3E}">
-        <p14:creationId xmlns:p14="http://schemas.microsoft.com/office/powerpoint/2010/main" val="23601154"/>
+        <p14:creationId xmlns:p14="http://schemas.microsoft.com/office/powerpoint/2010/main" xmlns="" val="23601154"/>
       </p:ext>
     </p:extLst>
   </p:cSld>
@@ -28482,14 +28406,14 @@
           <a:effectLst/>
           <a:extLst>
             <a:ext uri="{909E8E84-426E-40DD-AFC4-6F175D3DCCD1}">
-              <a14:hiddenFill xmlns:a14="http://schemas.microsoft.com/office/drawing/2010/main">
+              <a14:hiddenFill xmlns:a14="http://schemas.microsoft.com/office/drawing/2010/main" xmlns="">
                 <a:solidFill>
                   <a:schemeClr val="accent1"/>
                 </a:solidFill>
               </a14:hiddenFill>
             </a:ext>
             <a:ext uri="{91240B29-F687-4F45-9708-019B960494DF}">
-              <a14:hiddenLine xmlns:a14="http://schemas.microsoft.com/office/drawing/2010/main" w="9525">
+              <a14:hiddenLine xmlns:a14="http://schemas.microsoft.com/office/drawing/2010/main" xmlns="" w="9525">
                 <a:solidFill>
                   <a:schemeClr val="tx1"/>
                 </a:solidFill>
@@ -28499,7 +28423,7 @@
               </a14:hiddenLine>
             </a:ext>
             <a:ext uri="{AF507438-7753-43E0-B8FC-AC1667EBCBE1}">
-              <a14:hiddenEffects xmlns:a14="http://schemas.microsoft.com/office/drawing/2010/main">
+              <a14:hiddenEffects xmlns:a14="http://schemas.microsoft.com/office/drawing/2010/main" xmlns="">
                 <a:effectLst>
                   <a:outerShdw dist="35921" dir="2700000" algn="ctr" rotWithShape="0">
                     <a:schemeClr val="bg2"/>
@@ -28531,7 +28455,7 @@
           <p:nvPr>
             <p:extLst>
               <p:ext uri="{D42A27DB-BD31-4B8C-83A1-F6EECF244321}">
-                <p14:modId xmlns:p14="http://schemas.microsoft.com/office/powerpoint/2010/main" val="3707488356"/>
+                <p14:modId xmlns:p14="http://schemas.microsoft.com/office/powerpoint/2010/main" xmlns="" val="3707488356"/>
               </p:ext>
             </p:extLst>
           </p:nvPr>
@@ -28542,44 +28466,9 @@
         </p:xfrm>
         <a:graphic>
           <a:graphicData uri="http://schemas.openxmlformats.org/presentationml/2006/ole">
-            <mc:AlternateContent xmlns:mc="http://schemas.openxmlformats.org/markup-compatibility/2006">
-              <mc:Choice xmlns:v="urn:schemas-microsoft-com:vml" Requires="v">
-                <p:oleObj spid="_x0000_s16399" name="Visio" r:id="rId3" imgW="4853940" imgH="3682289" progId="Visio.Drawing.11">
-                  <p:embed/>
-                </p:oleObj>
-              </mc:Choice>
-              <mc:Fallback>
-                <p:oleObj name="Visio" r:id="rId3" imgW="4853940" imgH="3682289" progId="Visio.Drawing.11">
-                  <p:embed/>
-                  <p:pic>
-                    <p:nvPicPr>
-                      <p:cNvPr id="0" name=""/>
-                      <p:cNvPicPr>
-                        <a:picLocks noChangeAspect="1" noChangeArrowheads="1"/>
-                      </p:cNvPicPr>
-                      <p:nvPr/>
-                    </p:nvPicPr>
-                    <p:blipFill>
-                      <a:blip r:embed="rId4"/>
-                      <a:srcRect/>
-                      <a:stretch>
-                        <a:fillRect/>
-                      </a:stretch>
-                    </p:blipFill>
-                    <p:spPr bwMode="auto">
-                      <a:xfrm>
-                        <a:off x="1780363" y="1667435"/>
-                        <a:ext cx="5534837" cy="4199965"/>
-                      </a:xfrm>
-                      <a:prstGeom prst="rect">
-                        <a:avLst/>
-                      </a:prstGeom>
-                      <a:noFill/>
-                    </p:spPr>
-                  </p:pic>
-                </p:oleObj>
-              </mc:Fallback>
-            </mc:AlternateContent>
+            <p:oleObj spid="_x0000_s16400" name="Visio" r:id="rId3" imgW="4853940" imgH="3682289" progId="">
+              <p:embed/>
+            </p:oleObj>
           </a:graphicData>
         </a:graphic>
       </p:graphicFrame>
@@ -28677,7 +28566,7 @@
     </p:spTree>
     <p:extLst>
       <p:ext uri="{BB962C8B-B14F-4D97-AF65-F5344CB8AC3E}">
-        <p14:creationId xmlns:p14="http://schemas.microsoft.com/office/powerpoint/2010/main" val="2491279332"/>
+        <p14:creationId xmlns:p14="http://schemas.microsoft.com/office/powerpoint/2010/main" xmlns="" val="2491279332"/>
       </p:ext>
     </p:extLst>
   </p:cSld>
@@ -28900,14 +28789,14 @@
           <a:effectLst/>
           <a:extLst>
             <a:ext uri="{909E8E84-426E-40DD-AFC4-6F175D3DCCD1}">
-              <a14:hiddenFill xmlns:a14="http://schemas.microsoft.com/office/drawing/2010/main">
+              <a14:hiddenFill xmlns:a14="http://schemas.microsoft.com/office/drawing/2010/main" xmlns="">
                 <a:solidFill>
                   <a:schemeClr val="accent1"/>
                 </a:solidFill>
               </a14:hiddenFill>
             </a:ext>
             <a:ext uri="{91240B29-F687-4F45-9708-019B960494DF}">
-              <a14:hiddenLine xmlns:a14="http://schemas.microsoft.com/office/drawing/2010/main" w="9525">
+              <a14:hiddenLine xmlns:a14="http://schemas.microsoft.com/office/drawing/2010/main" xmlns="" w="9525">
                 <a:solidFill>
                   <a:schemeClr val="tx1"/>
                 </a:solidFill>
@@ -28917,7 +28806,7 @@
               </a14:hiddenLine>
             </a:ext>
             <a:ext uri="{AF507438-7753-43E0-B8FC-AC1667EBCBE1}">
-              <a14:hiddenEffects xmlns:a14="http://schemas.microsoft.com/office/drawing/2010/main">
+              <a14:hiddenEffects xmlns:a14="http://schemas.microsoft.com/office/drawing/2010/main" xmlns="">
                 <a:effectLst>
                   <a:outerShdw dist="35921" dir="2700000" algn="ctr" rotWithShape="0">
                     <a:schemeClr val="bg2"/>
@@ -29874,7 +29763,7 @@
     </p:spTree>
     <p:extLst>
       <p:ext uri="{BB962C8B-B14F-4D97-AF65-F5344CB8AC3E}">
-        <p14:creationId xmlns:p14="http://schemas.microsoft.com/office/powerpoint/2010/main" val="3444047699"/>
+        <p14:creationId xmlns:p14="http://schemas.microsoft.com/office/powerpoint/2010/main" xmlns="" val="3444047699"/>
       </p:ext>
     </p:extLst>
   </p:cSld>
@@ -30558,14 +30447,14 @@
           <a:effectLst/>
           <a:extLst>
             <a:ext uri="{909E8E84-426E-40DD-AFC4-6F175D3DCCD1}">
-              <a14:hiddenFill xmlns:a14="http://schemas.microsoft.com/office/drawing/2010/main">
+              <a14:hiddenFill xmlns:a14="http://schemas.microsoft.com/office/drawing/2010/main" xmlns="">
                 <a:solidFill>
                   <a:schemeClr val="accent1"/>
                 </a:solidFill>
               </a14:hiddenFill>
             </a:ext>
             <a:ext uri="{91240B29-F687-4F45-9708-019B960494DF}">
-              <a14:hiddenLine xmlns:a14="http://schemas.microsoft.com/office/drawing/2010/main" w="9525">
+              <a14:hiddenLine xmlns:a14="http://schemas.microsoft.com/office/drawing/2010/main" xmlns="" w="9525">
                 <a:solidFill>
                   <a:schemeClr val="tx1"/>
                 </a:solidFill>
@@ -30575,7 +30464,7 @@
               </a14:hiddenLine>
             </a:ext>
             <a:ext uri="{AF507438-7753-43E0-B8FC-AC1667EBCBE1}">
-              <a14:hiddenEffects xmlns:a14="http://schemas.microsoft.com/office/drawing/2010/main">
+              <a14:hiddenEffects xmlns:a14="http://schemas.microsoft.com/office/drawing/2010/main" xmlns="">
                 <a:effectLst>
                   <a:outerShdw dist="35921" dir="2700000" algn="ctr" rotWithShape="0">
                     <a:schemeClr val="bg2"/>
@@ -31353,67 +31242,53 @@
           <a:p>
             <a:pPr eaLnBrk="0" hangingPunct="0"/>
             <a:r>
-              <a:rPr lang="en-US" sz="3200" b="1" dirty="0" err="1">
+              <a:rPr lang="en-US" sz="3200" b="1" dirty="0" err="1" smtClean="0">
                 <a:latin typeface="Arial" pitchFamily="34" charset="0"/>
                 <a:cs typeface="Arial" pitchFamily="34" charset="0"/>
               </a:rPr>
-              <a:t>Vấn</a:t>
-            </a:r>
-            <a:r>
-              <a:rPr lang="en-US" sz="3200" b="1" dirty="0">
+              <a:t>Kiến</a:t>
+            </a:r>
+            <a:r>
+              <a:rPr lang="en-US" sz="3200" b="1" dirty="0" smtClean="0">
                 <a:latin typeface="Arial" pitchFamily="34" charset="0"/>
                 <a:cs typeface="Arial" pitchFamily="34" charset="0"/>
               </a:rPr>
               <a:t> </a:t>
             </a:r>
             <a:r>
-              <a:rPr lang="en-US" sz="3200" b="1" dirty="0" err="1">
+              <a:rPr lang="en-US" sz="3200" b="1" dirty="0" err="1" smtClean="0">
                 <a:latin typeface="Arial" pitchFamily="34" charset="0"/>
                 <a:cs typeface="Arial" pitchFamily="34" charset="0"/>
               </a:rPr>
-              <a:t>đề</a:t>
-            </a:r>
-            <a:r>
-              <a:rPr lang="en-US" sz="3200" b="1" dirty="0">
+              <a:t>trúc</a:t>
+            </a:r>
+            <a:r>
+              <a:rPr lang="en-US" sz="3200" b="1" dirty="0" smtClean="0">
                 <a:latin typeface="Arial" pitchFamily="34" charset="0"/>
                 <a:cs typeface="Arial" pitchFamily="34" charset="0"/>
               </a:rPr>
               <a:t> </a:t>
             </a:r>
             <a:r>
-              <a:rPr lang="en-US" sz="3200" b="1" dirty="0" err="1">
+              <a:rPr lang="en-US" sz="3200" b="1" dirty="0" err="1" smtClean="0">
                 <a:latin typeface="Arial" pitchFamily="34" charset="0"/>
                 <a:cs typeface="Arial" pitchFamily="34" charset="0"/>
               </a:rPr>
-              <a:t>và</a:t>
-            </a:r>
-            <a:r>
-              <a:rPr lang="en-US" sz="3200" b="1" dirty="0">
+              <a:t>hệ</a:t>
+            </a:r>
+            <a:r>
+              <a:rPr lang="en-US" sz="3200" b="1" dirty="0" smtClean="0">
                 <a:latin typeface="Arial" pitchFamily="34" charset="0"/>
                 <a:cs typeface="Arial" pitchFamily="34" charset="0"/>
               </a:rPr>
               <a:t> </a:t>
             </a:r>
             <a:r>
-              <a:rPr lang="en-US" sz="3200" b="1" dirty="0" err="1">
+              <a:rPr lang="en-US" sz="3200" b="1" dirty="0" err="1" smtClean="0">
                 <a:latin typeface="Arial" pitchFamily="34" charset="0"/>
                 <a:cs typeface="Arial" pitchFamily="34" charset="0"/>
               </a:rPr>
-              <a:t>giải</a:t>
-            </a:r>
-            <a:r>
-              <a:rPr lang="en-US" sz="3200" b="1" dirty="0">
-                <a:latin typeface="Arial" pitchFamily="34" charset="0"/>
-                <a:cs typeface="Arial" pitchFamily="34" charset="0"/>
-              </a:rPr>
-              <a:t> </a:t>
-            </a:r>
-            <a:r>
-              <a:rPr lang="en-US" sz="3200" b="1" dirty="0" err="1">
-                <a:latin typeface="Arial" pitchFamily="34" charset="0"/>
-                <a:cs typeface="Arial" pitchFamily="34" charset="0"/>
-              </a:rPr>
-              <a:t>pháp</a:t>
+              <a:t>thống</a:t>
             </a:r>
             <a:endParaRPr lang="en-US" sz="3200" b="1" dirty="0">
               <a:latin typeface="Arial" pitchFamily="34" charset="0"/>
@@ -33028,7 +32903,7 @@
     </p:spTree>
     <p:extLst>
       <p:ext uri="{BB962C8B-B14F-4D97-AF65-F5344CB8AC3E}">
-        <p14:creationId xmlns:p14="http://schemas.microsoft.com/office/powerpoint/2010/main" val="1686610981"/>
+        <p14:creationId xmlns:p14="http://schemas.microsoft.com/office/powerpoint/2010/main" xmlns="" val="1686610981"/>
       </p:ext>
     </p:extLst>
   </p:cSld>
@@ -33545,7 +33420,7 @@
           </a:ln>
           <a:extLst>
             <a:ext uri="{53640926-AAD7-44D8-BBD7-CCE9431645EC}">
-              <a14:shadowObscured xmlns:a14="http://schemas.microsoft.com/office/drawing/2010/main"/>
+              <a14:shadowObscured xmlns:a14="http://schemas.microsoft.com/office/drawing/2010/main" xmlns=""/>
             </a:ext>
           </a:extLst>
         </p:spPr>
@@ -33644,7 +33519,7 @@
     </p:spTree>
     <p:extLst>
       <p:ext uri="{BB962C8B-B14F-4D97-AF65-F5344CB8AC3E}">
-        <p14:creationId xmlns:p14="http://schemas.microsoft.com/office/powerpoint/2010/main" val="2323223277"/>
+        <p14:creationId xmlns:p14="http://schemas.microsoft.com/office/powerpoint/2010/main" xmlns="" val="2323223277"/>
       </p:ext>
     </p:extLst>
   </p:cSld>
@@ -33853,7 +33728,7 @@
           <p:nvPr>
             <p:extLst>
               <p:ext uri="{D42A27DB-BD31-4B8C-83A1-F6EECF244321}">
-                <p14:modId xmlns:p14="http://schemas.microsoft.com/office/powerpoint/2010/main" val="1467419331"/>
+                <p14:modId xmlns:p14="http://schemas.microsoft.com/office/powerpoint/2010/main" xmlns="" val="1467419331"/>
               </p:ext>
             </p:extLst>
           </p:nvPr>
@@ -34794,7 +34669,7 @@
     </p:spTree>
     <p:extLst>
       <p:ext uri="{BB962C8B-B14F-4D97-AF65-F5344CB8AC3E}">
-        <p14:creationId xmlns:p14="http://schemas.microsoft.com/office/powerpoint/2010/main" val="633114824"/>
+        <p14:creationId xmlns:p14="http://schemas.microsoft.com/office/powerpoint/2010/main" xmlns="" val="633114824"/>
       </p:ext>
     </p:extLst>
   </p:cSld>
@@ -35398,6 +35273,1432 @@
             <p:ph type="title"/>
           </p:nvPr>
         </p:nvSpPr>
+        <p:spPr/>
+        <p:txBody>
+          <a:bodyPr/>
+          <a:lstStyle/>
+          <a:p>
+            <a:r>
+              <a:rPr lang="en-US" smtClean="0">
+                <a:latin typeface="Arial" pitchFamily="34" charset="0"/>
+                <a:cs typeface="Arial" pitchFamily="34" charset="0"/>
+              </a:rPr>
+              <a:t>PC Application	</a:t>
+            </a:r>
+            <a:endParaRPr lang="en-US"/>
+          </a:p>
+        </p:txBody>
+      </p:sp>
+      <p:sp>
+        <p:nvSpPr>
+          <p:cNvPr id="3" name="Content Placeholder 2"/>
+          <p:cNvSpPr>
+            <a:spLocks noGrp="1"/>
+          </p:cNvSpPr>
+          <p:nvPr>
+            <p:ph idx="1"/>
+          </p:nvPr>
+        </p:nvSpPr>
+        <p:spPr/>
+        <p:txBody>
+          <a:bodyPr/>
+          <a:lstStyle/>
+          <a:p>
+            <a:r>
+              <a:rPr lang="en-US" dirty="0" err="1" smtClean="0">
+                <a:latin typeface="Arial" pitchFamily="34" charset="0"/>
+                <a:cs typeface="Arial" pitchFamily="34" charset="0"/>
+              </a:rPr>
+              <a:t>Nhiệm</a:t>
+            </a:r>
+            <a:r>
+              <a:rPr lang="en-US" dirty="0" smtClean="0">
+                <a:latin typeface="Arial" pitchFamily="34" charset="0"/>
+                <a:cs typeface="Arial" pitchFamily="34" charset="0"/>
+              </a:rPr>
+              <a:t> </a:t>
+            </a:r>
+            <a:r>
+              <a:rPr lang="en-US" dirty="0" err="1" smtClean="0">
+                <a:latin typeface="Arial" pitchFamily="34" charset="0"/>
+                <a:cs typeface="Arial" pitchFamily="34" charset="0"/>
+              </a:rPr>
+              <a:t>vụ</a:t>
+            </a:r>
+            <a:r>
+              <a:rPr lang="en-US" dirty="0" smtClean="0">
+                <a:latin typeface="Arial" pitchFamily="34" charset="0"/>
+                <a:cs typeface="Arial" pitchFamily="34" charset="0"/>
+              </a:rPr>
+              <a:t>:</a:t>
+            </a:r>
+          </a:p>
+          <a:p>
+            <a:pPr lvl="1"/>
+            <a:r>
+              <a:rPr lang="en-US" dirty="0" err="1" smtClean="0">
+                <a:latin typeface="Arial" pitchFamily="34" charset="0"/>
+                <a:cs typeface="Arial" pitchFamily="34" charset="0"/>
+              </a:rPr>
+              <a:t>Giao</a:t>
+            </a:r>
+            <a:r>
+              <a:rPr lang="en-US" dirty="0" smtClean="0">
+                <a:latin typeface="Arial" pitchFamily="34" charset="0"/>
+                <a:cs typeface="Arial" pitchFamily="34" charset="0"/>
+              </a:rPr>
+              <a:t> </a:t>
+            </a:r>
+            <a:r>
+              <a:rPr lang="en-US" dirty="0" err="1" smtClean="0">
+                <a:latin typeface="Arial" pitchFamily="34" charset="0"/>
+                <a:cs typeface="Arial" pitchFamily="34" charset="0"/>
+              </a:rPr>
+              <a:t>tiếp</a:t>
+            </a:r>
+            <a:r>
+              <a:rPr lang="en-US" dirty="0" smtClean="0">
+                <a:latin typeface="Arial" pitchFamily="34" charset="0"/>
+                <a:cs typeface="Arial" pitchFamily="34" charset="0"/>
+              </a:rPr>
+              <a:t> </a:t>
+            </a:r>
+            <a:r>
+              <a:rPr lang="en-US" dirty="0" err="1" smtClean="0">
+                <a:latin typeface="Arial" pitchFamily="34" charset="0"/>
+                <a:cs typeface="Arial" pitchFamily="34" charset="0"/>
+              </a:rPr>
+              <a:t>với</a:t>
+            </a:r>
+            <a:r>
+              <a:rPr lang="en-US" dirty="0" smtClean="0">
+                <a:latin typeface="Arial" pitchFamily="34" charset="0"/>
+                <a:cs typeface="Arial" pitchFamily="34" charset="0"/>
+              </a:rPr>
+              <a:t> cashier, </a:t>
+            </a:r>
+            <a:r>
+              <a:rPr lang="en-US" dirty="0" err="1" smtClean="0">
+                <a:latin typeface="Arial" pitchFamily="34" charset="0"/>
+                <a:cs typeface="Arial" pitchFamily="34" charset="0"/>
+              </a:rPr>
+              <a:t>nhận</a:t>
+            </a:r>
+            <a:r>
+              <a:rPr lang="en-US" dirty="0" smtClean="0">
+                <a:latin typeface="Arial" pitchFamily="34" charset="0"/>
+                <a:cs typeface="Arial" pitchFamily="34" charset="0"/>
+              </a:rPr>
+              <a:t> </a:t>
+            </a:r>
+            <a:r>
+              <a:rPr lang="en-US" dirty="0" err="1" smtClean="0">
+                <a:latin typeface="Arial" pitchFamily="34" charset="0"/>
+                <a:cs typeface="Arial" pitchFamily="34" charset="0"/>
+              </a:rPr>
+              <a:t>và</a:t>
+            </a:r>
+            <a:r>
+              <a:rPr lang="en-US" dirty="0" smtClean="0">
+                <a:latin typeface="Arial" pitchFamily="34" charset="0"/>
+                <a:cs typeface="Arial" pitchFamily="34" charset="0"/>
+              </a:rPr>
+              <a:t> </a:t>
+            </a:r>
+            <a:r>
+              <a:rPr lang="en-US" dirty="0" err="1" smtClean="0">
+                <a:latin typeface="Arial" pitchFamily="34" charset="0"/>
+                <a:cs typeface="Arial" pitchFamily="34" charset="0"/>
+              </a:rPr>
+              <a:t>gửi</a:t>
+            </a:r>
+            <a:r>
+              <a:rPr lang="en-US" dirty="0" smtClean="0">
+                <a:latin typeface="Arial" pitchFamily="34" charset="0"/>
+                <a:cs typeface="Arial" pitchFamily="34" charset="0"/>
+              </a:rPr>
+              <a:t> </a:t>
+            </a:r>
+            <a:r>
+              <a:rPr lang="en-US" dirty="0" err="1" smtClean="0">
+                <a:latin typeface="Arial" pitchFamily="34" charset="0"/>
+                <a:cs typeface="Arial" pitchFamily="34" charset="0"/>
+              </a:rPr>
+              <a:t>dữ</a:t>
+            </a:r>
+            <a:r>
+              <a:rPr lang="en-US" dirty="0" smtClean="0">
+                <a:latin typeface="Arial" pitchFamily="34" charset="0"/>
+                <a:cs typeface="Arial" pitchFamily="34" charset="0"/>
+              </a:rPr>
+              <a:t> </a:t>
+            </a:r>
+            <a:r>
+              <a:rPr lang="en-US" dirty="0" err="1" smtClean="0">
+                <a:latin typeface="Arial" pitchFamily="34" charset="0"/>
+                <a:cs typeface="Arial" pitchFamily="34" charset="0"/>
+              </a:rPr>
+              <a:t>liệu</a:t>
+            </a:r>
+            <a:r>
+              <a:rPr lang="en-US" dirty="0" smtClean="0">
+                <a:latin typeface="Arial" pitchFamily="34" charset="0"/>
+                <a:cs typeface="Arial" pitchFamily="34" charset="0"/>
+              </a:rPr>
+              <a:t>. </a:t>
+            </a:r>
+          </a:p>
+          <a:p>
+            <a:pPr lvl="1"/>
+            <a:r>
+              <a:rPr lang="en-US" dirty="0" err="1" smtClean="0">
+                <a:latin typeface="Arial" pitchFamily="34" charset="0"/>
+                <a:cs typeface="Arial" pitchFamily="34" charset="0"/>
+              </a:rPr>
+              <a:t>Giả</a:t>
+            </a:r>
+            <a:r>
+              <a:rPr lang="en-US" dirty="0" smtClean="0">
+                <a:latin typeface="Arial" pitchFamily="34" charset="0"/>
+                <a:cs typeface="Arial" pitchFamily="34" charset="0"/>
+              </a:rPr>
+              <a:t> </a:t>
+            </a:r>
+            <a:r>
+              <a:rPr lang="en-US" dirty="0" err="1" smtClean="0">
+                <a:latin typeface="Arial" pitchFamily="34" charset="0"/>
+                <a:cs typeface="Arial" pitchFamily="34" charset="0"/>
+              </a:rPr>
+              <a:t>lập</a:t>
+            </a:r>
+            <a:r>
+              <a:rPr lang="en-US" dirty="0" smtClean="0">
+                <a:latin typeface="Arial" pitchFamily="34" charset="0"/>
+                <a:cs typeface="Arial" pitchFamily="34" charset="0"/>
+              </a:rPr>
+              <a:t> </a:t>
+            </a:r>
+            <a:r>
+              <a:rPr lang="en-US" dirty="0" err="1" smtClean="0">
+                <a:latin typeface="Arial" pitchFamily="34" charset="0"/>
+                <a:cs typeface="Arial" pitchFamily="34" charset="0"/>
+              </a:rPr>
+              <a:t>một</a:t>
+            </a:r>
+            <a:r>
+              <a:rPr lang="en-US" dirty="0" smtClean="0">
+                <a:latin typeface="Arial" pitchFamily="34" charset="0"/>
+                <a:cs typeface="Arial" pitchFamily="34" charset="0"/>
+              </a:rPr>
+              <a:t> </a:t>
+            </a:r>
+            <a:r>
+              <a:rPr lang="en-US" dirty="0" err="1" smtClean="0">
+                <a:latin typeface="Arial" pitchFamily="34" charset="0"/>
+                <a:cs typeface="Arial" pitchFamily="34" charset="0"/>
+              </a:rPr>
+              <a:t>chương</a:t>
+            </a:r>
+            <a:r>
+              <a:rPr lang="en-US" dirty="0" smtClean="0">
+                <a:latin typeface="Arial" pitchFamily="34" charset="0"/>
+                <a:cs typeface="Arial" pitchFamily="34" charset="0"/>
+              </a:rPr>
+              <a:t> </a:t>
+            </a:r>
+            <a:r>
+              <a:rPr lang="en-US" dirty="0" err="1" smtClean="0">
+                <a:latin typeface="Arial" pitchFamily="34" charset="0"/>
+                <a:cs typeface="Arial" pitchFamily="34" charset="0"/>
+              </a:rPr>
+              <a:t>trình</a:t>
+            </a:r>
+            <a:r>
+              <a:rPr lang="en-US" dirty="0" smtClean="0">
+                <a:latin typeface="Arial" pitchFamily="34" charset="0"/>
+                <a:cs typeface="Arial" pitchFamily="34" charset="0"/>
+              </a:rPr>
+              <a:t> </a:t>
+            </a:r>
+            <a:r>
+              <a:rPr lang="en-US" dirty="0" err="1" smtClean="0">
+                <a:latin typeface="Arial" pitchFamily="34" charset="0"/>
+                <a:cs typeface="Arial" pitchFamily="34" charset="0"/>
+              </a:rPr>
+              <a:t>tính</a:t>
+            </a:r>
+            <a:r>
+              <a:rPr lang="en-US" dirty="0" smtClean="0">
+                <a:latin typeface="Arial" pitchFamily="34" charset="0"/>
+                <a:cs typeface="Arial" pitchFamily="34" charset="0"/>
+              </a:rPr>
+              <a:t> </a:t>
+            </a:r>
+            <a:r>
+              <a:rPr lang="en-US" dirty="0" err="1" smtClean="0">
+                <a:latin typeface="Arial" pitchFamily="34" charset="0"/>
+                <a:cs typeface="Arial" pitchFamily="34" charset="0"/>
+              </a:rPr>
+              <a:t>tiền</a:t>
+            </a:r>
+            <a:r>
+              <a:rPr lang="en-US" dirty="0" smtClean="0">
+                <a:latin typeface="Arial" pitchFamily="34" charset="0"/>
+                <a:cs typeface="Arial" pitchFamily="34" charset="0"/>
+              </a:rPr>
+              <a:t> </a:t>
+            </a:r>
+            <a:r>
+              <a:rPr lang="en-US" dirty="0" err="1" smtClean="0">
+                <a:latin typeface="Arial" pitchFamily="34" charset="0"/>
+                <a:cs typeface="Arial" pitchFamily="34" charset="0"/>
+              </a:rPr>
+              <a:t>trong</a:t>
+            </a:r>
+            <a:r>
+              <a:rPr lang="en-US" dirty="0" smtClean="0">
+                <a:latin typeface="Arial" pitchFamily="34" charset="0"/>
+                <a:cs typeface="Arial" pitchFamily="34" charset="0"/>
+              </a:rPr>
+              <a:t> </a:t>
+            </a:r>
+            <a:r>
+              <a:rPr lang="en-US" dirty="0" err="1" smtClean="0">
+                <a:latin typeface="Arial" pitchFamily="34" charset="0"/>
+                <a:cs typeface="Arial" pitchFamily="34" charset="0"/>
+              </a:rPr>
+              <a:t>siêu</a:t>
+            </a:r>
+            <a:r>
+              <a:rPr lang="en-US" dirty="0" smtClean="0">
+                <a:latin typeface="Arial" pitchFamily="34" charset="0"/>
+                <a:cs typeface="Arial" pitchFamily="34" charset="0"/>
+              </a:rPr>
+              <a:t> </a:t>
+            </a:r>
+            <a:r>
+              <a:rPr lang="en-US" dirty="0" err="1" smtClean="0">
+                <a:latin typeface="Arial" pitchFamily="34" charset="0"/>
+                <a:cs typeface="Arial" pitchFamily="34" charset="0"/>
+              </a:rPr>
+              <a:t>thị</a:t>
+            </a:r>
+            <a:r>
+              <a:rPr lang="en-US" dirty="0" smtClean="0">
+                <a:latin typeface="Arial" pitchFamily="34" charset="0"/>
+                <a:cs typeface="Arial" pitchFamily="34" charset="0"/>
+              </a:rPr>
+              <a:t>.</a:t>
+            </a:r>
+          </a:p>
+          <a:p>
+            <a:pPr lvl="1"/>
+            <a:endParaRPr lang="en-US" dirty="0">
+              <a:latin typeface="Arial" pitchFamily="34" charset="0"/>
+              <a:cs typeface="Arial" pitchFamily="34" charset="0"/>
+            </a:endParaRPr>
+          </a:p>
+        </p:txBody>
+      </p:sp>
+      <p:sp>
+        <p:nvSpPr>
+          <p:cNvPr id="4" name="Slide Number Placeholder 3"/>
+          <p:cNvSpPr>
+            <a:spLocks noGrp="1"/>
+          </p:cNvSpPr>
+          <p:nvPr>
+            <p:ph type="sldNum" sz="quarter" idx="12"/>
+          </p:nvPr>
+        </p:nvSpPr>
+        <p:spPr/>
+        <p:txBody>
+          <a:bodyPr/>
+          <a:lstStyle/>
+          <a:p>
+            <a:fld id="{FCA6704C-922F-43F6-B663-EB871AB35571}" type="slidenum">
+              <a:rPr lang="en-US" smtClean="0"/>
+              <a:pPr/>
+              <a:t>22</a:t>
+            </a:fld>
+            <a:endParaRPr lang="en-US"/>
+          </a:p>
+        </p:txBody>
+      </p:sp>
+    </p:spTree>
+  </p:cSld>
+  <p:clrMapOvr>
+    <a:masterClrMapping/>
+  </p:clrMapOvr>
+</p:sld>
+</file>
+
+<file path=ppt/slides/slide23.xml><?xml version="1.0" encoding="utf-8"?>
+<p:sld xmlns:a="http://schemas.openxmlformats.org/drawingml/2006/main" xmlns:r="http://schemas.openxmlformats.org/officeDocument/2006/relationships" xmlns:p="http://schemas.openxmlformats.org/presentationml/2006/main">
+  <p:cSld>
+    <p:spTree>
+      <p:nvGrpSpPr>
+        <p:cNvPr id="1" name=""/>
+        <p:cNvGrpSpPr/>
+        <p:nvPr/>
+      </p:nvGrpSpPr>
+      <p:grpSpPr>
+        <a:xfrm>
+          <a:off x="0" y="0"/>
+          <a:ext cx="0" cy="0"/>
+          <a:chOff x="0" y="0"/>
+          <a:chExt cx="0" cy="0"/>
+        </a:xfrm>
+      </p:grpSpPr>
+      <p:sp>
+        <p:nvSpPr>
+          <p:cNvPr id="2" name="Title 1"/>
+          <p:cNvSpPr>
+            <a:spLocks noGrp="1"/>
+          </p:cNvSpPr>
+          <p:nvPr>
+            <p:ph type="title"/>
+          </p:nvPr>
+        </p:nvSpPr>
+        <p:spPr/>
+        <p:txBody>
+          <a:bodyPr/>
+          <a:lstStyle/>
+          <a:p>
+            <a:endParaRPr lang="en-US"/>
+          </a:p>
+        </p:txBody>
+      </p:sp>
+      <p:sp>
+        <p:nvSpPr>
+          <p:cNvPr id="3" name="Content Placeholder 2"/>
+          <p:cNvSpPr>
+            <a:spLocks noGrp="1"/>
+          </p:cNvSpPr>
+          <p:nvPr>
+            <p:ph idx="1"/>
+          </p:nvPr>
+        </p:nvSpPr>
+        <p:spPr/>
+        <p:txBody>
+          <a:bodyPr/>
+          <a:lstStyle/>
+          <a:p>
+            <a:endParaRPr lang="en-US"/>
+          </a:p>
+        </p:txBody>
+      </p:sp>
+      <p:sp>
+        <p:nvSpPr>
+          <p:cNvPr id="4" name="Slide Number Placeholder 3"/>
+          <p:cNvSpPr>
+            <a:spLocks noGrp="1"/>
+          </p:cNvSpPr>
+          <p:nvPr>
+            <p:ph type="sldNum" sz="quarter" idx="12"/>
+          </p:nvPr>
+        </p:nvSpPr>
+        <p:spPr/>
+        <p:txBody>
+          <a:bodyPr/>
+          <a:lstStyle/>
+          <a:p>
+            <a:fld id="{FCA6704C-922F-43F6-B663-EB871AB35571}" type="slidenum">
+              <a:rPr lang="en-US" smtClean="0"/>
+              <a:pPr/>
+              <a:t>23</a:t>
+            </a:fld>
+            <a:endParaRPr lang="en-US"/>
+          </a:p>
+        </p:txBody>
+      </p:sp>
+    </p:spTree>
+  </p:cSld>
+  <p:clrMapOvr>
+    <a:masterClrMapping/>
+  </p:clrMapOvr>
+</p:sld>
+</file>
+
+<file path=ppt/slides/slide24.xml><?xml version="1.0" encoding="utf-8"?>
+<p:sld xmlns:a="http://schemas.openxmlformats.org/drawingml/2006/main" xmlns:r="http://schemas.openxmlformats.org/officeDocument/2006/relationships" xmlns:p="http://schemas.openxmlformats.org/presentationml/2006/main">
+  <p:cSld>
+    <p:spTree>
+      <p:nvGrpSpPr>
+        <p:cNvPr id="1" name=""/>
+        <p:cNvGrpSpPr/>
+        <p:nvPr/>
+      </p:nvGrpSpPr>
+      <p:grpSpPr>
+        <a:xfrm>
+          <a:off x="0" y="0"/>
+          <a:ext cx="0" cy="0"/>
+          <a:chOff x="0" y="0"/>
+          <a:chExt cx="0" cy="0"/>
+        </a:xfrm>
+      </p:grpSpPr>
+      <p:sp>
+        <p:nvSpPr>
+          <p:cNvPr id="2" name="Title 1"/>
+          <p:cNvSpPr>
+            <a:spLocks noGrp="1"/>
+          </p:cNvSpPr>
+          <p:nvPr>
+            <p:ph type="title"/>
+          </p:nvPr>
+        </p:nvSpPr>
+        <p:spPr/>
+        <p:txBody>
+          <a:bodyPr/>
+          <a:lstStyle/>
+          <a:p>
+            <a:r>
+              <a:rPr lang="en-US" sz="4000" dirty="0" smtClean="0">
+                <a:latin typeface="Arial" pitchFamily="34" charset="0"/>
+                <a:cs typeface="Arial" pitchFamily="34" charset="0"/>
+              </a:rPr>
+              <a:t>PC Application	</a:t>
+            </a:r>
+            <a:endParaRPr lang="en-US" sz="4000" dirty="0">
+              <a:latin typeface="Arial" pitchFamily="34" charset="0"/>
+              <a:cs typeface="Arial" pitchFamily="34" charset="0"/>
+            </a:endParaRPr>
+          </a:p>
+        </p:txBody>
+      </p:sp>
+      <p:sp>
+        <p:nvSpPr>
+          <p:cNvPr id="3" name="Content Placeholder 2"/>
+          <p:cNvSpPr>
+            <a:spLocks noGrp="1"/>
+          </p:cNvSpPr>
+          <p:nvPr>
+            <p:ph idx="1"/>
+          </p:nvPr>
+        </p:nvSpPr>
+        <p:spPr/>
+        <p:txBody>
+          <a:bodyPr/>
+          <a:lstStyle/>
+          <a:p>
+            <a:r>
+              <a:rPr lang="en-US" dirty="0" err="1" smtClean="0">
+                <a:latin typeface="Arial" pitchFamily="34" charset="0"/>
+                <a:cs typeface="Arial" pitchFamily="34" charset="0"/>
+              </a:rPr>
+              <a:t>Nhiệm</a:t>
+            </a:r>
+            <a:r>
+              <a:rPr lang="en-US" dirty="0" smtClean="0">
+                <a:latin typeface="Arial" pitchFamily="34" charset="0"/>
+                <a:cs typeface="Arial" pitchFamily="34" charset="0"/>
+              </a:rPr>
+              <a:t> </a:t>
+            </a:r>
+            <a:r>
+              <a:rPr lang="en-US" dirty="0" err="1" smtClean="0">
+                <a:latin typeface="Arial" pitchFamily="34" charset="0"/>
+                <a:cs typeface="Arial" pitchFamily="34" charset="0"/>
+              </a:rPr>
+              <a:t>vụ</a:t>
+            </a:r>
+            <a:r>
+              <a:rPr lang="en-US" dirty="0" smtClean="0">
+                <a:latin typeface="Arial" pitchFamily="34" charset="0"/>
+                <a:cs typeface="Arial" pitchFamily="34" charset="0"/>
+              </a:rPr>
+              <a:t>:</a:t>
+            </a:r>
+          </a:p>
+          <a:p>
+            <a:pPr lvl="1"/>
+            <a:r>
+              <a:rPr lang="en-US" dirty="0" err="1" smtClean="0">
+                <a:latin typeface="Arial" pitchFamily="34" charset="0"/>
+                <a:cs typeface="Arial" pitchFamily="34" charset="0"/>
+              </a:rPr>
+              <a:t>Giao</a:t>
+            </a:r>
+            <a:r>
+              <a:rPr lang="en-US" dirty="0" smtClean="0">
+                <a:latin typeface="Arial" pitchFamily="34" charset="0"/>
+                <a:cs typeface="Arial" pitchFamily="34" charset="0"/>
+              </a:rPr>
+              <a:t> </a:t>
+            </a:r>
+            <a:r>
+              <a:rPr lang="en-US" dirty="0" err="1" smtClean="0">
+                <a:latin typeface="Arial" pitchFamily="34" charset="0"/>
+                <a:cs typeface="Arial" pitchFamily="34" charset="0"/>
+              </a:rPr>
+              <a:t>tiếp</a:t>
+            </a:r>
+            <a:r>
+              <a:rPr lang="en-US" dirty="0" smtClean="0">
+                <a:latin typeface="Arial" pitchFamily="34" charset="0"/>
+                <a:cs typeface="Arial" pitchFamily="34" charset="0"/>
+              </a:rPr>
+              <a:t> </a:t>
+            </a:r>
+            <a:r>
+              <a:rPr lang="en-US" dirty="0" err="1" smtClean="0">
+                <a:latin typeface="Arial" pitchFamily="34" charset="0"/>
+                <a:cs typeface="Arial" pitchFamily="34" charset="0"/>
+              </a:rPr>
+              <a:t>với</a:t>
+            </a:r>
+            <a:r>
+              <a:rPr lang="en-US" dirty="0" smtClean="0">
+                <a:latin typeface="Arial" pitchFamily="34" charset="0"/>
+                <a:cs typeface="Arial" pitchFamily="34" charset="0"/>
+              </a:rPr>
+              <a:t> cashier, </a:t>
+            </a:r>
+            <a:r>
+              <a:rPr lang="en-US" dirty="0" err="1" smtClean="0">
+                <a:latin typeface="Arial" pitchFamily="34" charset="0"/>
+                <a:cs typeface="Arial" pitchFamily="34" charset="0"/>
+              </a:rPr>
+              <a:t>nhận</a:t>
+            </a:r>
+            <a:r>
+              <a:rPr lang="en-US" dirty="0" smtClean="0">
+                <a:latin typeface="Arial" pitchFamily="34" charset="0"/>
+                <a:cs typeface="Arial" pitchFamily="34" charset="0"/>
+              </a:rPr>
+              <a:t> </a:t>
+            </a:r>
+            <a:r>
+              <a:rPr lang="en-US" dirty="0" err="1" smtClean="0">
+                <a:latin typeface="Arial" pitchFamily="34" charset="0"/>
+                <a:cs typeface="Arial" pitchFamily="34" charset="0"/>
+              </a:rPr>
+              <a:t>và</a:t>
+            </a:r>
+            <a:r>
+              <a:rPr lang="en-US" dirty="0" smtClean="0">
+                <a:latin typeface="Arial" pitchFamily="34" charset="0"/>
+                <a:cs typeface="Arial" pitchFamily="34" charset="0"/>
+              </a:rPr>
+              <a:t> </a:t>
+            </a:r>
+            <a:r>
+              <a:rPr lang="en-US" dirty="0" err="1" smtClean="0">
+                <a:latin typeface="Arial" pitchFamily="34" charset="0"/>
+                <a:cs typeface="Arial" pitchFamily="34" charset="0"/>
+              </a:rPr>
+              <a:t>gửi</a:t>
+            </a:r>
+            <a:r>
+              <a:rPr lang="en-US" dirty="0" smtClean="0">
+                <a:latin typeface="Arial" pitchFamily="34" charset="0"/>
+                <a:cs typeface="Arial" pitchFamily="34" charset="0"/>
+              </a:rPr>
+              <a:t> </a:t>
+            </a:r>
+            <a:r>
+              <a:rPr lang="en-US" dirty="0" err="1" smtClean="0">
+                <a:latin typeface="Arial" pitchFamily="34" charset="0"/>
+                <a:cs typeface="Arial" pitchFamily="34" charset="0"/>
+              </a:rPr>
+              <a:t>dữ</a:t>
+            </a:r>
+            <a:r>
+              <a:rPr lang="en-US" dirty="0" smtClean="0">
+                <a:latin typeface="Arial" pitchFamily="34" charset="0"/>
+                <a:cs typeface="Arial" pitchFamily="34" charset="0"/>
+              </a:rPr>
+              <a:t> </a:t>
+            </a:r>
+            <a:r>
+              <a:rPr lang="en-US" dirty="0" err="1" smtClean="0">
+                <a:latin typeface="Arial" pitchFamily="34" charset="0"/>
+                <a:cs typeface="Arial" pitchFamily="34" charset="0"/>
+              </a:rPr>
+              <a:t>liệu</a:t>
+            </a:r>
+            <a:r>
+              <a:rPr lang="en-US" dirty="0" smtClean="0">
+                <a:latin typeface="Arial" pitchFamily="34" charset="0"/>
+                <a:cs typeface="Arial" pitchFamily="34" charset="0"/>
+              </a:rPr>
+              <a:t>. </a:t>
+            </a:r>
+          </a:p>
+          <a:p>
+            <a:pPr lvl="1"/>
+            <a:r>
+              <a:rPr lang="en-US" dirty="0" err="1" smtClean="0">
+                <a:latin typeface="Arial" pitchFamily="34" charset="0"/>
+                <a:cs typeface="Arial" pitchFamily="34" charset="0"/>
+              </a:rPr>
+              <a:t>Giả</a:t>
+            </a:r>
+            <a:r>
+              <a:rPr lang="en-US" dirty="0" smtClean="0">
+                <a:latin typeface="Arial" pitchFamily="34" charset="0"/>
+                <a:cs typeface="Arial" pitchFamily="34" charset="0"/>
+              </a:rPr>
+              <a:t> </a:t>
+            </a:r>
+            <a:r>
+              <a:rPr lang="en-US" dirty="0" err="1" smtClean="0">
+                <a:latin typeface="Arial" pitchFamily="34" charset="0"/>
+                <a:cs typeface="Arial" pitchFamily="34" charset="0"/>
+              </a:rPr>
+              <a:t>lập</a:t>
+            </a:r>
+            <a:r>
+              <a:rPr lang="en-US" dirty="0" smtClean="0">
+                <a:latin typeface="Arial" pitchFamily="34" charset="0"/>
+                <a:cs typeface="Arial" pitchFamily="34" charset="0"/>
+              </a:rPr>
+              <a:t> </a:t>
+            </a:r>
+            <a:r>
+              <a:rPr lang="en-US" dirty="0" err="1" smtClean="0">
+                <a:latin typeface="Arial" pitchFamily="34" charset="0"/>
+                <a:cs typeface="Arial" pitchFamily="34" charset="0"/>
+              </a:rPr>
+              <a:t>một</a:t>
+            </a:r>
+            <a:r>
+              <a:rPr lang="en-US" dirty="0" smtClean="0">
+                <a:latin typeface="Arial" pitchFamily="34" charset="0"/>
+                <a:cs typeface="Arial" pitchFamily="34" charset="0"/>
+              </a:rPr>
+              <a:t> </a:t>
+            </a:r>
+            <a:r>
+              <a:rPr lang="en-US" dirty="0" err="1" smtClean="0">
+                <a:latin typeface="Arial" pitchFamily="34" charset="0"/>
+                <a:cs typeface="Arial" pitchFamily="34" charset="0"/>
+              </a:rPr>
+              <a:t>chương</a:t>
+            </a:r>
+            <a:r>
+              <a:rPr lang="en-US" dirty="0" smtClean="0">
+                <a:latin typeface="Arial" pitchFamily="34" charset="0"/>
+                <a:cs typeface="Arial" pitchFamily="34" charset="0"/>
+              </a:rPr>
+              <a:t> </a:t>
+            </a:r>
+            <a:r>
+              <a:rPr lang="en-US" dirty="0" err="1" smtClean="0">
+                <a:latin typeface="Arial" pitchFamily="34" charset="0"/>
+                <a:cs typeface="Arial" pitchFamily="34" charset="0"/>
+              </a:rPr>
+              <a:t>trình</a:t>
+            </a:r>
+            <a:r>
+              <a:rPr lang="en-US" dirty="0" smtClean="0">
+                <a:latin typeface="Arial" pitchFamily="34" charset="0"/>
+                <a:cs typeface="Arial" pitchFamily="34" charset="0"/>
+              </a:rPr>
+              <a:t> </a:t>
+            </a:r>
+            <a:r>
+              <a:rPr lang="en-US" dirty="0" err="1" smtClean="0">
+                <a:latin typeface="Arial" pitchFamily="34" charset="0"/>
+                <a:cs typeface="Arial" pitchFamily="34" charset="0"/>
+              </a:rPr>
+              <a:t>tính</a:t>
+            </a:r>
+            <a:r>
+              <a:rPr lang="en-US" dirty="0" smtClean="0">
+                <a:latin typeface="Arial" pitchFamily="34" charset="0"/>
+                <a:cs typeface="Arial" pitchFamily="34" charset="0"/>
+              </a:rPr>
+              <a:t> </a:t>
+            </a:r>
+            <a:r>
+              <a:rPr lang="en-US" dirty="0" err="1" smtClean="0">
+                <a:latin typeface="Arial" pitchFamily="34" charset="0"/>
+                <a:cs typeface="Arial" pitchFamily="34" charset="0"/>
+              </a:rPr>
+              <a:t>tiền</a:t>
+            </a:r>
+            <a:r>
+              <a:rPr lang="en-US" dirty="0" smtClean="0">
+                <a:latin typeface="Arial" pitchFamily="34" charset="0"/>
+                <a:cs typeface="Arial" pitchFamily="34" charset="0"/>
+              </a:rPr>
+              <a:t> </a:t>
+            </a:r>
+            <a:r>
+              <a:rPr lang="en-US" dirty="0" err="1" smtClean="0">
+                <a:latin typeface="Arial" pitchFamily="34" charset="0"/>
+                <a:cs typeface="Arial" pitchFamily="34" charset="0"/>
+              </a:rPr>
+              <a:t>trong</a:t>
+            </a:r>
+            <a:r>
+              <a:rPr lang="en-US" dirty="0" smtClean="0">
+                <a:latin typeface="Arial" pitchFamily="34" charset="0"/>
+                <a:cs typeface="Arial" pitchFamily="34" charset="0"/>
+              </a:rPr>
+              <a:t> </a:t>
+            </a:r>
+            <a:r>
+              <a:rPr lang="en-US" dirty="0" err="1" smtClean="0">
+                <a:latin typeface="Arial" pitchFamily="34" charset="0"/>
+                <a:cs typeface="Arial" pitchFamily="34" charset="0"/>
+              </a:rPr>
+              <a:t>siêu</a:t>
+            </a:r>
+            <a:r>
+              <a:rPr lang="en-US" dirty="0" smtClean="0">
+                <a:latin typeface="Arial" pitchFamily="34" charset="0"/>
+                <a:cs typeface="Arial" pitchFamily="34" charset="0"/>
+              </a:rPr>
+              <a:t> </a:t>
+            </a:r>
+            <a:r>
+              <a:rPr lang="en-US" dirty="0" err="1" smtClean="0">
+                <a:latin typeface="Arial" pitchFamily="34" charset="0"/>
+                <a:cs typeface="Arial" pitchFamily="34" charset="0"/>
+              </a:rPr>
+              <a:t>thị</a:t>
+            </a:r>
+            <a:r>
+              <a:rPr lang="en-US" dirty="0" smtClean="0">
+                <a:latin typeface="Arial" pitchFamily="34" charset="0"/>
+                <a:cs typeface="Arial" pitchFamily="34" charset="0"/>
+              </a:rPr>
+              <a:t>.</a:t>
+            </a:r>
+          </a:p>
+          <a:p>
+            <a:pPr lvl="1"/>
+            <a:endParaRPr lang="en-US" dirty="0">
+              <a:latin typeface="Arial" pitchFamily="34" charset="0"/>
+              <a:cs typeface="Arial" pitchFamily="34" charset="0"/>
+            </a:endParaRPr>
+          </a:p>
+        </p:txBody>
+      </p:sp>
+    </p:spTree>
+  </p:cSld>
+  <p:clrMapOvr>
+    <a:masterClrMapping/>
+  </p:clrMapOvr>
+  <p:timing>
+    <p:tnLst>
+      <p:par>
+        <p:cTn id="1" dur="indefinite" restart="never" nodeType="tmRoot">
+          <p:childTnLst>
+            <p:seq concurrent="1" nextAc="seek">
+              <p:cTn id="2" dur="indefinite" nodeType="mainSeq">
+                <p:childTnLst>
+                  <p:par>
+                    <p:cTn id="3" fill="hold">
+                      <p:stCondLst>
+                        <p:cond delay="indefinite"/>
+                      </p:stCondLst>
+                      <p:childTnLst>
+                        <p:par>
+                          <p:cTn id="4" fill="hold">
+                            <p:stCondLst>
+                              <p:cond delay="0"/>
+                            </p:stCondLst>
+                            <p:childTnLst>
+                              <p:par>
+                                <p:cTn id="5" presetID="3" presetClass="entr" presetSubtype="10" fill="hold" nodeType="clickEffect">
+                                  <p:stCondLst>
+                                    <p:cond delay="0"/>
+                                  </p:stCondLst>
+                                  <p:childTnLst>
+                                    <p:set>
+                                      <p:cBhvr>
+                                        <p:cTn id="6" dur="1" fill="hold">
+                                          <p:stCondLst>
+                                            <p:cond delay="0"/>
+                                          </p:stCondLst>
+                                        </p:cTn>
+                                        <p:tgtEl>
+                                          <p:spTgt spid="3">
+                                            <p:txEl>
+                                              <p:pRg st="1" end="1"/>
+                                            </p:txEl>
+                                          </p:spTgt>
+                                        </p:tgtEl>
+                                        <p:attrNameLst>
+                                          <p:attrName>style.visibility</p:attrName>
+                                        </p:attrNameLst>
+                                      </p:cBhvr>
+                                      <p:to>
+                                        <p:strVal val="visible"/>
+                                      </p:to>
+                                    </p:set>
+                                    <p:animEffect transition="in" filter="blinds(horizontal)">
+                                      <p:cBhvr>
+                                        <p:cTn id="7" dur="500"/>
+                                        <p:tgtEl>
+                                          <p:spTgt spid="3">
+                                            <p:txEl>
+                                              <p:pRg st="1" end="1"/>
+                                            </p:txEl>
+                                          </p:spTgt>
+                                        </p:tgtEl>
+                                      </p:cBhvr>
+                                    </p:animEffect>
+                                  </p:childTnLst>
+                                </p:cTn>
+                              </p:par>
+                            </p:childTnLst>
+                          </p:cTn>
+                        </p:par>
+                      </p:childTnLst>
+                    </p:cTn>
+                  </p:par>
+                  <p:par>
+                    <p:cTn id="8" fill="hold">
+                      <p:stCondLst>
+                        <p:cond delay="indefinite"/>
+                      </p:stCondLst>
+                      <p:childTnLst>
+                        <p:par>
+                          <p:cTn id="9" fill="hold">
+                            <p:stCondLst>
+                              <p:cond delay="0"/>
+                            </p:stCondLst>
+                            <p:childTnLst>
+                              <p:par>
+                                <p:cTn id="10" presetID="3" presetClass="entr" presetSubtype="10" fill="hold" nodeType="clickEffect">
+                                  <p:stCondLst>
+                                    <p:cond delay="0"/>
+                                  </p:stCondLst>
+                                  <p:childTnLst>
+                                    <p:set>
+                                      <p:cBhvr>
+                                        <p:cTn id="11" dur="1" fill="hold">
+                                          <p:stCondLst>
+                                            <p:cond delay="0"/>
+                                          </p:stCondLst>
+                                        </p:cTn>
+                                        <p:tgtEl>
+                                          <p:spTgt spid="3">
+                                            <p:txEl>
+                                              <p:pRg st="2" end="2"/>
+                                            </p:txEl>
+                                          </p:spTgt>
+                                        </p:tgtEl>
+                                        <p:attrNameLst>
+                                          <p:attrName>style.visibility</p:attrName>
+                                        </p:attrNameLst>
+                                      </p:cBhvr>
+                                      <p:to>
+                                        <p:strVal val="visible"/>
+                                      </p:to>
+                                    </p:set>
+                                    <p:animEffect transition="in" filter="blinds(horizontal)">
+                                      <p:cBhvr>
+                                        <p:cTn id="12" dur="500"/>
+                                        <p:tgtEl>
+                                          <p:spTgt spid="3">
+                                            <p:txEl>
+                                              <p:pRg st="2" end="2"/>
+                                            </p:txEl>
+                                          </p:spTgt>
+                                        </p:tgtEl>
+                                      </p:cBhvr>
+                                    </p:animEffect>
+                                  </p:childTnLst>
+                                </p:cTn>
+                              </p:par>
+                            </p:childTnLst>
+                          </p:cTn>
+                        </p:par>
+                      </p:childTnLst>
+                    </p:cTn>
+                  </p:par>
+                </p:childTnLst>
+              </p:cTn>
+              <p:prevCondLst>
+                <p:cond evt="onPrev" delay="0">
+                  <p:tgtEl>
+                    <p:sldTgt/>
+                  </p:tgtEl>
+                </p:cond>
+              </p:prevCondLst>
+              <p:nextCondLst>
+                <p:cond evt="onNext" delay="0">
+                  <p:tgtEl>
+                    <p:sldTgt/>
+                  </p:tgtEl>
+                </p:cond>
+              </p:nextCondLst>
+            </p:seq>
+          </p:childTnLst>
+        </p:cTn>
+      </p:par>
+    </p:tnLst>
+  </p:timing>
+</p:sld>
+</file>
+
+<file path=ppt/slides/slide25.xml><?xml version="1.0" encoding="utf-8"?>
+<p:sld xmlns:a="http://schemas.openxmlformats.org/drawingml/2006/main" xmlns:r="http://schemas.openxmlformats.org/officeDocument/2006/relationships" xmlns:p="http://schemas.openxmlformats.org/presentationml/2006/main">
+  <p:cSld>
+    <p:spTree>
+      <p:nvGrpSpPr>
+        <p:cNvPr id="1" name=""/>
+        <p:cNvGrpSpPr/>
+        <p:nvPr/>
+      </p:nvGrpSpPr>
+      <p:grpSpPr>
+        <a:xfrm>
+          <a:off x="0" y="0"/>
+          <a:ext cx="0" cy="0"/>
+          <a:chOff x="0" y="0"/>
+          <a:chExt cx="0" cy="0"/>
+        </a:xfrm>
+      </p:grpSpPr>
+      <p:sp>
+        <p:nvSpPr>
+          <p:cNvPr id="2" name="Title 1"/>
+          <p:cNvSpPr>
+            <a:spLocks noGrp="1"/>
+          </p:cNvSpPr>
+          <p:nvPr>
+            <p:ph type="title"/>
+          </p:nvPr>
+        </p:nvSpPr>
+        <p:spPr/>
+        <p:txBody>
+          <a:bodyPr/>
+          <a:lstStyle/>
+          <a:p>
+            <a:r>
+              <a:rPr lang="en-US" sz="4000" dirty="0" smtClean="0">
+                <a:latin typeface="Arial" pitchFamily="34" charset="0"/>
+                <a:cs typeface="Arial" pitchFamily="34" charset="0"/>
+              </a:rPr>
+              <a:t>PC </a:t>
+            </a:r>
+            <a:r>
+              <a:rPr lang="en-US" sz="4000" dirty="0" smtClean="0">
+                <a:latin typeface="Arial" pitchFamily="34" charset="0"/>
+                <a:cs typeface="Arial" pitchFamily="34" charset="0"/>
+              </a:rPr>
+              <a:t>Application</a:t>
+            </a:r>
+            <a:endParaRPr lang="en-US" sz="4000" dirty="0">
+              <a:latin typeface="Arial" pitchFamily="34" charset="0"/>
+              <a:cs typeface="Arial" pitchFamily="34" charset="0"/>
+            </a:endParaRPr>
+          </a:p>
+        </p:txBody>
+      </p:sp>
+      <p:sp>
+        <p:nvSpPr>
+          <p:cNvPr id="3" name="Content Placeholder 2"/>
+          <p:cNvSpPr>
+            <a:spLocks noGrp="1"/>
+          </p:cNvSpPr>
+          <p:nvPr>
+            <p:ph idx="1"/>
+          </p:nvPr>
+        </p:nvSpPr>
+        <p:spPr/>
+        <p:txBody>
+          <a:bodyPr/>
+          <a:lstStyle/>
+          <a:p>
+            <a:r>
+              <a:rPr lang="en-US" dirty="0" err="1" smtClean="0">
+                <a:latin typeface="Arial" pitchFamily="34" charset="0"/>
+                <a:cs typeface="Arial" pitchFamily="34" charset="0"/>
+              </a:rPr>
+              <a:t>Ngôn</a:t>
+            </a:r>
+            <a:r>
+              <a:rPr lang="en-US" dirty="0" smtClean="0">
+                <a:latin typeface="Arial" pitchFamily="34" charset="0"/>
+                <a:cs typeface="Arial" pitchFamily="34" charset="0"/>
+              </a:rPr>
+              <a:t> </a:t>
+            </a:r>
+            <a:r>
+              <a:rPr lang="en-US" dirty="0" err="1" smtClean="0">
+                <a:latin typeface="Arial" pitchFamily="34" charset="0"/>
+                <a:cs typeface="Arial" pitchFamily="34" charset="0"/>
+              </a:rPr>
+              <a:t>ngữ</a:t>
+            </a:r>
+            <a:r>
+              <a:rPr lang="en-US" dirty="0" smtClean="0">
+                <a:latin typeface="Arial" pitchFamily="34" charset="0"/>
+                <a:cs typeface="Arial" pitchFamily="34" charset="0"/>
+              </a:rPr>
+              <a:t> </a:t>
+            </a:r>
+            <a:r>
+              <a:rPr lang="en-US" dirty="0" err="1" smtClean="0">
+                <a:latin typeface="Arial" pitchFamily="34" charset="0"/>
+                <a:cs typeface="Arial" pitchFamily="34" charset="0"/>
+              </a:rPr>
+              <a:t>lập</a:t>
+            </a:r>
+            <a:r>
+              <a:rPr lang="en-US" dirty="0" smtClean="0">
+                <a:latin typeface="Arial" pitchFamily="34" charset="0"/>
+                <a:cs typeface="Arial" pitchFamily="34" charset="0"/>
+              </a:rPr>
+              <a:t> </a:t>
+            </a:r>
+            <a:r>
+              <a:rPr lang="en-US" dirty="0" err="1" smtClean="0">
+                <a:latin typeface="Arial" pitchFamily="34" charset="0"/>
+                <a:cs typeface="Arial" pitchFamily="34" charset="0"/>
+              </a:rPr>
+              <a:t>trình</a:t>
+            </a:r>
+            <a:r>
+              <a:rPr lang="en-US" dirty="0" smtClean="0">
+                <a:latin typeface="Arial" pitchFamily="34" charset="0"/>
+                <a:cs typeface="Arial" pitchFamily="34" charset="0"/>
+              </a:rPr>
+              <a:t>: JAVA (tool Eclipse).</a:t>
+            </a:r>
+          </a:p>
+          <a:p>
+            <a:r>
+              <a:rPr lang="en-US" dirty="0" err="1" smtClean="0">
+                <a:latin typeface="Arial" pitchFamily="34" charset="0"/>
+                <a:cs typeface="Arial" pitchFamily="34" charset="0"/>
+              </a:rPr>
+              <a:t>Giao</a:t>
+            </a:r>
+            <a:r>
+              <a:rPr lang="en-US" dirty="0" smtClean="0">
+                <a:latin typeface="Arial" pitchFamily="34" charset="0"/>
+                <a:cs typeface="Arial" pitchFamily="34" charset="0"/>
+              </a:rPr>
+              <a:t> </a:t>
+            </a:r>
+            <a:r>
+              <a:rPr lang="en-US" dirty="0" err="1" smtClean="0">
+                <a:latin typeface="Arial" pitchFamily="34" charset="0"/>
+                <a:cs typeface="Arial" pitchFamily="34" charset="0"/>
+              </a:rPr>
+              <a:t>tiếp</a:t>
+            </a:r>
+            <a:r>
+              <a:rPr lang="en-US" dirty="0" smtClean="0">
+                <a:latin typeface="Arial" pitchFamily="34" charset="0"/>
+                <a:cs typeface="Arial" pitchFamily="34" charset="0"/>
+              </a:rPr>
+              <a:t> </a:t>
+            </a:r>
+            <a:r>
+              <a:rPr lang="en-US" dirty="0" err="1" smtClean="0">
+                <a:latin typeface="Arial" pitchFamily="34" charset="0"/>
+                <a:cs typeface="Arial" pitchFamily="34" charset="0"/>
+              </a:rPr>
+              <a:t>với</a:t>
+            </a:r>
+            <a:r>
+              <a:rPr lang="en-US" dirty="0" smtClean="0">
+                <a:latin typeface="Arial" pitchFamily="34" charset="0"/>
+                <a:cs typeface="Arial" pitchFamily="34" charset="0"/>
+              </a:rPr>
+              <a:t> Cashier: </a:t>
+            </a:r>
+            <a:r>
+              <a:rPr lang="en-US" dirty="0" smtClean="0"/>
+              <a:t>UART</a:t>
+            </a:r>
+            <a:endParaRPr lang="en-US" dirty="0" smtClean="0">
+              <a:latin typeface="Arial" pitchFamily="34" charset="0"/>
+              <a:cs typeface="Arial" pitchFamily="34" charset="0"/>
+            </a:endParaRPr>
+          </a:p>
+          <a:p>
+            <a:r>
+              <a:rPr lang="en-US" dirty="0" err="1" smtClean="0">
+                <a:latin typeface="Arial" pitchFamily="34" charset="0"/>
+                <a:cs typeface="Arial" pitchFamily="34" charset="0"/>
+              </a:rPr>
+              <a:t>Giả</a:t>
+            </a:r>
+            <a:r>
+              <a:rPr lang="en-US" dirty="0" smtClean="0">
+                <a:latin typeface="Arial" pitchFamily="34" charset="0"/>
+                <a:cs typeface="Arial" pitchFamily="34" charset="0"/>
+              </a:rPr>
+              <a:t> </a:t>
+            </a:r>
+            <a:r>
+              <a:rPr lang="en-US" dirty="0" err="1" smtClean="0">
+                <a:latin typeface="Arial" pitchFamily="34" charset="0"/>
+                <a:cs typeface="Arial" pitchFamily="34" charset="0"/>
+              </a:rPr>
+              <a:t>lập</a:t>
+            </a:r>
+            <a:r>
+              <a:rPr lang="en-US" dirty="0" smtClean="0">
+                <a:latin typeface="Arial" pitchFamily="34" charset="0"/>
+                <a:cs typeface="Arial" pitchFamily="34" charset="0"/>
+              </a:rPr>
+              <a:t> CSDL: Excel</a:t>
+            </a:r>
+          </a:p>
+          <a:p>
+            <a:endParaRPr lang="en-US" dirty="0" smtClean="0"/>
+          </a:p>
+          <a:p>
+            <a:endParaRPr lang="en-US" dirty="0"/>
+          </a:p>
+        </p:txBody>
+      </p:sp>
+    </p:spTree>
+  </p:cSld>
+  <p:clrMapOvr>
+    <a:masterClrMapping/>
+  </p:clrMapOvr>
+  <p:timing>
+    <p:tnLst>
+      <p:par>
+        <p:cTn id="1" dur="indefinite" restart="never" nodeType="tmRoot">
+          <p:childTnLst>
+            <p:seq concurrent="1" nextAc="seek">
+              <p:cTn id="2" dur="indefinite" nodeType="mainSeq">
+                <p:childTnLst>
+                  <p:par>
+                    <p:cTn id="3" fill="hold">
+                      <p:stCondLst>
+                        <p:cond delay="indefinite"/>
+                      </p:stCondLst>
+                      <p:childTnLst>
+                        <p:par>
+                          <p:cTn id="4" fill="hold">
+                            <p:stCondLst>
+                              <p:cond delay="0"/>
+                            </p:stCondLst>
+                            <p:childTnLst>
+                              <p:par>
+                                <p:cTn id="5" presetID="3" presetClass="entr" presetSubtype="10" fill="hold" nodeType="clickEffect">
+                                  <p:stCondLst>
+                                    <p:cond delay="0"/>
+                                  </p:stCondLst>
+                                  <p:childTnLst>
+                                    <p:set>
+                                      <p:cBhvr>
+                                        <p:cTn id="6" dur="1" fill="hold">
+                                          <p:stCondLst>
+                                            <p:cond delay="0"/>
+                                          </p:stCondLst>
+                                        </p:cTn>
+                                        <p:tgtEl>
+                                          <p:spTgt spid="3">
+                                            <p:txEl>
+                                              <p:pRg st="0" end="0"/>
+                                            </p:txEl>
+                                          </p:spTgt>
+                                        </p:tgtEl>
+                                        <p:attrNameLst>
+                                          <p:attrName>style.visibility</p:attrName>
+                                        </p:attrNameLst>
+                                      </p:cBhvr>
+                                      <p:to>
+                                        <p:strVal val="visible"/>
+                                      </p:to>
+                                    </p:set>
+                                    <p:animEffect transition="in" filter="blinds(horizontal)">
+                                      <p:cBhvr>
+                                        <p:cTn id="7" dur="500"/>
+                                        <p:tgtEl>
+                                          <p:spTgt spid="3">
+                                            <p:txEl>
+                                              <p:pRg st="0" end="0"/>
+                                            </p:txEl>
+                                          </p:spTgt>
+                                        </p:tgtEl>
+                                      </p:cBhvr>
+                                    </p:animEffect>
+                                  </p:childTnLst>
+                                </p:cTn>
+                              </p:par>
+                            </p:childTnLst>
+                          </p:cTn>
+                        </p:par>
+                      </p:childTnLst>
+                    </p:cTn>
+                  </p:par>
+                  <p:par>
+                    <p:cTn id="8" fill="hold">
+                      <p:stCondLst>
+                        <p:cond delay="indefinite"/>
+                      </p:stCondLst>
+                      <p:childTnLst>
+                        <p:par>
+                          <p:cTn id="9" fill="hold">
+                            <p:stCondLst>
+                              <p:cond delay="0"/>
+                            </p:stCondLst>
+                            <p:childTnLst>
+                              <p:par>
+                                <p:cTn id="10" presetID="3" presetClass="entr" presetSubtype="10" fill="hold" nodeType="clickEffect">
+                                  <p:stCondLst>
+                                    <p:cond delay="0"/>
+                                  </p:stCondLst>
+                                  <p:childTnLst>
+                                    <p:set>
+                                      <p:cBhvr>
+                                        <p:cTn id="11" dur="1" fill="hold">
+                                          <p:stCondLst>
+                                            <p:cond delay="0"/>
+                                          </p:stCondLst>
+                                        </p:cTn>
+                                        <p:tgtEl>
+                                          <p:spTgt spid="3">
+                                            <p:txEl>
+                                              <p:pRg st="1" end="1"/>
+                                            </p:txEl>
+                                          </p:spTgt>
+                                        </p:tgtEl>
+                                        <p:attrNameLst>
+                                          <p:attrName>style.visibility</p:attrName>
+                                        </p:attrNameLst>
+                                      </p:cBhvr>
+                                      <p:to>
+                                        <p:strVal val="visible"/>
+                                      </p:to>
+                                    </p:set>
+                                    <p:animEffect transition="in" filter="blinds(horizontal)">
+                                      <p:cBhvr>
+                                        <p:cTn id="12" dur="500"/>
+                                        <p:tgtEl>
+                                          <p:spTgt spid="3">
+                                            <p:txEl>
+                                              <p:pRg st="1" end="1"/>
+                                            </p:txEl>
+                                          </p:spTgt>
+                                        </p:tgtEl>
+                                      </p:cBhvr>
+                                    </p:animEffect>
+                                  </p:childTnLst>
+                                </p:cTn>
+                              </p:par>
+                            </p:childTnLst>
+                          </p:cTn>
+                        </p:par>
+                      </p:childTnLst>
+                    </p:cTn>
+                  </p:par>
+                  <p:par>
+                    <p:cTn id="13" fill="hold">
+                      <p:stCondLst>
+                        <p:cond delay="indefinite"/>
+                      </p:stCondLst>
+                      <p:childTnLst>
+                        <p:par>
+                          <p:cTn id="14" fill="hold">
+                            <p:stCondLst>
+                              <p:cond delay="0"/>
+                            </p:stCondLst>
+                            <p:childTnLst>
+                              <p:par>
+                                <p:cTn id="15" presetID="3" presetClass="entr" presetSubtype="10" fill="hold" nodeType="clickEffect">
+                                  <p:stCondLst>
+                                    <p:cond delay="0"/>
+                                  </p:stCondLst>
+                                  <p:childTnLst>
+                                    <p:set>
+                                      <p:cBhvr>
+                                        <p:cTn id="16" dur="1" fill="hold">
+                                          <p:stCondLst>
+                                            <p:cond delay="0"/>
+                                          </p:stCondLst>
+                                        </p:cTn>
+                                        <p:tgtEl>
+                                          <p:spTgt spid="3">
+                                            <p:txEl>
+                                              <p:pRg st="2" end="2"/>
+                                            </p:txEl>
+                                          </p:spTgt>
+                                        </p:tgtEl>
+                                        <p:attrNameLst>
+                                          <p:attrName>style.visibility</p:attrName>
+                                        </p:attrNameLst>
+                                      </p:cBhvr>
+                                      <p:to>
+                                        <p:strVal val="visible"/>
+                                      </p:to>
+                                    </p:set>
+                                    <p:animEffect transition="in" filter="blinds(horizontal)">
+                                      <p:cBhvr>
+                                        <p:cTn id="17" dur="500"/>
+                                        <p:tgtEl>
+                                          <p:spTgt spid="3">
+                                            <p:txEl>
+                                              <p:pRg st="2" end="2"/>
+                                            </p:txEl>
+                                          </p:spTgt>
+                                        </p:tgtEl>
+                                      </p:cBhvr>
+                                    </p:animEffect>
+                                  </p:childTnLst>
+                                </p:cTn>
+                              </p:par>
+                            </p:childTnLst>
+                          </p:cTn>
+                        </p:par>
+                      </p:childTnLst>
+                    </p:cTn>
+                  </p:par>
+                </p:childTnLst>
+              </p:cTn>
+              <p:prevCondLst>
+                <p:cond evt="onPrev" delay="0">
+                  <p:tgtEl>
+                    <p:sldTgt/>
+                  </p:tgtEl>
+                </p:cond>
+              </p:prevCondLst>
+              <p:nextCondLst>
+                <p:cond evt="onNext" delay="0">
+                  <p:tgtEl>
+                    <p:sldTgt/>
+                  </p:tgtEl>
+                </p:cond>
+              </p:nextCondLst>
+            </p:seq>
+          </p:childTnLst>
+        </p:cTn>
+      </p:par>
+    </p:tnLst>
+  </p:timing>
+</p:sld>
+</file>
+
+<file path=ppt/slides/slide26.xml><?xml version="1.0" encoding="utf-8"?>
+<p:sld xmlns:a="http://schemas.openxmlformats.org/drawingml/2006/main" xmlns:r="http://schemas.openxmlformats.org/officeDocument/2006/relationships" xmlns:p="http://schemas.openxmlformats.org/presentationml/2006/main">
+  <p:cSld>
+    <p:spTree>
+      <p:nvGrpSpPr>
+        <p:cNvPr id="1" name=""/>
+        <p:cNvGrpSpPr/>
+        <p:nvPr/>
+      </p:nvGrpSpPr>
+      <p:grpSpPr>
+        <a:xfrm>
+          <a:off x="0" y="0"/>
+          <a:ext cx="0" cy="0"/>
+          <a:chOff x="0" y="0"/>
+          <a:chExt cx="0" cy="0"/>
+        </a:xfrm>
+      </p:grpSpPr>
+      <p:sp>
+        <p:nvSpPr>
+          <p:cNvPr id="2" name="Title 1"/>
+          <p:cNvSpPr>
+            <a:spLocks noGrp="1"/>
+          </p:cNvSpPr>
+          <p:nvPr>
+            <p:ph type="title"/>
+          </p:nvPr>
+        </p:nvSpPr>
         <p:spPr>
           <a:xfrm>
             <a:off x="609600" y="2971800"/>
@@ -35478,7 +36779,7 @@
                 <a:cs typeface="Arial" pitchFamily="34" charset="0"/>
               </a:rPr>
               <a:pPr/>
-              <a:t>22</a:t>
+              <a:t>26</a:t>
             </a:fld>
             <a:endParaRPr lang="en-US" sz="2800">
               <a:solidFill>
@@ -35495,7 +36796,7 @@
     </p:spTree>
     <p:extLst>
       <p:ext uri="{BB962C8B-B14F-4D97-AF65-F5344CB8AC3E}">
-        <p14:creationId xmlns:p14="http://schemas.microsoft.com/office/powerpoint/2010/main" val="3379113684"/>
+        <p14:creationId xmlns:p14="http://schemas.microsoft.com/office/powerpoint/2010/main" xmlns="" val="3379113684"/>
       </p:ext>
     </p:extLst>
   </p:cSld>
@@ -35512,7 +36813,7 @@
 </p:sld>
 </file>
 
-<file path=ppt/slides/slide23.xml><?xml version="1.0" encoding="utf-8"?>
+<file path=ppt/slides/slide27.xml><?xml version="1.0" encoding="utf-8"?>
 <p:sld xmlns:a="http://schemas.openxmlformats.org/drawingml/2006/main" xmlns:r="http://schemas.openxmlformats.org/officeDocument/2006/relationships" xmlns:p="http://schemas.openxmlformats.org/presentationml/2006/main">
   <p:cSld>
     <p:spTree>
@@ -35613,7 +36914,7 @@
           <a:effectLst/>
           <a:extLst>
             <a:ext uri="{91240B29-F687-4F45-9708-019B960494DF}">
-              <a14:hiddenLine xmlns:a14="http://schemas.microsoft.com/office/drawing/2010/main" w="9525" algn="ctr">
+              <a14:hiddenLine xmlns:a14="http://schemas.microsoft.com/office/drawing/2010/main" xmlns="" w="9525" algn="ctr">
                 <a:solidFill>
                   <a:schemeClr val="tx1"/>
                 </a:solidFill>
@@ -35623,7 +36924,7 @@
               </a14:hiddenLine>
             </a:ext>
             <a:ext uri="{AF507438-7753-43E0-B8FC-AC1667EBCBE1}">
-              <a14:hiddenEffects xmlns:a14="http://schemas.microsoft.com/office/drawing/2010/main">
+              <a14:hiddenEffects xmlns:a14="http://schemas.microsoft.com/office/drawing/2010/main" xmlns="">
                 <a:effectLst>
                   <a:outerShdw dist="76200" dir="10800000" kx="-3284103" algn="br" rotWithShape="0">
                     <a:schemeClr val="bg2">
@@ -35798,7 +37099,7 @@
             <a:effectLst/>
             <a:extLst>
               <a:ext uri="{91240B29-F687-4F45-9708-019B960494DF}">
-                <a14:hiddenLine xmlns:a14="http://schemas.microsoft.com/office/drawing/2010/main" w="9525">
+                <a14:hiddenLine xmlns:a14="http://schemas.microsoft.com/office/drawing/2010/main" xmlns="" w="9525">
                   <a:solidFill>
                     <a:schemeClr val="tx1"/>
                   </a:solidFill>
@@ -35808,7 +37109,7 @@
                 </a14:hiddenLine>
               </a:ext>
               <a:ext uri="{AF507438-7753-43E0-B8FC-AC1667EBCBE1}">
-                <a14:hiddenEffects xmlns:a14="http://schemas.microsoft.com/office/drawing/2010/main">
+                <a14:hiddenEffects xmlns:a14="http://schemas.microsoft.com/office/drawing/2010/main" xmlns="">
                   <a:effectLst>
                     <a:outerShdw dist="35921" dir="2700000" algn="ctr" rotWithShape="0">
                       <a:schemeClr val="bg2"/>
@@ -35872,7 +37173,7 @@
             <a:effectLst/>
             <a:extLst>
               <a:ext uri="{91240B29-F687-4F45-9708-019B960494DF}">
-                <a14:hiddenLine xmlns:a14="http://schemas.microsoft.com/office/drawing/2010/main" w="9525" algn="ctr">
+                <a14:hiddenLine xmlns:a14="http://schemas.microsoft.com/office/drawing/2010/main" xmlns="" w="9525" algn="ctr">
                   <a:solidFill>
                     <a:schemeClr val="tx1"/>
                   </a:solidFill>
@@ -35882,7 +37183,7 @@
                 </a14:hiddenLine>
               </a:ext>
               <a:ext uri="{AF507438-7753-43E0-B8FC-AC1667EBCBE1}">
-                <a14:hiddenEffects xmlns:a14="http://schemas.microsoft.com/office/drawing/2010/main">
+                <a14:hiddenEffects xmlns:a14="http://schemas.microsoft.com/office/drawing/2010/main" xmlns="">
                   <a:effectLst>
                     <a:outerShdw dist="152400" dir="16200000" sy="-100000" rotWithShape="0">
                       <a:schemeClr val="bg2">
@@ -35947,7 +37248,7 @@
             <a:effectLst/>
             <a:extLst>
               <a:ext uri="{91240B29-F687-4F45-9708-019B960494DF}">
-                <a14:hiddenLine xmlns:a14="http://schemas.microsoft.com/office/drawing/2010/main" w="9525" algn="ctr">
+                <a14:hiddenLine xmlns:a14="http://schemas.microsoft.com/office/drawing/2010/main" xmlns="" w="9525" algn="ctr">
                   <a:solidFill>
                     <a:schemeClr val="tx1"/>
                   </a:solidFill>
@@ -35957,7 +37258,7 @@
                 </a14:hiddenLine>
               </a:ext>
               <a:ext uri="{AF507438-7753-43E0-B8FC-AC1667EBCBE1}">
-                <a14:hiddenEffects xmlns:a14="http://schemas.microsoft.com/office/drawing/2010/main">
+                <a14:hiddenEffects xmlns:a14="http://schemas.microsoft.com/office/drawing/2010/main" xmlns="">
                   <a:effectLst>
                     <a:outerShdw dist="152400" dir="16200000" sy="-100000" rotWithShape="0">
                       <a:schemeClr val="bg2">
@@ -36020,7 +37321,7 @@
             <a:effectLst/>
             <a:extLst>
               <a:ext uri="{91240B29-F687-4F45-9708-019B960494DF}">
-                <a14:hiddenLine xmlns:a14="http://schemas.microsoft.com/office/drawing/2010/main" w="9525" algn="ctr">
+                <a14:hiddenLine xmlns:a14="http://schemas.microsoft.com/office/drawing/2010/main" xmlns="" w="9525" algn="ctr">
                   <a:solidFill>
                     <a:schemeClr val="tx1"/>
                   </a:solidFill>
@@ -36030,7 +37331,7 @@
                 </a14:hiddenLine>
               </a:ext>
               <a:ext uri="{AF507438-7753-43E0-B8FC-AC1667EBCBE1}">
-                <a14:hiddenEffects xmlns:a14="http://schemas.microsoft.com/office/drawing/2010/main">
+                <a14:hiddenEffects xmlns:a14="http://schemas.microsoft.com/office/drawing/2010/main" xmlns="">
                   <a:effectLst>
                     <a:outerShdw dist="152400" dir="16200000" sy="-100000" rotWithShape="0">
                       <a:schemeClr val="bg2">
@@ -36079,14 +37380,14 @@
             <a:effectLst/>
             <a:extLst>
               <a:ext uri="{909E8E84-426E-40DD-AFC4-6F175D3DCCD1}">
-                <a14:hiddenFill xmlns:a14="http://schemas.microsoft.com/office/drawing/2010/main">
+                <a14:hiddenFill xmlns:a14="http://schemas.microsoft.com/office/drawing/2010/main" xmlns="">
                   <a:solidFill>
                     <a:schemeClr val="accent1"/>
                   </a:solidFill>
                 </a14:hiddenFill>
               </a:ext>
               <a:ext uri="{91240B29-F687-4F45-9708-019B960494DF}">
-                <a14:hiddenLine xmlns:a14="http://schemas.microsoft.com/office/drawing/2010/main" w="9525" algn="ctr">
+                <a14:hiddenLine xmlns:a14="http://schemas.microsoft.com/office/drawing/2010/main" xmlns="" w="9525" algn="ctr">
                   <a:solidFill>
                     <a:schemeClr val="tx1"/>
                   </a:solidFill>
@@ -36096,7 +37397,7 @@
                 </a14:hiddenLine>
               </a:ext>
               <a:ext uri="{AF507438-7753-43E0-B8FC-AC1667EBCBE1}">
-                <a14:hiddenEffects xmlns:a14="http://schemas.microsoft.com/office/drawing/2010/main">
+                <a14:hiddenEffects xmlns:a14="http://schemas.microsoft.com/office/drawing/2010/main" xmlns="">
                   <a:effectLst>
                     <a:outerShdw dist="35921" dir="2700000" algn="ctr" rotWithShape="0">
                       <a:schemeClr val="bg2"/>
@@ -36233,7 +37534,7 @@
             <a:effectLst/>
             <a:extLst>
               <a:ext uri="{91240B29-F687-4F45-9708-019B960494DF}">
-                <a14:hiddenLine xmlns:a14="http://schemas.microsoft.com/office/drawing/2010/main" w="9525">
+                <a14:hiddenLine xmlns:a14="http://schemas.microsoft.com/office/drawing/2010/main" xmlns="" w="9525">
                   <a:solidFill>
                     <a:schemeClr val="tx1"/>
                   </a:solidFill>
@@ -36243,7 +37544,7 @@
                 </a14:hiddenLine>
               </a:ext>
               <a:ext uri="{AF507438-7753-43E0-B8FC-AC1667EBCBE1}">
-                <a14:hiddenEffects xmlns:a14="http://schemas.microsoft.com/office/drawing/2010/main">
+                <a14:hiddenEffects xmlns:a14="http://schemas.microsoft.com/office/drawing/2010/main" xmlns="">
                   <a:effectLst>
                     <a:outerShdw dist="35921" dir="2700000" algn="ctr" rotWithShape="0">
                       <a:schemeClr val="bg2"/>
@@ -36307,7 +37608,7 @@
             <a:effectLst/>
             <a:extLst>
               <a:ext uri="{91240B29-F687-4F45-9708-019B960494DF}">
-                <a14:hiddenLine xmlns:a14="http://schemas.microsoft.com/office/drawing/2010/main" w="9525" algn="ctr">
+                <a14:hiddenLine xmlns:a14="http://schemas.microsoft.com/office/drawing/2010/main" xmlns="" w="9525" algn="ctr">
                   <a:solidFill>
                     <a:schemeClr val="tx1"/>
                   </a:solidFill>
@@ -36317,7 +37618,7 @@
                 </a14:hiddenLine>
               </a:ext>
               <a:ext uri="{AF507438-7753-43E0-B8FC-AC1667EBCBE1}">
-                <a14:hiddenEffects xmlns:a14="http://schemas.microsoft.com/office/drawing/2010/main">
+                <a14:hiddenEffects xmlns:a14="http://schemas.microsoft.com/office/drawing/2010/main" xmlns="">
                   <a:effectLst>
                     <a:outerShdw dist="152400" dir="16200000" sy="-100000" rotWithShape="0">
                       <a:schemeClr val="bg2">
@@ -36382,7 +37683,7 @@
             <a:effectLst/>
             <a:extLst>
               <a:ext uri="{91240B29-F687-4F45-9708-019B960494DF}">
-                <a14:hiddenLine xmlns:a14="http://schemas.microsoft.com/office/drawing/2010/main" w="9525" algn="ctr">
+                <a14:hiddenLine xmlns:a14="http://schemas.microsoft.com/office/drawing/2010/main" xmlns="" w="9525" algn="ctr">
                   <a:solidFill>
                     <a:schemeClr val="tx1"/>
                   </a:solidFill>
@@ -36392,7 +37693,7 @@
                 </a14:hiddenLine>
               </a:ext>
               <a:ext uri="{AF507438-7753-43E0-B8FC-AC1667EBCBE1}">
-                <a14:hiddenEffects xmlns:a14="http://schemas.microsoft.com/office/drawing/2010/main">
+                <a14:hiddenEffects xmlns:a14="http://schemas.microsoft.com/office/drawing/2010/main" xmlns="">
                   <a:effectLst>
                     <a:outerShdw dist="152400" dir="16200000" sy="-100000" rotWithShape="0">
                       <a:schemeClr val="bg2">
@@ -36455,7 +37756,7 @@
             <a:effectLst/>
             <a:extLst>
               <a:ext uri="{91240B29-F687-4F45-9708-019B960494DF}">
-                <a14:hiddenLine xmlns:a14="http://schemas.microsoft.com/office/drawing/2010/main" w="9525" algn="ctr">
+                <a14:hiddenLine xmlns:a14="http://schemas.microsoft.com/office/drawing/2010/main" xmlns="" w="9525" algn="ctr">
                   <a:solidFill>
                     <a:schemeClr val="tx1"/>
                   </a:solidFill>
@@ -36465,7 +37766,7 @@
                 </a14:hiddenLine>
               </a:ext>
               <a:ext uri="{AF507438-7753-43E0-B8FC-AC1667EBCBE1}">
-                <a14:hiddenEffects xmlns:a14="http://schemas.microsoft.com/office/drawing/2010/main">
+                <a14:hiddenEffects xmlns:a14="http://schemas.microsoft.com/office/drawing/2010/main" xmlns="">
                   <a:effectLst>
                     <a:outerShdw dist="152400" dir="16200000" sy="-100000" rotWithShape="0">
                       <a:schemeClr val="bg2">
@@ -36514,14 +37815,14 @@
             <a:effectLst/>
             <a:extLst>
               <a:ext uri="{909E8E84-426E-40DD-AFC4-6F175D3DCCD1}">
-                <a14:hiddenFill xmlns:a14="http://schemas.microsoft.com/office/drawing/2010/main">
+                <a14:hiddenFill xmlns:a14="http://schemas.microsoft.com/office/drawing/2010/main" xmlns="">
                   <a:solidFill>
                     <a:schemeClr val="accent1"/>
                   </a:solidFill>
                 </a14:hiddenFill>
               </a:ext>
               <a:ext uri="{91240B29-F687-4F45-9708-019B960494DF}">
-                <a14:hiddenLine xmlns:a14="http://schemas.microsoft.com/office/drawing/2010/main" w="9525" algn="ctr">
+                <a14:hiddenLine xmlns:a14="http://schemas.microsoft.com/office/drawing/2010/main" xmlns="" w="9525" algn="ctr">
                   <a:solidFill>
                     <a:schemeClr val="tx1"/>
                   </a:solidFill>
@@ -36531,7 +37832,7 @@
                 </a14:hiddenLine>
               </a:ext>
               <a:ext uri="{AF507438-7753-43E0-B8FC-AC1667EBCBE1}">
-                <a14:hiddenEffects xmlns:a14="http://schemas.microsoft.com/office/drawing/2010/main">
+                <a14:hiddenEffects xmlns:a14="http://schemas.microsoft.com/office/drawing/2010/main" xmlns="">
                   <a:effectLst>
                     <a:outerShdw dist="35921" dir="2700000" algn="ctr" rotWithShape="0">
                       <a:schemeClr val="bg2"/>
@@ -36668,7 +37969,7 @@
             <a:effectLst/>
             <a:extLst>
               <a:ext uri="{91240B29-F687-4F45-9708-019B960494DF}">
-                <a14:hiddenLine xmlns:a14="http://schemas.microsoft.com/office/drawing/2010/main" w="9525">
+                <a14:hiddenLine xmlns:a14="http://schemas.microsoft.com/office/drawing/2010/main" xmlns="" w="9525">
                   <a:solidFill>
                     <a:schemeClr val="tx1"/>
                   </a:solidFill>
@@ -36678,7 +37979,7 @@
                 </a14:hiddenLine>
               </a:ext>
               <a:ext uri="{AF507438-7753-43E0-B8FC-AC1667EBCBE1}">
-                <a14:hiddenEffects xmlns:a14="http://schemas.microsoft.com/office/drawing/2010/main">
+                <a14:hiddenEffects xmlns:a14="http://schemas.microsoft.com/office/drawing/2010/main" xmlns="">
                   <a:effectLst>
                     <a:outerShdw dist="35921" dir="2700000" algn="ctr" rotWithShape="0">
                       <a:schemeClr val="bg2"/>
@@ -36742,7 +38043,7 @@
             <a:effectLst/>
             <a:extLst>
               <a:ext uri="{91240B29-F687-4F45-9708-019B960494DF}">
-                <a14:hiddenLine xmlns:a14="http://schemas.microsoft.com/office/drawing/2010/main" w="9525" algn="ctr">
+                <a14:hiddenLine xmlns:a14="http://schemas.microsoft.com/office/drawing/2010/main" xmlns="" w="9525" algn="ctr">
                   <a:solidFill>
                     <a:schemeClr val="tx1"/>
                   </a:solidFill>
@@ -36752,7 +38053,7 @@
                 </a14:hiddenLine>
               </a:ext>
               <a:ext uri="{AF507438-7753-43E0-B8FC-AC1667EBCBE1}">
-                <a14:hiddenEffects xmlns:a14="http://schemas.microsoft.com/office/drawing/2010/main">
+                <a14:hiddenEffects xmlns:a14="http://schemas.microsoft.com/office/drawing/2010/main" xmlns="">
                   <a:effectLst>
                     <a:outerShdw dist="152400" dir="16200000" sy="-100000" rotWithShape="0">
                       <a:schemeClr val="bg2">
@@ -36817,7 +38118,7 @@
             <a:effectLst/>
             <a:extLst>
               <a:ext uri="{91240B29-F687-4F45-9708-019B960494DF}">
-                <a14:hiddenLine xmlns:a14="http://schemas.microsoft.com/office/drawing/2010/main" w="9525" algn="ctr">
+                <a14:hiddenLine xmlns:a14="http://schemas.microsoft.com/office/drawing/2010/main" xmlns="" w="9525" algn="ctr">
                   <a:solidFill>
                     <a:schemeClr val="tx1"/>
                   </a:solidFill>
@@ -36827,7 +38128,7 @@
                 </a14:hiddenLine>
               </a:ext>
               <a:ext uri="{AF507438-7753-43E0-B8FC-AC1667EBCBE1}">
-                <a14:hiddenEffects xmlns:a14="http://schemas.microsoft.com/office/drawing/2010/main">
+                <a14:hiddenEffects xmlns:a14="http://schemas.microsoft.com/office/drawing/2010/main" xmlns="">
                   <a:effectLst>
                     <a:outerShdw dist="152400" dir="16200000" sy="-100000" rotWithShape="0">
                       <a:schemeClr val="bg2">
@@ -36890,7 +38191,7 @@
             <a:effectLst/>
             <a:extLst>
               <a:ext uri="{91240B29-F687-4F45-9708-019B960494DF}">
-                <a14:hiddenLine xmlns:a14="http://schemas.microsoft.com/office/drawing/2010/main" w="9525" algn="ctr">
+                <a14:hiddenLine xmlns:a14="http://schemas.microsoft.com/office/drawing/2010/main" xmlns="" w="9525" algn="ctr">
                   <a:solidFill>
                     <a:schemeClr val="tx1"/>
                   </a:solidFill>
@@ -36900,7 +38201,7 @@
                 </a14:hiddenLine>
               </a:ext>
               <a:ext uri="{AF507438-7753-43E0-B8FC-AC1667EBCBE1}">
-                <a14:hiddenEffects xmlns:a14="http://schemas.microsoft.com/office/drawing/2010/main">
+                <a14:hiddenEffects xmlns:a14="http://schemas.microsoft.com/office/drawing/2010/main" xmlns="">
                   <a:effectLst>
                     <a:outerShdw dist="152400" dir="16200000" sy="-100000" rotWithShape="0">
                       <a:schemeClr val="bg2">
@@ -36949,14 +38250,14 @@
             <a:effectLst/>
             <a:extLst>
               <a:ext uri="{909E8E84-426E-40DD-AFC4-6F175D3DCCD1}">
-                <a14:hiddenFill xmlns:a14="http://schemas.microsoft.com/office/drawing/2010/main">
+                <a14:hiddenFill xmlns:a14="http://schemas.microsoft.com/office/drawing/2010/main" xmlns="">
                   <a:solidFill>
                     <a:schemeClr val="accent1"/>
                   </a:solidFill>
                 </a14:hiddenFill>
               </a:ext>
               <a:ext uri="{91240B29-F687-4F45-9708-019B960494DF}">
-                <a14:hiddenLine xmlns:a14="http://schemas.microsoft.com/office/drawing/2010/main" w="9525" algn="ctr">
+                <a14:hiddenLine xmlns:a14="http://schemas.microsoft.com/office/drawing/2010/main" xmlns="" w="9525" algn="ctr">
                   <a:solidFill>
                     <a:schemeClr val="tx1"/>
                   </a:solidFill>
@@ -36966,7 +38267,7 @@
                 </a14:hiddenLine>
               </a:ext>
               <a:ext uri="{AF507438-7753-43E0-B8FC-AC1667EBCBE1}">
-                <a14:hiddenEffects xmlns:a14="http://schemas.microsoft.com/office/drawing/2010/main">
+                <a14:hiddenEffects xmlns:a14="http://schemas.microsoft.com/office/drawing/2010/main" xmlns="">
                   <a:effectLst>
                     <a:outerShdw dist="35921" dir="2700000" algn="ctr" rotWithShape="0">
                       <a:schemeClr val="bg2"/>
@@ -37166,7 +38467,7 @@
             <a:effectLst/>
             <a:extLst>
               <a:ext uri="{91240B29-F687-4F45-9708-019B960494DF}">
-                <a14:hiddenLine xmlns:a14="http://schemas.microsoft.com/office/drawing/2010/main" w="9525">
+                <a14:hiddenLine xmlns:a14="http://schemas.microsoft.com/office/drawing/2010/main" xmlns="" w="9525">
                   <a:solidFill>
                     <a:schemeClr val="tx1"/>
                   </a:solidFill>
@@ -37176,7 +38477,7 @@
                 </a14:hiddenLine>
               </a:ext>
               <a:ext uri="{AF507438-7753-43E0-B8FC-AC1667EBCBE1}">
-                <a14:hiddenEffects xmlns:a14="http://schemas.microsoft.com/office/drawing/2010/main">
+                <a14:hiddenEffects xmlns:a14="http://schemas.microsoft.com/office/drawing/2010/main" xmlns="">
                   <a:effectLst>
                     <a:outerShdw dist="35921" dir="2700000" algn="ctr" rotWithShape="0">
                       <a:schemeClr val="bg2"/>
@@ -37240,7 +38541,7 @@
             <a:effectLst/>
             <a:extLst>
               <a:ext uri="{91240B29-F687-4F45-9708-019B960494DF}">
-                <a14:hiddenLine xmlns:a14="http://schemas.microsoft.com/office/drawing/2010/main" w="9525" algn="ctr">
+                <a14:hiddenLine xmlns:a14="http://schemas.microsoft.com/office/drawing/2010/main" xmlns="" w="9525" algn="ctr">
                   <a:solidFill>
                     <a:schemeClr val="tx1"/>
                   </a:solidFill>
@@ -37250,7 +38551,7 @@
                 </a14:hiddenLine>
               </a:ext>
               <a:ext uri="{AF507438-7753-43E0-B8FC-AC1667EBCBE1}">
-                <a14:hiddenEffects xmlns:a14="http://schemas.microsoft.com/office/drawing/2010/main">
+                <a14:hiddenEffects xmlns:a14="http://schemas.microsoft.com/office/drawing/2010/main" xmlns="">
                   <a:effectLst>
                     <a:outerShdw dist="152400" dir="16200000" sy="-100000" rotWithShape="0">
                       <a:schemeClr val="bg2">
@@ -37315,7 +38616,7 @@
             <a:effectLst/>
             <a:extLst>
               <a:ext uri="{91240B29-F687-4F45-9708-019B960494DF}">
-                <a14:hiddenLine xmlns:a14="http://schemas.microsoft.com/office/drawing/2010/main" w="9525" algn="ctr">
+                <a14:hiddenLine xmlns:a14="http://schemas.microsoft.com/office/drawing/2010/main" xmlns="" w="9525" algn="ctr">
                   <a:solidFill>
                     <a:schemeClr val="tx1"/>
                   </a:solidFill>
@@ -37325,7 +38626,7 @@
                 </a14:hiddenLine>
               </a:ext>
               <a:ext uri="{AF507438-7753-43E0-B8FC-AC1667EBCBE1}">
-                <a14:hiddenEffects xmlns:a14="http://schemas.microsoft.com/office/drawing/2010/main">
+                <a14:hiddenEffects xmlns:a14="http://schemas.microsoft.com/office/drawing/2010/main" xmlns="">
                   <a:effectLst>
                     <a:outerShdw dist="152400" dir="16200000" sy="-100000" rotWithShape="0">
                       <a:schemeClr val="bg2">
@@ -37388,7 +38689,7 @@
             <a:effectLst/>
             <a:extLst>
               <a:ext uri="{91240B29-F687-4F45-9708-019B960494DF}">
-                <a14:hiddenLine xmlns:a14="http://schemas.microsoft.com/office/drawing/2010/main" w="9525" algn="ctr">
+                <a14:hiddenLine xmlns:a14="http://schemas.microsoft.com/office/drawing/2010/main" xmlns="" w="9525" algn="ctr">
                   <a:solidFill>
                     <a:schemeClr val="tx1"/>
                   </a:solidFill>
@@ -37398,7 +38699,7 @@
                 </a14:hiddenLine>
               </a:ext>
               <a:ext uri="{AF507438-7753-43E0-B8FC-AC1667EBCBE1}">
-                <a14:hiddenEffects xmlns:a14="http://schemas.microsoft.com/office/drawing/2010/main">
+                <a14:hiddenEffects xmlns:a14="http://schemas.microsoft.com/office/drawing/2010/main" xmlns="">
                   <a:effectLst>
                     <a:outerShdw dist="152400" dir="16200000" sy="-100000" rotWithShape="0">
                       <a:schemeClr val="bg2">
@@ -37447,14 +38748,14 @@
             <a:effectLst/>
             <a:extLst>
               <a:ext uri="{909E8E84-426E-40DD-AFC4-6F175D3DCCD1}">
-                <a14:hiddenFill xmlns:a14="http://schemas.microsoft.com/office/drawing/2010/main">
+                <a14:hiddenFill xmlns:a14="http://schemas.microsoft.com/office/drawing/2010/main" xmlns="">
                   <a:solidFill>
                     <a:schemeClr val="accent1"/>
                   </a:solidFill>
                 </a14:hiddenFill>
               </a:ext>
               <a:ext uri="{91240B29-F687-4F45-9708-019B960494DF}">
-                <a14:hiddenLine xmlns:a14="http://schemas.microsoft.com/office/drawing/2010/main" w="9525" algn="ctr">
+                <a14:hiddenLine xmlns:a14="http://schemas.microsoft.com/office/drawing/2010/main" xmlns="" w="9525" algn="ctr">
                   <a:solidFill>
                     <a:schemeClr val="tx1"/>
                   </a:solidFill>
@@ -37464,7 +38765,7 @@
                 </a14:hiddenLine>
               </a:ext>
               <a:ext uri="{AF507438-7753-43E0-B8FC-AC1667EBCBE1}">
-                <a14:hiddenEffects xmlns:a14="http://schemas.microsoft.com/office/drawing/2010/main">
+                <a14:hiddenEffects xmlns:a14="http://schemas.microsoft.com/office/drawing/2010/main" xmlns="">
                   <a:effectLst>
                     <a:outerShdw dist="35921" dir="2700000" algn="ctr" rotWithShape="0">
                       <a:schemeClr val="bg2"/>
@@ -37644,7 +38945,7 @@
                 <a:cs typeface="Arial" pitchFamily="34" charset="0"/>
               </a:rPr>
               <a:pPr/>
-              <a:t>23</a:t>
+              <a:t>27</a:t>
             </a:fld>
             <a:endParaRPr lang="en-US" sz="2800" dirty="0">
               <a:solidFill>
@@ -37661,7 +38962,7 @@
     </p:spTree>
     <p:extLst>
       <p:ext uri="{BB962C8B-B14F-4D97-AF65-F5344CB8AC3E}">
-        <p14:creationId xmlns:p14="http://schemas.microsoft.com/office/powerpoint/2010/main" val="1813018431"/>
+        <p14:creationId xmlns:p14="http://schemas.microsoft.com/office/powerpoint/2010/main" xmlns="" val="1813018431"/>
       </p:ext>
     </p:extLst>
   </p:cSld>
@@ -37913,7 +39214,7 @@
 </p:sld>
 </file>
 
-<file path=ppt/slides/slide24.xml><?xml version="1.0" encoding="utf-8"?>
+<file path=ppt/slides/slide28.xml><?xml version="1.0" encoding="utf-8"?>
 <p:sld xmlns:a="http://schemas.openxmlformats.org/drawingml/2006/main" xmlns:r="http://schemas.openxmlformats.org/officeDocument/2006/relationships" xmlns:p="http://schemas.openxmlformats.org/presentationml/2006/main">
   <p:cSld>
     <p:spTree>
@@ -37971,7 +39272,7 @@
           <a:effectLst/>
           <a:extLst>
             <a:ext uri="{91240B29-F687-4F45-9708-019B960494DF}">
-              <a14:hiddenLine xmlns:a14="http://schemas.microsoft.com/office/drawing/2010/main" w="0" algn="ctr">
+              <a14:hiddenLine xmlns:a14="http://schemas.microsoft.com/office/drawing/2010/main" xmlns="" w="0" algn="ctr">
                 <a:solidFill>
                   <a:srgbClr val="000000"/>
                 </a:solidFill>
@@ -37981,7 +39282,7 @@
               </a14:hiddenLine>
             </a:ext>
             <a:ext uri="{AF507438-7753-43E0-B8FC-AC1667EBCBE1}">
-              <a14:hiddenEffects xmlns:a14="http://schemas.microsoft.com/office/drawing/2010/main">
+              <a14:hiddenEffects xmlns:a14="http://schemas.microsoft.com/office/drawing/2010/main" xmlns="">
                 <a:effectLst>
                   <a:outerShdw dist="35921" dir="2700000" algn="ctr" rotWithShape="0">
                     <a:srgbClr val="808080"/>
@@ -38040,7 +39341,7 @@
           <a:effectLst/>
           <a:extLst>
             <a:ext uri="{91240B29-F687-4F45-9708-019B960494DF}">
-              <a14:hiddenLine xmlns:a14="http://schemas.microsoft.com/office/drawing/2010/main" w="0" algn="ctr">
+              <a14:hiddenLine xmlns:a14="http://schemas.microsoft.com/office/drawing/2010/main" xmlns="" w="0" algn="ctr">
                 <a:solidFill>
                   <a:srgbClr val="000000"/>
                 </a:solidFill>
@@ -38050,7 +39351,7 @@
               </a14:hiddenLine>
             </a:ext>
             <a:ext uri="{AF507438-7753-43E0-B8FC-AC1667EBCBE1}">
-              <a14:hiddenEffects xmlns:a14="http://schemas.microsoft.com/office/drawing/2010/main">
+              <a14:hiddenEffects xmlns:a14="http://schemas.microsoft.com/office/drawing/2010/main" xmlns="">
                 <a:effectLst>
                   <a:outerShdw dist="35921" dir="2700000" algn="ctr" rotWithShape="0">
                     <a:srgbClr val="808080"/>
@@ -38109,7 +39410,7 @@
           <a:effectLst/>
           <a:extLst>
             <a:ext uri="{91240B29-F687-4F45-9708-019B960494DF}">
-              <a14:hiddenLine xmlns:a14="http://schemas.microsoft.com/office/drawing/2010/main" w="0" algn="ctr">
+              <a14:hiddenLine xmlns:a14="http://schemas.microsoft.com/office/drawing/2010/main" xmlns="" w="0" algn="ctr">
                 <a:solidFill>
                   <a:srgbClr val="000000"/>
                 </a:solidFill>
@@ -38119,7 +39420,7 @@
               </a14:hiddenLine>
             </a:ext>
             <a:ext uri="{AF507438-7753-43E0-B8FC-AC1667EBCBE1}">
-              <a14:hiddenEffects xmlns:a14="http://schemas.microsoft.com/office/drawing/2010/main">
+              <a14:hiddenEffects xmlns:a14="http://schemas.microsoft.com/office/drawing/2010/main" xmlns="">
                 <a:effectLst>
                   <a:outerShdw dist="35921" dir="2700000" algn="ctr" rotWithShape="0">
                     <a:srgbClr val="808080"/>
@@ -38178,7 +39479,7 @@
           <a:effectLst/>
           <a:extLst>
             <a:ext uri="{91240B29-F687-4F45-9708-019B960494DF}">
-              <a14:hiddenLine xmlns:a14="http://schemas.microsoft.com/office/drawing/2010/main" w="0" algn="ctr">
+              <a14:hiddenLine xmlns:a14="http://schemas.microsoft.com/office/drawing/2010/main" xmlns="" w="0" algn="ctr">
                 <a:solidFill>
                   <a:srgbClr val="000000"/>
                 </a:solidFill>
@@ -38188,7 +39489,7 @@
               </a14:hiddenLine>
             </a:ext>
             <a:ext uri="{AF507438-7753-43E0-B8FC-AC1667EBCBE1}">
-              <a14:hiddenEffects xmlns:a14="http://schemas.microsoft.com/office/drawing/2010/main">
+              <a14:hiddenEffects xmlns:a14="http://schemas.microsoft.com/office/drawing/2010/main" xmlns="">
                 <a:effectLst>
                   <a:outerShdw dist="35921" dir="2700000" algn="ctr" rotWithShape="0">
                     <a:srgbClr val="808080"/>
@@ -38234,14 +39535,14 @@
           <a:effectLst/>
           <a:extLst>
             <a:ext uri="{909E8E84-426E-40DD-AFC4-6F175D3DCCD1}">
-              <a14:hiddenFill xmlns:a14="http://schemas.microsoft.com/office/drawing/2010/main">
+              <a14:hiddenFill xmlns:a14="http://schemas.microsoft.com/office/drawing/2010/main" xmlns="">
                 <a:solidFill>
                   <a:schemeClr val="bg2"/>
                 </a:solidFill>
               </a14:hiddenFill>
             </a:ext>
             <a:ext uri="{AF507438-7753-43E0-B8FC-AC1667EBCBE1}">
-              <a14:hiddenEffects xmlns:a14="http://schemas.microsoft.com/office/drawing/2010/main">
+              <a14:hiddenEffects xmlns:a14="http://schemas.microsoft.com/office/drawing/2010/main" xmlns="">
                 <a:effectLst>
                   <a:outerShdw dist="109250" dir="3267739" algn="ctr" rotWithShape="0">
                     <a:srgbClr val="808080">
@@ -38318,7 +39619,7 @@
             <a:effectLst/>
             <a:extLst>
               <a:ext uri="{91240B29-F687-4F45-9708-019B960494DF}">
-                <a14:hiddenLine xmlns:a14="http://schemas.microsoft.com/office/drawing/2010/main" w="9525" algn="ctr">
+                <a14:hiddenLine xmlns:a14="http://schemas.microsoft.com/office/drawing/2010/main" xmlns="" w="9525" algn="ctr">
                   <a:solidFill>
                     <a:schemeClr val="tx1"/>
                   </a:solidFill>
@@ -38328,7 +39629,7 @@
                 </a14:hiddenLine>
               </a:ext>
               <a:ext uri="{AF507438-7753-43E0-B8FC-AC1667EBCBE1}">
-                <a14:hiddenEffects xmlns:a14="http://schemas.microsoft.com/office/drawing/2010/main">
+                <a14:hiddenEffects xmlns:a14="http://schemas.microsoft.com/office/drawing/2010/main" xmlns="">
                   <a:effectLst>
                     <a:outerShdw dist="152400" dir="16200000" sy="-100000" rotWithShape="0">
                       <a:schemeClr val="bg2">
@@ -38389,7 +39690,7 @@
             <a:effectLst/>
             <a:extLst>
               <a:ext uri="{91240B29-F687-4F45-9708-019B960494DF}">
-                <a14:hiddenLine xmlns:a14="http://schemas.microsoft.com/office/drawing/2010/main" w="9525" algn="ctr">
+                <a14:hiddenLine xmlns:a14="http://schemas.microsoft.com/office/drawing/2010/main" xmlns="" w="9525" algn="ctr">
                   <a:solidFill>
                     <a:schemeClr val="tx1"/>
                   </a:solidFill>
@@ -38399,7 +39700,7 @@
                 </a14:hiddenLine>
               </a:ext>
               <a:ext uri="{AF507438-7753-43E0-B8FC-AC1667EBCBE1}">
-                <a14:hiddenEffects xmlns:a14="http://schemas.microsoft.com/office/drawing/2010/main">
+                <a14:hiddenEffects xmlns:a14="http://schemas.microsoft.com/office/drawing/2010/main" xmlns="">
                   <a:effectLst>
                     <a:outerShdw dist="76200" dir="10800000" kx="-3284103" algn="br" rotWithShape="0">
                       <a:schemeClr val="bg2">
@@ -38475,7 +39776,7 @@
             <a:effectLst/>
             <a:extLst>
               <a:ext uri="{91240B29-F687-4F45-9708-019B960494DF}">
-                <a14:hiddenLine xmlns:a14="http://schemas.microsoft.com/office/drawing/2010/main" w="9525" algn="ctr">
+                <a14:hiddenLine xmlns:a14="http://schemas.microsoft.com/office/drawing/2010/main" xmlns="" w="9525" algn="ctr">
                   <a:solidFill>
                     <a:schemeClr val="tx1"/>
                   </a:solidFill>
@@ -38485,7 +39786,7 @@
                 </a14:hiddenLine>
               </a:ext>
               <a:ext uri="{AF507438-7753-43E0-B8FC-AC1667EBCBE1}">
-                <a14:hiddenEffects xmlns:a14="http://schemas.microsoft.com/office/drawing/2010/main">
+                <a14:hiddenEffects xmlns:a14="http://schemas.microsoft.com/office/drawing/2010/main" xmlns="">
                   <a:effectLst>
                     <a:outerShdw dist="152400" dir="16200000" sy="-100000" rotWithShape="0">
                       <a:schemeClr val="bg2">
@@ -38546,7 +39847,7 @@
             <a:effectLst/>
             <a:extLst>
               <a:ext uri="{91240B29-F687-4F45-9708-019B960494DF}">
-                <a14:hiddenLine xmlns:a14="http://schemas.microsoft.com/office/drawing/2010/main" w="9525" algn="ctr">
+                <a14:hiddenLine xmlns:a14="http://schemas.microsoft.com/office/drawing/2010/main" xmlns="" w="9525" algn="ctr">
                   <a:solidFill>
                     <a:schemeClr val="tx1"/>
                   </a:solidFill>
@@ -38556,7 +39857,7 @@
                 </a14:hiddenLine>
               </a:ext>
               <a:ext uri="{AF507438-7753-43E0-B8FC-AC1667EBCBE1}">
-                <a14:hiddenEffects xmlns:a14="http://schemas.microsoft.com/office/drawing/2010/main">
+                <a14:hiddenEffects xmlns:a14="http://schemas.microsoft.com/office/drawing/2010/main" xmlns="">
                   <a:effectLst>
                     <a:outerShdw dist="76200" dir="10800000" kx="-3284103" algn="br" rotWithShape="0">
                       <a:schemeClr val="bg2">
@@ -38632,7 +39933,7 @@
             <a:effectLst/>
             <a:extLst>
               <a:ext uri="{91240B29-F687-4F45-9708-019B960494DF}">
-                <a14:hiddenLine xmlns:a14="http://schemas.microsoft.com/office/drawing/2010/main" w="9525" algn="ctr">
+                <a14:hiddenLine xmlns:a14="http://schemas.microsoft.com/office/drawing/2010/main" xmlns="" w="9525" algn="ctr">
                   <a:solidFill>
                     <a:schemeClr val="tx1"/>
                   </a:solidFill>
@@ -38642,7 +39943,7 @@
                 </a14:hiddenLine>
               </a:ext>
               <a:ext uri="{AF507438-7753-43E0-B8FC-AC1667EBCBE1}">
-                <a14:hiddenEffects xmlns:a14="http://schemas.microsoft.com/office/drawing/2010/main">
+                <a14:hiddenEffects xmlns:a14="http://schemas.microsoft.com/office/drawing/2010/main" xmlns="">
                   <a:effectLst>
                     <a:outerShdw dist="152400" dir="16200000" sy="-100000" rotWithShape="0">
                       <a:schemeClr val="bg2">
@@ -38703,7 +40004,7 @@
             <a:effectLst/>
             <a:extLst>
               <a:ext uri="{91240B29-F687-4F45-9708-019B960494DF}">
-                <a14:hiddenLine xmlns:a14="http://schemas.microsoft.com/office/drawing/2010/main" w="9525" algn="ctr">
+                <a14:hiddenLine xmlns:a14="http://schemas.microsoft.com/office/drawing/2010/main" xmlns="" w="9525" algn="ctr">
                   <a:solidFill>
                     <a:schemeClr val="tx1"/>
                   </a:solidFill>
@@ -38713,7 +40014,7 @@
                 </a14:hiddenLine>
               </a:ext>
               <a:ext uri="{AF507438-7753-43E0-B8FC-AC1667EBCBE1}">
-                <a14:hiddenEffects xmlns:a14="http://schemas.microsoft.com/office/drawing/2010/main">
+                <a14:hiddenEffects xmlns:a14="http://schemas.microsoft.com/office/drawing/2010/main" xmlns="">
                   <a:effectLst>
                     <a:outerShdw dist="76200" dir="10800000" kx="-3284103" algn="br" rotWithShape="0">
                       <a:schemeClr val="bg2">
@@ -38789,7 +40090,7 @@
             <a:effectLst/>
             <a:extLst>
               <a:ext uri="{91240B29-F687-4F45-9708-019B960494DF}">
-                <a14:hiddenLine xmlns:a14="http://schemas.microsoft.com/office/drawing/2010/main" w="9525" algn="ctr">
+                <a14:hiddenLine xmlns:a14="http://schemas.microsoft.com/office/drawing/2010/main" xmlns="" w="9525" algn="ctr">
                   <a:solidFill>
                     <a:schemeClr val="tx1"/>
                   </a:solidFill>
@@ -38799,7 +40100,7 @@
                 </a14:hiddenLine>
               </a:ext>
               <a:ext uri="{AF507438-7753-43E0-B8FC-AC1667EBCBE1}">
-                <a14:hiddenEffects xmlns:a14="http://schemas.microsoft.com/office/drawing/2010/main">
+                <a14:hiddenEffects xmlns:a14="http://schemas.microsoft.com/office/drawing/2010/main" xmlns="">
                   <a:effectLst>
                     <a:outerShdw dist="152400" dir="16200000" sy="-100000" rotWithShape="0">
                       <a:schemeClr val="bg2">
@@ -38860,7 +40161,7 @@
             <a:effectLst/>
             <a:extLst>
               <a:ext uri="{91240B29-F687-4F45-9708-019B960494DF}">
-                <a14:hiddenLine xmlns:a14="http://schemas.microsoft.com/office/drawing/2010/main" w="9525" algn="ctr">
+                <a14:hiddenLine xmlns:a14="http://schemas.microsoft.com/office/drawing/2010/main" xmlns="" w="9525" algn="ctr">
                   <a:solidFill>
                     <a:schemeClr val="tx1"/>
                   </a:solidFill>
@@ -38870,7 +40171,7 @@
                 </a14:hiddenLine>
               </a:ext>
               <a:ext uri="{AF507438-7753-43E0-B8FC-AC1667EBCBE1}">
-                <a14:hiddenEffects xmlns:a14="http://schemas.microsoft.com/office/drawing/2010/main">
+                <a14:hiddenEffects xmlns:a14="http://schemas.microsoft.com/office/drawing/2010/main" xmlns="">
                   <a:effectLst>
                     <a:outerShdw dist="76200" dir="10800000" kx="-3284103" algn="br" rotWithShape="0">
                       <a:schemeClr val="bg2">
@@ -38935,7 +40236,7 @@
           <a:effectLst/>
           <a:extLst>
             <a:ext uri="{91240B29-F687-4F45-9708-019B960494DF}">
-              <a14:hiddenLine xmlns:a14="http://schemas.microsoft.com/office/drawing/2010/main" w="38100" algn="ctr">
+              <a14:hiddenLine xmlns:a14="http://schemas.microsoft.com/office/drawing/2010/main" xmlns="" w="38100" algn="ctr">
                 <a:solidFill>
                   <a:schemeClr val="bg1"/>
                 </a:solidFill>
@@ -38945,7 +40246,7 @@
               </a14:hiddenLine>
             </a:ext>
             <a:ext uri="{AF507438-7753-43E0-B8FC-AC1667EBCBE1}">
-              <a14:hiddenEffects xmlns:a14="http://schemas.microsoft.com/office/drawing/2010/main">
+              <a14:hiddenEffects xmlns:a14="http://schemas.microsoft.com/office/drawing/2010/main" xmlns="">
                 <a:effectLst>
                   <a:outerShdw dist="109250" dir="3267739" algn="ctr" rotWithShape="0">
                     <a:srgbClr val="808080">
@@ -39006,7 +40307,7 @@
           <a:effectLst/>
           <a:extLst>
             <a:ext uri="{91240B29-F687-4F45-9708-019B960494DF}">
-              <a14:hiddenLine xmlns:a14="http://schemas.microsoft.com/office/drawing/2010/main" w="38100" algn="ctr">
+              <a14:hiddenLine xmlns:a14="http://schemas.microsoft.com/office/drawing/2010/main" xmlns="" w="38100" algn="ctr">
                 <a:solidFill>
                   <a:schemeClr val="bg1"/>
                 </a:solidFill>
@@ -39016,7 +40317,7 @@
               </a14:hiddenLine>
             </a:ext>
             <a:ext uri="{AF507438-7753-43E0-B8FC-AC1667EBCBE1}">
-              <a14:hiddenEffects xmlns:a14="http://schemas.microsoft.com/office/drawing/2010/main">
+              <a14:hiddenEffects xmlns:a14="http://schemas.microsoft.com/office/drawing/2010/main" xmlns="">
                 <a:effectLst>
                   <a:outerShdw dist="109250" dir="3267739" algn="ctr" rotWithShape="0">
                     <a:srgbClr val="808080">
@@ -39082,7 +40383,7 @@
           <a:effectLst/>
           <a:extLst>
             <a:ext uri="{91240B29-F687-4F45-9708-019B960494DF}">
-              <a14:hiddenLine xmlns:a14="http://schemas.microsoft.com/office/drawing/2010/main" w="38100" algn="ctr">
+              <a14:hiddenLine xmlns:a14="http://schemas.microsoft.com/office/drawing/2010/main" xmlns="" w="38100" algn="ctr">
                 <a:solidFill>
                   <a:schemeClr val="bg1"/>
                 </a:solidFill>
@@ -39092,7 +40393,7 @@
               </a14:hiddenLine>
             </a:ext>
             <a:ext uri="{AF507438-7753-43E0-B8FC-AC1667EBCBE1}">
-              <a14:hiddenEffects xmlns:a14="http://schemas.microsoft.com/office/drawing/2010/main">
+              <a14:hiddenEffects xmlns:a14="http://schemas.microsoft.com/office/drawing/2010/main" xmlns="">
                 <a:effectLst>
                   <a:outerShdw dist="109250" dir="3267739" algn="ctr" rotWithShape="0">
                     <a:srgbClr val="808080">
@@ -39153,7 +40454,7 @@
           <a:effectLst/>
           <a:extLst>
             <a:ext uri="{91240B29-F687-4F45-9708-019B960494DF}">
-              <a14:hiddenLine xmlns:a14="http://schemas.microsoft.com/office/drawing/2010/main" w="38100" algn="ctr">
+              <a14:hiddenLine xmlns:a14="http://schemas.microsoft.com/office/drawing/2010/main" xmlns="" w="38100" algn="ctr">
                 <a:solidFill>
                   <a:schemeClr val="bg1"/>
                 </a:solidFill>
@@ -39163,7 +40464,7 @@
               </a14:hiddenLine>
             </a:ext>
             <a:ext uri="{AF507438-7753-43E0-B8FC-AC1667EBCBE1}">
-              <a14:hiddenEffects xmlns:a14="http://schemas.microsoft.com/office/drawing/2010/main">
+              <a14:hiddenEffects xmlns:a14="http://schemas.microsoft.com/office/drawing/2010/main" xmlns="">
                 <a:effectLst>
                   <a:outerShdw dist="109250" dir="3267739" algn="ctr" rotWithShape="0">
                     <a:srgbClr val="808080">
@@ -39226,7 +40527,7 @@
             <a:effectLst/>
             <a:extLst>
               <a:ext uri="{91240B29-F687-4F45-9708-019B960494DF}">
-                <a14:hiddenLine xmlns:a14="http://schemas.microsoft.com/office/drawing/2010/main" w="38100" algn="ctr">
+                <a14:hiddenLine xmlns:a14="http://schemas.microsoft.com/office/drawing/2010/main" xmlns="" w="38100" algn="ctr">
                   <a:solidFill>
                     <a:schemeClr val="bg1"/>
                   </a:solidFill>
@@ -39236,7 +40537,7 @@
                 </a14:hiddenLine>
               </a:ext>
               <a:ext uri="{AF507438-7753-43E0-B8FC-AC1667EBCBE1}">
-                <a14:hiddenEffects xmlns:a14="http://schemas.microsoft.com/office/drawing/2010/main">
+                <a14:hiddenEffects xmlns:a14="http://schemas.microsoft.com/office/drawing/2010/main" xmlns="">
                   <a:effectLst>
                     <a:outerShdw dist="109250" dir="3267739" algn="ctr" rotWithShape="0">
                       <a:srgbClr val="808080">
@@ -39295,7 +40596,7 @@
             <a:effectLst/>
             <a:extLst>
               <a:ext uri="{91240B29-F687-4F45-9708-019B960494DF}">
-                <a14:hiddenLine xmlns:a14="http://schemas.microsoft.com/office/drawing/2010/main" w="9525" algn="ctr">
+                <a14:hiddenLine xmlns:a14="http://schemas.microsoft.com/office/drawing/2010/main" xmlns="" w="9525" algn="ctr">
                   <a:solidFill>
                     <a:schemeClr val="tx1"/>
                   </a:solidFill>
@@ -39305,7 +40606,7 @@
                 </a14:hiddenLine>
               </a:ext>
               <a:ext uri="{AF507438-7753-43E0-B8FC-AC1667EBCBE1}">
-                <a14:hiddenEffects xmlns:a14="http://schemas.microsoft.com/office/drawing/2010/main">
+                <a14:hiddenEffects xmlns:a14="http://schemas.microsoft.com/office/drawing/2010/main" xmlns="">
                   <a:effectLst>
                     <a:outerShdw dist="35921" dir="2700000" algn="ctr" rotWithShape="0">
                       <a:schemeClr val="bg2"/>
@@ -39362,7 +40663,7 @@
             <a:effectLst/>
             <a:extLst>
               <a:ext uri="{91240B29-F687-4F45-9708-019B960494DF}">
-                <a14:hiddenLine xmlns:a14="http://schemas.microsoft.com/office/drawing/2010/main" w="9525" algn="ctr">
+                <a14:hiddenLine xmlns:a14="http://schemas.microsoft.com/office/drawing/2010/main" xmlns="" w="9525" algn="ctr">
                   <a:solidFill>
                     <a:schemeClr val="tx1"/>
                   </a:solidFill>
@@ -39372,7 +40673,7 @@
                 </a14:hiddenLine>
               </a:ext>
               <a:ext uri="{AF507438-7753-43E0-B8FC-AC1667EBCBE1}">
-                <a14:hiddenEffects xmlns:a14="http://schemas.microsoft.com/office/drawing/2010/main">
+                <a14:hiddenEffects xmlns:a14="http://schemas.microsoft.com/office/drawing/2010/main" xmlns="">
                   <a:effectLst>
                     <a:outerShdw dist="35921" dir="2700000" algn="ctr" rotWithShape="0">
                       <a:schemeClr val="bg2"/>
@@ -39429,7 +40730,7 @@
             <a:effectLst/>
             <a:extLst>
               <a:ext uri="{91240B29-F687-4F45-9708-019B960494DF}">
-                <a14:hiddenLine xmlns:a14="http://schemas.microsoft.com/office/drawing/2010/main" w="9525" algn="ctr">
+                <a14:hiddenLine xmlns:a14="http://schemas.microsoft.com/office/drawing/2010/main" xmlns="" w="9525" algn="ctr">
                   <a:solidFill>
                     <a:schemeClr val="tx1"/>
                   </a:solidFill>
@@ -39439,7 +40740,7 @@
                 </a14:hiddenLine>
               </a:ext>
               <a:ext uri="{AF507438-7753-43E0-B8FC-AC1667EBCBE1}">
-                <a14:hiddenEffects xmlns:a14="http://schemas.microsoft.com/office/drawing/2010/main">
+                <a14:hiddenEffects xmlns:a14="http://schemas.microsoft.com/office/drawing/2010/main" xmlns="">
                   <a:effectLst>
                     <a:outerShdw dist="35921" dir="2700000" algn="ctr" rotWithShape="0">
                       <a:schemeClr val="bg2"/>
@@ -39496,7 +40797,7 @@
             <a:effectLst/>
             <a:extLst>
               <a:ext uri="{91240B29-F687-4F45-9708-019B960494DF}">
-                <a14:hiddenLine xmlns:a14="http://schemas.microsoft.com/office/drawing/2010/main" w="9525" algn="ctr">
+                <a14:hiddenLine xmlns:a14="http://schemas.microsoft.com/office/drawing/2010/main" xmlns="" w="9525" algn="ctr">
                   <a:solidFill>
                     <a:schemeClr val="tx1"/>
                   </a:solidFill>
@@ -39506,7 +40807,7 @@
                 </a14:hiddenLine>
               </a:ext>
               <a:ext uri="{AF507438-7753-43E0-B8FC-AC1667EBCBE1}">
-                <a14:hiddenEffects xmlns:a14="http://schemas.microsoft.com/office/drawing/2010/main">
+                <a14:hiddenEffects xmlns:a14="http://schemas.microsoft.com/office/drawing/2010/main" xmlns="">
                   <a:effectLst>
                     <a:outerShdw dist="35921" dir="2700000" algn="ctr" rotWithShape="0">
                       <a:schemeClr val="bg2"/>
@@ -39548,14 +40849,14 @@
           <a:effectLst/>
           <a:extLst>
             <a:ext uri="{909E8E84-426E-40DD-AFC4-6F175D3DCCD1}">
-              <a14:hiddenFill xmlns:a14="http://schemas.microsoft.com/office/drawing/2010/main">
+              <a14:hiddenFill xmlns:a14="http://schemas.microsoft.com/office/drawing/2010/main" xmlns="">
                 <a:solidFill>
                   <a:schemeClr val="accent1"/>
                 </a:solidFill>
               </a14:hiddenFill>
             </a:ext>
             <a:ext uri="{91240B29-F687-4F45-9708-019B960494DF}">
-              <a14:hiddenLine xmlns:a14="http://schemas.microsoft.com/office/drawing/2010/main" w="9525" algn="ctr">
+              <a14:hiddenLine xmlns:a14="http://schemas.microsoft.com/office/drawing/2010/main" xmlns="" w="9525" algn="ctr">
                 <a:solidFill>
                   <a:schemeClr val="tx1"/>
                 </a:solidFill>
@@ -39565,7 +40866,7 @@
               </a14:hiddenLine>
             </a:ext>
             <a:ext uri="{AF507438-7753-43E0-B8FC-AC1667EBCBE1}">
-              <a14:hiddenEffects xmlns:a14="http://schemas.microsoft.com/office/drawing/2010/main">
+              <a14:hiddenEffects xmlns:a14="http://schemas.microsoft.com/office/drawing/2010/main" xmlns="">
                 <a:effectLst>
                   <a:outerShdw dist="35921" dir="2700000" algn="ctr" rotWithShape="0">
                     <a:schemeClr val="bg2"/>
@@ -39644,14 +40945,14 @@
           <a:effectLst/>
           <a:extLst>
             <a:ext uri="{909E8E84-426E-40DD-AFC4-6F175D3DCCD1}">
-              <a14:hiddenFill xmlns:a14="http://schemas.microsoft.com/office/drawing/2010/main">
+              <a14:hiddenFill xmlns:a14="http://schemas.microsoft.com/office/drawing/2010/main" xmlns="">
                 <a:solidFill>
                   <a:schemeClr val="accent1"/>
                 </a:solidFill>
               </a14:hiddenFill>
             </a:ext>
             <a:ext uri="{91240B29-F687-4F45-9708-019B960494DF}">
-              <a14:hiddenLine xmlns:a14="http://schemas.microsoft.com/office/drawing/2010/main" w="9525" algn="ctr">
+              <a14:hiddenLine xmlns:a14="http://schemas.microsoft.com/office/drawing/2010/main" xmlns="" w="9525" algn="ctr">
                 <a:solidFill>
                   <a:schemeClr val="tx1"/>
                 </a:solidFill>
@@ -39661,7 +40962,7 @@
               </a14:hiddenLine>
             </a:ext>
             <a:ext uri="{AF507438-7753-43E0-B8FC-AC1667EBCBE1}">
-              <a14:hiddenEffects xmlns:a14="http://schemas.microsoft.com/office/drawing/2010/main">
+              <a14:hiddenEffects xmlns:a14="http://schemas.microsoft.com/office/drawing/2010/main" xmlns="">
                 <a:effectLst>
                   <a:outerShdw dist="35921" dir="2700000" algn="ctr" rotWithShape="0">
                     <a:schemeClr val="bg2"/>
@@ -39715,14 +41016,14 @@
           <a:effectLst/>
           <a:extLst>
             <a:ext uri="{909E8E84-426E-40DD-AFC4-6F175D3DCCD1}">
-              <a14:hiddenFill xmlns:a14="http://schemas.microsoft.com/office/drawing/2010/main">
+              <a14:hiddenFill xmlns:a14="http://schemas.microsoft.com/office/drawing/2010/main" xmlns="">
                 <a:solidFill>
                   <a:schemeClr val="accent1"/>
                 </a:solidFill>
               </a14:hiddenFill>
             </a:ext>
             <a:ext uri="{91240B29-F687-4F45-9708-019B960494DF}">
-              <a14:hiddenLine xmlns:a14="http://schemas.microsoft.com/office/drawing/2010/main" w="9525" algn="ctr">
+              <a14:hiddenLine xmlns:a14="http://schemas.microsoft.com/office/drawing/2010/main" xmlns="" w="9525" algn="ctr">
                 <a:solidFill>
                   <a:schemeClr val="tx1"/>
                 </a:solidFill>
@@ -39732,7 +41033,7 @@
               </a14:hiddenLine>
             </a:ext>
             <a:ext uri="{AF507438-7753-43E0-B8FC-AC1667EBCBE1}">
-              <a14:hiddenEffects xmlns:a14="http://schemas.microsoft.com/office/drawing/2010/main">
+              <a14:hiddenEffects xmlns:a14="http://schemas.microsoft.com/office/drawing/2010/main" xmlns="">
                 <a:effectLst>
                   <a:outerShdw dist="35921" dir="2700000" algn="ctr" rotWithShape="0">
                     <a:schemeClr val="bg2"/>
@@ -39786,14 +41087,14 @@
           <a:effectLst/>
           <a:extLst>
             <a:ext uri="{909E8E84-426E-40DD-AFC4-6F175D3DCCD1}">
-              <a14:hiddenFill xmlns:a14="http://schemas.microsoft.com/office/drawing/2010/main">
+              <a14:hiddenFill xmlns:a14="http://schemas.microsoft.com/office/drawing/2010/main" xmlns="">
                 <a:solidFill>
                   <a:schemeClr val="accent1"/>
                 </a:solidFill>
               </a14:hiddenFill>
             </a:ext>
             <a:ext uri="{91240B29-F687-4F45-9708-019B960494DF}">
-              <a14:hiddenLine xmlns:a14="http://schemas.microsoft.com/office/drawing/2010/main" w="9525" algn="ctr">
+              <a14:hiddenLine xmlns:a14="http://schemas.microsoft.com/office/drawing/2010/main" xmlns="" w="9525" algn="ctr">
                 <a:solidFill>
                   <a:schemeClr val="tx1"/>
                 </a:solidFill>
@@ -39803,7 +41104,7 @@
               </a14:hiddenLine>
             </a:ext>
             <a:ext uri="{AF507438-7753-43E0-B8FC-AC1667EBCBE1}">
-              <a14:hiddenEffects xmlns:a14="http://schemas.microsoft.com/office/drawing/2010/main">
+              <a14:hiddenEffects xmlns:a14="http://schemas.microsoft.com/office/drawing/2010/main" xmlns="">
                 <a:effectLst>
                   <a:outerShdw dist="35921" dir="2700000" algn="ctr" rotWithShape="0">
                     <a:schemeClr val="bg2"/>
@@ -39864,14 +41165,14 @@
           <a:effectLst/>
           <a:extLst>
             <a:ext uri="{909E8E84-426E-40DD-AFC4-6F175D3DCCD1}">
-              <a14:hiddenFill xmlns:a14="http://schemas.microsoft.com/office/drawing/2010/main">
+              <a14:hiddenFill xmlns:a14="http://schemas.microsoft.com/office/drawing/2010/main" xmlns="">
                 <a:solidFill>
                   <a:schemeClr val="accent1"/>
                 </a:solidFill>
               </a14:hiddenFill>
             </a:ext>
             <a:ext uri="{91240B29-F687-4F45-9708-019B960494DF}">
-              <a14:hiddenLine xmlns:a14="http://schemas.microsoft.com/office/drawing/2010/main" w="9525" algn="ctr">
+              <a14:hiddenLine xmlns:a14="http://schemas.microsoft.com/office/drawing/2010/main" xmlns="" w="9525" algn="ctr">
                 <a:solidFill>
                   <a:schemeClr val="tx1"/>
                 </a:solidFill>
@@ -39881,7 +41182,7 @@
               </a14:hiddenLine>
             </a:ext>
             <a:ext uri="{AF507438-7753-43E0-B8FC-AC1667EBCBE1}">
-              <a14:hiddenEffects xmlns:a14="http://schemas.microsoft.com/office/drawing/2010/main">
+              <a14:hiddenEffects xmlns:a14="http://schemas.microsoft.com/office/drawing/2010/main" xmlns="">
                 <a:effectLst>
                   <a:outerShdw dist="35921" dir="2700000" algn="ctr" rotWithShape="0">
                     <a:schemeClr val="bg2"/>
@@ -40005,7 +41306,7 @@
                 <a:cs typeface="Arial" pitchFamily="34" charset="0"/>
               </a:rPr>
               <a:pPr/>
-              <a:t>24</a:t>
+              <a:t>28</a:t>
             </a:fld>
             <a:endParaRPr lang="en-US" sz="2800">
               <a:solidFill>
@@ -40022,7 +41323,7 @@
     </p:spTree>
     <p:extLst>
       <p:ext uri="{BB962C8B-B14F-4D97-AF65-F5344CB8AC3E}">
-        <p14:creationId xmlns:p14="http://schemas.microsoft.com/office/powerpoint/2010/main" val="3639491916"/>
+        <p14:creationId xmlns:p14="http://schemas.microsoft.com/office/powerpoint/2010/main" xmlns="" val="3639491916"/>
       </p:ext>
     </p:extLst>
   </p:cSld>
@@ -40309,7 +41610,7 @@
                                           </p:stCondLst>
                                         </p:cTn>
                                         <p:tgtEl>
-                                          <p:spTgt spid="51206"/>
+                                          <p:spTgt spid="51204"/>
                                         </p:tgtEl>
                                         <p:attrNameLst>
                                           <p:attrName>style.visibility</p:attrName>
@@ -40323,7 +41624,7 @@
                                       <p:cBhvr>
                                         <p:cTn id="29" dur="500"/>
                                         <p:tgtEl>
-                                          <p:spTgt spid="51206"/>
+                                          <p:spTgt spid="51204"/>
                                         </p:tgtEl>
                                       </p:cBhvr>
                                     </p:animEffect>
@@ -40344,7 +41645,7 @@
                                           </p:stCondLst>
                                         </p:cTn>
                                         <p:tgtEl>
-                                          <p:spTgt spid="51216"/>
+                                          <p:spTgt spid="51225"/>
                                         </p:tgtEl>
                                         <p:attrNameLst>
                                           <p:attrName>style.visibility</p:attrName>
@@ -40358,7 +41659,7 @@
                                       <p:cBhvr>
                                         <p:cTn id="32" dur="500"/>
                                         <p:tgtEl>
-                                          <p:spTgt spid="51216"/>
+                                          <p:spTgt spid="51225"/>
                                         </p:tgtEl>
                                       </p:cBhvr>
                                     </p:animEffect>
@@ -40379,7 +41680,7 @@
                                           </p:stCondLst>
                                         </p:cTn>
                                         <p:tgtEl>
-                                          <p:spTgt spid="51243"/>
+                                          <p:spTgt spid="51241"/>
                                         </p:tgtEl>
                                         <p:attrNameLst>
                                           <p:attrName>style.visibility</p:attrName>
@@ -40393,7 +41694,7 @@
                                       <p:cBhvr>
                                         <p:cTn id="35" dur="500"/>
                                         <p:tgtEl>
-                                          <p:spTgt spid="51243"/>
+                                          <p:spTgt spid="51241"/>
                                         </p:tgtEl>
                                       </p:cBhvr>
                                     </p:animEffect>
@@ -40432,7 +41733,7 @@
                                           </p:stCondLst>
                                         </p:cTn>
                                         <p:tgtEl>
-                                          <p:spTgt spid="51204"/>
+                                          <p:spTgt spid="51206"/>
                                         </p:tgtEl>
                                         <p:attrNameLst>
                                           <p:attrName>style.visibility</p:attrName>
@@ -40446,7 +41747,7 @@
                                       <p:cBhvr>
                                         <p:cTn id="40" dur="500"/>
                                         <p:tgtEl>
-                                          <p:spTgt spid="51204"/>
+                                          <p:spTgt spid="51206"/>
                                         </p:tgtEl>
                                       </p:cBhvr>
                                     </p:animEffect>
@@ -40467,7 +41768,7 @@
                                           </p:stCondLst>
                                         </p:cTn>
                                         <p:tgtEl>
-                                          <p:spTgt spid="51225"/>
+                                          <p:spTgt spid="51216"/>
                                         </p:tgtEl>
                                         <p:attrNameLst>
                                           <p:attrName>style.visibility</p:attrName>
@@ -40481,7 +41782,7 @@
                                       <p:cBhvr>
                                         <p:cTn id="43" dur="500"/>
                                         <p:tgtEl>
-                                          <p:spTgt spid="51225"/>
+                                          <p:spTgt spid="51216"/>
                                         </p:tgtEl>
                                       </p:cBhvr>
                                     </p:animEffect>
@@ -40502,7 +41803,7 @@
                                           </p:stCondLst>
                                         </p:cTn>
                                         <p:tgtEl>
-                                          <p:spTgt spid="51241"/>
+                                          <p:spTgt spid="51243"/>
                                         </p:tgtEl>
                                         <p:attrNameLst>
                                           <p:attrName>style.visibility</p:attrName>
@@ -40516,7 +41817,7 @@
                                       <p:cBhvr>
                                         <p:cTn id="46" dur="500"/>
                                         <p:tgtEl>
-                                          <p:spTgt spid="51241"/>
+                                          <p:spTgt spid="51243"/>
                                         </p:tgtEl>
                                       </p:cBhvr>
                                     </p:animEffect>
@@ -40564,7 +41865,7 @@
 </p:sld>
 </file>
 
-<file path=ppt/slides/slide25.xml><?xml version="1.0" encoding="utf-8"?>
+<file path=ppt/slides/slide29.xml><?xml version="1.0" encoding="utf-8"?>
 <p:sld xmlns:a="http://schemas.openxmlformats.org/drawingml/2006/main" xmlns:r="http://schemas.openxmlformats.org/officeDocument/2006/relationships" xmlns:p="http://schemas.openxmlformats.org/presentationml/2006/main">
   <p:cSld>
     <p:spTree>
@@ -40651,7 +41952,7 @@
                 <a:cs typeface="Arial" pitchFamily="34" charset="0"/>
               </a:rPr>
               <a:pPr/>
-              <a:t>25</a:t>
+              <a:t>29</a:t>
             </a:fld>
             <a:endParaRPr lang="en-US" sz="2800" dirty="0">
               <a:solidFill>
@@ -40668,7 +41969,7 @@
     </p:spTree>
     <p:extLst>
       <p:ext uri="{BB962C8B-B14F-4D97-AF65-F5344CB8AC3E}">
-        <p14:creationId xmlns:p14="http://schemas.microsoft.com/office/powerpoint/2010/main" val="2963168470"/>
+        <p14:creationId xmlns:p14="http://schemas.microsoft.com/office/powerpoint/2010/main" xmlns="" val="2963168470"/>
       </p:ext>
     </p:extLst>
   </p:cSld>
@@ -40685,7 +41986,151 @@
 </p:sld>
 </file>
 
-<file path=ppt/slides/slide26.xml><?xml version="1.0" encoding="utf-8"?>
+<file path=ppt/slides/slide3.xml><?xml version="1.0" encoding="utf-8"?>
+<p:sld xmlns:a="http://schemas.openxmlformats.org/drawingml/2006/main" xmlns:r="http://schemas.openxmlformats.org/officeDocument/2006/relationships" xmlns:p="http://schemas.openxmlformats.org/presentationml/2006/main">
+  <p:cSld>
+    <p:spTree>
+      <p:nvGrpSpPr>
+        <p:cNvPr id="1" name=""/>
+        <p:cNvGrpSpPr/>
+        <p:nvPr/>
+      </p:nvGrpSpPr>
+      <p:grpSpPr>
+        <a:xfrm>
+          <a:off x="0" y="0"/>
+          <a:ext cx="0" cy="0"/>
+          <a:chOff x="0" y="0"/>
+          <a:chExt cx="0" cy="0"/>
+        </a:xfrm>
+      </p:grpSpPr>
+      <p:sp>
+        <p:nvSpPr>
+          <p:cNvPr id="4" name="Title 3"/>
+          <p:cNvSpPr>
+            <a:spLocks noGrp="1"/>
+          </p:cNvSpPr>
+          <p:nvPr>
+            <p:ph type="title"/>
+          </p:nvPr>
+        </p:nvSpPr>
+        <p:spPr>
+          <a:xfrm>
+            <a:off x="533400" y="2819400"/>
+            <a:ext cx="8229600" cy="1143000"/>
+          </a:xfrm>
+        </p:spPr>
+        <p:txBody>
+          <a:bodyPr>
+            <a:normAutofit/>
+          </a:bodyPr>
+          <a:lstStyle/>
+          <a:p>
+            <a:r>
+              <a:rPr lang="en-US" sz="5000" b="1" dirty="0" err="1" smtClean="0">
+                <a:solidFill>
+                  <a:schemeClr val="tx2"/>
+                </a:solidFill>
+                <a:latin typeface="Arial" pitchFamily="34" charset="0"/>
+                <a:cs typeface="Arial" pitchFamily="34" charset="0"/>
+              </a:rPr>
+              <a:t>Giới</a:t>
+            </a:r>
+            <a:r>
+              <a:rPr lang="en-US" sz="5000" b="1" dirty="0" smtClean="0">
+                <a:solidFill>
+                  <a:schemeClr val="tx2"/>
+                </a:solidFill>
+                <a:latin typeface="Arial" pitchFamily="34" charset="0"/>
+                <a:cs typeface="Arial" pitchFamily="34" charset="0"/>
+              </a:rPr>
+              <a:t> </a:t>
+            </a:r>
+            <a:r>
+              <a:rPr lang="en-US" sz="5000" b="1" dirty="0" err="1" smtClean="0">
+                <a:solidFill>
+                  <a:schemeClr val="tx2"/>
+                </a:solidFill>
+                <a:latin typeface="Arial" pitchFamily="34" charset="0"/>
+                <a:cs typeface="Arial" pitchFamily="34" charset="0"/>
+              </a:rPr>
+              <a:t>Thiệu</a:t>
+            </a:r>
+            <a:endParaRPr lang="en-US" sz="5000" b="1" dirty="0">
+              <a:solidFill>
+                <a:schemeClr val="tx2"/>
+              </a:solidFill>
+              <a:latin typeface="Arial" pitchFamily="34" charset="0"/>
+              <a:cs typeface="Arial" pitchFamily="34" charset="0"/>
+            </a:endParaRPr>
+          </a:p>
+        </p:txBody>
+      </p:sp>
+      <p:sp>
+        <p:nvSpPr>
+          <p:cNvPr id="2" name="Slide Number Placeholder 1"/>
+          <p:cNvSpPr>
+            <a:spLocks noGrp="1"/>
+          </p:cNvSpPr>
+          <p:nvPr>
+            <p:ph type="sldNum" sz="quarter" idx="12"/>
+          </p:nvPr>
+        </p:nvSpPr>
+        <p:spPr>
+          <a:xfrm>
+            <a:off x="8610600" y="6461125"/>
+            <a:ext cx="533400" cy="473075"/>
+          </a:xfrm>
+        </p:spPr>
+        <p:txBody>
+          <a:bodyPr/>
+          <a:lstStyle/>
+          <a:p>
+            <a:fld id="{599C4D07-E09A-42C6-A2C9-5FE1D9D7DAE0}" type="slidenum">
+              <a:rPr lang="en-US" sz="2800" smtClean="0">
+                <a:solidFill>
+                  <a:schemeClr val="accent4">
+                    <a:lumMod val="75000"/>
+                  </a:schemeClr>
+                </a:solidFill>
+                <a:latin typeface="Arial" pitchFamily="34" charset="0"/>
+                <a:cs typeface="Arial" pitchFamily="34" charset="0"/>
+              </a:rPr>
+              <a:pPr/>
+              <a:t>3</a:t>
+            </a:fld>
+            <a:endParaRPr lang="en-US" sz="2800" dirty="0">
+              <a:solidFill>
+                <a:schemeClr val="accent4">
+                  <a:lumMod val="75000"/>
+                </a:schemeClr>
+              </a:solidFill>
+              <a:latin typeface="Arial" pitchFamily="34" charset="0"/>
+              <a:cs typeface="Arial" pitchFamily="34" charset="0"/>
+            </a:endParaRPr>
+          </a:p>
+        </p:txBody>
+      </p:sp>
+    </p:spTree>
+    <p:extLst>
+      <p:ext uri="{BB962C8B-B14F-4D97-AF65-F5344CB8AC3E}">
+        <p14:creationId xmlns:p14="http://schemas.microsoft.com/office/powerpoint/2010/main" xmlns="" val="3043542161"/>
+      </p:ext>
+    </p:extLst>
+  </p:cSld>
+  <p:clrMapOvr>
+    <a:masterClrMapping/>
+  </p:clrMapOvr>
+  <p:timing>
+    <p:tnLst>
+      <p:par>
+        <p:cTn id="1" dur="indefinite" restart="never" nodeType="tmRoot"/>
+      </p:par>
+    </p:tnLst>
+  </p:timing>
+</p:sld>
+</file>
+
+<file path=ppt/slides/slide30.xml><?xml version="1.0" encoding="utf-8"?>
 <p:sld xmlns:a="http://schemas.openxmlformats.org/drawingml/2006/main" xmlns:r="http://schemas.openxmlformats.org/officeDocument/2006/relationships" xmlns:p="http://schemas.openxmlformats.org/presentationml/2006/main">
   <p:cSld>
     <p:spTree>
@@ -40776,7 +42221,7 @@
           <a:blip r:embed="rId3">
             <a:extLst>
               <a:ext uri="{28A0092B-C50C-407E-A947-70E740481C1C}">
-                <a14:useLocalDpi xmlns:a14="http://schemas.microsoft.com/office/drawing/2010/main" val="0"/>
+                <a14:useLocalDpi xmlns:a14="http://schemas.microsoft.com/office/drawing/2010/main" xmlns="" val="0"/>
               </a:ext>
             </a:extLst>
           </a:blip>
@@ -40806,7 +42251,7 @@
           <a:blip r:embed="rId4" cstate="print">
             <a:extLst>
               <a:ext uri="{28A0092B-C50C-407E-A947-70E740481C1C}">
-                <a14:useLocalDpi xmlns:a14="http://schemas.microsoft.com/office/drawing/2010/main" val="0"/>
+                <a14:useLocalDpi xmlns:a14="http://schemas.microsoft.com/office/drawing/2010/main" xmlns="" val="0"/>
               </a:ext>
             </a:extLst>
           </a:blip>
@@ -40836,7 +42281,7 @@
           <a:blip r:embed="rId5">
             <a:extLst>
               <a:ext uri="{28A0092B-C50C-407E-A947-70E740481C1C}">
-                <a14:useLocalDpi xmlns:a14="http://schemas.microsoft.com/office/drawing/2010/main" val="0"/>
+                <a14:useLocalDpi xmlns:a14="http://schemas.microsoft.com/office/drawing/2010/main" xmlns="" val="0"/>
               </a:ext>
             </a:extLst>
           </a:blip>
@@ -40866,7 +42311,7 @@
           <a:blip r:embed="rId6" cstate="print">
             <a:extLst>
               <a:ext uri="{28A0092B-C50C-407E-A947-70E740481C1C}">
-                <a14:useLocalDpi xmlns:a14="http://schemas.microsoft.com/office/drawing/2010/main" val="0"/>
+                <a14:useLocalDpi xmlns:a14="http://schemas.microsoft.com/office/drawing/2010/main" xmlns="" val="0"/>
               </a:ext>
             </a:extLst>
           </a:blip>
@@ -41012,7 +42457,7 @@
           <a:blip r:embed="rId7" cstate="print">
             <a:extLst>
               <a:ext uri="{28A0092B-C50C-407E-A947-70E740481C1C}">
-                <a14:useLocalDpi xmlns:a14="http://schemas.microsoft.com/office/drawing/2010/main" val="0"/>
+                <a14:useLocalDpi xmlns:a14="http://schemas.microsoft.com/office/drawing/2010/main" xmlns="" val="0"/>
               </a:ext>
             </a:extLst>
           </a:blip>
@@ -41258,7 +42703,7 @@
           <a:blip r:embed="rId4" cstate="print">
             <a:extLst>
               <a:ext uri="{28A0092B-C50C-407E-A947-70E740481C1C}">
-                <a14:useLocalDpi xmlns:a14="http://schemas.microsoft.com/office/drawing/2010/main" val="0"/>
+                <a14:useLocalDpi xmlns:a14="http://schemas.microsoft.com/office/drawing/2010/main" xmlns="" val="0"/>
               </a:ext>
             </a:extLst>
           </a:blip>
@@ -41367,7 +42812,7 @@
                 <a:cs typeface="Arial" pitchFamily="34" charset="0"/>
               </a:rPr>
               <a:pPr/>
-              <a:t>26</a:t>
+              <a:t>30</a:t>
             </a:fld>
             <a:endParaRPr lang="en-US" sz="2800">
               <a:solidFill>
@@ -41384,7 +42829,7 @@
     </p:spTree>
     <p:extLst>
       <p:ext uri="{BB962C8B-B14F-4D97-AF65-F5344CB8AC3E}">
-        <p14:creationId xmlns:p14="http://schemas.microsoft.com/office/powerpoint/2010/main" val="2221805887"/>
+        <p14:creationId xmlns:p14="http://schemas.microsoft.com/office/powerpoint/2010/main" xmlns="" val="2221805887"/>
       </p:ext>
     </p:extLst>
   </p:cSld>
@@ -42180,7 +43625,7 @@
 </p:sld>
 </file>
 
-<file path=ppt/slides/slide27.xml><?xml version="1.0" encoding="utf-8"?>
+<file path=ppt/slides/slide31.xml><?xml version="1.0" encoding="utf-8"?>
 <p:sld xmlns:a="http://schemas.openxmlformats.org/drawingml/2006/main" xmlns:r="http://schemas.openxmlformats.org/officeDocument/2006/relationships" xmlns:p="http://schemas.openxmlformats.org/presentationml/2006/main">
   <p:cSld>
     <p:spTree>
@@ -42530,7 +43975,7 @@
                 <a:cs typeface="Arial" pitchFamily="34" charset="0"/>
               </a:rPr>
               <a:pPr/>
-              <a:t>27</a:t>
+              <a:t>31</a:t>
             </a:fld>
             <a:endParaRPr lang="en-US" sz="2800">
               <a:solidFill>
@@ -42547,7 +43992,7 @@
     </p:spTree>
     <p:extLst>
       <p:ext uri="{BB962C8B-B14F-4D97-AF65-F5344CB8AC3E}">
-        <p14:creationId xmlns:p14="http://schemas.microsoft.com/office/powerpoint/2010/main" val="925578565"/>
+        <p14:creationId xmlns:p14="http://schemas.microsoft.com/office/powerpoint/2010/main" xmlns="" val="925578565"/>
       </p:ext>
     </p:extLst>
   </p:cSld>
@@ -42564,7 +44009,7 @@
 </p:sld>
 </file>
 
-<file path=ppt/slides/slide28.xml><?xml version="1.0" encoding="utf-8"?>
+<file path=ppt/slides/slide32.xml><?xml version="1.0" encoding="utf-8"?>
 <p:sld xmlns:a="http://schemas.openxmlformats.org/drawingml/2006/main" xmlns:r="http://schemas.openxmlformats.org/officeDocument/2006/relationships" xmlns:p="http://schemas.openxmlformats.org/presentationml/2006/main" showMasterSp="0">
   <p:cSld>
     <p:bg>
@@ -42676,7 +44121,7 @@
                 <a:cs typeface="Arial" pitchFamily="34" charset="0"/>
               </a:rPr>
               <a:pPr/>
-              <a:t>28</a:t>
+              <a:t>32</a:t>
             </a:fld>
             <a:endParaRPr lang="en-US" sz="2800" dirty="0">
               <a:solidFill>
@@ -42693,7 +44138,7 @@
     </p:spTree>
     <p:extLst>
       <p:ext uri="{BB962C8B-B14F-4D97-AF65-F5344CB8AC3E}">
-        <p14:creationId xmlns:p14="http://schemas.microsoft.com/office/powerpoint/2010/main" val="3814711541"/>
+        <p14:creationId xmlns:p14="http://schemas.microsoft.com/office/powerpoint/2010/main" xmlns="" val="3814711541"/>
       </p:ext>
     </p:extLst>
   </p:cSld>
@@ -42710,7 +44155,7 @@
 </p:sld>
 </file>
 
-<file path=ppt/slides/slide29.xml><?xml version="1.0" encoding="utf-8"?>
+<file path=ppt/slides/slide33.xml><?xml version="1.0" encoding="utf-8"?>
 <p:sld xmlns:a="http://schemas.openxmlformats.org/drawingml/2006/main" xmlns:r="http://schemas.openxmlformats.org/officeDocument/2006/relationships" xmlns:p="http://schemas.openxmlformats.org/presentationml/2006/main">
   <p:cSld>
     <p:spTree>
@@ -42737,7 +44182,7 @@
           <a:blip r:embed="rId2">
             <a:extLst>
               <a:ext uri="{28A0092B-C50C-407E-A947-70E740481C1C}">
-                <a14:useLocalDpi xmlns:a14="http://schemas.microsoft.com/office/drawing/2010/main" val="0"/>
+                <a14:useLocalDpi xmlns:a14="http://schemas.microsoft.com/office/drawing/2010/main" xmlns="" val="0"/>
               </a:ext>
             </a:extLst>
           </a:blip>
@@ -42831,7 +44276,7 @@
                 <a:cs typeface="Arial" pitchFamily="34" charset="0"/>
               </a:rPr>
               <a:pPr/>
-              <a:t>29</a:t>
+              <a:t>33</a:t>
             </a:fld>
             <a:endParaRPr lang="en-US" sz="2800">
               <a:solidFill>
@@ -42846,7 +44291,7 @@
     </p:spTree>
     <p:extLst>
       <p:ext uri="{BB962C8B-B14F-4D97-AF65-F5344CB8AC3E}">
-        <p14:creationId xmlns:p14="http://schemas.microsoft.com/office/powerpoint/2010/main" val="2442067487"/>
+        <p14:creationId xmlns:p14="http://schemas.microsoft.com/office/powerpoint/2010/main" xmlns="" val="2442067487"/>
       </p:ext>
     </p:extLst>
   </p:cSld>
@@ -42863,151 +44308,7 @@
 </p:sld>
 </file>
 
-<file path=ppt/slides/slide3.xml><?xml version="1.0" encoding="utf-8"?>
-<p:sld xmlns:a="http://schemas.openxmlformats.org/drawingml/2006/main" xmlns:r="http://schemas.openxmlformats.org/officeDocument/2006/relationships" xmlns:p="http://schemas.openxmlformats.org/presentationml/2006/main">
-  <p:cSld>
-    <p:spTree>
-      <p:nvGrpSpPr>
-        <p:cNvPr id="1" name=""/>
-        <p:cNvGrpSpPr/>
-        <p:nvPr/>
-      </p:nvGrpSpPr>
-      <p:grpSpPr>
-        <a:xfrm>
-          <a:off x="0" y="0"/>
-          <a:ext cx="0" cy="0"/>
-          <a:chOff x="0" y="0"/>
-          <a:chExt cx="0" cy="0"/>
-        </a:xfrm>
-      </p:grpSpPr>
-      <p:sp>
-        <p:nvSpPr>
-          <p:cNvPr id="4" name="Title 3"/>
-          <p:cNvSpPr>
-            <a:spLocks noGrp="1"/>
-          </p:cNvSpPr>
-          <p:nvPr>
-            <p:ph type="title"/>
-          </p:nvPr>
-        </p:nvSpPr>
-        <p:spPr>
-          <a:xfrm>
-            <a:off x="533400" y="2819400"/>
-            <a:ext cx="8229600" cy="1143000"/>
-          </a:xfrm>
-        </p:spPr>
-        <p:txBody>
-          <a:bodyPr>
-            <a:normAutofit/>
-          </a:bodyPr>
-          <a:lstStyle/>
-          <a:p>
-            <a:r>
-              <a:rPr lang="en-US" sz="5000" b="1" dirty="0" err="1" smtClean="0">
-                <a:solidFill>
-                  <a:schemeClr val="tx2"/>
-                </a:solidFill>
-                <a:latin typeface="Arial" pitchFamily="34" charset="0"/>
-                <a:cs typeface="Arial" pitchFamily="34" charset="0"/>
-              </a:rPr>
-              <a:t>Giới</a:t>
-            </a:r>
-            <a:r>
-              <a:rPr lang="en-US" sz="5000" b="1" dirty="0" smtClean="0">
-                <a:solidFill>
-                  <a:schemeClr val="tx2"/>
-                </a:solidFill>
-                <a:latin typeface="Arial" pitchFamily="34" charset="0"/>
-                <a:cs typeface="Arial" pitchFamily="34" charset="0"/>
-              </a:rPr>
-              <a:t> </a:t>
-            </a:r>
-            <a:r>
-              <a:rPr lang="en-US" sz="5000" b="1" dirty="0" err="1" smtClean="0">
-                <a:solidFill>
-                  <a:schemeClr val="tx2"/>
-                </a:solidFill>
-                <a:latin typeface="Arial" pitchFamily="34" charset="0"/>
-                <a:cs typeface="Arial" pitchFamily="34" charset="0"/>
-              </a:rPr>
-              <a:t>Thiệu</a:t>
-            </a:r>
-            <a:endParaRPr lang="en-US" sz="5000" b="1" dirty="0">
-              <a:solidFill>
-                <a:schemeClr val="tx2"/>
-              </a:solidFill>
-              <a:latin typeface="Arial" pitchFamily="34" charset="0"/>
-              <a:cs typeface="Arial" pitchFamily="34" charset="0"/>
-            </a:endParaRPr>
-          </a:p>
-        </p:txBody>
-      </p:sp>
-      <p:sp>
-        <p:nvSpPr>
-          <p:cNvPr id="2" name="Slide Number Placeholder 1"/>
-          <p:cNvSpPr>
-            <a:spLocks noGrp="1"/>
-          </p:cNvSpPr>
-          <p:nvPr>
-            <p:ph type="sldNum" sz="quarter" idx="12"/>
-          </p:nvPr>
-        </p:nvSpPr>
-        <p:spPr>
-          <a:xfrm>
-            <a:off x="8610600" y="6461125"/>
-            <a:ext cx="533400" cy="473075"/>
-          </a:xfrm>
-        </p:spPr>
-        <p:txBody>
-          <a:bodyPr/>
-          <a:lstStyle/>
-          <a:p>
-            <a:fld id="{599C4D07-E09A-42C6-A2C9-5FE1D9D7DAE0}" type="slidenum">
-              <a:rPr lang="en-US" sz="2800" smtClean="0">
-                <a:solidFill>
-                  <a:schemeClr val="accent4">
-                    <a:lumMod val="75000"/>
-                  </a:schemeClr>
-                </a:solidFill>
-                <a:latin typeface="Arial" pitchFamily="34" charset="0"/>
-                <a:cs typeface="Arial" pitchFamily="34" charset="0"/>
-              </a:rPr>
-              <a:pPr/>
-              <a:t>3</a:t>
-            </a:fld>
-            <a:endParaRPr lang="en-US" sz="2800" dirty="0">
-              <a:solidFill>
-                <a:schemeClr val="accent4">
-                  <a:lumMod val="75000"/>
-                </a:schemeClr>
-              </a:solidFill>
-              <a:latin typeface="Arial" pitchFamily="34" charset="0"/>
-              <a:cs typeface="Arial" pitchFamily="34" charset="0"/>
-            </a:endParaRPr>
-          </a:p>
-        </p:txBody>
-      </p:sp>
-    </p:spTree>
-    <p:extLst>
-      <p:ext uri="{BB962C8B-B14F-4D97-AF65-F5344CB8AC3E}">
-        <p14:creationId xmlns:p14="http://schemas.microsoft.com/office/powerpoint/2010/main" val="3043542161"/>
-      </p:ext>
-    </p:extLst>
-  </p:cSld>
-  <p:clrMapOvr>
-    <a:masterClrMapping/>
-  </p:clrMapOvr>
-  <p:timing>
-    <p:tnLst>
-      <p:par>
-        <p:cTn id="1" dur="indefinite" restart="never" nodeType="tmRoot"/>
-      </p:par>
-    </p:tnLst>
-  </p:timing>
-</p:sld>
-</file>
-
-<file path=ppt/slides/slide30.xml><?xml version="1.0" encoding="utf-8"?>
+<file path=ppt/slides/slide34.xml><?xml version="1.0" encoding="utf-8"?>
 <p:sld xmlns:a="http://schemas.openxmlformats.org/drawingml/2006/main" xmlns:r="http://schemas.openxmlformats.org/officeDocument/2006/relationships" xmlns:p="http://schemas.openxmlformats.org/presentationml/2006/main">
   <p:cSld>
     <p:spTree>
@@ -43047,14 +44348,14 @@
           <a:effectLst/>
           <a:extLst>
             <a:ext uri="{909E8E84-426E-40DD-AFC4-6F175D3DCCD1}">
-              <a14:hiddenFill xmlns:a14="http://schemas.microsoft.com/office/drawing/2010/main">
+              <a14:hiddenFill xmlns:a14="http://schemas.microsoft.com/office/drawing/2010/main" xmlns="">
                 <a:solidFill>
                   <a:schemeClr val="accent1"/>
                 </a:solidFill>
               </a14:hiddenFill>
             </a:ext>
             <a:ext uri="{91240B29-F687-4F45-9708-019B960494DF}">
-              <a14:hiddenLine xmlns:a14="http://schemas.microsoft.com/office/drawing/2010/main" w="9525">
+              <a14:hiddenLine xmlns:a14="http://schemas.microsoft.com/office/drawing/2010/main" xmlns="" w="9525">
                 <a:solidFill>
                   <a:schemeClr val="tx1"/>
                 </a:solidFill>
@@ -43064,7 +44365,7 @@
               </a14:hiddenLine>
             </a:ext>
             <a:ext uri="{AF507438-7753-43E0-B8FC-AC1667EBCBE1}">
-              <a14:hiddenEffects xmlns:a14="http://schemas.microsoft.com/office/drawing/2010/main">
+              <a14:hiddenEffects xmlns:a14="http://schemas.microsoft.com/office/drawing/2010/main" xmlns="">
                 <a:effectLst>
                   <a:outerShdw dist="35921" dir="2700000" algn="ctr" rotWithShape="0">
                     <a:schemeClr val="bg2"/>
@@ -43096,7 +44397,7 @@
           <p:nvPr>
             <p:extLst>
               <p:ext uri="{D42A27DB-BD31-4B8C-83A1-F6EECF244321}">
-                <p14:modId xmlns:p14="http://schemas.microsoft.com/office/powerpoint/2010/main" val="541747451"/>
+                <p14:modId xmlns:p14="http://schemas.microsoft.com/office/powerpoint/2010/main" xmlns="" val="541747451"/>
               </p:ext>
             </p:extLst>
           </p:nvPr>
@@ -43107,50 +44408,9 @@
         </p:xfrm>
         <a:graphic>
           <a:graphicData uri="http://schemas.openxmlformats.org/presentationml/2006/ole">
-            <mc:AlternateContent xmlns:mc="http://schemas.openxmlformats.org/markup-compatibility/2006">
-              <mc:Choice xmlns:v="urn:schemas-microsoft-com:vml" Requires="v">
-                <p:oleObj spid="_x0000_s17419" name="Visio" r:id="rId3" imgW="2518562" imgH="2914498" progId="Visio.Drawing.11">
-                  <p:embed/>
-                </p:oleObj>
-              </mc:Choice>
-              <mc:Fallback>
-                <p:oleObj name="Visio" r:id="rId3" imgW="2518562" imgH="2914498" progId="Visio.Drawing.11">
-                  <p:embed/>
-                  <p:pic>
-                    <p:nvPicPr>
-                      <p:cNvPr id="0" name=""/>
-                      <p:cNvPicPr>
-                        <a:picLocks noChangeAspect="1" noChangeArrowheads="1"/>
-                      </p:cNvPicPr>
-                      <p:nvPr/>
-                    </p:nvPicPr>
-                    <p:blipFill>
-                      <a:blip r:embed="rId4">
-                        <a:extLst>
-                          <a:ext uri="{28A0092B-C50C-407E-A947-70E740481C1C}">
-                            <a14:useLocalDpi xmlns:a14="http://schemas.microsoft.com/office/drawing/2010/main" val="0"/>
-                          </a:ext>
-                        </a:extLst>
-                      </a:blip>
-                      <a:srcRect/>
-                      <a:stretch>
-                        <a:fillRect/>
-                      </a:stretch>
-                    </p:blipFill>
-                    <p:spPr bwMode="auto">
-                      <a:xfrm>
-                        <a:off x="2514600" y="1600200"/>
-                        <a:ext cx="3810000" cy="4432928"/>
-                      </a:xfrm>
-                      <a:prstGeom prst="rect">
-                        <a:avLst/>
-                      </a:prstGeom>
-                      <a:noFill/>
-                    </p:spPr>
-                  </p:pic>
-                </p:oleObj>
-              </mc:Fallback>
-            </mc:AlternateContent>
+            <p:oleObj spid="_x0000_s17420" name="Visio" r:id="rId3" imgW="2518562" imgH="2914498" progId="">
+              <p:embed/>
+            </p:oleObj>
           </a:graphicData>
         </a:graphic>
       </p:graphicFrame>
@@ -43206,7 +44466,7 @@
                 <a:cs typeface="Arial" pitchFamily="34" charset="0"/>
               </a:rPr>
               <a:pPr/>
-              <a:t>30</a:t>
+              <a:t>34</a:t>
             </a:fld>
             <a:endParaRPr lang="en-US" sz="2800" dirty="0">
               <a:solidFill>
@@ -43221,7 +44481,7 @@
     </p:spTree>
     <p:extLst>
       <p:ext uri="{BB962C8B-B14F-4D97-AF65-F5344CB8AC3E}">
-        <p14:creationId xmlns:p14="http://schemas.microsoft.com/office/powerpoint/2010/main" val="2703500989"/>
+        <p14:creationId xmlns:p14="http://schemas.microsoft.com/office/powerpoint/2010/main" xmlns="" val="2703500989"/>
       </p:ext>
     </p:extLst>
   </p:cSld>
@@ -43238,7 +44498,7 @@
 </p:sld>
 </file>
 
-<file path=ppt/slides/slide31.xml><?xml version="1.0" encoding="utf-8"?>
+<file path=ppt/slides/slide35.xml><?xml version="1.0" encoding="utf-8"?>
 <p:sld xmlns:a="http://schemas.openxmlformats.org/drawingml/2006/main" xmlns:r="http://schemas.openxmlformats.org/officeDocument/2006/relationships" xmlns:p="http://schemas.openxmlformats.org/presentationml/2006/main">
   <p:cSld>
     <p:spTree>
@@ -43278,14 +44538,14 @@
           <a:effectLst/>
           <a:extLst>
             <a:ext uri="{909E8E84-426E-40DD-AFC4-6F175D3DCCD1}">
-              <a14:hiddenFill xmlns:a14="http://schemas.microsoft.com/office/drawing/2010/main">
+              <a14:hiddenFill xmlns:a14="http://schemas.microsoft.com/office/drawing/2010/main" xmlns="">
                 <a:solidFill>
                   <a:schemeClr val="accent1"/>
                 </a:solidFill>
               </a14:hiddenFill>
             </a:ext>
             <a:ext uri="{91240B29-F687-4F45-9708-019B960494DF}">
-              <a14:hiddenLine xmlns:a14="http://schemas.microsoft.com/office/drawing/2010/main" w="9525">
+              <a14:hiddenLine xmlns:a14="http://schemas.microsoft.com/office/drawing/2010/main" xmlns="" w="9525">
                 <a:solidFill>
                   <a:schemeClr val="tx1"/>
                 </a:solidFill>
@@ -43295,7 +44555,7 @@
               </a14:hiddenLine>
             </a:ext>
             <a:ext uri="{AF507438-7753-43E0-B8FC-AC1667EBCBE1}">
-              <a14:hiddenEffects xmlns:a14="http://schemas.microsoft.com/office/drawing/2010/main">
+              <a14:hiddenEffects xmlns:a14="http://schemas.microsoft.com/office/drawing/2010/main" xmlns="">
                 <a:effectLst>
                   <a:outerShdw dist="35921" dir="2700000" algn="ctr" rotWithShape="0">
                     <a:schemeClr val="bg2"/>
@@ -43368,14 +44628,14 @@
           <a:effectLst/>
           <a:extLst>
             <a:ext uri="{909E8E84-426E-40DD-AFC4-6F175D3DCCD1}">
-              <a14:hiddenFill xmlns:a14="http://schemas.microsoft.com/office/drawing/2010/main">
+              <a14:hiddenFill xmlns:a14="http://schemas.microsoft.com/office/drawing/2010/main" xmlns="">
                 <a:solidFill>
                   <a:schemeClr val="accent1"/>
                 </a:solidFill>
               </a14:hiddenFill>
             </a:ext>
             <a:ext uri="{91240B29-F687-4F45-9708-019B960494DF}">
-              <a14:hiddenLine xmlns:a14="http://schemas.microsoft.com/office/drawing/2010/main" w="9525">
+              <a14:hiddenLine xmlns:a14="http://schemas.microsoft.com/office/drawing/2010/main" xmlns="" w="9525">
                 <a:solidFill>
                   <a:schemeClr val="tx1"/>
                 </a:solidFill>
@@ -43385,7 +44645,7 @@
               </a14:hiddenLine>
             </a:ext>
             <a:ext uri="{AF507438-7753-43E0-B8FC-AC1667EBCBE1}">
-              <a14:hiddenEffects xmlns:a14="http://schemas.microsoft.com/office/drawing/2010/main">
+              <a14:hiddenEffects xmlns:a14="http://schemas.microsoft.com/office/drawing/2010/main" xmlns="">
                 <a:effectLst>
                   <a:outerShdw dist="35921" dir="2700000" algn="ctr" rotWithShape="0">
                     <a:schemeClr val="bg2"/>
@@ -43431,14 +44691,14 @@
           <a:effectLst/>
           <a:extLst>
             <a:ext uri="{909E8E84-426E-40DD-AFC4-6F175D3DCCD1}">
-              <a14:hiddenFill xmlns:a14="http://schemas.microsoft.com/office/drawing/2010/main">
+              <a14:hiddenFill xmlns:a14="http://schemas.microsoft.com/office/drawing/2010/main" xmlns="">
                 <a:solidFill>
                   <a:schemeClr val="accent1"/>
                 </a:solidFill>
               </a14:hiddenFill>
             </a:ext>
             <a:ext uri="{91240B29-F687-4F45-9708-019B960494DF}">
-              <a14:hiddenLine xmlns:a14="http://schemas.microsoft.com/office/drawing/2010/main" w="9525">
+              <a14:hiddenLine xmlns:a14="http://schemas.microsoft.com/office/drawing/2010/main" xmlns="" w="9525">
                 <a:solidFill>
                   <a:schemeClr val="tx1"/>
                 </a:solidFill>
@@ -43448,7 +44708,7 @@
               </a14:hiddenLine>
             </a:ext>
             <a:ext uri="{AF507438-7753-43E0-B8FC-AC1667EBCBE1}">
-              <a14:hiddenEffects xmlns:a14="http://schemas.microsoft.com/office/drawing/2010/main">
+              <a14:hiddenEffects xmlns:a14="http://schemas.microsoft.com/office/drawing/2010/main" xmlns="">
                 <a:effectLst>
                   <a:outerShdw dist="35921" dir="2700000" algn="ctr" rotWithShape="0">
                     <a:schemeClr val="bg2"/>
@@ -43480,7 +44740,7 @@
           <p:nvPr>
             <p:extLst>
               <p:ext uri="{D42A27DB-BD31-4B8C-83A1-F6EECF244321}">
-                <p14:modId xmlns:p14="http://schemas.microsoft.com/office/powerpoint/2010/main" val="2890060548"/>
+                <p14:modId xmlns:p14="http://schemas.microsoft.com/office/powerpoint/2010/main" xmlns="" val="2890060548"/>
               </p:ext>
             </p:extLst>
           </p:nvPr>
@@ -43491,50 +44751,9 @@
         </p:xfrm>
         <a:graphic>
           <a:graphicData uri="http://schemas.openxmlformats.org/presentationml/2006/ole">
-            <mc:AlternateContent xmlns:mc="http://schemas.openxmlformats.org/markup-compatibility/2006">
-              <mc:Choice xmlns:v="urn:schemas-microsoft-com:vml" Requires="v">
-                <p:oleObj spid="_x0000_s18443" name="Visio" r:id="rId3" imgW="3925214" imgH="3848100" progId="Visio.Drawing.11">
-                  <p:embed/>
-                </p:oleObj>
-              </mc:Choice>
-              <mc:Fallback>
-                <p:oleObj name="Visio" r:id="rId3" imgW="3925214" imgH="3848100" progId="Visio.Drawing.11">
-                  <p:embed/>
-                  <p:pic>
-                    <p:nvPicPr>
-                      <p:cNvPr id="0" name=""/>
-                      <p:cNvPicPr>
-                        <a:picLocks noChangeAspect="1" noChangeArrowheads="1"/>
-                      </p:cNvPicPr>
-                      <p:nvPr/>
-                    </p:nvPicPr>
-                    <p:blipFill>
-                      <a:blip r:embed="rId4">
-                        <a:extLst>
-                          <a:ext uri="{28A0092B-C50C-407E-A947-70E740481C1C}">
-                            <a14:useLocalDpi xmlns:a14="http://schemas.microsoft.com/office/drawing/2010/main" val="0"/>
-                          </a:ext>
-                        </a:extLst>
-                      </a:blip>
-                      <a:srcRect/>
-                      <a:stretch>
-                        <a:fillRect/>
-                      </a:stretch>
-                    </p:blipFill>
-                    <p:spPr bwMode="auto">
-                      <a:xfrm>
-                        <a:off x="1981200" y="1447800"/>
-                        <a:ext cx="4876800" cy="4770526"/>
-                      </a:xfrm>
-                      <a:prstGeom prst="rect">
-                        <a:avLst/>
-                      </a:prstGeom>
-                      <a:noFill/>
-                    </p:spPr>
-                  </p:pic>
-                </p:oleObj>
-              </mc:Fallback>
-            </mc:AlternateContent>
+            <p:oleObj spid="_x0000_s18444" name="Visio" r:id="rId3" imgW="3925214" imgH="3848100" progId="">
+              <p:embed/>
+            </p:oleObj>
           </a:graphicData>
         </a:graphic>
       </p:graphicFrame>
@@ -43567,7 +44786,7 @@
                 <a:cs typeface="Arial" pitchFamily="34" charset="0"/>
               </a:rPr>
               <a:pPr/>
-              <a:t>31</a:t>
+              <a:t>35</a:t>
             </a:fld>
             <a:endParaRPr lang="en-US" sz="2800">
               <a:solidFill>
@@ -43582,7 +44801,7 @@
     </p:spTree>
     <p:extLst>
       <p:ext uri="{BB962C8B-B14F-4D97-AF65-F5344CB8AC3E}">
-        <p14:creationId xmlns:p14="http://schemas.microsoft.com/office/powerpoint/2010/main" val="3593810185"/>
+        <p14:creationId xmlns:p14="http://schemas.microsoft.com/office/powerpoint/2010/main" xmlns="" val="3593810185"/>
       </p:ext>
     </p:extLst>
   </p:cSld>
@@ -43599,7 +44818,7 @@
 </p:sld>
 </file>
 
-<file path=ppt/slides/slide32.xml><?xml version="1.0" encoding="utf-8"?>
+<file path=ppt/slides/slide36.xml><?xml version="1.0" encoding="utf-8"?>
 <p:sld xmlns:a="http://schemas.openxmlformats.org/drawingml/2006/main" xmlns:r="http://schemas.openxmlformats.org/officeDocument/2006/relationships" xmlns:p="http://schemas.openxmlformats.org/presentationml/2006/main">
   <p:cSld>
     <p:spTree>
@@ -43639,14 +44858,14 @@
           <a:effectLst/>
           <a:extLst>
             <a:ext uri="{909E8E84-426E-40DD-AFC4-6F175D3DCCD1}">
-              <a14:hiddenFill xmlns:a14="http://schemas.microsoft.com/office/drawing/2010/main">
+              <a14:hiddenFill xmlns:a14="http://schemas.microsoft.com/office/drawing/2010/main" xmlns="">
                 <a:solidFill>
                   <a:schemeClr val="accent1"/>
                 </a:solidFill>
               </a14:hiddenFill>
             </a:ext>
             <a:ext uri="{91240B29-F687-4F45-9708-019B960494DF}">
-              <a14:hiddenLine xmlns:a14="http://schemas.microsoft.com/office/drawing/2010/main" w="9525">
+              <a14:hiddenLine xmlns:a14="http://schemas.microsoft.com/office/drawing/2010/main" xmlns="" w="9525">
                 <a:solidFill>
                   <a:schemeClr val="tx1"/>
                 </a:solidFill>
@@ -43656,7 +44875,7 @@
               </a14:hiddenLine>
             </a:ext>
             <a:ext uri="{AF507438-7753-43E0-B8FC-AC1667EBCBE1}">
-              <a14:hiddenEffects xmlns:a14="http://schemas.microsoft.com/office/drawing/2010/main">
+              <a14:hiddenEffects xmlns:a14="http://schemas.microsoft.com/office/drawing/2010/main" xmlns="">
                 <a:effectLst>
                   <a:outerShdw dist="35921" dir="2700000" algn="ctr" rotWithShape="0">
                     <a:schemeClr val="bg2"/>
@@ -43736,14 +44955,14 @@
           <a:effectLst/>
           <a:extLst>
             <a:ext uri="{909E8E84-426E-40DD-AFC4-6F175D3DCCD1}">
-              <a14:hiddenFill xmlns:a14="http://schemas.microsoft.com/office/drawing/2010/main">
+              <a14:hiddenFill xmlns:a14="http://schemas.microsoft.com/office/drawing/2010/main" xmlns="">
                 <a:solidFill>
                   <a:schemeClr val="accent1"/>
                 </a:solidFill>
               </a14:hiddenFill>
             </a:ext>
             <a:ext uri="{91240B29-F687-4F45-9708-019B960494DF}">
-              <a14:hiddenLine xmlns:a14="http://schemas.microsoft.com/office/drawing/2010/main" w="9525">
+              <a14:hiddenLine xmlns:a14="http://schemas.microsoft.com/office/drawing/2010/main" xmlns="" w="9525">
                 <a:solidFill>
                   <a:schemeClr val="tx1"/>
                 </a:solidFill>
@@ -43753,7 +44972,7 @@
               </a14:hiddenLine>
             </a:ext>
             <a:ext uri="{AF507438-7753-43E0-B8FC-AC1667EBCBE1}">
-              <a14:hiddenEffects xmlns:a14="http://schemas.microsoft.com/office/drawing/2010/main">
+              <a14:hiddenEffects xmlns:a14="http://schemas.microsoft.com/office/drawing/2010/main" xmlns="">
                 <a:effectLst>
                   <a:outerShdw dist="35921" dir="2700000" algn="ctr" rotWithShape="0">
                     <a:schemeClr val="bg2"/>
@@ -43785,7 +45004,7 @@
           <p:nvPr>
             <p:extLst>
               <p:ext uri="{D42A27DB-BD31-4B8C-83A1-F6EECF244321}">
-                <p14:modId xmlns:p14="http://schemas.microsoft.com/office/powerpoint/2010/main" val="3612391757"/>
+                <p14:modId xmlns:p14="http://schemas.microsoft.com/office/powerpoint/2010/main" xmlns="" val="3612391757"/>
               </p:ext>
             </p:extLst>
           </p:nvPr>
@@ -43796,50 +45015,9 @@
         </p:xfrm>
         <a:graphic>
           <a:graphicData uri="http://schemas.openxmlformats.org/presentationml/2006/ole">
-            <mc:AlternateContent xmlns:mc="http://schemas.openxmlformats.org/markup-compatibility/2006">
-              <mc:Choice xmlns:v="urn:schemas-microsoft-com:vml" Requires="v">
-                <p:oleObj spid="_x0000_s19467" name="Visio" r:id="rId3" imgW="5822899" imgH="6097219" progId="Visio.Drawing.11">
-                  <p:embed/>
-                </p:oleObj>
-              </mc:Choice>
-              <mc:Fallback>
-                <p:oleObj name="Visio" r:id="rId3" imgW="5822899" imgH="6097219" progId="Visio.Drawing.11">
-                  <p:embed/>
-                  <p:pic>
-                    <p:nvPicPr>
-                      <p:cNvPr id="0" name=""/>
-                      <p:cNvPicPr>
-                        <a:picLocks noChangeAspect="1" noChangeArrowheads="1"/>
-                      </p:cNvPicPr>
-                      <p:nvPr/>
-                    </p:nvPicPr>
-                    <p:blipFill>
-                      <a:blip r:embed="rId4">
-                        <a:extLst>
-                          <a:ext uri="{28A0092B-C50C-407E-A947-70E740481C1C}">
-                            <a14:useLocalDpi xmlns:a14="http://schemas.microsoft.com/office/drawing/2010/main" val="0"/>
-                          </a:ext>
-                        </a:extLst>
-                      </a:blip>
-                      <a:srcRect/>
-                      <a:stretch>
-                        <a:fillRect/>
-                      </a:stretch>
-                    </p:blipFill>
-                    <p:spPr bwMode="auto">
-                      <a:xfrm>
-                        <a:off x="1905000" y="866930"/>
-                        <a:ext cx="5419725" cy="5686269"/>
-                      </a:xfrm>
-                      <a:prstGeom prst="rect">
-                        <a:avLst/>
-                      </a:prstGeom>
-                      <a:noFill/>
-                    </p:spPr>
-                  </p:pic>
-                </p:oleObj>
-              </mc:Fallback>
-            </mc:AlternateContent>
+            <p:oleObj spid="_x0000_s19468" name="Visio" r:id="rId3" imgW="5822899" imgH="6097219" progId="">
+              <p:embed/>
+            </p:oleObj>
           </a:graphicData>
         </a:graphic>
       </p:graphicFrame>
@@ -43872,7 +45050,7 @@
                 <a:cs typeface="Arial" pitchFamily="34" charset="0"/>
               </a:rPr>
               <a:pPr/>
-              <a:t>32</a:t>
+              <a:t>36</a:t>
             </a:fld>
             <a:endParaRPr lang="en-US" sz="2800">
               <a:solidFill>
@@ -43887,7 +45065,7 @@
     </p:spTree>
     <p:extLst>
       <p:ext uri="{BB962C8B-B14F-4D97-AF65-F5344CB8AC3E}">
-        <p14:creationId xmlns:p14="http://schemas.microsoft.com/office/powerpoint/2010/main" val="3168790270"/>
+        <p14:creationId xmlns:p14="http://schemas.microsoft.com/office/powerpoint/2010/main" xmlns="" val="3168790270"/>
       </p:ext>
     </p:extLst>
   </p:cSld>
@@ -43904,7 +45082,7 @@
 </p:sld>
 </file>
 
-<file path=ppt/slides/slide33.xml><?xml version="1.0" encoding="utf-8"?>
+<file path=ppt/slides/slide37.xml><?xml version="1.0" encoding="utf-8"?>
 <p:sld xmlns:a="http://schemas.openxmlformats.org/drawingml/2006/main" xmlns:r="http://schemas.openxmlformats.org/officeDocument/2006/relationships" xmlns:p="http://schemas.openxmlformats.org/presentationml/2006/main">
   <p:cSld>
     <p:spTree>
@@ -43944,14 +45122,14 @@
           <a:effectLst/>
           <a:extLst>
             <a:ext uri="{909E8E84-426E-40DD-AFC4-6F175D3DCCD1}">
-              <a14:hiddenFill xmlns:a14="http://schemas.microsoft.com/office/drawing/2010/main">
+              <a14:hiddenFill xmlns:a14="http://schemas.microsoft.com/office/drawing/2010/main" xmlns="">
                 <a:solidFill>
                   <a:schemeClr val="accent1"/>
                 </a:solidFill>
               </a14:hiddenFill>
             </a:ext>
             <a:ext uri="{91240B29-F687-4F45-9708-019B960494DF}">
-              <a14:hiddenLine xmlns:a14="http://schemas.microsoft.com/office/drawing/2010/main" w="9525">
+              <a14:hiddenLine xmlns:a14="http://schemas.microsoft.com/office/drawing/2010/main" xmlns="" w="9525">
                 <a:solidFill>
                   <a:schemeClr val="tx1"/>
                 </a:solidFill>
@@ -43961,7 +45139,7 @@
               </a14:hiddenLine>
             </a:ext>
             <a:ext uri="{AF507438-7753-43E0-B8FC-AC1667EBCBE1}">
-              <a14:hiddenEffects xmlns:a14="http://schemas.microsoft.com/office/drawing/2010/main">
+              <a14:hiddenEffects xmlns:a14="http://schemas.microsoft.com/office/drawing/2010/main" xmlns="">
                 <a:effectLst>
                   <a:outerShdw dist="35921" dir="2700000" algn="ctr" rotWithShape="0">
                     <a:schemeClr val="bg2"/>
@@ -44034,14 +45212,14 @@
           <a:effectLst/>
           <a:extLst>
             <a:ext uri="{909E8E84-426E-40DD-AFC4-6F175D3DCCD1}">
-              <a14:hiddenFill xmlns:a14="http://schemas.microsoft.com/office/drawing/2010/main">
+              <a14:hiddenFill xmlns:a14="http://schemas.microsoft.com/office/drawing/2010/main" xmlns="">
                 <a:solidFill>
                   <a:schemeClr val="accent1"/>
                 </a:solidFill>
               </a14:hiddenFill>
             </a:ext>
             <a:ext uri="{91240B29-F687-4F45-9708-019B960494DF}">
-              <a14:hiddenLine xmlns:a14="http://schemas.microsoft.com/office/drawing/2010/main" w="9525">
+              <a14:hiddenLine xmlns:a14="http://schemas.microsoft.com/office/drawing/2010/main" xmlns="" w="9525">
                 <a:solidFill>
                   <a:schemeClr val="tx1"/>
                 </a:solidFill>
@@ -44051,7 +45229,7 @@
               </a14:hiddenLine>
             </a:ext>
             <a:ext uri="{AF507438-7753-43E0-B8FC-AC1667EBCBE1}">
-              <a14:hiddenEffects xmlns:a14="http://schemas.microsoft.com/office/drawing/2010/main">
+              <a14:hiddenEffects xmlns:a14="http://schemas.microsoft.com/office/drawing/2010/main" xmlns="">
                 <a:effectLst>
                   <a:outerShdw dist="35921" dir="2700000" algn="ctr" rotWithShape="0">
                     <a:schemeClr val="bg2"/>
@@ -44083,7 +45261,7 @@
           <p:nvPr>
             <p:extLst>
               <p:ext uri="{D42A27DB-BD31-4B8C-83A1-F6EECF244321}">
-                <p14:modId xmlns:p14="http://schemas.microsoft.com/office/powerpoint/2010/main" val="733334945"/>
+                <p14:modId xmlns:p14="http://schemas.microsoft.com/office/powerpoint/2010/main" xmlns="" val="733334945"/>
               </p:ext>
             </p:extLst>
           </p:nvPr>
@@ -44094,50 +45272,9 @@
         </p:xfrm>
         <a:graphic>
           <a:graphicData uri="http://schemas.openxmlformats.org/presentationml/2006/ole">
-            <mc:AlternateContent xmlns:mc="http://schemas.openxmlformats.org/markup-compatibility/2006">
-              <mc:Choice xmlns:v="urn:schemas-microsoft-com:vml" Requires="v">
-                <p:oleObj spid="_x0000_s20491" name="Visio" r:id="rId3" imgW="6680302" imgH="6397142" progId="Visio.Drawing.11">
-                  <p:embed/>
-                </p:oleObj>
-              </mc:Choice>
-              <mc:Fallback>
-                <p:oleObj name="Visio" r:id="rId3" imgW="6680302" imgH="6397142" progId="Visio.Drawing.11">
-                  <p:embed/>
-                  <p:pic>
-                    <p:nvPicPr>
-                      <p:cNvPr id="0" name=""/>
-                      <p:cNvPicPr>
-                        <a:picLocks noChangeAspect="1" noChangeArrowheads="1"/>
-                      </p:cNvPicPr>
-                      <p:nvPr/>
-                    </p:nvPicPr>
-                    <p:blipFill>
-                      <a:blip r:embed="rId4">
-                        <a:extLst>
-                          <a:ext uri="{28A0092B-C50C-407E-A947-70E740481C1C}">
-                            <a14:useLocalDpi xmlns:a14="http://schemas.microsoft.com/office/drawing/2010/main" val="0"/>
-                          </a:ext>
-                        </a:extLst>
-                      </a:blip>
-                      <a:srcRect/>
-                      <a:stretch>
-                        <a:fillRect/>
-                      </a:stretch>
-                    </p:blipFill>
-                    <p:spPr bwMode="auto">
-                      <a:xfrm>
-                        <a:off x="1905000" y="1219200"/>
-                        <a:ext cx="5534025" cy="5283742"/>
-                      </a:xfrm>
-                      <a:prstGeom prst="rect">
-                        <a:avLst/>
-                      </a:prstGeom>
-                      <a:noFill/>
-                    </p:spPr>
-                  </p:pic>
-                </p:oleObj>
-              </mc:Fallback>
-            </mc:AlternateContent>
+            <p:oleObj spid="_x0000_s20492" name="Visio" r:id="rId3" imgW="6680302" imgH="6397142" progId="">
+              <p:embed/>
+            </p:oleObj>
           </a:graphicData>
         </a:graphic>
       </p:graphicFrame>
@@ -44170,7 +45307,7 @@
                 <a:cs typeface="Arial" pitchFamily="34" charset="0"/>
               </a:rPr>
               <a:pPr/>
-              <a:t>33</a:t>
+              <a:t>37</a:t>
             </a:fld>
             <a:endParaRPr lang="en-US" sz="2800" dirty="0">
               <a:solidFill>
@@ -44185,7 +45322,7 @@
     </p:spTree>
     <p:extLst>
       <p:ext uri="{BB962C8B-B14F-4D97-AF65-F5344CB8AC3E}">
-        <p14:creationId xmlns:p14="http://schemas.microsoft.com/office/powerpoint/2010/main" val="2102190578"/>
+        <p14:creationId xmlns:p14="http://schemas.microsoft.com/office/powerpoint/2010/main" xmlns="" val="2102190578"/>
       </p:ext>
     </p:extLst>
   </p:cSld>
@@ -44202,7 +45339,7 @@
 </p:sld>
 </file>
 
-<file path=ppt/slides/slide34.xml><?xml version="1.0" encoding="utf-8"?>
+<file path=ppt/slides/slide38.xml><?xml version="1.0" encoding="utf-8"?>
 <p:sld xmlns:a="http://schemas.openxmlformats.org/drawingml/2006/main" xmlns:r="http://schemas.openxmlformats.org/officeDocument/2006/relationships" xmlns:p="http://schemas.openxmlformats.org/presentationml/2006/main">
   <p:cSld>
     <p:spTree>
@@ -44252,7 +45389,7 @@
           <a:blip r:embed="rId2">
             <a:extLst>
               <a:ext uri="{28A0092B-C50C-407E-A947-70E740481C1C}">
-                <a14:useLocalDpi xmlns:a14="http://schemas.microsoft.com/office/drawing/2010/main" val="0"/>
+                <a14:useLocalDpi xmlns:a14="http://schemas.microsoft.com/office/drawing/2010/main" xmlns="" val="0"/>
               </a:ext>
             </a:extLst>
           </a:blip>
@@ -44299,7 +45436,7 @@
                 <a:cs typeface="Arial" pitchFamily="34" charset="0"/>
               </a:rPr>
               <a:pPr/>
-              <a:t>34</a:t>
+              <a:t>38</a:t>
             </a:fld>
             <a:endParaRPr lang="en-US" sz="2800">
               <a:solidFill>
@@ -44314,7 +45451,7 @@
     </p:spTree>
     <p:extLst>
       <p:ext uri="{BB962C8B-B14F-4D97-AF65-F5344CB8AC3E}">
-        <p14:creationId xmlns:p14="http://schemas.microsoft.com/office/powerpoint/2010/main" val="886525700"/>
+        <p14:creationId xmlns:p14="http://schemas.microsoft.com/office/powerpoint/2010/main" xmlns="" val="886525700"/>
       </p:ext>
     </p:extLst>
   </p:cSld>
@@ -44331,7 +45468,7 @@
 </p:sld>
 </file>
 
-<file path=ppt/slides/slide35.xml><?xml version="1.0" encoding="utf-8"?>
+<file path=ppt/slides/slide39.xml><?xml version="1.0" encoding="utf-8"?>
 <p:sld xmlns:a="http://schemas.openxmlformats.org/drawingml/2006/main" xmlns:r="http://schemas.openxmlformats.org/officeDocument/2006/relationships" xmlns:p="http://schemas.openxmlformats.org/presentationml/2006/main">
   <p:cSld>
     <p:spTree>
@@ -44388,7 +45525,7 @@
           <a:blip r:embed="rId2">
             <a:extLst>
               <a:ext uri="{28A0092B-C50C-407E-A947-70E740481C1C}">
-                <a14:useLocalDpi xmlns:a14="http://schemas.microsoft.com/office/drawing/2010/main" val="0"/>
+                <a14:useLocalDpi xmlns:a14="http://schemas.microsoft.com/office/drawing/2010/main" xmlns="" val="0"/>
               </a:ext>
             </a:extLst>
           </a:blip>
@@ -44435,7 +45572,7 @@
                 <a:cs typeface="Arial" pitchFamily="34" charset="0"/>
               </a:rPr>
               <a:pPr/>
-              <a:t>35</a:t>
+              <a:t>39</a:t>
             </a:fld>
             <a:endParaRPr lang="en-US" sz="2800">
               <a:solidFill>
@@ -44450,7 +45587,7 @@
     </p:spTree>
     <p:extLst>
       <p:ext uri="{BB962C8B-B14F-4D97-AF65-F5344CB8AC3E}">
-        <p14:creationId xmlns:p14="http://schemas.microsoft.com/office/powerpoint/2010/main" val="2203049053"/>
+        <p14:creationId xmlns:p14="http://schemas.microsoft.com/office/powerpoint/2010/main" xmlns="" val="2203049053"/>
       </p:ext>
     </p:extLst>
   </p:cSld>
@@ -45098,7 +46235,7 @@
           <a:blip r:embed="rId3" cstate="print">
             <a:extLst>
               <a:ext uri="{28A0092B-C50C-407E-A947-70E740481C1C}">
-                <a14:useLocalDpi xmlns:a14="http://schemas.microsoft.com/office/drawing/2010/main" val="0"/>
+                <a14:useLocalDpi xmlns:a14="http://schemas.microsoft.com/office/drawing/2010/main" xmlns="" val="0"/>
               </a:ext>
             </a:extLst>
           </a:blip>
@@ -45128,7 +46265,7 @@
           <a:blip r:embed="rId4" cstate="print">
             <a:extLst>
               <a:ext uri="{28A0092B-C50C-407E-A947-70E740481C1C}">
-                <a14:useLocalDpi xmlns:a14="http://schemas.microsoft.com/office/drawing/2010/main" val="0"/>
+                <a14:useLocalDpi xmlns:a14="http://schemas.microsoft.com/office/drawing/2010/main" xmlns="" val="0"/>
               </a:ext>
             </a:extLst>
           </a:blip>
@@ -45158,7 +46295,7 @@
           <a:blip r:embed="rId5">
             <a:extLst>
               <a:ext uri="{28A0092B-C50C-407E-A947-70E740481C1C}">
-                <a14:useLocalDpi xmlns:a14="http://schemas.microsoft.com/office/drawing/2010/main" val="0"/>
+                <a14:useLocalDpi xmlns:a14="http://schemas.microsoft.com/office/drawing/2010/main" xmlns="" val="0"/>
               </a:ext>
             </a:extLst>
           </a:blip>
@@ -45188,7 +46325,7 @@
           <a:blip r:embed="rId4" cstate="print">
             <a:extLst>
               <a:ext uri="{28A0092B-C50C-407E-A947-70E740481C1C}">
-                <a14:useLocalDpi xmlns:a14="http://schemas.microsoft.com/office/drawing/2010/main" val="0"/>
+                <a14:useLocalDpi xmlns:a14="http://schemas.microsoft.com/office/drawing/2010/main" xmlns="" val="0"/>
               </a:ext>
             </a:extLst>
           </a:blip>
@@ -45218,7 +46355,7 @@
           <a:blip r:embed="rId3" cstate="print">
             <a:extLst>
               <a:ext uri="{28A0092B-C50C-407E-A947-70E740481C1C}">
-                <a14:useLocalDpi xmlns:a14="http://schemas.microsoft.com/office/drawing/2010/main" val="0"/>
+                <a14:useLocalDpi xmlns:a14="http://schemas.microsoft.com/office/drawing/2010/main" xmlns="" val="0"/>
               </a:ext>
             </a:extLst>
           </a:blip>
@@ -45248,7 +46385,7 @@
           <a:blip r:embed="rId4" cstate="print">
             <a:extLst>
               <a:ext uri="{28A0092B-C50C-407E-A947-70E740481C1C}">
-                <a14:useLocalDpi xmlns:a14="http://schemas.microsoft.com/office/drawing/2010/main" val="0"/>
+                <a14:useLocalDpi xmlns:a14="http://schemas.microsoft.com/office/drawing/2010/main" xmlns="" val="0"/>
               </a:ext>
             </a:extLst>
           </a:blip>
@@ -45402,7 +46539,7 @@
     </p:spTree>
     <p:extLst>
       <p:ext uri="{BB962C8B-B14F-4D97-AF65-F5344CB8AC3E}">
-        <p14:creationId xmlns:p14="http://schemas.microsoft.com/office/powerpoint/2010/main" val="3854535640"/>
+        <p14:creationId xmlns:p14="http://schemas.microsoft.com/office/powerpoint/2010/main" xmlns="" val="3854535640"/>
       </p:ext>
     </p:extLst>
   </p:cSld>
@@ -46331,15 +47468,78 @@
           <a:p>
             <a:pPr lvl="1"/>
             <a:r>
+              <a:rPr lang="en-US" dirty="0" err="1" smtClean="0">
+                <a:latin typeface="Arial" pitchFamily="34" charset="0"/>
+                <a:cs typeface="Arial" pitchFamily="34" charset="0"/>
+              </a:rPr>
+              <a:t>Tìm</a:t>
+            </a:r>
+            <a:r>
               <a:rPr lang="en-US" dirty="0" smtClean="0">
                 <a:latin typeface="Arial" pitchFamily="34" charset="0"/>
                 <a:cs typeface="Arial" pitchFamily="34" charset="0"/>
               </a:rPr>
-              <a:t>Queue Busting</a:t>
+              <a:t> </a:t>
+            </a:r>
+            <a:r>
+              <a:rPr lang="en-US" dirty="0" err="1" smtClean="0">
+                <a:latin typeface="Arial" pitchFamily="34" charset="0"/>
+                <a:cs typeface="Arial" pitchFamily="34" charset="0"/>
+              </a:rPr>
+              <a:t>hiểu</a:t>
+            </a:r>
+            <a:r>
+              <a:rPr lang="en-US" dirty="0" smtClean="0">
+                <a:latin typeface="Arial" pitchFamily="34" charset="0"/>
+                <a:cs typeface="Arial" pitchFamily="34" charset="0"/>
+              </a:rPr>
+              <a:t> </a:t>
+            </a:r>
+            <a:r>
+              <a:rPr lang="en-US" dirty="0" smtClean="0">
+                <a:latin typeface="Arial" pitchFamily="34" charset="0"/>
+                <a:cs typeface="Arial" pitchFamily="34" charset="0"/>
+              </a:rPr>
+              <a:t>Queue </a:t>
+            </a:r>
+            <a:r>
+              <a:rPr lang="en-US" dirty="0" smtClean="0">
+                <a:latin typeface="Arial" pitchFamily="34" charset="0"/>
+                <a:cs typeface="Arial" pitchFamily="34" charset="0"/>
+              </a:rPr>
+              <a:t>Busting</a:t>
             </a:r>
           </a:p>
           <a:p>
             <a:pPr lvl="1"/>
+            <a:r>
+              <a:rPr lang="en-US" dirty="0" err="1" smtClean="0">
+                <a:latin typeface="Arial" pitchFamily="34" charset="0"/>
+                <a:cs typeface="Arial" pitchFamily="34" charset="0"/>
+              </a:rPr>
+              <a:t>Tìm</a:t>
+            </a:r>
+            <a:r>
+              <a:rPr lang="en-US" dirty="0" smtClean="0">
+                <a:latin typeface="Arial" pitchFamily="34" charset="0"/>
+                <a:cs typeface="Arial" pitchFamily="34" charset="0"/>
+              </a:rPr>
+              <a:t> </a:t>
+            </a:r>
+            <a:r>
+              <a:rPr lang="en-US" dirty="0" err="1" smtClean="0">
+                <a:latin typeface="Arial" pitchFamily="34" charset="0"/>
+                <a:cs typeface="Arial" pitchFamily="34" charset="0"/>
+              </a:rPr>
+              <a:t>hiểu</a:t>
+            </a:r>
+            <a:r>
+              <a:rPr lang="en-US" dirty="0" smtClean="0">
+                <a:latin typeface="Arial" pitchFamily="34" charset="0"/>
+                <a:cs typeface="Arial" pitchFamily="34" charset="0"/>
+              </a:rPr>
+              <a:t> </a:t>
+            </a:r>
             <a:r>
               <a:rPr lang="en-US" dirty="0" err="1" smtClean="0">
                 <a:latin typeface="Arial" pitchFamily="34" charset="0"/>
@@ -46458,7 +47658,7 @@
     </p:spTree>
     <p:extLst>
       <p:ext uri="{BB962C8B-B14F-4D97-AF65-F5344CB8AC3E}">
-        <p14:creationId xmlns:p14="http://schemas.microsoft.com/office/powerpoint/2010/main" val="85963169"/>
+        <p14:creationId xmlns:p14="http://schemas.microsoft.com/office/powerpoint/2010/main" xmlns="" val="85963169"/>
       </p:ext>
     </p:extLst>
   </p:cSld>
@@ -46858,7 +48058,7 @@
     </p:spTree>
     <p:extLst>
       <p:ext uri="{BB962C8B-B14F-4D97-AF65-F5344CB8AC3E}">
-        <p14:creationId xmlns:p14="http://schemas.microsoft.com/office/powerpoint/2010/main" val="1895968239"/>
+        <p14:creationId xmlns:p14="http://schemas.microsoft.com/office/powerpoint/2010/main" xmlns="" val="1895968239"/>
       </p:ext>
     </p:extLst>
   </p:cSld>
@@ -46982,7 +48182,7 @@
           <a:blip r:embed="rId3">
             <a:extLst>
               <a:ext uri="{28A0092B-C50C-407E-A947-70E740481C1C}">
-                <a14:useLocalDpi xmlns:a14="http://schemas.microsoft.com/office/drawing/2010/main" val="0"/>
+                <a14:useLocalDpi xmlns:a14="http://schemas.microsoft.com/office/drawing/2010/main" xmlns="" val="0"/>
               </a:ext>
             </a:extLst>
           </a:blip>
@@ -47023,7 +48223,7 @@
             <a:blip r:embed="rId4">
               <a:extLst>
                 <a:ext uri="{28A0092B-C50C-407E-A947-70E740481C1C}">
-                  <a14:useLocalDpi xmlns:a14="http://schemas.microsoft.com/office/drawing/2010/main" val="0"/>
+                  <a14:useLocalDpi xmlns:a14="http://schemas.microsoft.com/office/drawing/2010/main" xmlns="" val="0"/>
                 </a:ext>
               </a:extLst>
             </a:blip>
@@ -47053,7 +48253,7 @@
             <a:blip r:embed="rId5">
               <a:extLst>
                 <a:ext uri="{28A0092B-C50C-407E-A947-70E740481C1C}">
-                  <a14:useLocalDpi xmlns:a14="http://schemas.microsoft.com/office/drawing/2010/main" val="0"/>
+                  <a14:useLocalDpi xmlns:a14="http://schemas.microsoft.com/office/drawing/2010/main" xmlns="" val="0"/>
                 </a:ext>
               </a:extLst>
             </a:blip>
@@ -47083,7 +48283,7 @@
             <a:blip r:embed="rId6">
               <a:extLst>
                 <a:ext uri="{28A0092B-C50C-407E-A947-70E740481C1C}">
-                  <a14:useLocalDpi xmlns:a14="http://schemas.microsoft.com/office/drawing/2010/main" val="0"/>
+                  <a14:useLocalDpi xmlns:a14="http://schemas.microsoft.com/office/drawing/2010/main" xmlns="" val="0"/>
                 </a:ext>
               </a:extLst>
             </a:blip>
@@ -47113,7 +48313,7 @@
             <a:blip r:embed="rId7">
               <a:extLst>
                 <a:ext uri="{28A0092B-C50C-407E-A947-70E740481C1C}">
-                  <a14:useLocalDpi xmlns:a14="http://schemas.microsoft.com/office/drawing/2010/main" val="0"/>
+                  <a14:useLocalDpi xmlns:a14="http://schemas.microsoft.com/office/drawing/2010/main" xmlns="" val="0"/>
                 </a:ext>
               </a:extLst>
             </a:blip>
@@ -47143,7 +48343,7 @@
             <a:blip r:embed="rId8">
               <a:extLst>
                 <a:ext uri="{28A0092B-C50C-407E-A947-70E740481C1C}">
-                  <a14:useLocalDpi xmlns:a14="http://schemas.microsoft.com/office/drawing/2010/main" val="0"/>
+                  <a14:useLocalDpi xmlns:a14="http://schemas.microsoft.com/office/drawing/2010/main" xmlns="" val="0"/>
                 </a:ext>
               </a:extLst>
             </a:blip>
@@ -47173,7 +48373,7 @@
             <a:blip r:embed="rId9">
               <a:extLst>
                 <a:ext uri="{28A0092B-C50C-407E-A947-70E740481C1C}">
-                  <a14:useLocalDpi xmlns:a14="http://schemas.microsoft.com/office/drawing/2010/main" val="0"/>
+                  <a14:useLocalDpi xmlns:a14="http://schemas.microsoft.com/office/drawing/2010/main" xmlns="" val="0"/>
                 </a:ext>
               </a:extLst>
             </a:blip>
@@ -48164,7 +49364,7 @@
     </p:spTree>
     <p:extLst>
       <p:ext uri="{BB962C8B-B14F-4D97-AF65-F5344CB8AC3E}">
-        <p14:creationId xmlns:p14="http://schemas.microsoft.com/office/powerpoint/2010/main" val="3420954903"/>
+        <p14:creationId xmlns:p14="http://schemas.microsoft.com/office/powerpoint/2010/main" xmlns="" val="3420954903"/>
       </p:ext>
     </p:extLst>
   </p:cSld>
@@ -48364,7 +49564,7 @@
           <a:blip r:embed="rId3">
             <a:extLst>
               <a:ext uri="{28A0092B-C50C-407E-A947-70E740481C1C}">
-                <a14:useLocalDpi xmlns:a14="http://schemas.microsoft.com/office/drawing/2010/main" val="0"/>
+                <a14:useLocalDpi xmlns:a14="http://schemas.microsoft.com/office/drawing/2010/main" xmlns="" val="0"/>
               </a:ext>
             </a:extLst>
           </a:blip>
@@ -48548,7 +49748,7 @@
     </p:spTree>
     <p:extLst>
       <p:ext uri="{BB962C8B-B14F-4D97-AF65-F5344CB8AC3E}">
-        <p14:creationId xmlns:p14="http://schemas.microsoft.com/office/powerpoint/2010/main" val="2204890508"/>
+        <p14:creationId xmlns:p14="http://schemas.microsoft.com/office/powerpoint/2010/main" xmlns="" val="2204890508"/>
       </p:ext>
     </p:extLst>
   </p:cSld>
@@ -48737,7 +49937,7 @@
           <a:blip r:embed="rId3" cstate="print">
             <a:extLst>
               <a:ext uri="{28A0092B-C50C-407E-A947-70E740481C1C}">
-                <a14:useLocalDpi xmlns:a14="http://schemas.microsoft.com/office/drawing/2010/main" val="0"/>
+                <a14:useLocalDpi xmlns:a14="http://schemas.microsoft.com/office/drawing/2010/main" xmlns="" val="0"/>
               </a:ext>
             </a:extLst>
           </a:blip>
@@ -48918,7 +50118,7 @@
     </p:spTree>
     <p:extLst>
       <p:ext uri="{BB962C8B-B14F-4D97-AF65-F5344CB8AC3E}">
-        <p14:creationId xmlns:p14="http://schemas.microsoft.com/office/powerpoint/2010/main" val="900018285"/>
+        <p14:creationId xmlns:p14="http://schemas.microsoft.com/office/powerpoint/2010/main" xmlns="" val="900018285"/>
       </p:ext>
     </p:extLst>
   </p:cSld>
